--- a/PPT模板/worship.pptx
+++ b/PPT模板/worship.pptx
@@ -5,15 +5,15 @@
     <p:sldMasterId id="2147483648" r:id="rId1"/>
   </p:sldMasterIdLst>
   <p:notesMasterIdLst>
-    <p:notesMasterId r:id="rId2"/>
+    <p:notesMasterId r:id="rId3"/>
   </p:notesMasterIdLst>
   <p:handoutMasterIdLst>
-    <p:handoutMasterId r:id="rId3"/>
+    <p:handoutMasterId r:id="rId4"/>
   </p:handoutMasterIdLst>
   <p:sldSz cx="12192000" cy="6858000"/>
   <p:notesSz cx="6858000" cy="9144000"/>
   <p:custDataLst>
-    <p:tags r:id="rId4"/>
+    <p:tags r:id="rId9"/>
   </p:custDataLst>
   <p:defaultTextStyle>
     <a:defPPr>
@@ -30,7 +30,7 @@
         <a:solidFill>
           <a:schemeClr val="tx1"/>
         </a:solidFill>
-        <a:latin typeface="Arial" panose="020B0604020202090204" pitchFamily="34" charset="0"/>
+        <a:latin typeface="Arial" panose="020B0604020202020204" pitchFamily="34" charset="0"/>
         <a:ea typeface="宋体" panose="02010600030101010101" pitchFamily="2" charset="-122"/>
         <a:cs typeface="+mn-cs"/>
       </a:defRPr>
@@ -46,7 +46,7 @@
         <a:solidFill>
           <a:schemeClr val="tx1"/>
         </a:solidFill>
-        <a:latin typeface="Arial" panose="020B0604020202090204" pitchFamily="34" charset="0"/>
+        <a:latin typeface="Arial" panose="020B0604020202020204" pitchFamily="34" charset="0"/>
         <a:ea typeface="宋体" panose="02010600030101010101" pitchFamily="2" charset="-122"/>
         <a:cs typeface="+mn-cs"/>
       </a:defRPr>
@@ -62,7 +62,7 @@
         <a:solidFill>
           <a:schemeClr val="tx1"/>
         </a:solidFill>
-        <a:latin typeface="Arial" panose="020B0604020202090204" pitchFamily="34" charset="0"/>
+        <a:latin typeface="Arial" panose="020B0604020202020204" pitchFamily="34" charset="0"/>
         <a:ea typeface="宋体" panose="02010600030101010101" pitchFamily="2" charset="-122"/>
         <a:cs typeface="+mn-cs"/>
       </a:defRPr>
@@ -78,7 +78,7 @@
         <a:solidFill>
           <a:schemeClr val="tx1"/>
         </a:solidFill>
-        <a:latin typeface="Arial" panose="020B0604020202090204" pitchFamily="34" charset="0"/>
+        <a:latin typeface="Arial" panose="020B0604020202020204" pitchFamily="34" charset="0"/>
         <a:ea typeface="宋体" panose="02010600030101010101" pitchFamily="2" charset="-122"/>
         <a:cs typeface="+mn-cs"/>
       </a:defRPr>
@@ -94,7 +94,7 @@
         <a:solidFill>
           <a:schemeClr val="tx1"/>
         </a:solidFill>
-        <a:latin typeface="Arial" panose="020B0604020202090204" pitchFamily="34" charset="0"/>
+        <a:latin typeface="Arial" panose="020B0604020202020204" pitchFamily="34" charset="0"/>
         <a:ea typeface="宋体" panose="02010600030101010101" pitchFamily="2" charset="-122"/>
         <a:cs typeface="+mn-cs"/>
       </a:defRPr>
@@ -104,7 +104,7 @@
         <a:solidFill>
           <a:schemeClr val="tx1"/>
         </a:solidFill>
-        <a:latin typeface="Arial" panose="020B0604020202090204" pitchFamily="34" charset="0"/>
+        <a:latin typeface="Arial" panose="020B0604020202020204" pitchFamily="34" charset="0"/>
         <a:ea typeface="宋体" panose="02010600030101010101" pitchFamily="2" charset="-122"/>
         <a:cs typeface="+mn-cs"/>
       </a:defRPr>
@@ -114,7 +114,7 @@
         <a:solidFill>
           <a:schemeClr val="tx1"/>
         </a:solidFill>
-        <a:latin typeface="Arial" panose="020B0604020202090204" pitchFamily="34" charset="0"/>
+        <a:latin typeface="Arial" panose="020B0604020202020204" pitchFamily="34" charset="0"/>
         <a:ea typeface="宋体" panose="02010600030101010101" pitchFamily="2" charset="-122"/>
         <a:cs typeface="+mn-cs"/>
       </a:defRPr>
@@ -124,7 +124,7 @@
         <a:solidFill>
           <a:schemeClr val="tx1"/>
         </a:solidFill>
-        <a:latin typeface="Arial" panose="020B0604020202090204" pitchFamily="34" charset="0"/>
+        <a:latin typeface="Arial" panose="020B0604020202020204" pitchFamily="34" charset="0"/>
         <a:ea typeface="宋体" panose="02010600030101010101" pitchFamily="2" charset="-122"/>
         <a:cs typeface="+mn-cs"/>
       </a:defRPr>
@@ -134,7 +134,7 @@
         <a:solidFill>
           <a:schemeClr val="tx1"/>
         </a:solidFill>
-        <a:latin typeface="Arial" panose="020B0604020202090204" pitchFamily="34" charset="0"/>
+        <a:latin typeface="Arial" panose="020B0604020202020204" pitchFamily="34" charset="0"/>
         <a:ea typeface="宋体" panose="02010600030101010101" pitchFamily="2" charset="-122"/>
         <a:cs typeface="+mn-cs"/>
       </a:defRPr>
@@ -143,31 +143,17 @@
   <p:extLst>
     <p:ext uri="{EFAFB233-063F-42B5-8137-9DF3F51BA10A}">
       <p15:sldGuideLst xmlns:p15="http://schemas.microsoft.com/office/powerpoint/2012/main">
-        <p15:guide id="1" orient="horz" pos="2035">
+        <p15:guide id="1" orient="horz" pos="2035" userDrawn="1">
           <p15:clr>
             <a:srgbClr val="A4A3A4"/>
           </p15:clr>
         </p15:guide>
-        <p15:guide id="2" pos="3794">
+        <p15:guide id="2" pos="3794" userDrawn="1">
           <p15:clr>
             <a:srgbClr val="A4A3A4"/>
           </p15:clr>
         </p15:guide>
       </p15:sldGuideLst>
-    </p:ext>
-    <p:ext uri="{2D200454-40CA-4A62-9FC3-DE9A4176ACB9}">
-      <p15:notesGuideLst xmlns:p15="http://schemas.microsoft.com/office/powerpoint/2012/main">
-        <p15:guide id="1" orient="horz" pos="2713">
-          <p15:clr>
-            <a:srgbClr val="A4A3A4"/>
-          </p15:clr>
-        </p15:guide>
-        <p15:guide id="2" pos="2134">
-          <p15:clr>
-            <a:srgbClr val="A4A3A4"/>
-          </p15:clr>
-        </p15:guide>
-      </p15:notesGuideLst>
     </p:ext>
   </p:extLst>
 </p:presentation>
@@ -227,7 +213,7 @@
           <a:lstStyle>
             <a:lvl1pPr>
               <a:defRPr kumimoji="1" sz="1200">
-                <a:latin typeface="Calibri" panose="020F0502020204030204" pitchFamily="34" charset="0"/>
+                <a:latin typeface="Calibri" panose="020F0502020204030204" charset="0"/>
                 <a:ea typeface="MS PGothic" panose="020B0600070205080204" pitchFamily="8" charset="-128"/>
               </a:defRPr>
             </a:lvl1pPr>
@@ -264,7 +250,7 @@
           <a:lstStyle>
             <a:lvl1pPr algn="r">
               <a:defRPr kumimoji="1" sz="1200">
-                <a:latin typeface="Calibri" panose="020F0502020204030204" pitchFamily="34" charset="0"/>
+                <a:latin typeface="Calibri" panose="020F0502020204030204" charset="0"/>
                 <a:ea typeface="MS PGothic" panose="020B0600070205080204" pitchFamily="8" charset="-128"/>
               </a:defRPr>
             </a:lvl1pPr>
@@ -275,7 +261,6 @@
             </a:pPr>
             <a:fld id="{C5F1BE8E-D059-4C33-BD06-D860220E4118}" type="datetimeFigureOut">
               <a:rPr lang="ja-JP" altLang="en-US"/>
-              <a:t>2022/11/1</a:t>
             </a:fld>
             <a:endParaRPr lang="en-US" altLang="ja-JP"/>
           </a:p>
@@ -305,7 +290,7 @@
           <a:lstStyle>
             <a:lvl1pPr>
               <a:defRPr kumimoji="1" sz="1200">
-                <a:latin typeface="Calibri" panose="020F0502020204030204" pitchFamily="34" charset="0"/>
+                <a:latin typeface="Calibri" panose="020F0502020204030204" charset="0"/>
                 <a:ea typeface="MS PGothic" panose="020B0600070205080204" pitchFamily="8" charset="-128"/>
               </a:defRPr>
             </a:lvl1pPr>
@@ -342,7 +327,7 @@
           <a:lstStyle>
             <a:lvl1pPr algn="r">
               <a:defRPr kumimoji="1" sz="1200">
-                <a:latin typeface="Calibri" panose="020F0502020204030204" pitchFamily="34" charset="0"/>
+                <a:latin typeface="Calibri" panose="020F0502020204030204" charset="0"/>
                 <a:ea typeface="MS PGothic" panose="020B0600070205080204" pitchFamily="8" charset="-128"/>
               </a:defRPr>
             </a:lvl1pPr>
@@ -353,18 +338,12 @@
             </a:pPr>
             <a:fld id="{8A95545A-633B-470C-A887-C4DE541AF93C}" type="slidenum">
               <a:rPr lang="ja-JP" altLang="en-US"/>
-              <a:t>‹#›</a:t>
             </a:fld>
             <a:endParaRPr lang="en-US" altLang="ja-JP"/>
           </a:p>
         </p:txBody>
       </p:sp>
     </p:spTree>
-    <p:extLst>
-      <p:ext uri="{BB962C8B-B14F-4D97-AF65-F5344CB8AC3E}">
-        <p14:creationId xmlns:p14="http://schemas.microsoft.com/office/powerpoint/2010/main" val="1"/>
-      </p:ext>
-    </p:extLst>
   </p:cSld>
   <p:clrMap bg1="lt1" tx1="dk1" bg2="lt2" tx2="dk2" accent1="accent1" accent2="accent2" accent3="accent3" accent4="accent4" accent5="accent5" accent6="accent6" hlink="hlink" folHlink="folHlink"/>
 </p:handoutMaster>
@@ -476,7 +455,6 @@
             </a:pPr>
             <a:fld id="{0AB0CB7E-2DCC-4E2A-A36A-77D4EE5194F1}" type="datetimeFigureOut">
               <a:rPr lang="zh-CN" altLang="en-US"/>
-              <a:t>2022/11/1</a:t>
             </a:fld>
             <a:endParaRPr lang="zh-CN" altLang="en-US"/>
           </a:p>
@@ -544,6 +522,7 @@
               <a:rPr lang="zh-CN" altLang="en-US" noProof="0"/>
               <a:t>单击此处编辑母版文本样式</a:t>
             </a:r>
+            <a:endParaRPr lang="zh-CN" altLang="en-US" noProof="0"/>
           </a:p>
           <a:p>
             <a:pPr lvl="1"/>
@@ -551,6 +530,7 @@
               <a:rPr lang="zh-CN" altLang="en-US" noProof="0"/>
               <a:t>第二级</a:t>
             </a:r>
+            <a:endParaRPr lang="zh-CN" altLang="en-US" noProof="0"/>
           </a:p>
           <a:p>
             <a:pPr lvl="2"/>
@@ -558,6 +538,7 @@
               <a:rPr lang="zh-CN" altLang="en-US" noProof="0"/>
               <a:t>第三级</a:t>
             </a:r>
+            <a:endParaRPr lang="zh-CN" altLang="en-US" noProof="0"/>
           </a:p>
           <a:p>
             <a:pPr lvl="3"/>
@@ -565,6 +546,7 @@
               <a:rPr lang="zh-CN" altLang="en-US" noProof="0"/>
               <a:t>第四级</a:t>
             </a:r>
+            <a:endParaRPr lang="zh-CN" altLang="en-US" noProof="0"/>
           </a:p>
           <a:p>
             <a:pPr lvl="4"/>
@@ -572,6 +554,7 @@
               <a:rPr lang="zh-CN" altLang="en-US" noProof="0"/>
               <a:t>第五级</a:t>
             </a:r>
+            <a:endParaRPr lang="zh-CN" altLang="en-US" noProof="0"/>
           </a:p>
         </p:txBody>
       </p:sp>
@@ -659,7 +642,6 @@
             </a:pPr>
             <a:fld id="{42ED3EC4-C199-4CC9-8DB1-49C52A1BBF31}" type="slidenum">
               <a:rPr lang="zh-CN" altLang="en-US"/>
-              <a:t>‹#›</a:t>
             </a:fld>
             <a:endParaRPr lang="zh-CN" altLang="en-US"/>
           </a:p>
@@ -982,11 +964,6 @@
         </p:cxnSp>
       </p:grpSp>
     </p:spTree>
-    <p:extLst>
-      <p:ext uri="{BB962C8B-B14F-4D97-AF65-F5344CB8AC3E}">
-        <p14:creationId xmlns:p14="http://schemas.microsoft.com/office/powerpoint/2010/main" val="2983886917"/>
-      </p:ext>
-    </p:extLst>
   </p:cSld>
   <p:clrMapOvr>
     <a:masterClrMapping/>
@@ -1013,13 +990,7 @@
       </p:grpSpPr>
       <p:pic>
         <p:nvPicPr>
-          <p:cNvPr id="6" name="Picture 4" descr="http://pic.shenshi777.com/uploads/allimg/150707/1-150FH10Z1.jpg">
-            <a:extLst>
-              <a:ext uri="{FF2B5EF4-FFF2-40B4-BE49-F238E27FC236}">
-                <a16:creationId xmlns:a16="http://schemas.microsoft.com/office/drawing/2014/main" id="{10F7C690-1726-9346-2E3E-226EBD4BAE85}"/>
-              </a:ext>
-            </a:extLst>
-          </p:cNvPr>
+          <p:cNvPr id="6" name="Picture 4" descr="http://pic.shenshi777.com/uploads/allimg/150707/1-150FH10Z1.jpg"/>
           <p:cNvPicPr>
             <a:picLocks noChangeAspect="1" noChangeArrowheads="1"/>
           </p:cNvPicPr>
@@ -1051,13 +1022,7 @@
       </p:pic>
       <p:grpSp>
         <p:nvGrpSpPr>
-          <p:cNvPr id="7" name="组合 9">
-            <a:extLst>
-              <a:ext uri="{FF2B5EF4-FFF2-40B4-BE49-F238E27FC236}">
-                <a16:creationId xmlns:a16="http://schemas.microsoft.com/office/drawing/2014/main" id="{ABDCE12F-E650-E25A-1186-7756F7144334}"/>
-              </a:ext>
-            </a:extLst>
-          </p:cNvPr>
+          <p:cNvPr id="7" name="组合 9"/>
           <p:cNvGrpSpPr/>
           <p:nvPr userDrawn="1"/>
         </p:nvGrpSpPr>
@@ -1071,13 +1036,7 @@
         </p:grpSpPr>
         <p:sp>
           <p:nvSpPr>
-            <p:cNvPr id="8" name="Rectangle 7">
-              <a:extLst>
-                <a:ext uri="{FF2B5EF4-FFF2-40B4-BE49-F238E27FC236}">
-                  <a16:creationId xmlns:a16="http://schemas.microsoft.com/office/drawing/2014/main" id="{08DA76D6-78B6-32A2-F138-C8E2BF509A58}"/>
-                </a:ext>
-              </a:extLst>
-            </p:cNvPr>
+            <p:cNvPr id="8" name="Rectangle 7"/>
             <p:cNvSpPr/>
             <p:nvPr/>
           </p:nvSpPr>
@@ -1130,7 +1089,6 @@
                 <a:buSzTx/>
                 <a:buFontTx/>
                 <a:buNone/>
-                <a:tabLst/>
                 <a:defRPr/>
               </a:pPr>
               <a:endParaRPr kumimoji="0" lang="en-US" sz="1800" b="0" i="0" u="none" strike="noStrike" kern="1200" cap="none" spc="0" normalizeH="0" baseline="0" noProof="0" dirty="0">
@@ -1143,7 +1101,7 @@
                 <a:effectLst/>
                 <a:uLnTx/>
                 <a:uFillTx/>
-                <a:latin typeface="Calibri"/>
+                <a:latin typeface="Calibri" panose="020F0502020204030204"/>
                 <a:ea typeface="+mn-ea"/>
                 <a:cs typeface="+mn-cs"/>
               </a:endParaRPr>
@@ -1152,13 +1110,7 @@
         </p:sp>
         <p:cxnSp>
           <p:nvCxnSpPr>
-            <p:cNvPr id="9" name="Straight Connector 15">
-              <a:extLst>
-                <a:ext uri="{FF2B5EF4-FFF2-40B4-BE49-F238E27FC236}">
-                  <a16:creationId xmlns:a16="http://schemas.microsoft.com/office/drawing/2014/main" id="{A3EF6601-E1FB-66FB-C998-7B9A3531804C}"/>
-                </a:ext>
-              </a:extLst>
-            </p:cNvPr>
+            <p:cNvPr id="9" name="Straight Connector 15"/>
             <p:cNvCxnSpPr/>
             <p:nvPr/>
           </p:nvCxnSpPr>
@@ -1193,13 +1145,7 @@
         </p:cxnSp>
         <p:cxnSp>
           <p:nvCxnSpPr>
-            <p:cNvPr id="10" name="Straight Connector 16">
-              <a:extLst>
-                <a:ext uri="{FF2B5EF4-FFF2-40B4-BE49-F238E27FC236}">
-                  <a16:creationId xmlns:a16="http://schemas.microsoft.com/office/drawing/2014/main" id="{15EE29D7-9AAC-EF89-A406-E2641B5960D5}"/>
-                </a:ext>
-              </a:extLst>
-            </p:cNvPr>
+            <p:cNvPr id="10" name="Straight Connector 16"/>
             <p:cNvCxnSpPr/>
             <p:nvPr/>
           </p:nvCxnSpPr>
@@ -1235,13 +1181,7 @@
       </p:grpSp>
       <p:sp>
         <p:nvSpPr>
-          <p:cNvPr id="12" name="副标题 2">
-            <a:extLst>
-              <a:ext uri="{FF2B5EF4-FFF2-40B4-BE49-F238E27FC236}">
-                <a16:creationId xmlns:a16="http://schemas.microsoft.com/office/drawing/2014/main" id="{C003A00A-5555-BEF5-93CF-70965FEF3F0A}"/>
-              </a:ext>
-            </a:extLst>
-          </p:cNvPr>
+          <p:cNvPr id="12" name="副标题 2"/>
           <p:cNvSpPr txBox="1">
             <a:spLocks noChangeArrowheads="1"/>
           </p:cNvSpPr>
@@ -1277,9 +1217,8 @@
               </a:spcAft>
               <a:buClrTx/>
               <a:buSzTx/>
-              <a:buFont typeface="Arial" panose="020B0604020202090204" pitchFamily="34" charset="0"/>
+              <a:buFont typeface="Arial" panose="020B0604020202020204" pitchFamily="34" charset="0"/>
               <a:buNone/>
-              <a:tabLst/>
               <a:defRPr/>
             </a:pPr>
             <a:r>
@@ -1333,6 +1272,20 @@
               </a:rPr>
               <a:t>》</a:t>
             </a:r>
+            <a:endParaRPr kumimoji="0" lang="en-US" altLang="zh-CN" sz="3600" b="1" i="0" u="none" strike="noStrike" kern="1200" cap="none" spc="0" normalizeH="0" baseline="0" noProof="0" dirty="0">
+              <a:ln>
+                <a:noFill/>
+              </a:ln>
+              <a:solidFill>
+                <a:prstClr val="black"/>
+              </a:solidFill>
+              <a:effectLst/>
+              <a:uLnTx/>
+              <a:uFillTx/>
+              <a:latin typeface="微软雅黑" panose="020B0503020204020204" pitchFamily="34" charset="-122"/>
+              <a:ea typeface="微软雅黑" panose="020B0503020204020204" pitchFamily="34" charset="-122"/>
+              <a:cs typeface="+mn-cs"/>
+            </a:endParaRPr>
           </a:p>
           <a:p>
             <a:pPr marL="0" marR="0" lvl="0" indent="0" algn="ctr" defTabSz="914400" rtl="0" eaLnBrk="1" fontAlgn="base" latinLnBrk="0" hangingPunct="1">
@@ -1347,9 +1300,8 @@
               </a:spcAft>
               <a:buClrTx/>
               <a:buSzTx/>
-              <a:buFont typeface="Arial" panose="020B0604020202090204" pitchFamily="34" charset="0"/>
+              <a:buFont typeface="Arial" panose="020B0604020202020204" pitchFamily="34" charset="0"/>
               <a:buNone/>
-              <a:tabLst/>
               <a:defRPr/>
             </a:pPr>
             <a:r>
@@ -1397,9 +1349,8 @@
               </a:spcAft>
               <a:buClrTx/>
               <a:buSzTx/>
-              <a:buFont typeface="Arial" panose="020B0604020202090204" pitchFamily="34" charset="0"/>
+              <a:buFont typeface="Arial" panose="020B0604020202020204" pitchFamily="34" charset="0"/>
               <a:buNone/>
-              <a:tabLst/>
               <a:defRPr/>
             </a:pPr>
             <a:r>
@@ -1447,9 +1398,8 @@
               </a:spcAft>
               <a:buClrTx/>
               <a:buSzTx/>
-              <a:buFont typeface="Arial" panose="020B0604020202090204" pitchFamily="34" charset="0"/>
+              <a:buFont typeface="Arial" panose="020B0604020202020204" pitchFamily="34" charset="0"/>
               <a:buNone/>
-              <a:tabLst/>
               <a:defRPr/>
             </a:pPr>
             <a:r>
@@ -1497,9 +1447,8 @@
               </a:spcAft>
               <a:buClrTx/>
               <a:buSzTx/>
-              <a:buFont typeface="Arial" panose="020B0604020202090204" pitchFamily="34" charset="0"/>
+              <a:buFont typeface="Arial" panose="020B0604020202020204" pitchFamily="34" charset="0"/>
               <a:buNone/>
-              <a:tabLst/>
               <a:defRPr/>
             </a:pPr>
             <a:r>
@@ -1519,18 +1468,26 @@
               </a:rPr>
               <a:t>赞美圣父  圣子圣灵</a:t>
             </a:r>
+            <a:endParaRPr kumimoji="0" lang="zh-CN" altLang="en-US" sz="3600" b="1" i="0" u="none" strike="noStrike" kern="1200" cap="none" spc="0" normalizeH="0" baseline="0" noProof="0" dirty="0">
+              <a:ln>
+                <a:noFill/>
+              </a:ln>
+              <a:solidFill>
+                <a:prstClr val="black"/>
+              </a:solidFill>
+              <a:effectLst/>
+              <a:uLnTx/>
+              <a:uFillTx/>
+              <a:latin typeface="微软雅黑" panose="020B0503020204020204" pitchFamily="34" charset="-122"/>
+              <a:ea typeface="微软雅黑" panose="020B0503020204020204" pitchFamily="34" charset="-122"/>
+              <a:cs typeface="+mn-cs"/>
+            </a:endParaRPr>
           </a:p>
         </p:txBody>
       </p:sp>
       <p:sp>
         <p:nvSpPr>
-          <p:cNvPr id="4" name="文本占位符 3">
-            <a:extLst>
-              <a:ext uri="{FF2B5EF4-FFF2-40B4-BE49-F238E27FC236}">
-                <a16:creationId xmlns:a16="http://schemas.microsoft.com/office/drawing/2014/main" id="{6629C994-8E19-1875-ECF0-271CBF4D8684}"/>
-              </a:ext>
-            </a:extLst>
-          </p:cNvPr>
+          <p:cNvPr id="4" name="文本占位符 3"/>
           <p:cNvSpPr>
             <a:spLocks noGrp="1"/>
           </p:cNvSpPr>
@@ -1570,15 +1527,11 @@
               <a:rPr lang="zh-CN" altLang="en-US"/>
               <a:t>诗歌</a:t>
             </a:r>
+            <a:endParaRPr lang="zh-CN" altLang="en-US"/>
           </a:p>
         </p:txBody>
       </p:sp>
     </p:spTree>
-    <p:extLst>
-      <p:ext uri="{BB962C8B-B14F-4D97-AF65-F5344CB8AC3E}">
-        <p14:creationId xmlns:p14="http://schemas.microsoft.com/office/powerpoint/2010/main" val="3642944180"/>
-      </p:ext>
-    </p:extLst>
   </p:cSld>
   <p:clrMapOvr>
     <a:masterClrMapping/>
@@ -1605,13 +1558,7 @@
       </p:grpSpPr>
       <p:sp>
         <p:nvSpPr>
-          <p:cNvPr id="3" name="TextBox 1">
-            <a:extLst>
-              <a:ext uri="{FF2B5EF4-FFF2-40B4-BE49-F238E27FC236}">
-                <a16:creationId xmlns:a16="http://schemas.microsoft.com/office/drawing/2014/main" id="{2C8102F1-A375-5E5D-2E28-B433D673E152}"/>
-              </a:ext>
-            </a:extLst>
-          </p:cNvPr>
+          <p:cNvPr id="3" name="TextBox 1"/>
           <p:cNvSpPr txBox="1">
             <a:spLocks noChangeArrowheads="1"/>
           </p:cNvSpPr>
@@ -1651,7 +1598,6 @@
               <a:buSzTx/>
               <a:buFontTx/>
               <a:buNone/>
-              <a:tabLst/>
               <a:defRPr/>
             </a:pPr>
             <a:r>
@@ -1690,13 +1636,7 @@
       </p:sp>
       <p:grpSp>
         <p:nvGrpSpPr>
-          <p:cNvPr id="4" name="组合 9">
-            <a:extLst>
-              <a:ext uri="{FF2B5EF4-FFF2-40B4-BE49-F238E27FC236}">
-                <a16:creationId xmlns:a16="http://schemas.microsoft.com/office/drawing/2014/main" id="{8ABC1F2A-FE00-29D4-D48B-443877B88C69}"/>
-              </a:ext>
-            </a:extLst>
-          </p:cNvPr>
+          <p:cNvPr id="4" name="组合 9"/>
           <p:cNvGrpSpPr/>
           <p:nvPr userDrawn="1"/>
         </p:nvGrpSpPr>
@@ -1710,13 +1650,7 @@
         </p:grpSpPr>
         <p:sp>
           <p:nvSpPr>
-            <p:cNvPr id="5" name="Rectangle 7">
-              <a:extLst>
-                <a:ext uri="{FF2B5EF4-FFF2-40B4-BE49-F238E27FC236}">
-                  <a16:creationId xmlns:a16="http://schemas.microsoft.com/office/drawing/2014/main" id="{D5718927-18C1-4AE1-4088-FFB4E949CA52}"/>
-                </a:ext>
-              </a:extLst>
-            </p:cNvPr>
+            <p:cNvPr id="5" name="Rectangle 7"/>
             <p:cNvSpPr/>
             <p:nvPr/>
           </p:nvSpPr>
@@ -1769,7 +1703,6 @@
                 <a:buSzTx/>
                 <a:buFontTx/>
                 <a:buNone/>
-                <a:tabLst/>
                 <a:defRPr/>
               </a:pPr>
               <a:endParaRPr kumimoji="0" lang="en-US" sz="1800" b="0" i="0" u="none" strike="noStrike" kern="1200" cap="none" spc="0" normalizeH="0" baseline="0" noProof="0" dirty="0">
@@ -1782,7 +1715,7 @@
                 <a:effectLst/>
                 <a:uLnTx/>
                 <a:uFillTx/>
-                <a:latin typeface="Calibri"/>
+                <a:latin typeface="Calibri" panose="020F0502020204030204"/>
                 <a:ea typeface="+mn-ea"/>
                 <a:cs typeface="+mn-cs"/>
               </a:endParaRPr>
@@ -1791,13 +1724,7 @@
         </p:sp>
         <p:cxnSp>
           <p:nvCxnSpPr>
-            <p:cNvPr id="6" name="Straight Connector 15">
-              <a:extLst>
-                <a:ext uri="{FF2B5EF4-FFF2-40B4-BE49-F238E27FC236}">
-                  <a16:creationId xmlns:a16="http://schemas.microsoft.com/office/drawing/2014/main" id="{73C68D37-8D9B-0395-1EBA-22B0334E97FB}"/>
-                </a:ext>
-              </a:extLst>
-            </p:cNvPr>
+            <p:cNvPr id="6" name="Straight Connector 15"/>
             <p:cNvCxnSpPr/>
             <p:nvPr/>
           </p:nvCxnSpPr>
@@ -1832,13 +1759,7 @@
         </p:cxnSp>
         <p:cxnSp>
           <p:nvCxnSpPr>
-            <p:cNvPr id="7" name="Straight Connector 16">
-              <a:extLst>
-                <a:ext uri="{FF2B5EF4-FFF2-40B4-BE49-F238E27FC236}">
-                  <a16:creationId xmlns:a16="http://schemas.microsoft.com/office/drawing/2014/main" id="{A82FED12-9F2A-ECBE-5DD2-F48CDFF501B2}"/>
-                </a:ext>
-              </a:extLst>
-            </p:cNvPr>
+            <p:cNvPr id="7" name="Straight Connector 16"/>
             <p:cNvCxnSpPr/>
             <p:nvPr/>
           </p:nvCxnSpPr>
@@ -1874,13 +1795,7 @@
       </p:grpSp>
       <p:sp>
         <p:nvSpPr>
-          <p:cNvPr id="12" name="内容占位符 10">
-            <a:extLst>
-              <a:ext uri="{FF2B5EF4-FFF2-40B4-BE49-F238E27FC236}">
-                <a16:creationId xmlns:a16="http://schemas.microsoft.com/office/drawing/2014/main" id="{6547F54B-E749-D69D-6895-CF9C28FBE5E7}"/>
-              </a:ext>
-            </a:extLst>
-          </p:cNvPr>
+          <p:cNvPr id="12" name="内容占位符 10"/>
           <p:cNvSpPr>
             <a:spLocks noGrp="1"/>
           </p:cNvSpPr>
@@ -1910,7 +1825,7 @@
               <a:buNone/>
               <a:defRPr sz="3200" b="1" i="0" baseline="0">
                 <a:latin typeface="微软雅黑" panose="020B0503020204020204" pitchFamily="34" charset="-122"/>
-                <a:ea typeface="Microsoft YaHei" panose="020B0503020204020204" pitchFamily="34" charset="-122"/>
+                <a:ea typeface="微软雅黑" panose="020B0503020204020204" pitchFamily="34" charset="-122"/>
               </a:defRPr>
             </a:lvl1pPr>
           </a:lstStyle>
@@ -1920,18 +1835,13 @@
               <a:rPr kumimoji="1" lang="zh-CN" altLang="en-US" dirty="0"/>
               <a:t>单击编辑经文编号</a:t>
             </a:r>
+            <a:endParaRPr kumimoji="1" lang="zh-CN" altLang="en-US" dirty="0"/>
           </a:p>
         </p:txBody>
       </p:sp>
       <p:sp>
         <p:nvSpPr>
-          <p:cNvPr id="8" name="内容占位符 7">
-            <a:extLst>
-              <a:ext uri="{FF2B5EF4-FFF2-40B4-BE49-F238E27FC236}">
-                <a16:creationId xmlns:a16="http://schemas.microsoft.com/office/drawing/2014/main" id="{18F8F719-0DCF-40F2-697E-E99ED99FD192}"/>
-              </a:ext>
-            </a:extLst>
-          </p:cNvPr>
+          <p:cNvPr id="8" name="内容占位符 7"/>
           <p:cNvSpPr>
             <a:spLocks noGrp="1"/>
           </p:cNvSpPr>
@@ -1971,15 +1881,11 @@
               <a:rPr lang="zh-CN" altLang="en-US"/>
               <a:t>单击编辑宣召经文</a:t>
             </a:r>
+            <a:endParaRPr lang="zh-CN" altLang="en-US"/>
           </a:p>
         </p:txBody>
       </p:sp>
     </p:spTree>
-    <p:extLst>
-      <p:ext uri="{BB962C8B-B14F-4D97-AF65-F5344CB8AC3E}">
-        <p14:creationId xmlns:p14="http://schemas.microsoft.com/office/powerpoint/2010/main" val="3500213884"/>
-      </p:ext>
-    </p:extLst>
   </p:cSld>
   <p:clrMapOvr>
     <a:masterClrMapping/>
@@ -2006,13 +1912,7 @@
       </p:grpSpPr>
       <p:grpSp>
         <p:nvGrpSpPr>
-          <p:cNvPr id="3" name="组合 9">
-            <a:extLst>
-              <a:ext uri="{FF2B5EF4-FFF2-40B4-BE49-F238E27FC236}">
-                <a16:creationId xmlns:a16="http://schemas.microsoft.com/office/drawing/2014/main" id="{11041618-82E0-163F-9D09-534872ADFC58}"/>
-              </a:ext>
-            </a:extLst>
-          </p:cNvPr>
+          <p:cNvPr id="3" name="组合 9"/>
           <p:cNvGrpSpPr/>
           <p:nvPr userDrawn="1"/>
         </p:nvGrpSpPr>
@@ -2026,13 +1926,7 @@
         </p:grpSpPr>
         <p:sp>
           <p:nvSpPr>
-            <p:cNvPr id="4" name="Rectangle 7">
-              <a:extLst>
-                <a:ext uri="{FF2B5EF4-FFF2-40B4-BE49-F238E27FC236}">
-                  <a16:creationId xmlns:a16="http://schemas.microsoft.com/office/drawing/2014/main" id="{3A839F5B-41F0-C264-F0D9-1D5CE4E543C9}"/>
-                </a:ext>
-              </a:extLst>
-            </p:cNvPr>
+            <p:cNvPr id="4" name="Rectangle 7"/>
             <p:cNvSpPr/>
             <p:nvPr/>
           </p:nvSpPr>
@@ -2085,7 +1979,6 @@
                 <a:buSzTx/>
                 <a:buFontTx/>
                 <a:buNone/>
-                <a:tabLst/>
                 <a:defRPr/>
               </a:pPr>
               <a:endParaRPr kumimoji="0" lang="en-US" sz="1800" b="0" i="0" u="none" strike="noStrike" kern="1200" cap="none" spc="0" normalizeH="0" baseline="0" noProof="0" dirty="0">
@@ -2098,7 +1991,7 @@
                 <a:effectLst/>
                 <a:uLnTx/>
                 <a:uFillTx/>
-                <a:latin typeface="Calibri"/>
+                <a:latin typeface="Calibri" panose="020F0502020204030204"/>
                 <a:ea typeface="+mn-ea"/>
                 <a:cs typeface="+mn-cs"/>
               </a:endParaRPr>
@@ -2107,13 +2000,7 @@
         </p:sp>
         <p:cxnSp>
           <p:nvCxnSpPr>
-            <p:cNvPr id="5" name="Straight Connector 15">
-              <a:extLst>
-                <a:ext uri="{FF2B5EF4-FFF2-40B4-BE49-F238E27FC236}">
-                  <a16:creationId xmlns:a16="http://schemas.microsoft.com/office/drawing/2014/main" id="{135B5586-27A3-6178-D8C8-033600D8DBBF}"/>
-                </a:ext>
-              </a:extLst>
-            </p:cNvPr>
+            <p:cNvPr id="5" name="Straight Connector 15"/>
             <p:cNvCxnSpPr/>
             <p:nvPr/>
           </p:nvCxnSpPr>
@@ -2148,13 +2035,7 @@
         </p:cxnSp>
         <p:cxnSp>
           <p:nvCxnSpPr>
-            <p:cNvPr id="6" name="Straight Connector 16">
-              <a:extLst>
-                <a:ext uri="{FF2B5EF4-FFF2-40B4-BE49-F238E27FC236}">
-                  <a16:creationId xmlns:a16="http://schemas.microsoft.com/office/drawing/2014/main" id="{13B4CBEF-F047-438E-C708-6724C0A84B99}"/>
-                </a:ext>
-              </a:extLst>
-            </p:cNvPr>
+            <p:cNvPr id="6" name="Straight Connector 16"/>
             <p:cNvCxnSpPr/>
             <p:nvPr/>
           </p:nvCxnSpPr>
@@ -2190,13 +2071,7 @@
       </p:grpSp>
       <p:sp>
         <p:nvSpPr>
-          <p:cNvPr id="8" name="文本框 7">
-            <a:extLst>
-              <a:ext uri="{FF2B5EF4-FFF2-40B4-BE49-F238E27FC236}">
-                <a16:creationId xmlns:a16="http://schemas.microsoft.com/office/drawing/2014/main" id="{33E63FC4-28F1-4049-7807-115E3DD71E6F}"/>
-              </a:ext>
-            </a:extLst>
-          </p:cNvPr>
+          <p:cNvPr id="8" name="文本框 7"/>
           <p:cNvSpPr txBox="1"/>
           <p:nvPr userDrawn="1"/>
         </p:nvSpPr>
@@ -2230,7 +2105,6 @@
               <a:buSzTx/>
               <a:buFontTx/>
               <a:buNone/>
-              <a:tabLst/>
               <a:defRPr/>
             </a:pPr>
             <a:r>
@@ -2250,18 +2124,26 @@
               </a:rPr>
               <a:t>主领：</a:t>
             </a:r>
+            <a:endParaRPr kumimoji="0" lang="zh-CN" altLang="en-US" sz="2800" b="1" i="0" u="none" strike="noStrike" kern="0" cap="none" spc="0" normalizeH="0" baseline="0" noProof="0" dirty="0">
+              <a:ln>
+                <a:noFill/>
+              </a:ln>
+              <a:solidFill>
+                <a:srgbClr val="FF0000"/>
+              </a:solidFill>
+              <a:effectLst/>
+              <a:uLnTx/>
+              <a:uFillTx/>
+              <a:latin typeface="微软雅黑" panose="020B0503020204020204" pitchFamily="34" charset="-122"/>
+              <a:ea typeface="微软雅黑" panose="020B0503020204020204" pitchFamily="34" charset="-122"/>
+              <a:cs typeface="+mn-cs"/>
+            </a:endParaRPr>
           </a:p>
         </p:txBody>
       </p:sp>
       <p:sp>
         <p:nvSpPr>
-          <p:cNvPr id="9" name="TextBox 1">
-            <a:extLst>
-              <a:ext uri="{FF2B5EF4-FFF2-40B4-BE49-F238E27FC236}">
-                <a16:creationId xmlns:a16="http://schemas.microsoft.com/office/drawing/2014/main" id="{DAE28972-3FBB-78DF-93A2-F128C28E054C}"/>
-              </a:ext>
-            </a:extLst>
-          </p:cNvPr>
+          <p:cNvPr id="9" name="TextBox 1"/>
           <p:cNvSpPr txBox="1">
             <a:spLocks noChangeArrowheads="1"/>
           </p:cNvSpPr>
@@ -2301,7 +2183,6 @@
               <a:buSzTx/>
               <a:buFontTx/>
               <a:buNone/>
-              <a:tabLst/>
               <a:defRPr/>
             </a:pPr>
             <a:r>
@@ -2340,13 +2221,7 @@
       </p:sp>
       <p:sp>
         <p:nvSpPr>
-          <p:cNvPr id="11" name="内容占位符 10">
-            <a:extLst>
-              <a:ext uri="{FF2B5EF4-FFF2-40B4-BE49-F238E27FC236}">
-                <a16:creationId xmlns:a16="http://schemas.microsoft.com/office/drawing/2014/main" id="{8FE10F0A-DC47-2427-359A-30271266B398}"/>
-              </a:ext>
-            </a:extLst>
-          </p:cNvPr>
+          <p:cNvPr id="11" name="内容占位符 10"/>
           <p:cNvSpPr>
             <a:spLocks noGrp="1"/>
           </p:cNvSpPr>
@@ -2375,8 +2250,8 @@
               </a:spcBef>
               <a:buNone/>
               <a:defRPr sz="3200" b="1" i="0">
-                <a:latin typeface="Microsoft YaHei" panose="020B0503020204020204" pitchFamily="34" charset="-122"/>
-                <a:ea typeface="Microsoft YaHei" panose="020B0503020204020204" pitchFamily="34" charset="-122"/>
+                <a:latin typeface="微软雅黑" panose="020B0503020204020204" pitchFamily="34" charset="-122"/>
+                <a:ea typeface="微软雅黑" panose="020B0503020204020204" pitchFamily="34" charset="-122"/>
               </a:defRPr>
             </a:lvl1pPr>
           </a:lstStyle>
@@ -2386,18 +2261,13 @@
               <a:rPr kumimoji="1" lang="zh-CN" altLang="en-US" dirty="0"/>
               <a:t>单击编辑经文编号</a:t>
             </a:r>
+            <a:endParaRPr kumimoji="1" lang="zh-CN" altLang="en-US" dirty="0"/>
           </a:p>
         </p:txBody>
       </p:sp>
       <p:sp>
         <p:nvSpPr>
-          <p:cNvPr id="13" name="内容占位符 12">
-            <a:extLst>
-              <a:ext uri="{FF2B5EF4-FFF2-40B4-BE49-F238E27FC236}">
-                <a16:creationId xmlns:a16="http://schemas.microsoft.com/office/drawing/2014/main" id="{23984BB9-5432-AE38-BF02-2BD31ED2D289}"/>
-              </a:ext>
-            </a:extLst>
-          </p:cNvPr>
+          <p:cNvPr id="13" name="内容占位符 12"/>
           <p:cNvSpPr>
             <a:spLocks noGrp="1"/>
           </p:cNvSpPr>
@@ -2427,7 +2297,7 @@
               <a:buNone/>
               <a:defRPr b="1" i="0" baseline="0">
                 <a:latin typeface="微软雅黑" panose="020B0503020204020204" pitchFamily="34" charset="-122"/>
-                <a:ea typeface="Microsoft YaHei" panose="020B0503020204020204" pitchFamily="34" charset="-122"/>
+                <a:ea typeface="微软雅黑" panose="020B0503020204020204" pitchFamily="34" charset="-122"/>
               </a:defRPr>
             </a:lvl1pPr>
           </a:lstStyle>
@@ -2437,15 +2307,11 @@
               <a:rPr kumimoji="1" lang="zh-CN" altLang="en-US" dirty="0"/>
               <a:t>单击编辑经文</a:t>
             </a:r>
+            <a:endParaRPr kumimoji="1" lang="zh-CN" altLang="en-US" dirty="0"/>
           </a:p>
         </p:txBody>
       </p:sp>
     </p:spTree>
-    <p:extLst>
-      <p:ext uri="{BB962C8B-B14F-4D97-AF65-F5344CB8AC3E}">
-        <p14:creationId xmlns:p14="http://schemas.microsoft.com/office/powerpoint/2010/main" val="3862512411"/>
-      </p:ext>
-    </p:extLst>
   </p:cSld>
   <p:clrMapOvr>
     <a:masterClrMapping/>
@@ -2472,13 +2338,7 @@
       </p:grpSpPr>
       <p:sp>
         <p:nvSpPr>
-          <p:cNvPr id="3" name="TextBox 1">
-            <a:extLst>
-              <a:ext uri="{FF2B5EF4-FFF2-40B4-BE49-F238E27FC236}">
-                <a16:creationId xmlns:a16="http://schemas.microsoft.com/office/drawing/2014/main" id="{975F41A6-96E2-5268-A27E-9D183FA2854F}"/>
-              </a:ext>
-            </a:extLst>
-          </p:cNvPr>
+          <p:cNvPr id="3" name="TextBox 1"/>
           <p:cNvSpPr txBox="1">
             <a:spLocks noChangeArrowheads="1"/>
           </p:cNvSpPr>
@@ -2518,7 +2378,6 @@
               <a:buSzTx/>
               <a:buFontTx/>
               <a:buNone/>
-              <a:tabLst/>
               <a:defRPr/>
             </a:pPr>
             <a:r>
@@ -2557,13 +2416,7 @@
       </p:sp>
       <p:pic>
         <p:nvPicPr>
-          <p:cNvPr id="4" name="Picture 4" descr="http://pic.shenshi777.com/uploads/allimg/150707/1-150FH10Z1.jpg">
-            <a:extLst>
-              <a:ext uri="{FF2B5EF4-FFF2-40B4-BE49-F238E27FC236}">
-                <a16:creationId xmlns:a16="http://schemas.microsoft.com/office/drawing/2014/main" id="{43E9515E-D48A-AA70-2B24-B6AE54E61C31}"/>
-              </a:ext>
-            </a:extLst>
-          </p:cNvPr>
+          <p:cNvPr id="4" name="Picture 4" descr="http://pic.shenshi777.com/uploads/allimg/150707/1-150FH10Z1.jpg"/>
           <p:cNvPicPr>
             <a:picLocks noChangeAspect="1" noChangeArrowheads="1"/>
           </p:cNvPicPr>
@@ -2595,13 +2448,7 @@
       </p:pic>
       <p:grpSp>
         <p:nvGrpSpPr>
-          <p:cNvPr id="5" name="组合 9">
-            <a:extLst>
-              <a:ext uri="{FF2B5EF4-FFF2-40B4-BE49-F238E27FC236}">
-                <a16:creationId xmlns:a16="http://schemas.microsoft.com/office/drawing/2014/main" id="{43EF7E2A-9A62-6A20-B176-C036C23BEBCA}"/>
-              </a:ext>
-            </a:extLst>
-          </p:cNvPr>
+          <p:cNvPr id="5" name="组合 9"/>
           <p:cNvGrpSpPr/>
           <p:nvPr userDrawn="1"/>
         </p:nvGrpSpPr>
@@ -2615,13 +2462,7 @@
         </p:grpSpPr>
         <p:sp>
           <p:nvSpPr>
-            <p:cNvPr id="6" name="Rectangle 7">
-              <a:extLst>
-                <a:ext uri="{FF2B5EF4-FFF2-40B4-BE49-F238E27FC236}">
-                  <a16:creationId xmlns:a16="http://schemas.microsoft.com/office/drawing/2014/main" id="{7E94A0DE-E0A3-9081-CEEC-EF77136E767C}"/>
-                </a:ext>
-              </a:extLst>
-            </p:cNvPr>
+            <p:cNvPr id="6" name="Rectangle 7"/>
             <p:cNvSpPr/>
             <p:nvPr/>
           </p:nvSpPr>
@@ -2674,7 +2515,6 @@
                 <a:buSzTx/>
                 <a:buFontTx/>
                 <a:buNone/>
-                <a:tabLst/>
                 <a:defRPr/>
               </a:pPr>
               <a:endParaRPr kumimoji="0" lang="en-US" sz="1800" b="0" i="0" u="none" strike="noStrike" kern="1200" cap="none" spc="0" normalizeH="0" baseline="0" noProof="0" dirty="0">
@@ -2687,7 +2527,7 @@
                 <a:effectLst/>
                 <a:uLnTx/>
                 <a:uFillTx/>
-                <a:latin typeface="Calibri"/>
+                <a:latin typeface="Calibri" panose="020F0502020204030204"/>
                 <a:ea typeface="+mn-ea"/>
                 <a:cs typeface="+mn-cs"/>
               </a:endParaRPr>
@@ -2696,13 +2536,7 @@
         </p:sp>
         <p:cxnSp>
           <p:nvCxnSpPr>
-            <p:cNvPr id="7" name="Straight Connector 15">
-              <a:extLst>
-                <a:ext uri="{FF2B5EF4-FFF2-40B4-BE49-F238E27FC236}">
-                  <a16:creationId xmlns:a16="http://schemas.microsoft.com/office/drawing/2014/main" id="{ED39C89D-D2C6-1112-73B9-4754300B80D2}"/>
-                </a:ext>
-              </a:extLst>
-            </p:cNvPr>
+            <p:cNvPr id="7" name="Straight Connector 15"/>
             <p:cNvCxnSpPr/>
             <p:nvPr/>
           </p:nvCxnSpPr>
@@ -2737,13 +2571,7 @@
         </p:cxnSp>
         <p:cxnSp>
           <p:nvCxnSpPr>
-            <p:cNvPr id="8" name="Straight Connector 16">
-              <a:extLst>
-                <a:ext uri="{FF2B5EF4-FFF2-40B4-BE49-F238E27FC236}">
-                  <a16:creationId xmlns:a16="http://schemas.microsoft.com/office/drawing/2014/main" id="{82DC85BD-5E00-4D6C-D257-E6FAA212AE3F}"/>
-                </a:ext>
-              </a:extLst>
-            </p:cNvPr>
+            <p:cNvPr id="8" name="Straight Connector 16"/>
             <p:cNvCxnSpPr/>
             <p:nvPr/>
           </p:nvCxnSpPr>
@@ -2779,13 +2607,7 @@
       </p:grpSp>
       <p:sp>
         <p:nvSpPr>
-          <p:cNvPr id="10" name="内容占位符 9">
-            <a:extLst>
-              <a:ext uri="{FF2B5EF4-FFF2-40B4-BE49-F238E27FC236}">
-                <a16:creationId xmlns:a16="http://schemas.microsoft.com/office/drawing/2014/main" id="{5B379EF6-0688-4F25-109B-A8830A1191F2}"/>
-              </a:ext>
-            </a:extLst>
-          </p:cNvPr>
+          <p:cNvPr id="10" name="内容占位符 9"/>
           <p:cNvSpPr>
             <a:spLocks noGrp="1"/>
           </p:cNvSpPr>
@@ -2815,7 +2637,7 @@
               <a:buNone/>
               <a:defRPr sz="2400" b="1" i="0" baseline="0">
                 <a:latin typeface="微软雅黑" panose="020B0503020204020204" pitchFamily="34" charset="-122"/>
-                <a:ea typeface="Microsoft YaHei" panose="020B0503020204020204" pitchFamily="34" charset="-122"/>
+                <a:ea typeface="微软雅黑" panose="020B0503020204020204" pitchFamily="34" charset="-122"/>
               </a:defRPr>
             </a:lvl1pPr>
           </a:lstStyle>
@@ -2825,15 +2647,11 @@
               <a:rPr kumimoji="1" lang="zh-CN" altLang="en-US" dirty="0"/>
               <a:t>单击编辑公祷事项</a:t>
             </a:r>
+            <a:endParaRPr kumimoji="1" lang="zh-CN" altLang="en-US" dirty="0"/>
           </a:p>
         </p:txBody>
       </p:sp>
     </p:spTree>
-    <p:extLst>
-      <p:ext uri="{BB962C8B-B14F-4D97-AF65-F5344CB8AC3E}">
-        <p14:creationId xmlns:p14="http://schemas.microsoft.com/office/powerpoint/2010/main" val="3805729233"/>
-      </p:ext>
-    </p:extLst>
   </p:cSld>
   <p:clrMapOvr>
     <a:masterClrMapping/>
@@ -2860,13 +2678,7 @@
       </p:grpSpPr>
       <p:sp>
         <p:nvSpPr>
-          <p:cNvPr id="4" name="TextBox 1">
-            <a:extLst>
-              <a:ext uri="{FF2B5EF4-FFF2-40B4-BE49-F238E27FC236}">
-                <a16:creationId xmlns:a16="http://schemas.microsoft.com/office/drawing/2014/main" id="{A9074427-13B2-2F05-B842-FD6B9A8BEF53}"/>
-              </a:ext>
-            </a:extLst>
-          </p:cNvPr>
+          <p:cNvPr id="4" name="TextBox 1"/>
           <p:cNvSpPr txBox="1">
             <a:spLocks noChangeArrowheads="1"/>
           </p:cNvSpPr>
@@ -2906,7 +2718,6 @@
               <a:buSzTx/>
               <a:buFontTx/>
               <a:buNone/>
-              <a:tabLst/>
               <a:defRPr/>
             </a:pPr>
             <a:r>
@@ -2945,13 +2756,7 @@
       </p:sp>
       <p:grpSp>
         <p:nvGrpSpPr>
-          <p:cNvPr id="5" name="组合 9">
-            <a:extLst>
-              <a:ext uri="{FF2B5EF4-FFF2-40B4-BE49-F238E27FC236}">
-                <a16:creationId xmlns:a16="http://schemas.microsoft.com/office/drawing/2014/main" id="{84948000-205C-15EB-F839-725955150F00}"/>
-              </a:ext>
-            </a:extLst>
-          </p:cNvPr>
+          <p:cNvPr id="5" name="组合 9"/>
           <p:cNvGrpSpPr/>
           <p:nvPr userDrawn="1"/>
         </p:nvGrpSpPr>
@@ -2965,13 +2770,7 @@
         </p:grpSpPr>
         <p:sp>
           <p:nvSpPr>
-            <p:cNvPr id="6" name="Rectangle 7">
-              <a:extLst>
-                <a:ext uri="{FF2B5EF4-FFF2-40B4-BE49-F238E27FC236}">
-                  <a16:creationId xmlns:a16="http://schemas.microsoft.com/office/drawing/2014/main" id="{DCA85277-5F43-278F-4C3E-812DFB524339}"/>
-                </a:ext>
-              </a:extLst>
-            </p:cNvPr>
+            <p:cNvPr id="6" name="Rectangle 7"/>
             <p:cNvSpPr/>
             <p:nvPr/>
           </p:nvSpPr>
@@ -3024,7 +2823,6 @@
                 <a:buSzTx/>
                 <a:buFontTx/>
                 <a:buNone/>
-                <a:tabLst/>
                 <a:defRPr/>
               </a:pPr>
               <a:endParaRPr kumimoji="0" lang="en-US" sz="1800" b="0" i="0" u="none" strike="noStrike" kern="1200" cap="none" spc="0" normalizeH="0" baseline="0" noProof="0" dirty="0">
@@ -3037,7 +2835,7 @@
                 <a:effectLst/>
                 <a:uLnTx/>
                 <a:uFillTx/>
-                <a:latin typeface="Calibri"/>
+                <a:latin typeface="Calibri" panose="020F0502020204030204"/>
                 <a:ea typeface="+mn-ea"/>
                 <a:cs typeface="+mn-cs"/>
               </a:endParaRPr>
@@ -3046,13 +2844,7 @@
         </p:sp>
         <p:cxnSp>
           <p:nvCxnSpPr>
-            <p:cNvPr id="7" name="Straight Connector 15">
-              <a:extLst>
-                <a:ext uri="{FF2B5EF4-FFF2-40B4-BE49-F238E27FC236}">
-                  <a16:creationId xmlns:a16="http://schemas.microsoft.com/office/drawing/2014/main" id="{79E66D07-D826-4FF9-08A5-669028619B88}"/>
-                </a:ext>
-              </a:extLst>
-            </p:cNvPr>
+            <p:cNvPr id="7" name="Straight Connector 15"/>
             <p:cNvCxnSpPr/>
             <p:nvPr/>
           </p:nvCxnSpPr>
@@ -3087,13 +2879,7 @@
         </p:cxnSp>
         <p:cxnSp>
           <p:nvCxnSpPr>
-            <p:cNvPr id="8" name="Straight Connector 16">
-              <a:extLst>
-                <a:ext uri="{FF2B5EF4-FFF2-40B4-BE49-F238E27FC236}">
-                  <a16:creationId xmlns:a16="http://schemas.microsoft.com/office/drawing/2014/main" id="{454B0997-4AA9-C788-1B6D-9099AA6D8EDE}"/>
-                </a:ext>
-              </a:extLst>
-            </p:cNvPr>
+            <p:cNvPr id="8" name="Straight Connector 16"/>
             <p:cNvCxnSpPr/>
             <p:nvPr/>
           </p:nvCxnSpPr>
@@ -3129,13 +2915,7 @@
       </p:grpSp>
       <p:sp>
         <p:nvSpPr>
-          <p:cNvPr id="10" name="文本框 9">
-            <a:extLst>
-              <a:ext uri="{FF2B5EF4-FFF2-40B4-BE49-F238E27FC236}">
-                <a16:creationId xmlns:a16="http://schemas.microsoft.com/office/drawing/2014/main" id="{23B78C3C-871E-D1F2-F427-41D1A6E00A9B}"/>
-              </a:ext>
-            </a:extLst>
-          </p:cNvPr>
+          <p:cNvPr id="10" name="文本框 9"/>
           <p:cNvSpPr txBox="1"/>
           <p:nvPr userDrawn="1"/>
         </p:nvSpPr>
@@ -3169,7 +2949,6 @@
               <a:buSzTx/>
               <a:buFontTx/>
               <a:buNone/>
-              <a:tabLst/>
               <a:defRPr/>
             </a:pPr>
             <a:r>
@@ -3189,18 +2968,26 @@
               </a:rPr>
               <a:t>会众：</a:t>
             </a:r>
+            <a:endParaRPr kumimoji="0" lang="zh-CN" altLang="en-US" sz="2800" b="1" i="0" u="none" strike="noStrike" kern="0" cap="none" spc="0" normalizeH="0" baseline="0" noProof="0" dirty="0">
+              <a:ln>
+                <a:noFill/>
+              </a:ln>
+              <a:solidFill>
+                <a:srgbClr val="0000FF"/>
+              </a:solidFill>
+              <a:effectLst/>
+              <a:uLnTx/>
+              <a:uFillTx/>
+              <a:latin typeface="微软雅黑" panose="020B0503020204020204" pitchFamily="34" charset="-122"/>
+              <a:ea typeface="微软雅黑" panose="020B0503020204020204" pitchFamily="34" charset="-122"/>
+              <a:cs typeface="+mn-cs"/>
+            </a:endParaRPr>
           </a:p>
         </p:txBody>
       </p:sp>
       <p:sp>
         <p:nvSpPr>
-          <p:cNvPr id="13" name="内容占位符 10">
-            <a:extLst>
-              <a:ext uri="{FF2B5EF4-FFF2-40B4-BE49-F238E27FC236}">
-                <a16:creationId xmlns:a16="http://schemas.microsoft.com/office/drawing/2014/main" id="{6DC23E3E-F836-5893-912A-0BCD7F826C88}"/>
-              </a:ext>
-            </a:extLst>
-          </p:cNvPr>
+          <p:cNvPr id="13" name="内容占位符 10"/>
           <p:cNvSpPr>
             <a:spLocks noGrp="1"/>
           </p:cNvSpPr>
@@ -3230,7 +3017,7 @@
               <a:buNone/>
               <a:defRPr sz="3200" b="1" i="0" baseline="0">
                 <a:latin typeface="微软雅黑" panose="020B0503020204020204" pitchFamily="34" charset="-122"/>
-                <a:ea typeface="Microsoft YaHei" panose="020B0503020204020204" pitchFamily="34" charset="-122"/>
+                <a:ea typeface="微软雅黑" panose="020B0503020204020204" pitchFamily="34" charset="-122"/>
               </a:defRPr>
             </a:lvl1pPr>
           </a:lstStyle>
@@ -3240,18 +3027,13 @@
               <a:rPr kumimoji="1" lang="zh-CN" altLang="en-US" dirty="0"/>
               <a:t>单击编辑经文编号</a:t>
             </a:r>
+            <a:endParaRPr kumimoji="1" lang="zh-CN" altLang="en-US" dirty="0"/>
           </a:p>
         </p:txBody>
       </p:sp>
       <p:sp>
         <p:nvSpPr>
-          <p:cNvPr id="3" name="内容占位符 2">
-            <a:extLst>
-              <a:ext uri="{FF2B5EF4-FFF2-40B4-BE49-F238E27FC236}">
-                <a16:creationId xmlns:a16="http://schemas.microsoft.com/office/drawing/2014/main" id="{9D359BF9-AEF4-524D-C788-15967865F97E}"/>
-              </a:ext>
-            </a:extLst>
-          </p:cNvPr>
+          <p:cNvPr id="3" name="内容占位符 2"/>
           <p:cNvSpPr>
             <a:spLocks noGrp="1"/>
           </p:cNvSpPr>
@@ -3291,15 +3073,11 @@
               <a:rPr lang="zh-CN" altLang="en-US"/>
               <a:t>单击编辑认罪经文</a:t>
             </a:r>
+            <a:endParaRPr lang="zh-CN" altLang="en-US"/>
           </a:p>
         </p:txBody>
       </p:sp>
     </p:spTree>
-    <p:extLst>
-      <p:ext uri="{BB962C8B-B14F-4D97-AF65-F5344CB8AC3E}">
-        <p14:creationId xmlns:p14="http://schemas.microsoft.com/office/powerpoint/2010/main" val="1772979411"/>
-      </p:ext>
-    </p:extLst>
   </p:cSld>
   <p:clrMapOvr>
     <a:masterClrMapping/>
@@ -3326,13 +3104,7 @@
       </p:grpSpPr>
       <p:grpSp>
         <p:nvGrpSpPr>
-          <p:cNvPr id="3" name="组合 9">
-            <a:extLst>
-              <a:ext uri="{FF2B5EF4-FFF2-40B4-BE49-F238E27FC236}">
-                <a16:creationId xmlns:a16="http://schemas.microsoft.com/office/drawing/2014/main" id="{13E524A6-36FE-2579-141F-C8171941A1DE}"/>
-              </a:ext>
-            </a:extLst>
-          </p:cNvPr>
+          <p:cNvPr id="3" name="组合 9"/>
           <p:cNvGrpSpPr/>
           <p:nvPr userDrawn="1"/>
         </p:nvGrpSpPr>
@@ -3346,13 +3118,7 @@
         </p:grpSpPr>
         <p:sp>
           <p:nvSpPr>
-            <p:cNvPr id="4" name="Rectangle 7">
-              <a:extLst>
-                <a:ext uri="{FF2B5EF4-FFF2-40B4-BE49-F238E27FC236}">
-                  <a16:creationId xmlns:a16="http://schemas.microsoft.com/office/drawing/2014/main" id="{ED206D11-8B80-C5B2-8483-2D2964EE6020}"/>
-                </a:ext>
-              </a:extLst>
-            </p:cNvPr>
+            <p:cNvPr id="4" name="Rectangle 7"/>
             <p:cNvSpPr/>
             <p:nvPr/>
           </p:nvSpPr>
@@ -3405,7 +3171,6 @@
                 <a:buSzTx/>
                 <a:buFontTx/>
                 <a:buNone/>
-                <a:tabLst/>
                 <a:defRPr/>
               </a:pPr>
               <a:endParaRPr kumimoji="0" lang="en-US" sz="1800" b="0" i="0" u="none" strike="noStrike" kern="1200" cap="none" spc="0" normalizeH="0" baseline="0" noProof="0" dirty="0">
@@ -3418,7 +3183,7 @@
                 <a:effectLst/>
                 <a:uLnTx/>
                 <a:uFillTx/>
-                <a:latin typeface="Calibri"/>
+                <a:latin typeface="Calibri" panose="020F0502020204030204"/>
                 <a:ea typeface="+mn-ea"/>
                 <a:cs typeface="+mn-cs"/>
               </a:endParaRPr>
@@ -3427,13 +3192,7 @@
         </p:sp>
         <p:cxnSp>
           <p:nvCxnSpPr>
-            <p:cNvPr id="5" name="Straight Connector 15">
-              <a:extLst>
-                <a:ext uri="{FF2B5EF4-FFF2-40B4-BE49-F238E27FC236}">
-                  <a16:creationId xmlns:a16="http://schemas.microsoft.com/office/drawing/2014/main" id="{CC29B04D-F10E-3F51-52BC-1A27744CD2A3}"/>
-                </a:ext>
-              </a:extLst>
-            </p:cNvPr>
+            <p:cNvPr id="5" name="Straight Connector 15"/>
             <p:cNvCxnSpPr/>
             <p:nvPr/>
           </p:nvCxnSpPr>
@@ -3468,13 +3227,7 @@
         </p:cxnSp>
         <p:cxnSp>
           <p:nvCxnSpPr>
-            <p:cNvPr id="6" name="Straight Connector 16">
-              <a:extLst>
-                <a:ext uri="{FF2B5EF4-FFF2-40B4-BE49-F238E27FC236}">
-                  <a16:creationId xmlns:a16="http://schemas.microsoft.com/office/drawing/2014/main" id="{18E9FBA4-FDED-EDCB-63DB-0D578759CC02}"/>
-                </a:ext>
-              </a:extLst>
-            </p:cNvPr>
+            <p:cNvPr id="6" name="Straight Connector 16"/>
             <p:cNvCxnSpPr/>
             <p:nvPr/>
           </p:nvCxnSpPr>
@@ -3510,13 +3263,7 @@
       </p:grpSp>
       <p:pic>
         <p:nvPicPr>
-          <p:cNvPr id="7" name="Picture 4" descr="http://pic.shenshi777.com/uploads/allimg/150707/1-150FH10Z1.jpg">
-            <a:extLst>
-              <a:ext uri="{FF2B5EF4-FFF2-40B4-BE49-F238E27FC236}">
-                <a16:creationId xmlns:a16="http://schemas.microsoft.com/office/drawing/2014/main" id="{F538EE35-A277-A50B-255E-DE3E22ED1BFA}"/>
-              </a:ext>
-            </a:extLst>
-          </p:cNvPr>
+          <p:cNvPr id="7" name="Picture 4" descr="http://pic.shenshi777.com/uploads/allimg/150707/1-150FH10Z1.jpg"/>
           <p:cNvPicPr>
             <a:picLocks noChangeAspect="1" noChangeArrowheads="1"/>
           </p:cNvPicPr>
@@ -3548,13 +3295,7 @@
       </p:pic>
       <p:sp>
         <p:nvSpPr>
-          <p:cNvPr id="8" name="TextBox 1">
-            <a:extLst>
-              <a:ext uri="{FF2B5EF4-FFF2-40B4-BE49-F238E27FC236}">
-                <a16:creationId xmlns:a16="http://schemas.microsoft.com/office/drawing/2014/main" id="{2A9100C4-AD04-7376-0DE9-F1F2B8A04189}"/>
-              </a:ext>
-            </a:extLst>
-          </p:cNvPr>
+          <p:cNvPr id="8" name="TextBox 1"/>
           <p:cNvSpPr txBox="1">
             <a:spLocks noChangeArrowheads="1"/>
           </p:cNvSpPr>
@@ -3594,7 +3335,6 @@
               <a:buSzTx/>
               <a:buFontTx/>
               <a:buNone/>
-              <a:tabLst/>
               <a:defRPr/>
             </a:pPr>
             <a:r>
@@ -3633,13 +3373,7 @@
       </p:sp>
       <p:sp>
         <p:nvSpPr>
-          <p:cNvPr id="9" name="副标题 2">
-            <a:extLst>
-              <a:ext uri="{FF2B5EF4-FFF2-40B4-BE49-F238E27FC236}">
-                <a16:creationId xmlns:a16="http://schemas.microsoft.com/office/drawing/2014/main" id="{33DF6E28-1FC4-761D-A51F-3E563C50609C}"/>
-              </a:ext>
-            </a:extLst>
-          </p:cNvPr>
+          <p:cNvPr id="9" name="副标题 2"/>
           <p:cNvSpPr txBox="1">
             <a:spLocks noChangeArrowheads="1"/>
           </p:cNvSpPr>
@@ -3677,7 +3411,6 @@
               <a:buSzTx/>
               <a:buFontTx/>
               <a:buNone/>
-              <a:tabLst/>
               <a:defRPr/>
             </a:pPr>
             <a:r>
@@ -3715,11 +3448,6 @@
         </p:txBody>
       </p:sp>
     </p:spTree>
-    <p:extLst>
-      <p:ext uri="{BB962C8B-B14F-4D97-AF65-F5344CB8AC3E}">
-        <p14:creationId xmlns:p14="http://schemas.microsoft.com/office/powerpoint/2010/main" val="522318168"/>
-      </p:ext>
-    </p:extLst>
   </p:cSld>
   <p:clrMapOvr>
     <a:masterClrMapping/>
@@ -3746,13 +3474,7 @@
       </p:grpSpPr>
       <p:grpSp>
         <p:nvGrpSpPr>
-          <p:cNvPr id="3" name="组合 9">
-            <a:extLst>
-              <a:ext uri="{FF2B5EF4-FFF2-40B4-BE49-F238E27FC236}">
-                <a16:creationId xmlns:a16="http://schemas.microsoft.com/office/drawing/2014/main" id="{6F4457C1-5D9F-BE2F-CE3E-145D35BDAC68}"/>
-              </a:ext>
-            </a:extLst>
-          </p:cNvPr>
+          <p:cNvPr id="3" name="组合 9"/>
           <p:cNvGrpSpPr/>
           <p:nvPr userDrawn="1"/>
         </p:nvGrpSpPr>
@@ -3766,13 +3488,7 @@
         </p:grpSpPr>
         <p:sp>
           <p:nvSpPr>
-            <p:cNvPr id="4" name="Rectangle 7">
-              <a:extLst>
-                <a:ext uri="{FF2B5EF4-FFF2-40B4-BE49-F238E27FC236}">
-                  <a16:creationId xmlns:a16="http://schemas.microsoft.com/office/drawing/2014/main" id="{C930B798-93DC-EA6B-DFCB-90C83B0E6116}"/>
-                </a:ext>
-              </a:extLst>
-            </p:cNvPr>
+            <p:cNvPr id="4" name="Rectangle 7"/>
             <p:cNvSpPr/>
             <p:nvPr/>
           </p:nvSpPr>
@@ -3825,7 +3541,6 @@
                 <a:buSzTx/>
                 <a:buFontTx/>
                 <a:buNone/>
-                <a:tabLst/>
                 <a:defRPr/>
               </a:pPr>
               <a:endParaRPr kumimoji="0" lang="en-US" sz="1800" b="0" i="0" u="none" strike="noStrike" kern="1200" cap="none" spc="0" normalizeH="0" baseline="0" noProof="0" dirty="0">
@@ -3838,7 +3553,7 @@
                 <a:effectLst/>
                 <a:uLnTx/>
                 <a:uFillTx/>
-                <a:latin typeface="Calibri"/>
+                <a:latin typeface="Calibri" panose="020F0502020204030204"/>
                 <a:ea typeface="+mn-ea"/>
                 <a:cs typeface="+mn-cs"/>
               </a:endParaRPr>
@@ -3847,13 +3562,7 @@
         </p:sp>
         <p:cxnSp>
           <p:nvCxnSpPr>
-            <p:cNvPr id="5" name="Straight Connector 15">
-              <a:extLst>
-                <a:ext uri="{FF2B5EF4-FFF2-40B4-BE49-F238E27FC236}">
-                  <a16:creationId xmlns:a16="http://schemas.microsoft.com/office/drawing/2014/main" id="{FC7801EE-9CFC-C9FD-95A7-053181C3526E}"/>
-                </a:ext>
-              </a:extLst>
-            </p:cNvPr>
+            <p:cNvPr id="5" name="Straight Connector 15"/>
             <p:cNvCxnSpPr/>
             <p:nvPr/>
           </p:nvCxnSpPr>
@@ -3888,13 +3597,7 @@
         </p:cxnSp>
         <p:cxnSp>
           <p:nvCxnSpPr>
-            <p:cNvPr id="6" name="Straight Connector 16">
-              <a:extLst>
-                <a:ext uri="{FF2B5EF4-FFF2-40B4-BE49-F238E27FC236}">
-                  <a16:creationId xmlns:a16="http://schemas.microsoft.com/office/drawing/2014/main" id="{D79C28A7-692F-0D8E-846A-D01C3B3CFB96}"/>
-                </a:ext>
-              </a:extLst>
-            </p:cNvPr>
+            <p:cNvPr id="6" name="Straight Connector 16"/>
             <p:cNvCxnSpPr/>
             <p:nvPr/>
           </p:nvCxnSpPr>
@@ -3930,13 +3633,7 @@
       </p:grpSp>
       <p:pic>
         <p:nvPicPr>
-          <p:cNvPr id="7" name="Picture 4" descr="http://pic.shenshi777.com/uploads/allimg/150707/1-150FH10Z1.jpg">
-            <a:extLst>
-              <a:ext uri="{FF2B5EF4-FFF2-40B4-BE49-F238E27FC236}">
-                <a16:creationId xmlns:a16="http://schemas.microsoft.com/office/drawing/2014/main" id="{E27CCA56-10CB-6A82-AB78-615086CE7532}"/>
-              </a:ext>
-            </a:extLst>
-          </p:cNvPr>
+          <p:cNvPr id="7" name="Picture 4" descr="http://pic.shenshi777.com/uploads/allimg/150707/1-150FH10Z1.jpg"/>
           <p:cNvPicPr>
             <a:picLocks noChangeAspect="1" noChangeArrowheads="1"/>
           </p:cNvPicPr>
@@ -3968,13 +3665,7 @@
       </p:pic>
       <p:sp>
         <p:nvSpPr>
-          <p:cNvPr id="8" name="TextBox 1">
-            <a:extLst>
-              <a:ext uri="{FF2B5EF4-FFF2-40B4-BE49-F238E27FC236}">
-                <a16:creationId xmlns:a16="http://schemas.microsoft.com/office/drawing/2014/main" id="{89EEAE07-0995-2A0F-9081-6CA801CA3FF8}"/>
-              </a:ext>
-            </a:extLst>
-          </p:cNvPr>
+          <p:cNvPr id="8" name="TextBox 1"/>
           <p:cNvSpPr txBox="1">
             <a:spLocks noChangeArrowheads="1"/>
           </p:cNvSpPr>
@@ -4014,7 +3705,6 @@
               <a:buSzTx/>
               <a:buFontTx/>
               <a:buNone/>
-              <a:tabLst/>
               <a:defRPr/>
             </a:pPr>
             <a:r>
@@ -4053,13 +3743,7 @@
       </p:sp>
       <p:sp>
         <p:nvSpPr>
-          <p:cNvPr id="10" name="内容占位符 9">
-            <a:extLst>
-              <a:ext uri="{FF2B5EF4-FFF2-40B4-BE49-F238E27FC236}">
-                <a16:creationId xmlns:a16="http://schemas.microsoft.com/office/drawing/2014/main" id="{E8BC6D5E-B42F-2D3A-A3FC-B2E833FF47FF}"/>
-              </a:ext>
-            </a:extLst>
-          </p:cNvPr>
+          <p:cNvPr id="10" name="内容占位符 9"/>
           <p:cNvSpPr>
             <a:spLocks noGrp="1"/>
           </p:cNvSpPr>
@@ -4093,18 +3777,13 @@
               <a:rPr lang="zh-CN" altLang="en-US" dirty="0"/>
               <a:t>单击编辑经文编号</a:t>
             </a:r>
+            <a:endParaRPr lang="zh-CN" altLang="en-US" dirty="0"/>
           </a:p>
         </p:txBody>
       </p:sp>
       <p:sp>
         <p:nvSpPr>
-          <p:cNvPr id="12" name="内容占位符 11">
-            <a:extLst>
-              <a:ext uri="{FF2B5EF4-FFF2-40B4-BE49-F238E27FC236}">
-                <a16:creationId xmlns:a16="http://schemas.microsoft.com/office/drawing/2014/main" id="{E38F1DED-8911-C8C1-80C1-F8C6D4B99EF5}"/>
-              </a:ext>
-            </a:extLst>
-          </p:cNvPr>
+          <p:cNvPr id="12" name="内容占位符 11"/>
           <p:cNvSpPr>
             <a:spLocks noGrp="1"/>
           </p:cNvSpPr>
@@ -4226,11 +3905,6 @@
         </p:txBody>
       </p:sp>
     </p:spTree>
-    <p:extLst>
-      <p:ext uri="{BB962C8B-B14F-4D97-AF65-F5344CB8AC3E}">
-        <p14:creationId xmlns:p14="http://schemas.microsoft.com/office/powerpoint/2010/main" val="1487399055"/>
-      </p:ext>
-    </p:extLst>
   </p:cSld>
   <p:clrMapOvr>
     <a:masterClrMapping/>
@@ -4257,13 +3931,7 @@
       </p:grpSpPr>
       <p:grpSp>
         <p:nvGrpSpPr>
-          <p:cNvPr id="3" name="组合 9">
-            <a:extLst>
-              <a:ext uri="{FF2B5EF4-FFF2-40B4-BE49-F238E27FC236}">
-                <a16:creationId xmlns:a16="http://schemas.microsoft.com/office/drawing/2014/main" id="{F3B86601-572A-1643-AC2D-2BC4F543EA6F}"/>
-              </a:ext>
-            </a:extLst>
-          </p:cNvPr>
+          <p:cNvPr id="3" name="组合 9"/>
           <p:cNvGrpSpPr/>
           <p:nvPr userDrawn="1"/>
         </p:nvGrpSpPr>
@@ -4277,13 +3945,7 @@
         </p:grpSpPr>
         <p:sp>
           <p:nvSpPr>
-            <p:cNvPr id="4" name="Rectangle 7">
-              <a:extLst>
-                <a:ext uri="{FF2B5EF4-FFF2-40B4-BE49-F238E27FC236}">
-                  <a16:creationId xmlns:a16="http://schemas.microsoft.com/office/drawing/2014/main" id="{01392FE9-8E2B-4AF1-055E-9280432114B3}"/>
-                </a:ext>
-              </a:extLst>
-            </p:cNvPr>
+            <p:cNvPr id="4" name="Rectangle 7"/>
             <p:cNvSpPr/>
             <p:nvPr/>
           </p:nvSpPr>
@@ -4336,7 +3998,6 @@
                 <a:buSzTx/>
                 <a:buFontTx/>
                 <a:buNone/>
-                <a:tabLst/>
                 <a:defRPr/>
               </a:pPr>
               <a:endParaRPr kumimoji="0" lang="en-US" sz="1800" b="0" i="0" u="none" strike="noStrike" kern="1200" cap="none" spc="0" normalizeH="0" baseline="0" noProof="0" dirty="0">
@@ -4349,7 +4010,7 @@
                 <a:effectLst/>
                 <a:uLnTx/>
                 <a:uFillTx/>
-                <a:latin typeface="Calibri"/>
+                <a:latin typeface="Calibri" panose="020F0502020204030204"/>
                 <a:ea typeface="+mn-ea"/>
                 <a:cs typeface="+mn-cs"/>
               </a:endParaRPr>
@@ -4358,13 +4019,7 @@
         </p:sp>
         <p:cxnSp>
           <p:nvCxnSpPr>
-            <p:cNvPr id="5" name="Straight Connector 15">
-              <a:extLst>
-                <a:ext uri="{FF2B5EF4-FFF2-40B4-BE49-F238E27FC236}">
-                  <a16:creationId xmlns:a16="http://schemas.microsoft.com/office/drawing/2014/main" id="{BFF354EE-8809-AF1A-40A6-BF4A941F26C9}"/>
-                </a:ext>
-              </a:extLst>
-            </p:cNvPr>
+            <p:cNvPr id="5" name="Straight Connector 15"/>
             <p:cNvCxnSpPr/>
             <p:nvPr/>
           </p:nvCxnSpPr>
@@ -4399,13 +4054,7 @@
         </p:cxnSp>
         <p:cxnSp>
           <p:nvCxnSpPr>
-            <p:cNvPr id="6" name="Straight Connector 16">
-              <a:extLst>
-                <a:ext uri="{FF2B5EF4-FFF2-40B4-BE49-F238E27FC236}">
-                  <a16:creationId xmlns:a16="http://schemas.microsoft.com/office/drawing/2014/main" id="{4769FE6D-E0D8-6C23-0CA2-41735616698E}"/>
-                </a:ext>
-              </a:extLst>
-            </p:cNvPr>
+            <p:cNvPr id="6" name="Straight Connector 16"/>
             <p:cNvCxnSpPr/>
             <p:nvPr/>
           </p:nvCxnSpPr>
@@ -4441,13 +4090,7 @@
       </p:grpSp>
       <p:sp>
         <p:nvSpPr>
-          <p:cNvPr id="8" name="TextBox 1">
-            <a:extLst>
-              <a:ext uri="{FF2B5EF4-FFF2-40B4-BE49-F238E27FC236}">
-                <a16:creationId xmlns:a16="http://schemas.microsoft.com/office/drawing/2014/main" id="{11776361-2F27-DA3A-C763-BEC6B9245142}"/>
-              </a:ext>
-            </a:extLst>
-          </p:cNvPr>
+          <p:cNvPr id="8" name="TextBox 1"/>
           <p:cNvSpPr txBox="1">
             <a:spLocks noChangeArrowheads="1"/>
           </p:cNvSpPr>
@@ -4487,7 +4130,6 @@
               <a:buSzTx/>
               <a:buFontTx/>
               <a:buNone/>
-              <a:tabLst/>
               <a:defRPr/>
             </a:pPr>
             <a:r>
@@ -4526,13 +4168,7 @@
       </p:sp>
       <p:sp>
         <p:nvSpPr>
-          <p:cNvPr id="10" name="内容占位符 9">
-            <a:extLst>
-              <a:ext uri="{FF2B5EF4-FFF2-40B4-BE49-F238E27FC236}">
-                <a16:creationId xmlns:a16="http://schemas.microsoft.com/office/drawing/2014/main" id="{0CB160DA-4B21-EA51-B8AA-602DAFCEC82D}"/>
-              </a:ext>
-            </a:extLst>
-          </p:cNvPr>
+          <p:cNvPr id="10" name="内容占位符 9"/>
           <p:cNvSpPr>
             <a:spLocks noGrp="1"/>
           </p:cNvSpPr>
@@ -4542,8 +4178,8 @@
         </p:nvSpPr>
         <p:spPr>
           <a:xfrm>
-            <a:off x="1697038" y="75388"/>
-            <a:ext cx="10494962" cy="766800"/>
+            <a:off x="1601788" y="84138"/>
+            <a:ext cx="10494962" cy="768350"/>
           </a:xfrm>
           <a:prstGeom prst="rect">
             <a:avLst/>
@@ -4572,22 +4208,21 @@
               </a:spcBef>
             </a:pPr>
             <a:r>
+              <a:t>【</a:t>
+            </a:r>
+            <a:r>
               <a:rPr lang="en-US" altLang="zh-CN"/>
-              <a:t>({})</a:t>
+              <a:t>{}</a:t>
             </a:r>
-            <a:endParaRPr lang="zh-CN" altLang="en-US"/>
+            <a:r>
+              <a:t>】</a:t>
+            </a:r>
           </a:p>
         </p:txBody>
       </p:sp>
       <p:sp>
         <p:nvSpPr>
-          <p:cNvPr id="14" name="内容占位符 13">
-            <a:extLst>
-              <a:ext uri="{FF2B5EF4-FFF2-40B4-BE49-F238E27FC236}">
-                <a16:creationId xmlns:a16="http://schemas.microsoft.com/office/drawing/2014/main" id="{AAA8722E-AC3C-252D-3CB1-1B5085C4A3C0}"/>
-              </a:ext>
-            </a:extLst>
-          </p:cNvPr>
+          <p:cNvPr id="14" name="内容占位符 13"/>
           <p:cNvSpPr>
             <a:spLocks noGrp="1"/>
           </p:cNvSpPr>
@@ -4632,15 +4267,11 @@
               <a:rPr lang="zh-CN" altLang="en-US"/>
               <a:t>单击编辑经文</a:t>
             </a:r>
+            <a:endParaRPr lang="zh-CN" altLang="en-US"/>
           </a:p>
         </p:txBody>
       </p:sp>
     </p:spTree>
-    <p:extLst>
-      <p:ext uri="{BB962C8B-B14F-4D97-AF65-F5344CB8AC3E}">
-        <p14:creationId xmlns:p14="http://schemas.microsoft.com/office/powerpoint/2010/main" val="514987720"/>
-      </p:ext>
-    </p:extLst>
   </p:cSld>
   <p:clrMapOvr>
     <a:masterClrMapping/>
@@ -4667,13 +4298,7 @@
       </p:grpSpPr>
       <p:grpSp>
         <p:nvGrpSpPr>
-          <p:cNvPr id="3" name="组合 9">
-            <a:extLst>
-              <a:ext uri="{FF2B5EF4-FFF2-40B4-BE49-F238E27FC236}">
-                <a16:creationId xmlns:a16="http://schemas.microsoft.com/office/drawing/2014/main" id="{097A795E-FC29-32C3-BB58-4BF0CC55531F}"/>
-              </a:ext>
-            </a:extLst>
-          </p:cNvPr>
+          <p:cNvPr id="3" name="组合 9"/>
           <p:cNvGrpSpPr/>
           <p:nvPr userDrawn="1"/>
         </p:nvGrpSpPr>
@@ -4687,13 +4312,7 @@
         </p:grpSpPr>
         <p:sp>
           <p:nvSpPr>
-            <p:cNvPr id="4" name="Rectangle 7">
-              <a:extLst>
-                <a:ext uri="{FF2B5EF4-FFF2-40B4-BE49-F238E27FC236}">
-                  <a16:creationId xmlns:a16="http://schemas.microsoft.com/office/drawing/2014/main" id="{0B4C444F-6774-1F25-0767-F626FA1432E1}"/>
-                </a:ext>
-              </a:extLst>
-            </p:cNvPr>
+            <p:cNvPr id="4" name="Rectangle 7"/>
             <p:cNvSpPr/>
             <p:nvPr/>
           </p:nvSpPr>
@@ -4746,7 +4365,6 @@
                 <a:buSzTx/>
                 <a:buFontTx/>
                 <a:buNone/>
-                <a:tabLst/>
                 <a:defRPr/>
               </a:pPr>
               <a:endParaRPr kumimoji="0" lang="en-US" sz="1800" b="0" i="0" u="none" strike="noStrike" kern="1200" cap="none" spc="0" normalizeH="0" baseline="0" noProof="0" dirty="0">
@@ -4759,7 +4377,7 @@
                 <a:effectLst/>
                 <a:uLnTx/>
                 <a:uFillTx/>
-                <a:latin typeface="Calibri"/>
+                <a:latin typeface="Calibri" panose="020F0502020204030204"/>
                 <a:ea typeface="+mn-ea"/>
                 <a:cs typeface="+mn-cs"/>
               </a:endParaRPr>
@@ -4768,13 +4386,7 @@
         </p:sp>
         <p:cxnSp>
           <p:nvCxnSpPr>
-            <p:cNvPr id="5" name="Straight Connector 15">
-              <a:extLst>
-                <a:ext uri="{FF2B5EF4-FFF2-40B4-BE49-F238E27FC236}">
-                  <a16:creationId xmlns:a16="http://schemas.microsoft.com/office/drawing/2014/main" id="{68B1D6F5-E178-0C4E-032E-2FEB3E46406E}"/>
-                </a:ext>
-              </a:extLst>
-            </p:cNvPr>
+            <p:cNvPr id="5" name="Straight Connector 15"/>
             <p:cNvCxnSpPr/>
             <p:nvPr/>
           </p:nvCxnSpPr>
@@ -4809,13 +4421,7 @@
         </p:cxnSp>
         <p:cxnSp>
           <p:nvCxnSpPr>
-            <p:cNvPr id="6" name="Straight Connector 16">
-              <a:extLst>
-                <a:ext uri="{FF2B5EF4-FFF2-40B4-BE49-F238E27FC236}">
-                  <a16:creationId xmlns:a16="http://schemas.microsoft.com/office/drawing/2014/main" id="{8AD57DF0-685F-5D39-35E4-C298F589ED2F}"/>
-                </a:ext>
-              </a:extLst>
-            </p:cNvPr>
+            <p:cNvPr id="6" name="Straight Connector 16"/>
             <p:cNvCxnSpPr/>
             <p:nvPr/>
           </p:nvCxnSpPr>
@@ -4851,13 +4457,7 @@
       </p:grpSp>
       <p:sp>
         <p:nvSpPr>
-          <p:cNvPr id="7" name="TextBox 1">
-            <a:extLst>
-              <a:ext uri="{FF2B5EF4-FFF2-40B4-BE49-F238E27FC236}">
-                <a16:creationId xmlns:a16="http://schemas.microsoft.com/office/drawing/2014/main" id="{33EC7693-92F6-E1B6-6E56-A0F66328309F}"/>
-              </a:ext>
-            </a:extLst>
-          </p:cNvPr>
+          <p:cNvPr id="7" name="TextBox 1"/>
           <p:cNvSpPr txBox="1">
             <a:spLocks noChangeArrowheads="1"/>
           </p:cNvSpPr>
@@ -4897,7 +4497,6 @@
               <a:buSzTx/>
               <a:buFontTx/>
               <a:buNone/>
-              <a:tabLst/>
               <a:defRPr/>
             </a:pPr>
             <a:r>
@@ -4935,11 +4534,6 @@
         </p:txBody>
       </p:sp>
     </p:spTree>
-    <p:extLst>
-      <p:ext uri="{BB962C8B-B14F-4D97-AF65-F5344CB8AC3E}">
-        <p14:creationId xmlns:p14="http://schemas.microsoft.com/office/powerpoint/2010/main" val="223465494"/>
-      </p:ext>
-    </p:extLst>
   </p:cSld>
   <p:clrMapOvr>
     <a:masterClrMapping/>
@@ -4966,13 +4560,7 @@
       </p:grpSpPr>
       <p:grpSp>
         <p:nvGrpSpPr>
-          <p:cNvPr id="3" name="组合 9">
-            <a:extLst>
-              <a:ext uri="{FF2B5EF4-FFF2-40B4-BE49-F238E27FC236}">
-                <a16:creationId xmlns:a16="http://schemas.microsoft.com/office/drawing/2014/main" id="{B472B244-0A0F-12D3-3325-11F65BD3D031}"/>
-              </a:ext>
-            </a:extLst>
-          </p:cNvPr>
+          <p:cNvPr id="3" name="组合 9"/>
           <p:cNvGrpSpPr/>
           <p:nvPr userDrawn="1"/>
         </p:nvGrpSpPr>
@@ -4986,13 +4574,7 @@
         </p:grpSpPr>
         <p:sp>
           <p:nvSpPr>
-            <p:cNvPr id="4" name="Rectangle 7">
-              <a:extLst>
-                <a:ext uri="{FF2B5EF4-FFF2-40B4-BE49-F238E27FC236}">
-                  <a16:creationId xmlns:a16="http://schemas.microsoft.com/office/drawing/2014/main" id="{B4B135D7-47A9-F201-CE14-952CEE39FA8C}"/>
-                </a:ext>
-              </a:extLst>
-            </p:cNvPr>
+            <p:cNvPr id="4" name="Rectangle 7"/>
             <p:cNvSpPr/>
             <p:nvPr/>
           </p:nvSpPr>
@@ -5045,7 +4627,6 @@
                 <a:buSzTx/>
                 <a:buFontTx/>
                 <a:buNone/>
-                <a:tabLst/>
                 <a:defRPr/>
               </a:pPr>
               <a:endParaRPr kumimoji="0" lang="en-US" sz="1800" b="0" i="0" u="none" strike="noStrike" kern="1200" cap="none" spc="0" normalizeH="0" baseline="0" noProof="0" dirty="0">
@@ -5058,7 +4639,7 @@
                 <a:effectLst/>
                 <a:uLnTx/>
                 <a:uFillTx/>
-                <a:latin typeface="Calibri"/>
+                <a:latin typeface="Calibri" panose="020F0502020204030204"/>
                 <a:ea typeface="+mn-ea"/>
                 <a:cs typeface="+mn-cs"/>
               </a:endParaRPr>
@@ -5067,13 +4648,7 @@
         </p:sp>
         <p:cxnSp>
           <p:nvCxnSpPr>
-            <p:cNvPr id="5" name="Straight Connector 15">
-              <a:extLst>
-                <a:ext uri="{FF2B5EF4-FFF2-40B4-BE49-F238E27FC236}">
-                  <a16:creationId xmlns:a16="http://schemas.microsoft.com/office/drawing/2014/main" id="{3152720D-7B0A-921F-CAA2-EC5A97E1710E}"/>
-                </a:ext>
-              </a:extLst>
-            </p:cNvPr>
+            <p:cNvPr id="5" name="Straight Connector 15"/>
             <p:cNvCxnSpPr/>
             <p:nvPr/>
           </p:nvCxnSpPr>
@@ -5108,13 +4683,7 @@
         </p:cxnSp>
         <p:cxnSp>
           <p:nvCxnSpPr>
-            <p:cNvPr id="6" name="Straight Connector 16">
-              <a:extLst>
-                <a:ext uri="{FF2B5EF4-FFF2-40B4-BE49-F238E27FC236}">
-                  <a16:creationId xmlns:a16="http://schemas.microsoft.com/office/drawing/2014/main" id="{6F5CE548-413A-AA40-AFAC-884A8345C235}"/>
-                </a:ext>
-              </a:extLst>
-            </p:cNvPr>
+            <p:cNvPr id="6" name="Straight Connector 16"/>
             <p:cNvCxnSpPr/>
             <p:nvPr/>
           </p:nvCxnSpPr>
@@ -5150,13 +4719,7 @@
       </p:grpSp>
       <p:pic>
         <p:nvPicPr>
-          <p:cNvPr id="7" name="Picture 4" descr="http://pic.shenshi777.com/uploads/allimg/150707/1-150FH10Z1.jpg">
-            <a:extLst>
-              <a:ext uri="{FF2B5EF4-FFF2-40B4-BE49-F238E27FC236}">
-                <a16:creationId xmlns:a16="http://schemas.microsoft.com/office/drawing/2014/main" id="{74855EBE-ED04-626C-F8E0-057805F14808}"/>
-              </a:ext>
-            </a:extLst>
-          </p:cNvPr>
+          <p:cNvPr id="7" name="Picture 4" descr="http://pic.shenshi777.com/uploads/allimg/150707/1-150FH10Z1.jpg"/>
           <p:cNvPicPr>
             <a:picLocks noChangeAspect="1" noChangeArrowheads="1"/>
           </p:cNvPicPr>
@@ -5188,13 +4751,7 @@
       </p:pic>
       <p:sp>
         <p:nvSpPr>
-          <p:cNvPr id="8" name="TextBox 1">
-            <a:extLst>
-              <a:ext uri="{FF2B5EF4-FFF2-40B4-BE49-F238E27FC236}">
-                <a16:creationId xmlns:a16="http://schemas.microsoft.com/office/drawing/2014/main" id="{625944C8-A7B9-BA9D-5C3F-A6FB8CF3E9F1}"/>
-              </a:ext>
-            </a:extLst>
-          </p:cNvPr>
+          <p:cNvPr id="8" name="TextBox 1"/>
           <p:cNvSpPr txBox="1">
             <a:spLocks noChangeArrowheads="1"/>
           </p:cNvSpPr>
@@ -5234,7 +4791,6 @@
               <a:buSzTx/>
               <a:buFontTx/>
               <a:buNone/>
-              <a:tabLst/>
               <a:defRPr/>
             </a:pPr>
             <a:r>
@@ -5254,18 +4810,26 @@
               </a:rPr>
               <a:t>沉静学道敬拜上帝</a:t>
             </a:r>
+            <a:endParaRPr kumimoji="1" lang="zh-CN" altLang="en-US" sz="3600" b="1" i="0" u="none" strike="noStrike" kern="1200" cap="none" spc="0" normalizeH="0" baseline="0" noProof="0" dirty="0">
+              <a:ln>
+                <a:noFill/>
+              </a:ln>
+              <a:solidFill>
+                <a:prstClr val="black"/>
+              </a:solidFill>
+              <a:effectLst/>
+              <a:uLnTx/>
+              <a:uFillTx/>
+              <a:latin typeface="微软雅黑" panose="020B0503020204020204" pitchFamily="34" charset="-122"/>
+              <a:ea typeface="微软雅黑" panose="020B0503020204020204" pitchFamily="34" charset="-122"/>
+              <a:cs typeface="+mn-cs"/>
+            </a:endParaRPr>
           </a:p>
         </p:txBody>
       </p:sp>
       <p:sp>
         <p:nvSpPr>
-          <p:cNvPr id="9" name="副标题 2">
-            <a:extLst>
-              <a:ext uri="{FF2B5EF4-FFF2-40B4-BE49-F238E27FC236}">
-                <a16:creationId xmlns:a16="http://schemas.microsoft.com/office/drawing/2014/main" id="{FFC06475-03C0-92DE-706A-9BD8F557788B}"/>
-              </a:ext>
-            </a:extLst>
-          </p:cNvPr>
+          <p:cNvPr id="9" name="副标题 2"/>
           <p:cNvSpPr txBox="1">
             <a:spLocks noChangeArrowheads="1"/>
           </p:cNvSpPr>
@@ -5303,7 +4867,6 @@
               <a:buSzTx/>
               <a:buFontTx/>
               <a:buNone/>
-              <a:tabLst/>
               <a:defRPr/>
             </a:pPr>
             <a:r>
@@ -5323,15 +4886,24 @@
               </a:rPr>
               <a:t>宣信、证道</a:t>
             </a:r>
+            <a:endParaRPr kumimoji="0" lang="zh-CN" altLang="en-US" sz="4400" b="1" i="0" u="none" strike="noStrike" kern="0" cap="none" spc="0" normalizeH="0" baseline="0" noProof="0" dirty="0">
+              <a:ln>
+                <a:noFill/>
+              </a:ln>
+              <a:solidFill>
+                <a:prstClr val="black"/>
+              </a:solidFill>
+              <a:effectLst/>
+              <a:uLnTx/>
+              <a:uFillTx/>
+              <a:latin typeface="微软雅黑" panose="020B0503020204020204" pitchFamily="34" charset="-122"/>
+              <a:ea typeface="微软雅黑" panose="020B0503020204020204" pitchFamily="34" charset="-122"/>
+              <a:cs typeface="+mn-cs"/>
+            </a:endParaRPr>
           </a:p>
         </p:txBody>
       </p:sp>
     </p:spTree>
-    <p:extLst>
-      <p:ext uri="{BB962C8B-B14F-4D97-AF65-F5344CB8AC3E}">
-        <p14:creationId xmlns:p14="http://schemas.microsoft.com/office/powerpoint/2010/main" val="2746702766"/>
-      </p:ext>
-    </p:extLst>
   </p:cSld>
   <p:clrMapOvr>
     <a:masterClrMapping/>
@@ -5358,13 +4930,7 @@
       </p:grpSpPr>
       <p:grpSp>
         <p:nvGrpSpPr>
-          <p:cNvPr id="2" name="组合 9">
-            <a:extLst>
-              <a:ext uri="{FF2B5EF4-FFF2-40B4-BE49-F238E27FC236}">
-                <a16:creationId xmlns:a16="http://schemas.microsoft.com/office/drawing/2014/main" id="{43B2DF6C-1908-F417-FE37-298124D3EF14}"/>
-              </a:ext>
-            </a:extLst>
-          </p:cNvPr>
+          <p:cNvPr id="2" name="组合 9"/>
           <p:cNvGrpSpPr/>
           <p:nvPr userDrawn="1"/>
         </p:nvGrpSpPr>
@@ -5378,13 +4944,7 @@
         </p:grpSpPr>
         <p:sp>
           <p:nvSpPr>
-            <p:cNvPr id="3" name="Rectangle 7">
-              <a:extLst>
-                <a:ext uri="{FF2B5EF4-FFF2-40B4-BE49-F238E27FC236}">
-                  <a16:creationId xmlns:a16="http://schemas.microsoft.com/office/drawing/2014/main" id="{1C48F0A1-AA14-CF48-A5FB-6F9889CF68E5}"/>
-                </a:ext>
-              </a:extLst>
-            </p:cNvPr>
+            <p:cNvPr id="3" name="Rectangle 7"/>
             <p:cNvSpPr/>
             <p:nvPr/>
           </p:nvSpPr>
@@ -5438,13 +4998,7 @@
         </p:sp>
         <p:cxnSp>
           <p:nvCxnSpPr>
-            <p:cNvPr id="4" name="Straight Connector 15">
-              <a:extLst>
-                <a:ext uri="{FF2B5EF4-FFF2-40B4-BE49-F238E27FC236}">
-                  <a16:creationId xmlns:a16="http://schemas.microsoft.com/office/drawing/2014/main" id="{A54A9104-EBCB-3016-97B9-FC9F04733ABA}"/>
-                </a:ext>
-              </a:extLst>
-            </p:cNvPr>
+            <p:cNvPr id="4" name="Straight Connector 15"/>
             <p:cNvCxnSpPr/>
             <p:nvPr/>
           </p:nvCxnSpPr>
@@ -5479,13 +5033,7 @@
         </p:cxnSp>
         <p:cxnSp>
           <p:nvCxnSpPr>
-            <p:cNvPr id="5" name="Straight Connector 16">
-              <a:extLst>
-                <a:ext uri="{FF2B5EF4-FFF2-40B4-BE49-F238E27FC236}">
-                  <a16:creationId xmlns:a16="http://schemas.microsoft.com/office/drawing/2014/main" id="{B9148E0D-30D2-E912-2BCC-42EF2E72432C}"/>
-                </a:ext>
-              </a:extLst>
-            </p:cNvPr>
+            <p:cNvPr id="5" name="Straight Connector 16"/>
             <p:cNvCxnSpPr/>
             <p:nvPr/>
           </p:nvCxnSpPr>
@@ -5546,13 +5094,7 @@
       </p:grpSpPr>
       <p:grpSp>
         <p:nvGrpSpPr>
-          <p:cNvPr id="3" name="组合 9">
-            <a:extLst>
-              <a:ext uri="{FF2B5EF4-FFF2-40B4-BE49-F238E27FC236}">
-                <a16:creationId xmlns:a16="http://schemas.microsoft.com/office/drawing/2014/main" id="{9AA72B2A-DC4B-22A5-A5AE-CE01CDA6189B}"/>
-              </a:ext>
-            </a:extLst>
-          </p:cNvPr>
+          <p:cNvPr id="3" name="组合 9"/>
           <p:cNvGrpSpPr/>
           <p:nvPr userDrawn="1"/>
         </p:nvGrpSpPr>
@@ -5566,13 +5108,7 @@
         </p:grpSpPr>
         <p:sp>
           <p:nvSpPr>
-            <p:cNvPr id="4" name="Rectangle 7">
-              <a:extLst>
-                <a:ext uri="{FF2B5EF4-FFF2-40B4-BE49-F238E27FC236}">
-                  <a16:creationId xmlns:a16="http://schemas.microsoft.com/office/drawing/2014/main" id="{F8DB6838-AE64-D249-6F0D-EE31F30BE394}"/>
-                </a:ext>
-              </a:extLst>
-            </p:cNvPr>
+            <p:cNvPr id="4" name="Rectangle 7"/>
             <p:cNvSpPr/>
             <p:nvPr/>
           </p:nvSpPr>
@@ -5625,7 +5161,6 @@
                 <a:buSzTx/>
                 <a:buFontTx/>
                 <a:buNone/>
-                <a:tabLst/>
                 <a:defRPr/>
               </a:pPr>
               <a:endParaRPr kumimoji="0" lang="en-US" sz="1800" b="0" i="0" u="none" strike="noStrike" kern="1200" cap="none" spc="0" normalizeH="0" baseline="0" noProof="0" dirty="0">
@@ -5638,7 +5173,7 @@
                 <a:effectLst/>
                 <a:uLnTx/>
                 <a:uFillTx/>
-                <a:latin typeface="Calibri"/>
+                <a:latin typeface="Calibri" panose="020F0502020204030204"/>
                 <a:ea typeface="+mn-ea"/>
                 <a:cs typeface="+mn-cs"/>
               </a:endParaRPr>
@@ -5647,13 +5182,7 @@
         </p:sp>
         <p:cxnSp>
           <p:nvCxnSpPr>
-            <p:cNvPr id="5" name="Straight Connector 15">
-              <a:extLst>
-                <a:ext uri="{FF2B5EF4-FFF2-40B4-BE49-F238E27FC236}">
-                  <a16:creationId xmlns:a16="http://schemas.microsoft.com/office/drawing/2014/main" id="{BE6D9B0F-448E-9355-FED9-28BE22E459DF}"/>
-                </a:ext>
-              </a:extLst>
-            </p:cNvPr>
+            <p:cNvPr id="5" name="Straight Connector 15"/>
             <p:cNvCxnSpPr/>
             <p:nvPr/>
           </p:nvCxnSpPr>
@@ -5688,13 +5217,7 @@
         </p:cxnSp>
         <p:cxnSp>
           <p:nvCxnSpPr>
-            <p:cNvPr id="6" name="Straight Connector 16">
-              <a:extLst>
-                <a:ext uri="{FF2B5EF4-FFF2-40B4-BE49-F238E27FC236}">
-                  <a16:creationId xmlns:a16="http://schemas.microsoft.com/office/drawing/2014/main" id="{E5F76E13-7258-9F51-5E57-ADE9B2CFC68C}"/>
-                </a:ext>
-              </a:extLst>
-            </p:cNvPr>
+            <p:cNvPr id="6" name="Straight Connector 16"/>
             <p:cNvCxnSpPr/>
             <p:nvPr/>
           </p:nvCxnSpPr>
@@ -5730,13 +5253,7 @@
       </p:grpSp>
       <p:pic>
         <p:nvPicPr>
-          <p:cNvPr id="7" name="Picture 4" descr="http://pic.shenshi777.com/uploads/allimg/150707/1-150FH10Z1.jpg">
-            <a:extLst>
-              <a:ext uri="{FF2B5EF4-FFF2-40B4-BE49-F238E27FC236}">
-                <a16:creationId xmlns:a16="http://schemas.microsoft.com/office/drawing/2014/main" id="{6DCA2397-9B0B-0F2D-8DF7-EF4061B44892}"/>
-              </a:ext>
-            </a:extLst>
-          </p:cNvPr>
+          <p:cNvPr id="7" name="Picture 4" descr="http://pic.shenshi777.com/uploads/allimg/150707/1-150FH10Z1.jpg"/>
           <p:cNvPicPr>
             <a:picLocks noChangeAspect="1" noChangeArrowheads="1"/>
           </p:cNvPicPr>
@@ -5768,13 +5285,7 @@
       </p:pic>
       <p:sp>
         <p:nvSpPr>
-          <p:cNvPr id="8" name="TextBox 1">
-            <a:extLst>
-              <a:ext uri="{FF2B5EF4-FFF2-40B4-BE49-F238E27FC236}">
-                <a16:creationId xmlns:a16="http://schemas.microsoft.com/office/drawing/2014/main" id="{36A969E3-F874-BD27-02CE-8ACC69A3EC3B}"/>
-              </a:ext>
-            </a:extLst>
-          </p:cNvPr>
+          <p:cNvPr id="8" name="TextBox 1"/>
           <p:cNvSpPr txBox="1">
             <a:spLocks noChangeArrowheads="1"/>
           </p:cNvSpPr>
@@ -5814,7 +5325,6 @@
               <a:buSzTx/>
               <a:buFontTx/>
               <a:buNone/>
-              <a:tabLst/>
               <a:defRPr/>
             </a:pPr>
             <a:r>
@@ -5853,13 +5363,7 @@
       </p:sp>
       <p:sp>
         <p:nvSpPr>
-          <p:cNvPr id="10" name="内容占位符 9">
-            <a:extLst>
-              <a:ext uri="{FF2B5EF4-FFF2-40B4-BE49-F238E27FC236}">
-                <a16:creationId xmlns:a16="http://schemas.microsoft.com/office/drawing/2014/main" id="{B5E367E3-23DE-C2A1-6BDA-8352FE5089A6}"/>
-              </a:ext>
-            </a:extLst>
-          </p:cNvPr>
+          <p:cNvPr id="10" name="内容占位符 9"/>
           <p:cNvSpPr>
             <a:spLocks noGrp="1"/>
           </p:cNvSpPr>
@@ -5899,7 +5403,6 @@
               <a:buSzTx/>
               <a:buFontTx/>
               <a:buNone/>
-              <a:tabLst/>
               <a:defRPr/>
             </a:pPr>
             <a:r>
@@ -5919,6 +5422,20 @@
               </a:rPr>
               <a:t>《{}》</a:t>
             </a:r>
+            <a:endParaRPr kumimoji="0" lang="en-US" altLang="zh-CN" sz="4800" b="1" i="0" u="none" strike="noStrike" kern="1200" cap="none" spc="0" normalizeH="0" baseline="0" noProof="0" dirty="0">
+              <a:ln>
+                <a:noFill/>
+              </a:ln>
+              <a:solidFill>
+                <a:prstClr val="black"/>
+              </a:solidFill>
+              <a:effectLst/>
+              <a:uLnTx/>
+              <a:uFillTx/>
+              <a:latin typeface="微软雅黑" panose="020B0503020204020204" pitchFamily="34" charset="-122"/>
+              <a:ea typeface="微软雅黑" panose="020B0503020204020204" pitchFamily="34" charset="-122"/>
+              <a:cs typeface="+mn-cs"/>
+            </a:endParaRPr>
           </a:p>
           <a:p>
             <a:pPr marL="0" marR="0" lvl="0" indent="0" algn="ctr" defTabSz="914400" rtl="0" eaLnBrk="0" fontAlgn="base" latinLnBrk="0" hangingPunct="0">
@@ -5935,7 +5452,6 @@
               <a:buSzTx/>
               <a:buFontTx/>
               <a:buNone/>
-              <a:tabLst/>
               <a:defRPr/>
             </a:pPr>
             <a:endParaRPr kumimoji="0" lang="en-US" altLang="zh-CN" sz="3200" b="1" i="0" u="none" strike="noStrike" kern="1200" cap="none" spc="0" normalizeH="0" baseline="0" noProof="0" dirty="0">
@@ -5968,7 +5484,6 @@
               <a:buSzTx/>
               <a:buFontTx/>
               <a:buNone/>
-              <a:tabLst/>
               <a:defRPr/>
             </a:pPr>
             <a:endParaRPr kumimoji="0" lang="en-US" altLang="zh-CN" sz="3200" b="1" i="0" u="none" strike="noStrike" kern="1200" cap="none" spc="0" normalizeH="0" baseline="0" noProof="0" dirty="0">
@@ -6001,7 +5516,6 @@
               <a:buSzTx/>
               <a:buFontTx/>
               <a:buNone/>
-              <a:tabLst/>
               <a:defRPr/>
             </a:pPr>
             <a:endParaRPr kumimoji="0" lang="en-US" altLang="zh-CN" sz="3200" b="1" i="0" u="none" strike="noStrike" kern="1200" cap="none" spc="0" normalizeH="0" baseline="0" noProof="0" dirty="0">
@@ -6034,7 +5548,6 @@
               <a:buSzTx/>
               <a:buFontTx/>
               <a:buNone/>
-              <a:tabLst/>
               <a:defRPr/>
             </a:pPr>
             <a:r>
@@ -6076,11 +5589,6 @@
         </p:txBody>
       </p:sp>
     </p:spTree>
-    <p:extLst>
-      <p:ext uri="{BB962C8B-B14F-4D97-AF65-F5344CB8AC3E}">
-        <p14:creationId xmlns:p14="http://schemas.microsoft.com/office/powerpoint/2010/main" val="4095011293"/>
-      </p:ext>
-    </p:extLst>
   </p:cSld>
   <p:clrMapOvr>
     <a:masterClrMapping/>
@@ -6107,13 +5615,7 @@
       </p:grpSpPr>
       <p:sp>
         <p:nvSpPr>
-          <p:cNvPr id="3" name="TextBox 1">
-            <a:extLst>
-              <a:ext uri="{FF2B5EF4-FFF2-40B4-BE49-F238E27FC236}">
-                <a16:creationId xmlns:a16="http://schemas.microsoft.com/office/drawing/2014/main" id="{EEDF31C0-46D5-B405-4CA6-EC076F06DBFA}"/>
-              </a:ext>
-            </a:extLst>
-          </p:cNvPr>
+          <p:cNvPr id="3" name="TextBox 1"/>
           <p:cNvSpPr txBox="1">
             <a:spLocks noChangeArrowheads="1"/>
           </p:cNvSpPr>
@@ -6153,7 +5655,6 @@
               <a:buSzTx/>
               <a:buFontTx/>
               <a:buNone/>
-              <a:tabLst/>
               <a:defRPr/>
             </a:pPr>
             <a:r>
@@ -6192,13 +5693,7 @@
       </p:sp>
       <p:grpSp>
         <p:nvGrpSpPr>
-          <p:cNvPr id="8" name="组合 9">
-            <a:extLst>
-              <a:ext uri="{FF2B5EF4-FFF2-40B4-BE49-F238E27FC236}">
-                <a16:creationId xmlns:a16="http://schemas.microsoft.com/office/drawing/2014/main" id="{08F46026-7627-BC80-0936-D9FA857CF9E3}"/>
-              </a:ext>
-            </a:extLst>
-          </p:cNvPr>
+          <p:cNvPr id="8" name="组合 9"/>
           <p:cNvGrpSpPr/>
           <p:nvPr userDrawn="1"/>
         </p:nvGrpSpPr>
@@ -6212,13 +5707,7 @@
         </p:grpSpPr>
         <p:sp>
           <p:nvSpPr>
-            <p:cNvPr id="9" name="Rectangle 7">
-              <a:extLst>
-                <a:ext uri="{FF2B5EF4-FFF2-40B4-BE49-F238E27FC236}">
-                  <a16:creationId xmlns:a16="http://schemas.microsoft.com/office/drawing/2014/main" id="{B909A51A-C336-78B9-7129-DFD91597AE9E}"/>
-                </a:ext>
-              </a:extLst>
-            </p:cNvPr>
+            <p:cNvPr id="9" name="Rectangle 7"/>
             <p:cNvSpPr/>
             <p:nvPr/>
           </p:nvSpPr>
@@ -6271,7 +5760,6 @@
                 <a:buSzTx/>
                 <a:buFontTx/>
                 <a:buNone/>
-                <a:tabLst/>
                 <a:defRPr/>
               </a:pPr>
               <a:endParaRPr kumimoji="0" lang="en-US" sz="1800" b="0" i="0" u="none" strike="noStrike" kern="1200" cap="none" spc="0" normalizeH="0" baseline="0" noProof="0" dirty="0">
@@ -6284,7 +5772,7 @@
                 <a:effectLst/>
                 <a:uLnTx/>
                 <a:uFillTx/>
-                <a:latin typeface="Calibri"/>
+                <a:latin typeface="Calibri" panose="020F0502020204030204"/>
                 <a:ea typeface="+mn-ea"/>
                 <a:cs typeface="+mn-cs"/>
               </a:endParaRPr>
@@ -6293,13 +5781,7 @@
         </p:sp>
         <p:cxnSp>
           <p:nvCxnSpPr>
-            <p:cNvPr id="10" name="Straight Connector 15">
-              <a:extLst>
-                <a:ext uri="{FF2B5EF4-FFF2-40B4-BE49-F238E27FC236}">
-                  <a16:creationId xmlns:a16="http://schemas.microsoft.com/office/drawing/2014/main" id="{897AA4D3-E617-0C2F-23F2-D321F8FFEDDE}"/>
-                </a:ext>
-              </a:extLst>
-            </p:cNvPr>
+            <p:cNvPr id="10" name="Straight Connector 15"/>
             <p:cNvCxnSpPr/>
             <p:nvPr/>
           </p:nvCxnSpPr>
@@ -6334,13 +5816,7 @@
         </p:cxnSp>
         <p:cxnSp>
           <p:nvCxnSpPr>
-            <p:cNvPr id="11" name="Straight Connector 16">
-              <a:extLst>
-                <a:ext uri="{FF2B5EF4-FFF2-40B4-BE49-F238E27FC236}">
-                  <a16:creationId xmlns:a16="http://schemas.microsoft.com/office/drawing/2014/main" id="{36D78BF5-2C09-2C3B-6998-C1185EEBE213}"/>
-                </a:ext>
-              </a:extLst>
-            </p:cNvPr>
+            <p:cNvPr id="11" name="Straight Connector 16"/>
             <p:cNvCxnSpPr/>
             <p:nvPr/>
           </p:nvCxnSpPr>
@@ -6376,13 +5852,7 @@
       </p:grpSp>
       <p:pic>
         <p:nvPicPr>
-          <p:cNvPr id="12" name="Picture 4" descr="http://pic.shenshi777.com/uploads/allimg/150707/1-150FH10Z1.jpg">
-            <a:extLst>
-              <a:ext uri="{FF2B5EF4-FFF2-40B4-BE49-F238E27FC236}">
-                <a16:creationId xmlns:a16="http://schemas.microsoft.com/office/drawing/2014/main" id="{EDFDCCF6-CC5D-D14F-B779-0E994363C4DF}"/>
-              </a:ext>
-            </a:extLst>
-          </p:cNvPr>
+          <p:cNvPr id="12" name="Picture 4" descr="http://pic.shenshi777.com/uploads/allimg/150707/1-150FH10Z1.jpg"/>
           <p:cNvPicPr>
             <a:picLocks noChangeAspect="1" noChangeArrowheads="1"/>
           </p:cNvPicPr>
@@ -6414,13 +5884,7 @@
       </p:pic>
       <p:sp>
         <p:nvSpPr>
-          <p:cNvPr id="14" name="内容占位符 13">
-            <a:extLst>
-              <a:ext uri="{FF2B5EF4-FFF2-40B4-BE49-F238E27FC236}">
-                <a16:creationId xmlns:a16="http://schemas.microsoft.com/office/drawing/2014/main" id="{5C7A45A3-5FA0-DD97-BA24-EC037CB55AE7}"/>
-              </a:ext>
-            </a:extLst>
-          </p:cNvPr>
+          <p:cNvPr id="14" name="内容占位符 13"/>
           <p:cNvSpPr>
             <a:spLocks noGrp="1"/>
           </p:cNvSpPr>
@@ -6460,13 +5924,7 @@
       </p:sp>
       <p:sp>
         <p:nvSpPr>
-          <p:cNvPr id="18" name="内容占位符 17">
-            <a:extLst>
-              <a:ext uri="{FF2B5EF4-FFF2-40B4-BE49-F238E27FC236}">
-                <a16:creationId xmlns:a16="http://schemas.microsoft.com/office/drawing/2014/main" id="{8EC7A8A5-D9A8-B540-916F-09CA684E10F0}"/>
-              </a:ext>
-            </a:extLst>
-          </p:cNvPr>
+          <p:cNvPr id="18" name="内容占位符 17"/>
           <p:cNvSpPr>
             <a:spLocks noGrp="1"/>
           </p:cNvSpPr>
@@ -6509,11 +5967,6 @@
         </p:txBody>
       </p:sp>
     </p:spTree>
-    <p:extLst>
-      <p:ext uri="{BB962C8B-B14F-4D97-AF65-F5344CB8AC3E}">
-        <p14:creationId xmlns:p14="http://schemas.microsoft.com/office/powerpoint/2010/main" val="3174274565"/>
-      </p:ext>
-    </p:extLst>
   </p:cSld>
   <p:clrMapOvr>
     <a:masterClrMapping/>
@@ -6540,13 +5993,7 @@
       </p:grpSpPr>
       <p:sp>
         <p:nvSpPr>
-          <p:cNvPr id="3" name="TextBox 1">
-            <a:extLst>
-              <a:ext uri="{FF2B5EF4-FFF2-40B4-BE49-F238E27FC236}">
-                <a16:creationId xmlns:a16="http://schemas.microsoft.com/office/drawing/2014/main" id="{17802CCA-4E61-C273-F927-A5A83D6A6808}"/>
-              </a:ext>
-            </a:extLst>
-          </p:cNvPr>
+          <p:cNvPr id="3" name="TextBox 1"/>
           <p:cNvSpPr txBox="1">
             <a:spLocks noChangeArrowheads="1"/>
           </p:cNvSpPr>
@@ -6586,7 +6033,6 @@
               <a:buSzTx/>
               <a:buFontTx/>
               <a:buNone/>
-              <a:tabLst/>
               <a:defRPr/>
             </a:pPr>
             <a:r>
@@ -6643,13 +6089,7 @@
       </p:sp>
       <p:grpSp>
         <p:nvGrpSpPr>
-          <p:cNvPr id="2" name="组合 9">
-            <a:extLst>
-              <a:ext uri="{FF2B5EF4-FFF2-40B4-BE49-F238E27FC236}">
-                <a16:creationId xmlns:a16="http://schemas.microsoft.com/office/drawing/2014/main" id="{29312404-27D6-6925-B403-F519B2914AB1}"/>
-              </a:ext>
-            </a:extLst>
-          </p:cNvPr>
+          <p:cNvPr id="2" name="组合 9"/>
           <p:cNvGrpSpPr/>
           <p:nvPr userDrawn="1"/>
         </p:nvGrpSpPr>
@@ -6663,13 +6103,7 @@
         </p:grpSpPr>
         <p:sp>
           <p:nvSpPr>
-            <p:cNvPr id="4" name="Rectangle 7">
-              <a:extLst>
-                <a:ext uri="{FF2B5EF4-FFF2-40B4-BE49-F238E27FC236}">
-                  <a16:creationId xmlns:a16="http://schemas.microsoft.com/office/drawing/2014/main" id="{EBE830DA-1128-6421-1C37-884E338B0B62}"/>
-                </a:ext>
-              </a:extLst>
-            </p:cNvPr>
+            <p:cNvPr id="4" name="Rectangle 7"/>
             <p:cNvSpPr/>
             <p:nvPr/>
           </p:nvSpPr>
@@ -6722,7 +6156,6 @@
                 <a:buSzTx/>
                 <a:buFontTx/>
                 <a:buNone/>
-                <a:tabLst/>
                 <a:defRPr/>
               </a:pPr>
               <a:endParaRPr kumimoji="0" lang="en-US" sz="1800" b="0" i="0" u="none" strike="noStrike" kern="1200" cap="none" spc="0" normalizeH="0" baseline="0" noProof="0" dirty="0">
@@ -6735,7 +6168,7 @@
                 <a:effectLst/>
                 <a:uLnTx/>
                 <a:uFillTx/>
-                <a:latin typeface="Calibri"/>
+                <a:latin typeface="Calibri" panose="020F0502020204030204"/>
                 <a:ea typeface="+mn-ea"/>
                 <a:cs typeface="+mn-cs"/>
               </a:endParaRPr>
@@ -6744,13 +6177,7 @@
         </p:sp>
         <p:cxnSp>
           <p:nvCxnSpPr>
-            <p:cNvPr id="5" name="Straight Connector 15">
-              <a:extLst>
-                <a:ext uri="{FF2B5EF4-FFF2-40B4-BE49-F238E27FC236}">
-                  <a16:creationId xmlns:a16="http://schemas.microsoft.com/office/drawing/2014/main" id="{902B940A-E78D-5F1B-87AA-D106AE55319F}"/>
-                </a:ext>
-              </a:extLst>
-            </p:cNvPr>
+            <p:cNvPr id="5" name="Straight Connector 15"/>
             <p:cNvCxnSpPr/>
             <p:nvPr/>
           </p:nvCxnSpPr>
@@ -6785,13 +6212,7 @@
         </p:cxnSp>
         <p:cxnSp>
           <p:nvCxnSpPr>
-            <p:cNvPr id="6" name="Straight Connector 16">
-              <a:extLst>
-                <a:ext uri="{FF2B5EF4-FFF2-40B4-BE49-F238E27FC236}">
-                  <a16:creationId xmlns:a16="http://schemas.microsoft.com/office/drawing/2014/main" id="{1A30EF57-D961-B053-C3F7-04DA46374A2B}"/>
-                </a:ext>
-              </a:extLst>
-            </p:cNvPr>
+            <p:cNvPr id="6" name="Straight Connector 16"/>
             <p:cNvCxnSpPr/>
             <p:nvPr/>
           </p:nvCxnSpPr>
@@ -6827,13 +6248,7 @@
       </p:grpSp>
       <p:sp>
         <p:nvSpPr>
-          <p:cNvPr id="8" name="内容占位符 7">
-            <a:extLst>
-              <a:ext uri="{FF2B5EF4-FFF2-40B4-BE49-F238E27FC236}">
-                <a16:creationId xmlns:a16="http://schemas.microsoft.com/office/drawing/2014/main" id="{DDEF9314-5160-9081-BDC5-ED886F206050}"/>
-              </a:ext>
-            </a:extLst>
-          </p:cNvPr>
+          <p:cNvPr id="8" name="内容占位符 7"/>
           <p:cNvSpPr>
             <a:spLocks noGrp="1"/>
           </p:cNvSpPr>
@@ -6843,7 +6258,7 @@
         </p:nvSpPr>
         <p:spPr>
           <a:xfrm>
-            <a:off x="3145679" y="125774"/>
+            <a:off x="2906919" y="163874"/>
             <a:ext cx="8803513" cy="705600"/>
           </a:xfrm>
           <a:prstGeom prst="rect">
@@ -6871,17 +6286,72 @@
             <a:pPr lvl="0"/>
             <a:r>
               <a:rPr lang="zh-CN" altLang="en-US"/>
-              <a:t>经文编号</a:t>
+              <a:t>【</a:t>
             </a:r>
+            <a:r>
+              <a:rPr lang="en-US" altLang="zh-CN"/>
+              <a:t>{}</a:t>
+            </a:r>
+            <a:r>
+              <a:rPr lang="zh-CN" altLang="en-US"/>
+              <a:t>】</a:t>
+            </a:r>
+            <a:endParaRPr lang="zh-CN" altLang="en-US"/>
+          </a:p>
+        </p:txBody>
+      </p:sp>
+      <p:sp>
+        <p:nvSpPr>
+          <p:cNvPr id="14" name="内容占位符 13"/>
+          <p:cNvSpPr>
+            <a:spLocks noGrp="1"/>
+          </p:cNvSpPr>
+          <p:nvPr>
+            <p:ph sz="quarter" idx="11" hasCustomPrompt="1"/>
+          </p:nvPr>
+        </p:nvSpPr>
+        <p:spPr>
+          <a:xfrm>
+            <a:off x="153035" y="897890"/>
+            <a:ext cx="11873865" cy="5793740"/>
+          </a:xfrm>
+          <a:prstGeom prst="rect">
+            <a:avLst/>
+          </a:prstGeom>
+        </p:spPr>
+        <p:txBody>
+          <a:bodyPr>
+            <a:noAutofit/>
+          </a:bodyPr>
+          <a:lstStyle>
+            <a:lvl1pPr marL="0" indent="0" eaLnBrk="1" fontAlgn="t" hangingPunct="1">
+              <a:lnSpc>
+                <a:spcPct val="150000"/>
+              </a:lnSpc>
+              <a:spcBef>
+                <a:spcPts val="0"/>
+              </a:spcBef>
+              <a:buNone/>
+              <a:defRPr b="1" i="0" baseline="0">
+                <a:solidFill>
+                  <a:schemeClr val="tx1"/>
+                </a:solidFill>
+                <a:latin typeface="微软雅黑" panose="020B0503020204020204" pitchFamily="34" charset="-122"/>
+                <a:ea typeface="微软雅黑" panose="020B0503020204020204" pitchFamily="34" charset="-122"/>
+              </a:defRPr>
+            </a:lvl1pPr>
+          </a:lstStyle>
+          <a:p>
+            <a:pPr lvl="0"/>
+            <a:r>
+              <a:rPr lang="zh-CN" altLang="en-US"/>
+              <a:t>单击编辑经文</a:t>
+            </a:r>
+            <a:endParaRPr lang="zh-CN" altLang="en-US"/>
           </a:p>
         </p:txBody>
       </p:sp>
     </p:spTree>
-    <p:extLst>
-      <p:ext uri="{BB962C8B-B14F-4D97-AF65-F5344CB8AC3E}">
-        <p14:creationId xmlns:p14="http://schemas.microsoft.com/office/powerpoint/2010/main" val="1792314829"/>
-      </p:ext>
-    </p:extLst>
   </p:cSld>
   <p:clrMapOvr>
     <a:masterClrMapping/>
@@ -6908,13 +6378,7 @@
       </p:grpSpPr>
       <p:sp>
         <p:nvSpPr>
-          <p:cNvPr id="3" name="TextBox 1">
-            <a:extLst>
-              <a:ext uri="{FF2B5EF4-FFF2-40B4-BE49-F238E27FC236}">
-                <a16:creationId xmlns:a16="http://schemas.microsoft.com/office/drawing/2014/main" id="{1F3B9770-B653-5351-0F5F-DBDEF2283251}"/>
-              </a:ext>
-            </a:extLst>
-          </p:cNvPr>
+          <p:cNvPr id="3" name="TextBox 1"/>
           <p:cNvSpPr txBox="1">
             <a:spLocks noChangeArrowheads="1"/>
           </p:cNvSpPr>
@@ -6954,7 +6418,6 @@
               <a:buSzTx/>
               <a:buFontTx/>
               <a:buNone/>
-              <a:tabLst/>
               <a:defRPr/>
             </a:pPr>
             <a:r>
@@ -6993,13 +6456,7 @@
       </p:sp>
       <p:grpSp>
         <p:nvGrpSpPr>
-          <p:cNvPr id="4" name="组合 9">
-            <a:extLst>
-              <a:ext uri="{FF2B5EF4-FFF2-40B4-BE49-F238E27FC236}">
-                <a16:creationId xmlns:a16="http://schemas.microsoft.com/office/drawing/2014/main" id="{ECC1BC54-DDD6-9E3E-874E-8D62CC46AA6E}"/>
-              </a:ext>
-            </a:extLst>
-          </p:cNvPr>
+          <p:cNvPr id="4" name="组合 9"/>
           <p:cNvGrpSpPr/>
           <p:nvPr userDrawn="1"/>
         </p:nvGrpSpPr>
@@ -7013,13 +6470,7 @@
         </p:grpSpPr>
         <p:sp>
           <p:nvSpPr>
-            <p:cNvPr id="5" name="Rectangle 7">
-              <a:extLst>
-                <a:ext uri="{FF2B5EF4-FFF2-40B4-BE49-F238E27FC236}">
-                  <a16:creationId xmlns:a16="http://schemas.microsoft.com/office/drawing/2014/main" id="{BF316916-91B8-590E-DF3E-FAC19B3445D3}"/>
-                </a:ext>
-              </a:extLst>
-            </p:cNvPr>
+            <p:cNvPr id="5" name="Rectangle 7"/>
             <p:cNvSpPr/>
             <p:nvPr/>
           </p:nvSpPr>
@@ -7072,7 +6523,6 @@
                 <a:buSzTx/>
                 <a:buFontTx/>
                 <a:buNone/>
-                <a:tabLst/>
                 <a:defRPr/>
               </a:pPr>
               <a:endParaRPr kumimoji="0" lang="en-US" sz="1800" b="0" i="0" u="none" strike="noStrike" kern="1200" cap="none" spc="0" normalizeH="0" baseline="0" noProof="0" dirty="0">
@@ -7085,7 +6535,7 @@
                 <a:effectLst/>
                 <a:uLnTx/>
                 <a:uFillTx/>
-                <a:latin typeface="Calibri"/>
+                <a:latin typeface="Calibri" panose="020F0502020204030204"/>
                 <a:ea typeface="+mn-ea"/>
                 <a:cs typeface="+mn-cs"/>
               </a:endParaRPr>
@@ -7094,13 +6544,7 @@
         </p:sp>
         <p:cxnSp>
           <p:nvCxnSpPr>
-            <p:cNvPr id="6" name="Straight Connector 15">
-              <a:extLst>
-                <a:ext uri="{FF2B5EF4-FFF2-40B4-BE49-F238E27FC236}">
-                  <a16:creationId xmlns:a16="http://schemas.microsoft.com/office/drawing/2014/main" id="{CB3CFB53-5024-7C27-BAC3-11B50CDC714D}"/>
-                </a:ext>
-              </a:extLst>
-            </p:cNvPr>
+            <p:cNvPr id="6" name="Straight Connector 15"/>
             <p:cNvCxnSpPr/>
             <p:nvPr/>
           </p:nvCxnSpPr>
@@ -7135,13 +6579,7 @@
         </p:cxnSp>
         <p:cxnSp>
           <p:nvCxnSpPr>
-            <p:cNvPr id="7" name="Straight Connector 16">
-              <a:extLst>
-                <a:ext uri="{FF2B5EF4-FFF2-40B4-BE49-F238E27FC236}">
-                  <a16:creationId xmlns:a16="http://schemas.microsoft.com/office/drawing/2014/main" id="{F332EB7D-4440-64C4-D2ED-F3110469514B}"/>
-                </a:ext>
-              </a:extLst>
-            </p:cNvPr>
+            <p:cNvPr id="7" name="Straight Connector 16"/>
             <p:cNvCxnSpPr/>
             <p:nvPr/>
           </p:nvCxnSpPr>
@@ -7177,13 +6615,7 @@
       </p:grpSp>
       <p:pic>
         <p:nvPicPr>
-          <p:cNvPr id="8" name="Picture 4" descr="http://pic.shenshi777.com/uploads/allimg/150707/1-150FH10Z1.jpg">
-            <a:extLst>
-              <a:ext uri="{FF2B5EF4-FFF2-40B4-BE49-F238E27FC236}">
-                <a16:creationId xmlns:a16="http://schemas.microsoft.com/office/drawing/2014/main" id="{674800C6-619F-E4F9-4388-CA5119975FDE}"/>
-              </a:ext>
-            </a:extLst>
-          </p:cNvPr>
+          <p:cNvPr id="8" name="Picture 4" descr="http://pic.shenshi777.com/uploads/allimg/150707/1-150FH10Z1.jpg"/>
           <p:cNvPicPr>
             <a:picLocks noChangeAspect="1" noChangeArrowheads="1"/>
           </p:cNvPicPr>
@@ -7215,13 +6647,7 @@
       </p:pic>
       <p:sp>
         <p:nvSpPr>
-          <p:cNvPr id="9" name="内容占位符 13">
-            <a:extLst>
-              <a:ext uri="{FF2B5EF4-FFF2-40B4-BE49-F238E27FC236}">
-                <a16:creationId xmlns:a16="http://schemas.microsoft.com/office/drawing/2014/main" id="{8C3CBDF5-518A-71E7-3675-DE3897A83E1C}"/>
-              </a:ext>
-            </a:extLst>
-          </p:cNvPr>
+          <p:cNvPr id="9" name="内容占位符 13"/>
           <p:cNvSpPr>
             <a:spLocks noGrp="1"/>
           </p:cNvSpPr>
@@ -7260,11 +6686,6 @@
         </p:txBody>
       </p:sp>
     </p:spTree>
-    <p:extLst>
-      <p:ext uri="{BB962C8B-B14F-4D97-AF65-F5344CB8AC3E}">
-        <p14:creationId xmlns:p14="http://schemas.microsoft.com/office/powerpoint/2010/main" val="690098559"/>
-      </p:ext>
-    </p:extLst>
   </p:cSld>
   <p:clrMapOvr>
     <a:masterClrMapping/>
@@ -7291,13 +6712,7 @@
       </p:grpSpPr>
       <p:sp>
         <p:nvSpPr>
-          <p:cNvPr id="3" name="TextBox 1">
-            <a:extLst>
-              <a:ext uri="{FF2B5EF4-FFF2-40B4-BE49-F238E27FC236}">
-                <a16:creationId xmlns:a16="http://schemas.microsoft.com/office/drawing/2014/main" id="{ED88240C-7DBA-C6B7-0B4D-B8AF0EE79B91}"/>
-              </a:ext>
-            </a:extLst>
-          </p:cNvPr>
+          <p:cNvPr id="3" name="TextBox 1"/>
           <p:cNvSpPr txBox="1">
             <a:spLocks noChangeArrowheads="1"/>
           </p:cNvSpPr>
@@ -7337,7 +6752,6 @@
               <a:buSzTx/>
               <a:buFontTx/>
               <a:buNone/>
-              <a:tabLst/>
               <a:defRPr/>
             </a:pPr>
             <a:r>
@@ -7376,13 +6790,7 @@
       </p:sp>
       <p:grpSp>
         <p:nvGrpSpPr>
-          <p:cNvPr id="4" name="组合 9">
-            <a:extLst>
-              <a:ext uri="{FF2B5EF4-FFF2-40B4-BE49-F238E27FC236}">
-                <a16:creationId xmlns:a16="http://schemas.microsoft.com/office/drawing/2014/main" id="{E02F2570-0FD0-F3DA-CFF4-D876E60A582A}"/>
-              </a:ext>
-            </a:extLst>
-          </p:cNvPr>
+          <p:cNvPr id="4" name="组合 9"/>
           <p:cNvGrpSpPr/>
           <p:nvPr userDrawn="1"/>
         </p:nvGrpSpPr>
@@ -7396,13 +6804,7 @@
         </p:grpSpPr>
         <p:sp>
           <p:nvSpPr>
-            <p:cNvPr id="5" name="Rectangle 7">
-              <a:extLst>
-                <a:ext uri="{FF2B5EF4-FFF2-40B4-BE49-F238E27FC236}">
-                  <a16:creationId xmlns:a16="http://schemas.microsoft.com/office/drawing/2014/main" id="{8513786B-C2E7-57F6-FF7A-77654C332129}"/>
-                </a:ext>
-              </a:extLst>
-            </p:cNvPr>
+            <p:cNvPr id="5" name="Rectangle 7"/>
             <p:cNvSpPr/>
             <p:nvPr/>
           </p:nvSpPr>
@@ -7455,7 +6857,6 @@
                 <a:buSzTx/>
                 <a:buFontTx/>
                 <a:buNone/>
-                <a:tabLst/>
                 <a:defRPr/>
               </a:pPr>
               <a:endParaRPr kumimoji="0" lang="en-US" sz="1800" b="0" i="0" u="none" strike="noStrike" kern="1200" cap="none" spc="0" normalizeH="0" baseline="0" noProof="0" dirty="0">
@@ -7468,7 +6869,7 @@
                 <a:effectLst/>
                 <a:uLnTx/>
                 <a:uFillTx/>
-                <a:latin typeface="Calibri"/>
+                <a:latin typeface="Calibri" panose="020F0502020204030204"/>
                 <a:ea typeface="+mn-ea"/>
                 <a:cs typeface="+mn-cs"/>
               </a:endParaRPr>
@@ -7477,13 +6878,7 @@
         </p:sp>
         <p:cxnSp>
           <p:nvCxnSpPr>
-            <p:cNvPr id="6" name="Straight Connector 15">
-              <a:extLst>
-                <a:ext uri="{FF2B5EF4-FFF2-40B4-BE49-F238E27FC236}">
-                  <a16:creationId xmlns:a16="http://schemas.microsoft.com/office/drawing/2014/main" id="{50ACC984-E9B8-3F7A-3CD1-D9F588346171}"/>
-                </a:ext>
-              </a:extLst>
-            </p:cNvPr>
+            <p:cNvPr id="6" name="Straight Connector 15"/>
             <p:cNvCxnSpPr/>
             <p:nvPr/>
           </p:nvCxnSpPr>
@@ -7518,13 +6913,7 @@
         </p:cxnSp>
         <p:cxnSp>
           <p:nvCxnSpPr>
-            <p:cNvPr id="7" name="Straight Connector 16">
-              <a:extLst>
-                <a:ext uri="{FF2B5EF4-FFF2-40B4-BE49-F238E27FC236}">
-                  <a16:creationId xmlns:a16="http://schemas.microsoft.com/office/drawing/2014/main" id="{D0A1AB26-C9BB-66DE-70F0-0E1D6EDB5F5B}"/>
-                </a:ext>
-              </a:extLst>
-            </p:cNvPr>
+            <p:cNvPr id="7" name="Straight Connector 16"/>
             <p:cNvCxnSpPr/>
             <p:nvPr/>
           </p:nvCxnSpPr>
@@ -7560,13 +6949,7 @@
       </p:grpSp>
       <p:pic>
         <p:nvPicPr>
-          <p:cNvPr id="8" name="Picture 4" descr="http://pic.shenshi777.com/uploads/allimg/150707/1-150FH10Z1.jpg">
-            <a:extLst>
-              <a:ext uri="{FF2B5EF4-FFF2-40B4-BE49-F238E27FC236}">
-                <a16:creationId xmlns:a16="http://schemas.microsoft.com/office/drawing/2014/main" id="{06605DD6-A0CE-4D76-1190-05E27204FAEE}"/>
-              </a:ext>
-            </a:extLst>
-          </p:cNvPr>
+          <p:cNvPr id="8" name="Picture 4" descr="http://pic.shenshi777.com/uploads/allimg/150707/1-150FH10Z1.jpg"/>
           <p:cNvPicPr>
             <a:picLocks noChangeAspect="1" noChangeArrowheads="1"/>
           </p:cNvPicPr>
@@ -7598,13 +6981,7 @@
       </p:pic>
       <p:sp>
         <p:nvSpPr>
-          <p:cNvPr id="9" name="矩形 3">
-            <a:extLst>
-              <a:ext uri="{FF2B5EF4-FFF2-40B4-BE49-F238E27FC236}">
-                <a16:creationId xmlns:a16="http://schemas.microsoft.com/office/drawing/2014/main" id="{FF36864F-8F97-A98F-B151-83F79B2139A1}"/>
-              </a:ext>
-            </a:extLst>
-          </p:cNvPr>
+          <p:cNvPr id="9" name="矩形 3"/>
           <p:cNvSpPr>
             <a:spLocks noChangeArrowheads="1"/>
           </p:cNvSpPr>
@@ -7644,7 +7021,6 @@
               <a:buSzTx/>
               <a:buFontTx/>
               <a:buNone/>
-              <a:tabLst/>
               <a:defRPr/>
             </a:pPr>
             <a:r>
@@ -7752,13 +7128,7 @@
       </p:sp>
       <p:sp>
         <p:nvSpPr>
-          <p:cNvPr id="10" name="矩形 2">
-            <a:extLst>
-              <a:ext uri="{FF2B5EF4-FFF2-40B4-BE49-F238E27FC236}">
-                <a16:creationId xmlns:a16="http://schemas.microsoft.com/office/drawing/2014/main" id="{037809E6-8DAC-C5E8-8286-BB13131BFFF0}"/>
-              </a:ext>
-            </a:extLst>
-          </p:cNvPr>
+          <p:cNvPr id="10" name="矩形 2"/>
           <p:cNvSpPr/>
           <p:nvPr userDrawn="1"/>
         </p:nvSpPr>
@@ -7791,7 +7161,6 @@
               <a:buSzTx/>
               <a:buFontTx/>
               <a:buNone/>
-              <a:tabLst/>
               <a:defRPr/>
             </a:pPr>
             <a:r>
@@ -7892,7 +7261,6 @@
               <a:buSzTx/>
               <a:buFontTx/>
               <a:buNone/>
-              <a:tabLst/>
               <a:defRPr/>
             </a:pPr>
             <a:endParaRPr kumimoji="0" lang="en-US" altLang="zh-CN" sz="2000" b="1" i="0" u="none" strike="noStrike" kern="1200" cap="none" spc="0" normalizeH="0" baseline="0" noProof="0" dirty="0">
@@ -7925,7 +7293,6 @@
               <a:buSzTx/>
               <a:buFontTx/>
               <a:buNone/>
-              <a:tabLst/>
               <a:defRPr/>
             </a:pPr>
             <a:r>
@@ -8065,11 +7432,6 @@
         </p:txBody>
       </p:sp>
     </p:spTree>
-    <p:extLst>
-      <p:ext uri="{BB962C8B-B14F-4D97-AF65-F5344CB8AC3E}">
-        <p14:creationId xmlns:p14="http://schemas.microsoft.com/office/powerpoint/2010/main" val="653303753"/>
-      </p:ext>
-    </p:extLst>
   </p:cSld>
   <p:clrMapOvr>
     <a:masterClrMapping/>
@@ -8096,13 +7458,7 @@
       </p:grpSpPr>
       <p:pic>
         <p:nvPicPr>
-          <p:cNvPr id="3" name="Picture 4" descr="http://pic.shenshi777.com/uploads/allimg/150707/1-150FH10Z1.jpg">
-            <a:extLst>
-              <a:ext uri="{FF2B5EF4-FFF2-40B4-BE49-F238E27FC236}">
-                <a16:creationId xmlns:a16="http://schemas.microsoft.com/office/drawing/2014/main" id="{E9094B24-D019-C40A-4599-EC6C9A515D4C}"/>
-              </a:ext>
-            </a:extLst>
-          </p:cNvPr>
+          <p:cNvPr id="3" name="Picture 4" descr="http://pic.shenshi777.com/uploads/allimg/150707/1-150FH10Z1.jpg"/>
           <p:cNvPicPr>
             <a:picLocks noChangeAspect="1" noChangeArrowheads="1"/>
           </p:cNvPicPr>
@@ -8134,13 +7490,7 @@
       </p:pic>
       <p:grpSp>
         <p:nvGrpSpPr>
-          <p:cNvPr id="4" name="组合 9">
-            <a:extLst>
-              <a:ext uri="{FF2B5EF4-FFF2-40B4-BE49-F238E27FC236}">
-                <a16:creationId xmlns:a16="http://schemas.microsoft.com/office/drawing/2014/main" id="{88BCAA08-D050-B2B7-A04D-FB70EEC01743}"/>
-              </a:ext>
-            </a:extLst>
-          </p:cNvPr>
+          <p:cNvPr id="4" name="组合 9"/>
           <p:cNvGrpSpPr/>
           <p:nvPr userDrawn="1"/>
         </p:nvGrpSpPr>
@@ -8154,13 +7504,7 @@
         </p:grpSpPr>
         <p:sp>
           <p:nvSpPr>
-            <p:cNvPr id="5" name="Rectangle 7">
-              <a:extLst>
-                <a:ext uri="{FF2B5EF4-FFF2-40B4-BE49-F238E27FC236}">
-                  <a16:creationId xmlns:a16="http://schemas.microsoft.com/office/drawing/2014/main" id="{0DE9F16D-AB5B-152C-7801-AE72C59F9AC9}"/>
-                </a:ext>
-              </a:extLst>
-            </p:cNvPr>
+            <p:cNvPr id="5" name="Rectangle 7"/>
             <p:cNvSpPr/>
             <p:nvPr/>
           </p:nvSpPr>
@@ -8213,7 +7557,6 @@
                 <a:buSzTx/>
                 <a:buFontTx/>
                 <a:buNone/>
-                <a:tabLst/>
                 <a:defRPr/>
               </a:pPr>
               <a:endParaRPr kumimoji="0" lang="en-US" sz="1800" b="0" i="0" u="none" strike="noStrike" kern="1200" cap="none" spc="0" normalizeH="0" baseline="0" noProof="0" dirty="0">
@@ -8226,7 +7569,7 @@
                 <a:effectLst/>
                 <a:uLnTx/>
                 <a:uFillTx/>
-                <a:latin typeface="Calibri"/>
+                <a:latin typeface="Calibri" panose="020F0502020204030204"/>
                 <a:ea typeface="+mn-ea"/>
                 <a:cs typeface="+mn-cs"/>
               </a:endParaRPr>
@@ -8235,13 +7578,7 @@
         </p:sp>
         <p:cxnSp>
           <p:nvCxnSpPr>
-            <p:cNvPr id="6" name="Straight Connector 15">
-              <a:extLst>
-                <a:ext uri="{FF2B5EF4-FFF2-40B4-BE49-F238E27FC236}">
-                  <a16:creationId xmlns:a16="http://schemas.microsoft.com/office/drawing/2014/main" id="{843D6D4F-F785-0894-9BF2-592B85201D84}"/>
-                </a:ext>
-              </a:extLst>
-            </p:cNvPr>
+            <p:cNvPr id="6" name="Straight Connector 15"/>
             <p:cNvCxnSpPr/>
             <p:nvPr/>
           </p:nvCxnSpPr>
@@ -8276,13 +7613,7 @@
         </p:cxnSp>
         <p:cxnSp>
           <p:nvCxnSpPr>
-            <p:cNvPr id="7" name="Straight Connector 16">
-              <a:extLst>
-                <a:ext uri="{FF2B5EF4-FFF2-40B4-BE49-F238E27FC236}">
-                  <a16:creationId xmlns:a16="http://schemas.microsoft.com/office/drawing/2014/main" id="{8D3C604E-9407-B227-5097-3492EC85B074}"/>
-                </a:ext>
-              </a:extLst>
-            </p:cNvPr>
+            <p:cNvPr id="7" name="Straight Connector 16"/>
             <p:cNvCxnSpPr/>
             <p:nvPr/>
           </p:nvCxnSpPr>
@@ -8318,13 +7649,7 @@
       </p:grpSp>
       <p:sp>
         <p:nvSpPr>
-          <p:cNvPr id="8" name="TextBox 1">
-            <a:extLst>
-              <a:ext uri="{FF2B5EF4-FFF2-40B4-BE49-F238E27FC236}">
-                <a16:creationId xmlns:a16="http://schemas.microsoft.com/office/drawing/2014/main" id="{2A062850-EA6E-40A2-EA33-F99A497CAD90}"/>
-              </a:ext>
-            </a:extLst>
-          </p:cNvPr>
+          <p:cNvPr id="8" name="TextBox 1"/>
           <p:cNvSpPr txBox="1">
             <a:spLocks noChangeArrowheads="1"/>
           </p:cNvSpPr>
@@ -8364,7 +7689,6 @@
               <a:buSzTx/>
               <a:buFontTx/>
               <a:buNone/>
-              <a:tabLst/>
               <a:defRPr/>
             </a:pPr>
             <a:r>
@@ -8403,13 +7727,7 @@
       </p:sp>
       <p:sp>
         <p:nvSpPr>
-          <p:cNvPr id="9" name="副标题 2">
-            <a:extLst>
-              <a:ext uri="{FF2B5EF4-FFF2-40B4-BE49-F238E27FC236}">
-                <a16:creationId xmlns:a16="http://schemas.microsoft.com/office/drawing/2014/main" id="{C075BA08-C0FD-1820-8901-22A1CC2F1C17}"/>
-              </a:ext>
-            </a:extLst>
-          </p:cNvPr>
+          <p:cNvPr id="9" name="副标题 2"/>
           <p:cNvSpPr txBox="1">
             <a:spLocks noChangeArrowheads="1"/>
           </p:cNvSpPr>
@@ -8447,7 +7765,6 @@
               <a:buSzTx/>
               <a:buFont typeface="Arial" panose="020B0604020202020204" pitchFamily="34" charset="0"/>
               <a:buNone/>
-              <a:tabLst/>
               <a:defRPr/>
             </a:pPr>
             <a:r>
@@ -8467,6 +7784,20 @@
               </a:rPr>
               <a:t> </a:t>
             </a:r>
+            <a:endParaRPr kumimoji="0" lang="en-US" altLang="zh-CN" sz="3600" b="1" i="0" u="none" strike="noStrike" kern="1200" cap="none" spc="0" normalizeH="0" baseline="0" noProof="0" dirty="0">
+              <a:ln>
+                <a:noFill/>
+              </a:ln>
+              <a:solidFill>
+                <a:prstClr val="black"/>
+              </a:solidFill>
+              <a:effectLst/>
+              <a:uLnTx/>
+              <a:uFillTx/>
+              <a:latin typeface="微软雅黑" panose="020B0503020204020204" pitchFamily="34" charset="-122"/>
+              <a:ea typeface="微软雅黑" panose="020B0503020204020204" pitchFamily="34" charset="-122"/>
+              <a:cs typeface="+mn-cs"/>
+            </a:endParaRPr>
           </a:p>
           <a:p>
             <a:pPr marL="0" marR="0" lvl="0" indent="0" algn="ctr" defTabSz="914400" rtl="0" eaLnBrk="1" fontAlgn="base" latinLnBrk="0" hangingPunct="1">
@@ -8483,7 +7814,6 @@
               <a:buSzTx/>
               <a:buFont typeface="Arial" panose="020B0604020202020204" pitchFamily="34" charset="0"/>
               <a:buNone/>
-              <a:tabLst/>
               <a:defRPr/>
             </a:pPr>
             <a:r>
@@ -8503,15 +7833,24 @@
               </a:rPr>
               <a:t>会毕祝福</a:t>
             </a:r>
+            <a:endParaRPr kumimoji="0" lang="zh-CN" altLang="en-US" sz="4400" b="1" i="0" u="none" strike="noStrike" kern="1200" cap="none" spc="0" normalizeH="0" baseline="0" noProof="0" dirty="0">
+              <a:ln>
+                <a:noFill/>
+              </a:ln>
+              <a:solidFill>
+                <a:prstClr val="black"/>
+              </a:solidFill>
+              <a:effectLst/>
+              <a:uLnTx/>
+              <a:uFillTx/>
+              <a:latin typeface="微软雅黑" panose="020B0503020204020204" pitchFamily="34" charset="-122"/>
+              <a:ea typeface="微软雅黑" panose="020B0503020204020204" pitchFamily="34" charset="-122"/>
+              <a:cs typeface="+mn-cs"/>
+            </a:endParaRPr>
           </a:p>
         </p:txBody>
       </p:sp>
     </p:spTree>
-    <p:extLst>
-      <p:ext uri="{BB962C8B-B14F-4D97-AF65-F5344CB8AC3E}">
-        <p14:creationId xmlns:p14="http://schemas.microsoft.com/office/powerpoint/2010/main" val="112626259"/>
-      </p:ext>
-    </p:extLst>
   </p:cSld>
   <p:clrMapOvr>
     <a:masterClrMapping/>
@@ -8538,13 +7877,7 @@
       </p:grpSpPr>
       <p:pic>
         <p:nvPicPr>
-          <p:cNvPr id="3" name="Picture 4" descr="http://pic.shenshi777.com/uploads/allimg/150707/1-150FH10Z1.jpg">
-            <a:extLst>
-              <a:ext uri="{FF2B5EF4-FFF2-40B4-BE49-F238E27FC236}">
-                <a16:creationId xmlns:a16="http://schemas.microsoft.com/office/drawing/2014/main" id="{7BB6744D-38C6-4DDB-4538-FBAAE513CDBC}"/>
-              </a:ext>
-            </a:extLst>
-          </p:cNvPr>
+          <p:cNvPr id="3" name="Picture 4" descr="http://pic.shenshi777.com/uploads/allimg/150707/1-150FH10Z1.jpg"/>
           <p:cNvPicPr>
             <a:picLocks noChangeAspect="1" noChangeArrowheads="1"/>
           </p:cNvPicPr>
@@ -8576,13 +7909,7 @@
       </p:pic>
       <p:grpSp>
         <p:nvGrpSpPr>
-          <p:cNvPr id="4" name="组合 9">
-            <a:extLst>
-              <a:ext uri="{FF2B5EF4-FFF2-40B4-BE49-F238E27FC236}">
-                <a16:creationId xmlns:a16="http://schemas.microsoft.com/office/drawing/2014/main" id="{5C232D0D-1B8A-126B-9E42-8408C3F69A90}"/>
-              </a:ext>
-            </a:extLst>
-          </p:cNvPr>
+          <p:cNvPr id="4" name="组合 9"/>
           <p:cNvGrpSpPr/>
           <p:nvPr userDrawn="1"/>
         </p:nvGrpSpPr>
@@ -8596,13 +7923,7 @@
         </p:grpSpPr>
         <p:sp>
           <p:nvSpPr>
-            <p:cNvPr id="5" name="Rectangle 7">
-              <a:extLst>
-                <a:ext uri="{FF2B5EF4-FFF2-40B4-BE49-F238E27FC236}">
-                  <a16:creationId xmlns:a16="http://schemas.microsoft.com/office/drawing/2014/main" id="{BBE41051-B4EA-EE33-A980-3766F4120135}"/>
-                </a:ext>
-              </a:extLst>
-            </p:cNvPr>
+            <p:cNvPr id="5" name="Rectangle 7"/>
             <p:cNvSpPr/>
             <p:nvPr/>
           </p:nvSpPr>
@@ -8655,7 +7976,6 @@
                 <a:buSzTx/>
                 <a:buFontTx/>
                 <a:buNone/>
-                <a:tabLst/>
                 <a:defRPr/>
               </a:pPr>
               <a:endParaRPr kumimoji="0" lang="en-US" sz="1800" b="0" i="0" u="none" strike="noStrike" kern="1200" cap="none" spc="0" normalizeH="0" baseline="0" noProof="0" dirty="0">
@@ -8668,7 +7988,7 @@
                 <a:effectLst/>
                 <a:uLnTx/>
                 <a:uFillTx/>
-                <a:latin typeface="Calibri"/>
+                <a:latin typeface="Calibri" panose="020F0502020204030204"/>
                 <a:ea typeface="+mn-ea"/>
                 <a:cs typeface="+mn-cs"/>
               </a:endParaRPr>
@@ -8677,13 +7997,7 @@
         </p:sp>
         <p:cxnSp>
           <p:nvCxnSpPr>
-            <p:cNvPr id="6" name="Straight Connector 15">
-              <a:extLst>
-                <a:ext uri="{FF2B5EF4-FFF2-40B4-BE49-F238E27FC236}">
-                  <a16:creationId xmlns:a16="http://schemas.microsoft.com/office/drawing/2014/main" id="{2DEEFB03-44A6-C4A0-E11A-E8D0B2D559DA}"/>
-                </a:ext>
-              </a:extLst>
-            </p:cNvPr>
+            <p:cNvPr id="6" name="Straight Connector 15"/>
             <p:cNvCxnSpPr/>
             <p:nvPr/>
           </p:nvCxnSpPr>
@@ -8718,13 +8032,7 @@
         </p:cxnSp>
         <p:cxnSp>
           <p:nvCxnSpPr>
-            <p:cNvPr id="7" name="Straight Connector 16">
-              <a:extLst>
-                <a:ext uri="{FF2B5EF4-FFF2-40B4-BE49-F238E27FC236}">
-                  <a16:creationId xmlns:a16="http://schemas.microsoft.com/office/drawing/2014/main" id="{F91C6BA3-6265-785D-FFC5-B29EB081C60F}"/>
-                </a:ext>
-              </a:extLst>
-            </p:cNvPr>
+            <p:cNvPr id="7" name="Straight Connector 16"/>
             <p:cNvCxnSpPr/>
             <p:nvPr/>
           </p:nvCxnSpPr>
@@ -8760,13 +8068,7 @@
       </p:grpSp>
       <p:sp>
         <p:nvSpPr>
-          <p:cNvPr id="8" name="TextBox 1">
-            <a:extLst>
-              <a:ext uri="{FF2B5EF4-FFF2-40B4-BE49-F238E27FC236}">
-                <a16:creationId xmlns:a16="http://schemas.microsoft.com/office/drawing/2014/main" id="{CDD6E86B-6DD2-5AFD-8FE7-192D03F583EB}"/>
-              </a:ext>
-            </a:extLst>
-          </p:cNvPr>
+          <p:cNvPr id="8" name="TextBox 1"/>
           <p:cNvSpPr txBox="1">
             <a:spLocks noChangeArrowheads="1"/>
           </p:cNvSpPr>
@@ -8806,7 +8108,6 @@
               <a:buSzTx/>
               <a:buFontTx/>
               <a:buNone/>
-              <a:tabLst/>
               <a:defRPr/>
             </a:pPr>
             <a:r>
@@ -8845,13 +8146,7 @@
       </p:sp>
       <p:sp>
         <p:nvSpPr>
-          <p:cNvPr id="9" name="文本框 8">
-            <a:extLst>
-              <a:ext uri="{FF2B5EF4-FFF2-40B4-BE49-F238E27FC236}">
-                <a16:creationId xmlns:a16="http://schemas.microsoft.com/office/drawing/2014/main" id="{129183B6-4966-2890-CBB4-82AA7E18D1A1}"/>
-              </a:ext>
-            </a:extLst>
-          </p:cNvPr>
+          <p:cNvPr id="9" name="文本框 8"/>
           <p:cNvSpPr txBox="1"/>
           <p:nvPr userDrawn="1"/>
         </p:nvSpPr>
@@ -8885,7 +8180,6 @@
               <a:buSzTx/>
               <a:buFontTx/>
               <a:buNone/>
-              <a:tabLst/>
               <a:defRPr/>
             </a:pPr>
             <a:r>
@@ -9000,7 +8294,7 @@
               <a:effectLst/>
               <a:uLnTx/>
               <a:uFillTx/>
-              <a:latin typeface="Arial" panose="020B0604020202090204" pitchFamily="34" charset="0"/>
+              <a:latin typeface="Arial" panose="020B0604020202020204" pitchFamily="34" charset="0"/>
               <a:ea typeface="宋体" panose="02010600030101010101" pitchFamily="2" charset="-122"/>
               <a:cs typeface="+mn-cs"/>
             </a:endParaRPr>
@@ -9009,13 +8303,7 @@
       </p:sp>
       <p:sp>
         <p:nvSpPr>
-          <p:cNvPr id="10" name="副标题 2">
-            <a:extLst>
-              <a:ext uri="{FF2B5EF4-FFF2-40B4-BE49-F238E27FC236}">
-                <a16:creationId xmlns:a16="http://schemas.microsoft.com/office/drawing/2014/main" id="{3FE19B0B-EE6F-9671-AEDC-C13C6B24B44F}"/>
-              </a:ext>
-            </a:extLst>
-          </p:cNvPr>
+          <p:cNvPr id="10" name="副标题 2"/>
           <p:cNvSpPr txBox="1">
             <a:spLocks noChangeArrowheads="1"/>
           </p:cNvSpPr>
@@ -9053,7 +8341,6 @@
               <a:buSzTx/>
               <a:buFontTx/>
               <a:buNone/>
-              <a:tabLst/>
               <a:defRPr/>
             </a:pPr>
             <a:r>
@@ -9103,7 +8390,6 @@
               <a:buSzTx/>
               <a:buFontTx/>
               <a:buNone/>
-              <a:tabLst/>
               <a:defRPr/>
             </a:pPr>
             <a:r>
@@ -9209,11 +8495,6 @@
         </p:txBody>
       </p:sp>
     </p:spTree>
-    <p:extLst>
-      <p:ext uri="{BB962C8B-B14F-4D97-AF65-F5344CB8AC3E}">
-        <p14:creationId xmlns:p14="http://schemas.microsoft.com/office/powerpoint/2010/main" val="351587966"/>
-      </p:ext>
-    </p:extLst>
   </p:cSld>
   <p:clrMapOvr>
     <a:masterClrMapping/>
@@ -9240,13 +8521,7 @@
       </p:grpSpPr>
       <p:pic>
         <p:nvPicPr>
-          <p:cNvPr id="3" name="Picture 4" descr="http://pic.shenshi777.com/uploads/allimg/150707/1-150FH10Z1.jpg">
-            <a:extLst>
-              <a:ext uri="{FF2B5EF4-FFF2-40B4-BE49-F238E27FC236}">
-                <a16:creationId xmlns:a16="http://schemas.microsoft.com/office/drawing/2014/main" id="{C7FD63A6-8AE5-B03F-124A-0FF7590336A2}"/>
-              </a:ext>
-            </a:extLst>
-          </p:cNvPr>
+          <p:cNvPr id="3" name="Picture 4" descr="http://pic.shenshi777.com/uploads/allimg/150707/1-150FH10Z1.jpg"/>
           <p:cNvPicPr>
             <a:picLocks noChangeAspect="1" noChangeArrowheads="1"/>
           </p:cNvPicPr>
@@ -9278,13 +8553,7 @@
       </p:pic>
       <p:grpSp>
         <p:nvGrpSpPr>
-          <p:cNvPr id="4" name="组合 9">
-            <a:extLst>
-              <a:ext uri="{FF2B5EF4-FFF2-40B4-BE49-F238E27FC236}">
-                <a16:creationId xmlns:a16="http://schemas.microsoft.com/office/drawing/2014/main" id="{BACA3A6B-396E-664B-DFF4-65BD622DFB62}"/>
-              </a:ext>
-            </a:extLst>
-          </p:cNvPr>
+          <p:cNvPr id="4" name="组合 9"/>
           <p:cNvGrpSpPr/>
           <p:nvPr userDrawn="1"/>
         </p:nvGrpSpPr>
@@ -9298,13 +8567,7 @@
         </p:grpSpPr>
         <p:sp>
           <p:nvSpPr>
-            <p:cNvPr id="5" name="Rectangle 7">
-              <a:extLst>
-                <a:ext uri="{FF2B5EF4-FFF2-40B4-BE49-F238E27FC236}">
-                  <a16:creationId xmlns:a16="http://schemas.microsoft.com/office/drawing/2014/main" id="{997645CB-F65B-5706-084F-D086903B5684}"/>
-                </a:ext>
-              </a:extLst>
-            </p:cNvPr>
+            <p:cNvPr id="5" name="Rectangle 7"/>
             <p:cNvSpPr/>
             <p:nvPr/>
           </p:nvSpPr>
@@ -9357,7 +8620,6 @@
                 <a:buSzTx/>
                 <a:buFontTx/>
                 <a:buNone/>
-                <a:tabLst/>
                 <a:defRPr/>
               </a:pPr>
               <a:endParaRPr kumimoji="0" lang="en-US" sz="1800" b="0" i="0" u="none" strike="noStrike" kern="1200" cap="none" spc="0" normalizeH="0" baseline="0" noProof="0" dirty="0">
@@ -9370,7 +8632,7 @@
                 <a:effectLst/>
                 <a:uLnTx/>
                 <a:uFillTx/>
-                <a:latin typeface="Calibri"/>
+                <a:latin typeface="Calibri" panose="020F0502020204030204"/>
                 <a:ea typeface="+mn-ea"/>
                 <a:cs typeface="+mn-cs"/>
               </a:endParaRPr>
@@ -9379,13 +8641,7 @@
         </p:sp>
         <p:cxnSp>
           <p:nvCxnSpPr>
-            <p:cNvPr id="6" name="Straight Connector 15">
-              <a:extLst>
-                <a:ext uri="{FF2B5EF4-FFF2-40B4-BE49-F238E27FC236}">
-                  <a16:creationId xmlns:a16="http://schemas.microsoft.com/office/drawing/2014/main" id="{53CF32A8-5277-FE5C-B008-6F79AC58132B}"/>
-                </a:ext>
-              </a:extLst>
-            </p:cNvPr>
+            <p:cNvPr id="6" name="Straight Connector 15"/>
             <p:cNvCxnSpPr/>
             <p:nvPr/>
           </p:nvCxnSpPr>
@@ -9420,13 +8676,7 @@
         </p:cxnSp>
         <p:cxnSp>
           <p:nvCxnSpPr>
-            <p:cNvPr id="7" name="Straight Connector 16">
-              <a:extLst>
-                <a:ext uri="{FF2B5EF4-FFF2-40B4-BE49-F238E27FC236}">
-                  <a16:creationId xmlns:a16="http://schemas.microsoft.com/office/drawing/2014/main" id="{D82BF9DD-9EA8-9466-51C6-63C263FA81BD}"/>
-                </a:ext>
-              </a:extLst>
-            </p:cNvPr>
+            <p:cNvPr id="7" name="Straight Connector 16"/>
             <p:cNvCxnSpPr/>
             <p:nvPr/>
           </p:nvCxnSpPr>
@@ -9462,13 +8712,7 @@
       </p:grpSp>
       <p:pic>
         <p:nvPicPr>
-          <p:cNvPr id="8" name="图片 7">
-            <a:extLst>
-              <a:ext uri="{FF2B5EF4-FFF2-40B4-BE49-F238E27FC236}">
-                <a16:creationId xmlns:a16="http://schemas.microsoft.com/office/drawing/2014/main" id="{D8437934-F5BC-4715-5AFD-BE2443BBAD34}"/>
-              </a:ext>
-            </a:extLst>
-          </p:cNvPr>
+          <p:cNvPr id="8" name="图片 7"/>
           <p:cNvPicPr>
             <a:picLocks noChangeAspect="1"/>
           </p:cNvPicPr>
@@ -9498,13 +8742,7 @@
       </p:pic>
       <p:sp>
         <p:nvSpPr>
-          <p:cNvPr id="9" name="TextBox 1">
-            <a:extLst>
-              <a:ext uri="{FF2B5EF4-FFF2-40B4-BE49-F238E27FC236}">
-                <a16:creationId xmlns:a16="http://schemas.microsoft.com/office/drawing/2014/main" id="{568EB072-EF51-A993-BAC6-4FF637C746E8}"/>
-              </a:ext>
-            </a:extLst>
-          </p:cNvPr>
+          <p:cNvPr id="9" name="TextBox 1"/>
           <p:cNvSpPr txBox="1">
             <a:spLocks noChangeArrowheads="1"/>
           </p:cNvSpPr>
@@ -9544,7 +8782,6 @@
               <a:buSzTx/>
               <a:buFontTx/>
               <a:buNone/>
-              <a:tabLst/>
               <a:defRPr/>
             </a:pPr>
             <a:r>
@@ -9582,11 +8819,6 @@
         </p:txBody>
       </p:sp>
     </p:spTree>
-    <p:extLst>
-      <p:ext uri="{BB962C8B-B14F-4D97-AF65-F5344CB8AC3E}">
-        <p14:creationId xmlns:p14="http://schemas.microsoft.com/office/powerpoint/2010/main" val="2415591006"/>
-      </p:ext>
-    </p:extLst>
   </p:cSld>
   <p:clrMapOvr>
     <a:masterClrMapping/>
@@ -9613,13 +8845,7 @@
       </p:grpSpPr>
       <p:pic>
         <p:nvPicPr>
-          <p:cNvPr id="3" name="Picture 4" descr="http://pic.shenshi777.com/uploads/allimg/150707/1-150FH10Z1.jpg">
-            <a:extLst>
-              <a:ext uri="{FF2B5EF4-FFF2-40B4-BE49-F238E27FC236}">
-                <a16:creationId xmlns:a16="http://schemas.microsoft.com/office/drawing/2014/main" id="{3B98339D-1D38-891F-26B6-CF93875F2030}"/>
-              </a:ext>
-            </a:extLst>
-          </p:cNvPr>
+          <p:cNvPr id="3" name="Picture 4" descr="http://pic.shenshi777.com/uploads/allimg/150707/1-150FH10Z1.jpg"/>
           <p:cNvPicPr>
             <a:picLocks noChangeAspect="1" noChangeArrowheads="1"/>
           </p:cNvPicPr>
@@ -9651,13 +8877,7 @@
       </p:pic>
       <p:grpSp>
         <p:nvGrpSpPr>
-          <p:cNvPr id="4" name="组合 9">
-            <a:extLst>
-              <a:ext uri="{FF2B5EF4-FFF2-40B4-BE49-F238E27FC236}">
-                <a16:creationId xmlns:a16="http://schemas.microsoft.com/office/drawing/2014/main" id="{0859E389-3592-E5BC-0843-975E9CEDD289}"/>
-              </a:ext>
-            </a:extLst>
-          </p:cNvPr>
+          <p:cNvPr id="4" name="组合 9"/>
           <p:cNvGrpSpPr/>
           <p:nvPr userDrawn="1"/>
         </p:nvGrpSpPr>
@@ -9671,13 +8891,7 @@
         </p:grpSpPr>
         <p:sp>
           <p:nvSpPr>
-            <p:cNvPr id="5" name="Rectangle 7">
-              <a:extLst>
-                <a:ext uri="{FF2B5EF4-FFF2-40B4-BE49-F238E27FC236}">
-                  <a16:creationId xmlns:a16="http://schemas.microsoft.com/office/drawing/2014/main" id="{A1C0FB7B-BFDC-3F29-2F9B-2C85E54C299C}"/>
-                </a:ext>
-              </a:extLst>
-            </p:cNvPr>
+            <p:cNvPr id="5" name="Rectangle 7"/>
             <p:cNvSpPr/>
             <p:nvPr/>
           </p:nvSpPr>
@@ -9730,7 +8944,6 @@
                 <a:buSzTx/>
                 <a:buFontTx/>
                 <a:buNone/>
-                <a:tabLst/>
                 <a:defRPr/>
               </a:pPr>
               <a:endParaRPr kumimoji="0" lang="en-US" sz="1800" b="0" i="0" u="none" strike="noStrike" kern="1200" cap="none" spc="0" normalizeH="0" baseline="0" noProof="0" dirty="0">
@@ -9743,7 +8956,7 @@
                 <a:effectLst/>
                 <a:uLnTx/>
                 <a:uFillTx/>
-                <a:latin typeface="Calibri"/>
+                <a:latin typeface="Calibri" panose="020F0502020204030204"/>
                 <a:ea typeface="+mn-ea"/>
                 <a:cs typeface="+mn-cs"/>
               </a:endParaRPr>
@@ -9752,13 +8965,7 @@
         </p:sp>
         <p:cxnSp>
           <p:nvCxnSpPr>
-            <p:cNvPr id="6" name="Straight Connector 15">
-              <a:extLst>
-                <a:ext uri="{FF2B5EF4-FFF2-40B4-BE49-F238E27FC236}">
-                  <a16:creationId xmlns:a16="http://schemas.microsoft.com/office/drawing/2014/main" id="{53CEF2CB-1BB0-54A3-DCEC-6C3A5025CAEA}"/>
-                </a:ext>
-              </a:extLst>
-            </p:cNvPr>
+            <p:cNvPr id="6" name="Straight Connector 15"/>
             <p:cNvCxnSpPr/>
             <p:nvPr/>
           </p:nvCxnSpPr>
@@ -9793,13 +9000,7 @@
         </p:cxnSp>
         <p:cxnSp>
           <p:nvCxnSpPr>
-            <p:cNvPr id="7" name="Straight Connector 16">
-              <a:extLst>
-                <a:ext uri="{FF2B5EF4-FFF2-40B4-BE49-F238E27FC236}">
-                  <a16:creationId xmlns:a16="http://schemas.microsoft.com/office/drawing/2014/main" id="{09DAEC47-627C-459F-83EA-E1D27697F2A6}"/>
-                </a:ext>
-              </a:extLst>
-            </p:cNvPr>
+            <p:cNvPr id="7" name="Straight Connector 16"/>
             <p:cNvCxnSpPr/>
             <p:nvPr/>
           </p:nvCxnSpPr>
@@ -9835,13 +9036,7 @@
       </p:grpSp>
       <p:pic>
         <p:nvPicPr>
-          <p:cNvPr id="8" name="图片 7" descr="石头墙上&#10;&#10;描述已自动生成">
-            <a:extLst>
-              <a:ext uri="{FF2B5EF4-FFF2-40B4-BE49-F238E27FC236}">
-                <a16:creationId xmlns:a16="http://schemas.microsoft.com/office/drawing/2014/main" id="{2F54A1AA-D29D-2046-35CF-2EAC18504963}"/>
-              </a:ext>
-            </a:extLst>
-          </p:cNvPr>
+          <p:cNvPr id="8" name="图片 7" descr="石头墙上&#10;&#10;描述已自动生成"/>
           <p:cNvPicPr>
             <a:picLocks noChangeAspect="1"/>
           </p:cNvPicPr>
@@ -9852,9 +9047,6 @@
             <a:extLst>
               <a:ext uri="{28A0092B-C50C-407E-A947-70E740481C1C}">
                 <a14:useLocalDpi xmlns:a14="http://schemas.microsoft.com/office/drawing/2010/main" val="0"/>
-              </a:ext>
-              <a:ext uri="{837473B0-CC2E-450A-ABE3-18F120FF3D39}">
-                <a1611:picAttrSrcUrl xmlns:a1611="http://schemas.microsoft.com/office/drawing/2016/11/main" r:id="rId4"/>
               </a:ext>
             </a:extLst>
           </a:blip>
@@ -9874,13 +9066,7 @@
       </p:pic>
       <p:sp>
         <p:nvSpPr>
-          <p:cNvPr id="9" name="灯片编号占位符 2">
-            <a:extLst>
-              <a:ext uri="{FF2B5EF4-FFF2-40B4-BE49-F238E27FC236}">
-                <a16:creationId xmlns:a16="http://schemas.microsoft.com/office/drawing/2014/main" id="{5F6AB38E-6579-1B74-192D-288295EB2544}"/>
-              </a:ext>
-            </a:extLst>
-          </p:cNvPr>
+          <p:cNvPr id="9" name="灯片编号占位符 2"/>
           <p:cNvSpPr>
             <a:spLocks noGrp="1"/>
           </p:cNvSpPr>
@@ -9915,7 +9101,6 @@
               <a:buSzTx/>
               <a:buFontTx/>
               <a:buNone/>
-              <a:tabLst/>
               <a:defRPr/>
             </a:pPr>
             <a:fld id="{CA053A44-6B1A-485F-BBC6-6FAE94737070}" type="slidenum">
@@ -9931,28 +9116,10 @@
                 <a:effectLst/>
                 <a:uLnTx/>
                 <a:uFillTx/>
-                <a:latin typeface="Calibri"/>
+                <a:latin typeface="Calibri" panose="020F0502020204030204"/>
                 <a:ea typeface="宋体" panose="02010600030101010101" pitchFamily="2" charset="-122"/>
                 <a:cs typeface="+mn-cs"/>
               </a:rPr>
-              <a:pPr marL="0" marR="0" lvl="0" indent="0" algn="r" defTabSz="914400" rtl="0" eaLnBrk="1" fontAlgn="auto" latinLnBrk="0" hangingPunct="1">
-                <a:lnSpc>
-                  <a:spcPct val="100000"/>
-                </a:lnSpc>
-                <a:spcBef>
-                  <a:spcPts val="0"/>
-                </a:spcBef>
-                <a:spcAft>
-                  <a:spcPts val="0"/>
-                </a:spcAft>
-                <a:buClrTx/>
-                <a:buSzTx/>
-                <a:buFontTx/>
-                <a:buNone/>
-                <a:tabLst/>
-                <a:defRPr/>
-              </a:pPr>
-              <a:t>‹#›</a:t>
             </a:fld>
             <a:endParaRPr kumimoji="0" lang="zh-CN" altLang="en-US" sz="1200" b="0" i="0" u="none" strike="noStrike" kern="1200" cap="none" spc="0" normalizeH="0" baseline="0" noProof="0">
               <a:ln>
@@ -9966,7 +9133,7 @@
               <a:effectLst/>
               <a:uLnTx/>
               <a:uFillTx/>
-              <a:latin typeface="Calibri"/>
+              <a:latin typeface="Calibri" panose="020F0502020204030204"/>
               <a:ea typeface="宋体" panose="02010600030101010101" pitchFamily="2" charset="-122"/>
               <a:cs typeface="+mn-cs"/>
             </a:endParaRPr>
@@ -9975,13 +9142,7 @@
       </p:sp>
       <p:sp>
         <p:nvSpPr>
-          <p:cNvPr id="10" name="文本框 9">
-            <a:extLst>
-              <a:ext uri="{FF2B5EF4-FFF2-40B4-BE49-F238E27FC236}">
-                <a16:creationId xmlns:a16="http://schemas.microsoft.com/office/drawing/2014/main" id="{C9B37578-9FB6-E60D-B4B0-FD00DE424C9C}"/>
-              </a:ext>
-            </a:extLst>
-          </p:cNvPr>
+          <p:cNvPr id="10" name="文本框 9"/>
           <p:cNvSpPr txBox="1"/>
           <p:nvPr userDrawn="1"/>
         </p:nvSpPr>
@@ -10015,7 +9176,6 @@
               <a:buSzTx/>
               <a:buFontTx/>
               <a:buNone/>
-              <a:tabLst/>
               <a:defRPr/>
             </a:pPr>
             <a:r>
@@ -10041,18 +9201,32 @@
               </a:rPr>
               <a:t>主祷文</a:t>
             </a:r>
+            <a:endParaRPr kumimoji="0" lang="zh-CN" altLang="en-US" sz="6600" b="0" i="0" u="none" strike="noStrike" kern="2000" cap="none" spc="900" normalizeH="0" baseline="0" noProof="0" dirty="0">
+              <a:ln>
+                <a:noFill/>
+              </a:ln>
+              <a:solidFill>
+                <a:prstClr val="black"/>
+              </a:solidFill>
+              <a:effectLst>
+                <a:outerShdw blurRad="38100" dist="38100" dir="2700000" algn="tl">
+                  <a:srgbClr val="000000">
+                    <a:alpha val="43137"/>
+                  </a:srgbClr>
+                </a:outerShdw>
+              </a:effectLst>
+              <a:uLnTx/>
+              <a:uFillTx/>
+              <a:latin typeface="隶书" panose="02010509060101010101" pitchFamily="49" charset="-122"/>
+              <a:ea typeface="隶书" panose="02010509060101010101" pitchFamily="49" charset="-122"/>
+              <a:cs typeface="+mn-cs"/>
+            </a:endParaRPr>
           </a:p>
         </p:txBody>
       </p:sp>
       <p:sp>
         <p:nvSpPr>
-          <p:cNvPr id="11" name="文本框 10">
-            <a:extLst>
-              <a:ext uri="{FF2B5EF4-FFF2-40B4-BE49-F238E27FC236}">
-                <a16:creationId xmlns:a16="http://schemas.microsoft.com/office/drawing/2014/main" id="{7D5BA5BC-16DD-D878-E35A-78A5710CC2B0}"/>
-              </a:ext>
-            </a:extLst>
-          </p:cNvPr>
+          <p:cNvPr id="11" name="文本框 10"/>
           <p:cNvSpPr txBox="1"/>
           <p:nvPr userDrawn="1"/>
         </p:nvSpPr>
@@ -10086,7 +9260,6 @@
               <a:buSzTx/>
               <a:buFontTx/>
               <a:buNone/>
-              <a:tabLst/>
               <a:defRPr/>
             </a:pPr>
             <a:r>
@@ -10142,13 +9315,7 @@
       </p:sp>
       <p:sp>
         <p:nvSpPr>
-          <p:cNvPr id="12" name="文本框 11">
-            <a:extLst>
-              <a:ext uri="{FF2B5EF4-FFF2-40B4-BE49-F238E27FC236}">
-                <a16:creationId xmlns:a16="http://schemas.microsoft.com/office/drawing/2014/main" id="{83BD6DE7-A205-7B9E-C0B4-81A676E90FFB}"/>
-              </a:ext>
-            </a:extLst>
-          </p:cNvPr>
+          <p:cNvPr id="12" name="文本框 11"/>
           <p:cNvSpPr txBox="1"/>
           <p:nvPr userDrawn="1"/>
         </p:nvSpPr>
@@ -10182,7 +9349,6 @@
               <a:buSzTx/>
               <a:buFontTx/>
               <a:buNone/>
-              <a:tabLst/>
               <a:defRPr/>
             </a:pPr>
             <a:r>
@@ -10202,6 +9368,20 @@
               </a:rPr>
               <a:t>我们在天上的父，愿人都尊你的名为圣。</a:t>
             </a:r>
+            <a:endParaRPr kumimoji="0" lang="zh-CN" altLang="en-US" sz="2400" b="1" i="0" u="none" strike="noStrike" kern="1200" cap="none" spc="0" normalizeH="0" baseline="0" noProof="0" dirty="0">
+              <a:ln>
+                <a:noFill/>
+              </a:ln>
+              <a:solidFill>
+                <a:prstClr val="black"/>
+              </a:solidFill>
+              <a:effectLst/>
+              <a:uLnTx/>
+              <a:uFillTx/>
+              <a:latin typeface="微软雅黑" panose="020B0503020204020204" pitchFamily="34" charset="-122"/>
+              <a:ea typeface="微软雅黑" panose="020B0503020204020204" pitchFamily="34" charset="-122"/>
+              <a:cs typeface="+mn-cs"/>
+            </a:endParaRPr>
           </a:p>
           <a:p>
             <a:pPr marL="0" marR="0" lvl="0" indent="0" algn="l" defTabSz="914400" rtl="0" eaLnBrk="1" fontAlgn="base" latinLnBrk="0" hangingPunct="1">
@@ -10218,7 +9398,6 @@
               <a:buSzTx/>
               <a:buFontTx/>
               <a:buNone/>
-              <a:tabLst/>
               <a:defRPr/>
             </a:pPr>
             <a:r>
@@ -10238,6 +9417,20 @@
               </a:rPr>
               <a:t>愿你的国降临，愿你的旨意行在地上，如同行在天上。</a:t>
             </a:r>
+            <a:endParaRPr kumimoji="0" lang="zh-CN" altLang="en-US" sz="2400" b="1" i="0" u="none" strike="noStrike" kern="1200" cap="none" spc="0" normalizeH="0" baseline="0" noProof="0" dirty="0">
+              <a:ln>
+                <a:noFill/>
+              </a:ln>
+              <a:solidFill>
+                <a:prstClr val="black"/>
+              </a:solidFill>
+              <a:effectLst/>
+              <a:uLnTx/>
+              <a:uFillTx/>
+              <a:latin typeface="微软雅黑" panose="020B0503020204020204" pitchFamily="34" charset="-122"/>
+              <a:ea typeface="微软雅黑" panose="020B0503020204020204" pitchFamily="34" charset="-122"/>
+              <a:cs typeface="+mn-cs"/>
+            </a:endParaRPr>
           </a:p>
           <a:p>
             <a:pPr marL="0" marR="0" lvl="0" indent="0" algn="l" defTabSz="914400" rtl="0" eaLnBrk="1" fontAlgn="base" latinLnBrk="0" hangingPunct="1">
@@ -10254,7 +9447,6 @@
               <a:buSzTx/>
               <a:buFontTx/>
               <a:buNone/>
-              <a:tabLst/>
               <a:defRPr/>
             </a:pPr>
             <a:r>
@@ -10274,6 +9466,20 @@
               </a:rPr>
               <a:t>我们日用的饮食，今日赐给我们。</a:t>
             </a:r>
+            <a:endParaRPr kumimoji="0" lang="zh-CN" altLang="en-US" sz="2400" b="1" i="0" u="none" strike="noStrike" kern="1200" cap="none" spc="0" normalizeH="0" baseline="0" noProof="0" dirty="0">
+              <a:ln>
+                <a:noFill/>
+              </a:ln>
+              <a:solidFill>
+                <a:prstClr val="black"/>
+              </a:solidFill>
+              <a:effectLst/>
+              <a:uLnTx/>
+              <a:uFillTx/>
+              <a:latin typeface="微软雅黑" panose="020B0503020204020204" pitchFamily="34" charset="-122"/>
+              <a:ea typeface="微软雅黑" panose="020B0503020204020204" pitchFamily="34" charset="-122"/>
+              <a:cs typeface="+mn-cs"/>
+            </a:endParaRPr>
           </a:p>
           <a:p>
             <a:pPr marL="0" marR="0" lvl="0" indent="0" algn="l" defTabSz="914400" rtl="0" eaLnBrk="1" fontAlgn="base" latinLnBrk="0" hangingPunct="1">
@@ -10290,7 +9496,6 @@
               <a:buSzTx/>
               <a:buFontTx/>
               <a:buNone/>
-              <a:tabLst/>
               <a:defRPr/>
             </a:pPr>
             <a:r>
@@ -10310,6 +9515,20 @@
               </a:rPr>
               <a:t>免我们的债，如同我们免了人的债。</a:t>
             </a:r>
+            <a:endParaRPr kumimoji="0" lang="zh-CN" altLang="en-US" sz="2400" b="1" i="0" u="none" strike="noStrike" kern="1200" cap="none" spc="0" normalizeH="0" baseline="0" noProof="0" dirty="0">
+              <a:ln>
+                <a:noFill/>
+              </a:ln>
+              <a:solidFill>
+                <a:prstClr val="black"/>
+              </a:solidFill>
+              <a:effectLst/>
+              <a:uLnTx/>
+              <a:uFillTx/>
+              <a:latin typeface="微软雅黑" panose="020B0503020204020204" pitchFamily="34" charset="-122"/>
+              <a:ea typeface="微软雅黑" panose="020B0503020204020204" pitchFamily="34" charset="-122"/>
+              <a:cs typeface="+mn-cs"/>
+            </a:endParaRPr>
           </a:p>
           <a:p>
             <a:pPr marL="0" marR="0" lvl="0" indent="0" algn="l" defTabSz="914400" rtl="0" eaLnBrk="1" fontAlgn="base" latinLnBrk="0" hangingPunct="1">
@@ -10326,7 +9545,6 @@
               <a:buSzTx/>
               <a:buFontTx/>
               <a:buNone/>
-              <a:tabLst/>
               <a:defRPr/>
             </a:pPr>
             <a:r>
@@ -10346,18 +9564,26 @@
               </a:rPr>
               <a:t>不叫我们遇见试探，救我们脱离凶恶。因为国度，权柄，荣耀，全是你的，直到永远。阿门！</a:t>
             </a:r>
+            <a:endParaRPr kumimoji="0" lang="zh-CN" altLang="en-US" sz="2400" b="1" i="0" u="none" strike="noStrike" kern="1200" cap="none" spc="0" normalizeH="0" baseline="0" noProof="0" dirty="0">
+              <a:ln>
+                <a:noFill/>
+              </a:ln>
+              <a:solidFill>
+                <a:prstClr val="black"/>
+              </a:solidFill>
+              <a:effectLst/>
+              <a:uLnTx/>
+              <a:uFillTx/>
+              <a:latin typeface="微软雅黑" panose="020B0503020204020204" pitchFamily="34" charset="-122"/>
+              <a:ea typeface="微软雅黑" panose="020B0503020204020204" pitchFamily="34" charset="-122"/>
+              <a:cs typeface="+mn-cs"/>
+            </a:endParaRPr>
           </a:p>
         </p:txBody>
       </p:sp>
       <p:grpSp>
         <p:nvGrpSpPr>
-          <p:cNvPr id="13" name="组合 9">
-            <a:extLst>
-              <a:ext uri="{FF2B5EF4-FFF2-40B4-BE49-F238E27FC236}">
-                <a16:creationId xmlns:a16="http://schemas.microsoft.com/office/drawing/2014/main" id="{C00C2EED-4A57-724F-2EF9-BB1AC85BE54C}"/>
-              </a:ext>
-            </a:extLst>
-          </p:cNvPr>
+          <p:cNvPr id="13" name="组合 9"/>
           <p:cNvGrpSpPr/>
           <p:nvPr userDrawn="1"/>
         </p:nvGrpSpPr>
@@ -10371,13 +9597,7 @@
         </p:grpSpPr>
         <p:sp>
           <p:nvSpPr>
-            <p:cNvPr id="14" name="Rectangle 7">
-              <a:extLst>
-                <a:ext uri="{FF2B5EF4-FFF2-40B4-BE49-F238E27FC236}">
-                  <a16:creationId xmlns:a16="http://schemas.microsoft.com/office/drawing/2014/main" id="{52E8541D-6EB7-0049-BEFD-3930E731CCCA}"/>
-                </a:ext>
-              </a:extLst>
-            </p:cNvPr>
+            <p:cNvPr id="14" name="Rectangle 7"/>
             <p:cNvSpPr/>
             <p:nvPr/>
           </p:nvSpPr>
@@ -10430,7 +9650,6 @@
                 <a:buSzTx/>
                 <a:buFontTx/>
                 <a:buNone/>
-                <a:tabLst/>
                 <a:defRPr/>
               </a:pPr>
               <a:endParaRPr kumimoji="0" lang="en-US" sz="1800" b="0" i="0" u="none" strike="noStrike" kern="1200" cap="none" spc="0" normalizeH="0" baseline="0" noProof="0" dirty="0">
@@ -10443,7 +9662,7 @@
                 <a:effectLst/>
                 <a:uLnTx/>
                 <a:uFillTx/>
-                <a:latin typeface="Calibri"/>
+                <a:latin typeface="Calibri" panose="020F0502020204030204"/>
                 <a:ea typeface="+mn-ea"/>
                 <a:cs typeface="+mn-cs"/>
               </a:endParaRPr>
@@ -10452,13 +9671,7 @@
         </p:sp>
         <p:cxnSp>
           <p:nvCxnSpPr>
-            <p:cNvPr id="15" name="Straight Connector 15">
-              <a:extLst>
-                <a:ext uri="{FF2B5EF4-FFF2-40B4-BE49-F238E27FC236}">
-                  <a16:creationId xmlns:a16="http://schemas.microsoft.com/office/drawing/2014/main" id="{B5F25187-50FE-9AD2-DD68-99A473D53E04}"/>
-                </a:ext>
-              </a:extLst>
-            </p:cNvPr>
+            <p:cNvPr id="15" name="Straight Connector 15"/>
             <p:cNvCxnSpPr/>
             <p:nvPr/>
           </p:nvCxnSpPr>
@@ -10493,13 +9706,7 @@
         </p:cxnSp>
         <p:cxnSp>
           <p:nvCxnSpPr>
-            <p:cNvPr id="16" name="Straight Connector 16">
-              <a:extLst>
-                <a:ext uri="{FF2B5EF4-FFF2-40B4-BE49-F238E27FC236}">
-                  <a16:creationId xmlns:a16="http://schemas.microsoft.com/office/drawing/2014/main" id="{5CF69272-4767-2DE5-4F98-F2701AA9D87D}"/>
-                </a:ext>
-              </a:extLst>
-            </p:cNvPr>
+            <p:cNvPr id="16" name="Straight Connector 16"/>
             <p:cNvCxnSpPr/>
             <p:nvPr/>
           </p:nvCxnSpPr>
@@ -10534,11 +9741,6 @@
         </p:cxnSp>
       </p:grpSp>
     </p:spTree>
-    <p:extLst>
-      <p:ext uri="{BB962C8B-B14F-4D97-AF65-F5344CB8AC3E}">
-        <p14:creationId xmlns:p14="http://schemas.microsoft.com/office/powerpoint/2010/main" val="1509580372"/>
-      </p:ext>
-    </p:extLst>
   </p:cSld>
   <p:clrMapOvr>
     <a:masterClrMapping/>
@@ -10565,13 +9767,7 @@
       </p:grpSpPr>
       <p:pic>
         <p:nvPicPr>
-          <p:cNvPr id="3" name="Picture 4" descr="http://pic.shenshi777.com/uploads/allimg/150707/1-150FH10Z1.jpg">
-            <a:extLst>
-              <a:ext uri="{FF2B5EF4-FFF2-40B4-BE49-F238E27FC236}">
-                <a16:creationId xmlns:a16="http://schemas.microsoft.com/office/drawing/2014/main" id="{3D852836-245E-F41F-DD9C-477B37A3654D}"/>
-              </a:ext>
-            </a:extLst>
-          </p:cNvPr>
+          <p:cNvPr id="3" name="Picture 4" descr="http://pic.shenshi777.com/uploads/allimg/150707/1-150FH10Z1.jpg"/>
           <p:cNvPicPr>
             <a:picLocks noChangeAspect="1" noChangeArrowheads="1"/>
           </p:cNvPicPr>
@@ -10603,13 +9799,7 @@
       </p:pic>
       <p:grpSp>
         <p:nvGrpSpPr>
-          <p:cNvPr id="4" name="组合 9">
-            <a:extLst>
-              <a:ext uri="{FF2B5EF4-FFF2-40B4-BE49-F238E27FC236}">
-                <a16:creationId xmlns:a16="http://schemas.microsoft.com/office/drawing/2014/main" id="{BA6245F2-4185-6803-3974-07C09D4D46E7}"/>
-              </a:ext>
-            </a:extLst>
-          </p:cNvPr>
+          <p:cNvPr id="4" name="组合 9"/>
           <p:cNvGrpSpPr/>
           <p:nvPr userDrawn="1"/>
         </p:nvGrpSpPr>
@@ -10623,13 +9813,7 @@
         </p:grpSpPr>
         <p:sp>
           <p:nvSpPr>
-            <p:cNvPr id="5" name="Rectangle 7">
-              <a:extLst>
-                <a:ext uri="{FF2B5EF4-FFF2-40B4-BE49-F238E27FC236}">
-                  <a16:creationId xmlns:a16="http://schemas.microsoft.com/office/drawing/2014/main" id="{EC019357-776C-27CF-DB0F-D35E1DD3F75A}"/>
-                </a:ext>
-              </a:extLst>
-            </p:cNvPr>
+            <p:cNvPr id="5" name="Rectangle 7"/>
             <p:cNvSpPr/>
             <p:nvPr/>
           </p:nvSpPr>
@@ -10682,7 +9866,6 @@
                 <a:buSzTx/>
                 <a:buFontTx/>
                 <a:buNone/>
-                <a:tabLst/>
                 <a:defRPr/>
               </a:pPr>
               <a:endParaRPr kumimoji="0" lang="en-US" sz="1800" b="0" i="0" u="none" strike="noStrike" kern="1200" cap="none" spc="0" normalizeH="0" baseline="0" noProof="0" dirty="0">
@@ -10695,7 +9878,7 @@
                 <a:effectLst/>
                 <a:uLnTx/>
                 <a:uFillTx/>
-                <a:latin typeface="Calibri"/>
+                <a:latin typeface="Calibri" panose="020F0502020204030204"/>
                 <a:ea typeface="+mn-ea"/>
                 <a:cs typeface="+mn-cs"/>
               </a:endParaRPr>
@@ -10704,13 +9887,7 @@
         </p:sp>
         <p:cxnSp>
           <p:nvCxnSpPr>
-            <p:cNvPr id="6" name="Straight Connector 15">
-              <a:extLst>
-                <a:ext uri="{FF2B5EF4-FFF2-40B4-BE49-F238E27FC236}">
-                  <a16:creationId xmlns:a16="http://schemas.microsoft.com/office/drawing/2014/main" id="{14634C19-C518-B837-AB51-CA912A610EF3}"/>
-                </a:ext>
-              </a:extLst>
-            </p:cNvPr>
+            <p:cNvPr id="6" name="Straight Connector 15"/>
             <p:cNvCxnSpPr/>
             <p:nvPr/>
           </p:nvCxnSpPr>
@@ -10745,13 +9922,7 @@
         </p:cxnSp>
         <p:cxnSp>
           <p:nvCxnSpPr>
-            <p:cNvPr id="7" name="Straight Connector 16">
-              <a:extLst>
-                <a:ext uri="{FF2B5EF4-FFF2-40B4-BE49-F238E27FC236}">
-                  <a16:creationId xmlns:a16="http://schemas.microsoft.com/office/drawing/2014/main" id="{49C24E8C-26A7-E6D9-AC97-F3383D61CCF3}"/>
-                </a:ext>
-              </a:extLst>
-            </p:cNvPr>
+            <p:cNvPr id="7" name="Straight Connector 16"/>
             <p:cNvCxnSpPr/>
             <p:nvPr/>
           </p:nvCxnSpPr>
@@ -10787,13 +9958,7 @@
       </p:grpSp>
       <p:sp>
         <p:nvSpPr>
-          <p:cNvPr id="8" name="TextBox 1">
-            <a:extLst>
-              <a:ext uri="{FF2B5EF4-FFF2-40B4-BE49-F238E27FC236}">
-                <a16:creationId xmlns:a16="http://schemas.microsoft.com/office/drawing/2014/main" id="{58110447-1FA9-5989-7360-232535F7DBAF}"/>
-              </a:ext>
-            </a:extLst>
-          </p:cNvPr>
+          <p:cNvPr id="8" name="TextBox 1"/>
           <p:cNvSpPr txBox="1">
             <a:spLocks noChangeArrowheads="1"/>
           </p:cNvSpPr>
@@ -10833,7 +9998,6 @@
               <a:buSzTx/>
               <a:buFontTx/>
               <a:buNone/>
-              <a:tabLst/>
               <a:defRPr/>
             </a:pPr>
             <a:r>
@@ -10872,13 +10036,7 @@
       </p:sp>
       <p:sp>
         <p:nvSpPr>
-          <p:cNvPr id="9" name="副标题 2">
-            <a:extLst>
-              <a:ext uri="{FF2B5EF4-FFF2-40B4-BE49-F238E27FC236}">
-                <a16:creationId xmlns:a16="http://schemas.microsoft.com/office/drawing/2014/main" id="{B552F074-19B9-8798-E3FE-AFA7D311151A}"/>
-              </a:ext>
-            </a:extLst>
-          </p:cNvPr>
+          <p:cNvPr id="9" name="副标题 2"/>
           <p:cNvSpPr txBox="1">
             <a:spLocks noChangeArrowheads="1"/>
           </p:cNvSpPr>
@@ -10914,9 +10072,8 @@
               </a:spcAft>
               <a:buClrTx/>
               <a:buSzTx/>
-              <a:buFont typeface="Arial" panose="020B0604020202090204" pitchFamily="34" charset="0"/>
+              <a:buFont typeface="Arial" panose="020B0604020202020204" pitchFamily="34" charset="0"/>
               <a:buNone/>
-              <a:tabLst/>
               <a:defRPr/>
             </a:pPr>
             <a:r>
@@ -10936,6 +10093,20 @@
               </a:rPr>
               <a:t>家事分享</a:t>
             </a:r>
+            <a:endParaRPr kumimoji="0" lang="zh-CN" altLang="en-US" sz="3600" b="1" i="0" u="none" strike="noStrike" kern="1200" cap="none" spc="0" normalizeH="0" baseline="0" noProof="0" dirty="0">
+              <a:ln>
+                <a:noFill/>
+              </a:ln>
+              <a:solidFill>
+                <a:prstClr val="black"/>
+              </a:solidFill>
+              <a:effectLst/>
+              <a:uLnTx/>
+              <a:uFillTx/>
+              <a:latin typeface="微软雅黑" panose="020B0503020204020204" pitchFamily="34" charset="-122"/>
+              <a:ea typeface="微软雅黑" panose="020B0503020204020204" pitchFamily="34" charset="-122"/>
+              <a:cs typeface="+mn-cs"/>
+            </a:endParaRPr>
           </a:p>
           <a:p>
             <a:pPr marL="0" marR="0" lvl="0" indent="0" algn="l" defTabSz="914400" rtl="0" eaLnBrk="1" fontAlgn="base" latinLnBrk="0" hangingPunct="1">
@@ -10950,9 +10121,8 @@
               </a:spcAft>
               <a:buClrTx/>
               <a:buSzTx/>
-              <a:buFont typeface="Arial" panose="020B0604020202090204" pitchFamily="34" charset="0"/>
+              <a:buFont typeface="Arial" panose="020B0604020202020204" pitchFamily="34" charset="0"/>
               <a:buAutoNum type="arabicPeriod"/>
-              <a:tabLst/>
               <a:defRPr/>
             </a:pPr>
             <a:r>
@@ -10972,6 +10142,20 @@
               </a:rPr>
               <a:t>欢迎新朋友</a:t>
             </a:r>
+            <a:endParaRPr kumimoji="0" lang="zh-CN" altLang="en-US" sz="2800" b="1" i="0" u="none" strike="noStrike" kern="1200" cap="none" spc="0" normalizeH="0" baseline="0" noProof="0" dirty="0">
+              <a:ln>
+                <a:noFill/>
+              </a:ln>
+              <a:solidFill>
+                <a:prstClr val="black"/>
+              </a:solidFill>
+              <a:effectLst/>
+              <a:uLnTx/>
+              <a:uFillTx/>
+              <a:latin typeface="微软雅黑" panose="020B0503020204020204" pitchFamily="34" charset="-122"/>
+              <a:ea typeface="微软雅黑" panose="020B0503020204020204" pitchFamily="34" charset="-122"/>
+              <a:cs typeface="+mn-cs"/>
+            </a:endParaRPr>
           </a:p>
           <a:p>
             <a:pPr marL="0" marR="0" lvl="0" indent="0" algn="l" defTabSz="914400" rtl="0" eaLnBrk="1" fontAlgn="base" latinLnBrk="0" hangingPunct="1">
@@ -10988,7 +10172,6 @@
               <a:buSzTx/>
               <a:buFontTx/>
               <a:buNone/>
-              <a:tabLst/>
               <a:defRPr/>
             </a:pPr>
             <a:r>
@@ -11043,11 +10226,6 @@
         </p:txBody>
       </p:sp>
     </p:spTree>
-    <p:extLst>
-      <p:ext uri="{BB962C8B-B14F-4D97-AF65-F5344CB8AC3E}">
-        <p14:creationId xmlns:p14="http://schemas.microsoft.com/office/powerpoint/2010/main" val="4038239118"/>
-      </p:ext>
-    </p:extLst>
   </p:cSld>
   <p:clrMapOvr>
     <a:masterClrMapping/>
@@ -11173,7 +10351,6 @@
                 <a:buSzTx/>
                 <a:buFontTx/>
                 <a:buNone/>
-                <a:tabLst/>
                 <a:defRPr/>
               </a:pPr>
               <a:endParaRPr kumimoji="0" lang="en-US" sz="1800" b="0" i="0" u="none" strike="noStrike" kern="1200" cap="none" spc="0" normalizeH="0" baseline="0" noProof="0" dirty="0">
@@ -11186,7 +10363,7 @@
                 <a:effectLst/>
                 <a:uLnTx/>
                 <a:uFillTx/>
-                <a:latin typeface="Calibri"/>
+                <a:latin typeface="Calibri" panose="020F0502020204030204"/>
                 <a:ea typeface="+mn-ea"/>
                 <a:cs typeface="+mn-cs"/>
               </a:endParaRPr>
@@ -11333,7 +10510,6 @@
                 <a:buSzTx/>
                 <a:buFontTx/>
                 <a:buNone/>
-                <a:tabLst/>
                 <a:defRPr/>
               </a:pPr>
               <a:endParaRPr kumimoji="0" lang="en-US" sz="1800" b="0" i="0" u="none" strike="noStrike" kern="1200" cap="none" spc="0" normalizeH="0" baseline="0" noProof="0" dirty="0">
@@ -11346,7 +10522,7 @@
                 <a:effectLst/>
                 <a:uLnTx/>
                 <a:uFillTx/>
-                <a:latin typeface="Calibri"/>
+                <a:latin typeface="Calibri" panose="020F0502020204030204"/>
                 <a:ea typeface="+mn-ea"/>
                 <a:cs typeface="+mn-cs"/>
               </a:endParaRPr>
@@ -11426,13 +10602,7 @@
       </p:grpSp>
       <p:sp>
         <p:nvSpPr>
-          <p:cNvPr id="14" name="文本框 30" descr="e7d195523061f1c021b92b3d25e54ab5e788c0576048880950C3AFFA1066A7153250F1349197BA8C5246BA9D557EC0274B8DA272D2431748978789E76D2CD7D1F11E7447C1D163F5D9CA1CD35DC7B6F0FFA3D66467BAE7C14FE869A837C1E39FB23BF3059C959301C16FA617AB6F15A687D6E703783DD4D83CCE8CB0A27A0D15A4A6B80C6EB515DF9C8660C3E3F8A3AC">
-            <a:extLst>
-              <a:ext uri="{FF2B5EF4-FFF2-40B4-BE49-F238E27FC236}">
-                <a16:creationId xmlns:a16="http://schemas.microsoft.com/office/drawing/2014/main" id="{11CE8E8E-513C-38EB-593F-584122ABC6C1}"/>
-              </a:ext>
-            </a:extLst>
-          </p:cNvPr>
+          <p:cNvPr id="14" name="文本框 30" descr="e7d195523061f1c021b92b3d25e54ab5e788c0576048880950C3AFFA1066A7153250F1349197BA8C5246BA9D557EC0274B8DA272D2431748978789E76D2CD7D1F11E7447C1D163F5D9CA1CD35DC7B6F0FFA3D66467BAE7C14FE869A837C1E39FB23BF3059C959301C16FA617AB6F15A687D6E703783DD4D83CCE8CB0A27A0D15A4A6B80C6EB515DF9C8660C3E3F8A3AC"/>
           <p:cNvSpPr txBox="1"/>
           <p:nvPr userDrawn="1"/>
         </p:nvSpPr>
@@ -11466,7 +10636,6 @@
               <a:buSzTx/>
               <a:buFontTx/>
               <a:buNone/>
-              <a:tabLst/>
               <a:defRPr/>
             </a:pPr>
             <a:r>
@@ -11490,18 +10659,30 @@
               </a:rPr>
               <a:t>主日崇拜</a:t>
             </a:r>
+            <a:endParaRPr kumimoji="0" lang="zh-CN" altLang="en-US" sz="6000" b="1" i="0" u="none" strike="noStrike" kern="1200" cap="none" spc="0" normalizeH="0" baseline="0" noProof="0" dirty="0">
+              <a:ln>
+                <a:noFill/>
+              </a:ln>
+              <a:solidFill>
+                <a:prstClr val="black">
+                  <a:lumMod val="65000"/>
+                  <a:lumOff val="35000"/>
+                </a:prstClr>
+              </a:solidFill>
+              <a:effectLst/>
+              <a:uLnTx/>
+              <a:uFillTx/>
+              <a:latin typeface="微软雅黑" panose="020B0503020204020204" pitchFamily="34" charset="-122"/>
+              <a:ea typeface="微软雅黑" panose="020B0503020204020204" pitchFamily="34" charset="-122"/>
+              <a:cs typeface="+mn-ea"/>
+              <a:sym typeface="+mn-lt"/>
+            </a:endParaRPr>
           </a:p>
         </p:txBody>
       </p:sp>
       <p:sp>
         <p:nvSpPr>
-          <p:cNvPr id="17" name="内容占位符 16">
-            <a:extLst>
-              <a:ext uri="{FF2B5EF4-FFF2-40B4-BE49-F238E27FC236}">
-                <a16:creationId xmlns:a16="http://schemas.microsoft.com/office/drawing/2014/main" id="{CA077988-B4EE-2EAC-9269-3D1FB9DA2F36}"/>
-              </a:ext>
-            </a:extLst>
-          </p:cNvPr>
+          <p:cNvPr id="17" name="内容占位符 16"/>
           <p:cNvSpPr>
             <a:spLocks noGrp="1"/>
           </p:cNvSpPr>
@@ -11548,18 +10729,13 @@
               <a:rPr kumimoji="1" lang="zh-CN" altLang="en-US" dirty="0"/>
               <a:t>主后某年某月某日</a:t>
             </a:r>
+            <a:endParaRPr kumimoji="1" lang="zh-CN" altLang="en-US" dirty="0"/>
           </a:p>
         </p:txBody>
       </p:sp>
       <p:sp>
         <p:nvSpPr>
-          <p:cNvPr id="12" name="内容占位符 11">
-            <a:extLst>
-              <a:ext uri="{FF2B5EF4-FFF2-40B4-BE49-F238E27FC236}">
-                <a16:creationId xmlns:a16="http://schemas.microsoft.com/office/drawing/2014/main" id="{10A8557C-E165-8BC5-9B24-E98003963DB0}"/>
-              </a:ext>
-            </a:extLst>
-          </p:cNvPr>
+          <p:cNvPr id="12" name="内容占位符 11"/>
           <p:cNvSpPr>
             <a:spLocks noGrp="1"/>
           </p:cNvSpPr>
@@ -11612,15 +10788,11 @@
               <a:rPr lang="zh-CN" altLang="en-US"/>
               <a:t>单击编辑教会名称</a:t>
             </a:r>
+            <a:endParaRPr lang="zh-CN" altLang="en-US"/>
           </a:p>
         </p:txBody>
       </p:sp>
     </p:spTree>
-    <p:extLst>
-      <p:ext uri="{BB962C8B-B14F-4D97-AF65-F5344CB8AC3E}">
-        <p14:creationId xmlns:p14="http://schemas.microsoft.com/office/powerpoint/2010/main" val="2803353819"/>
-      </p:ext>
-    </p:extLst>
   </p:cSld>
   <p:clrMapOvr>
     <a:masterClrMapping/>
@@ -11647,13 +10819,7 @@
       </p:grpSpPr>
       <p:sp>
         <p:nvSpPr>
-          <p:cNvPr id="3" name="TextBox 1">
-            <a:extLst>
-              <a:ext uri="{FF2B5EF4-FFF2-40B4-BE49-F238E27FC236}">
-                <a16:creationId xmlns:a16="http://schemas.microsoft.com/office/drawing/2014/main" id="{9AC26406-7FEB-73B7-0832-42A0F43D6D3C}"/>
-              </a:ext>
-            </a:extLst>
-          </p:cNvPr>
+          <p:cNvPr id="3" name="TextBox 1"/>
           <p:cNvSpPr txBox="1">
             <a:spLocks noChangeArrowheads="1"/>
           </p:cNvSpPr>
@@ -11693,7 +10859,6 @@
               <a:buSzTx/>
               <a:buFontTx/>
               <a:buNone/>
-              <a:tabLst/>
               <a:defRPr/>
             </a:pPr>
             <a:r>
@@ -11732,13 +10897,7 @@
       </p:sp>
       <p:pic>
         <p:nvPicPr>
-          <p:cNvPr id="4" name="Picture 4" descr="http://pic.shenshi777.com/uploads/allimg/150707/1-150FH10Z1.jpg">
-            <a:extLst>
-              <a:ext uri="{FF2B5EF4-FFF2-40B4-BE49-F238E27FC236}">
-                <a16:creationId xmlns:a16="http://schemas.microsoft.com/office/drawing/2014/main" id="{E8847E2A-8DDB-7FCC-926C-035C93CBABFD}"/>
-              </a:ext>
-            </a:extLst>
-          </p:cNvPr>
+          <p:cNvPr id="4" name="Picture 4" descr="http://pic.shenshi777.com/uploads/allimg/150707/1-150FH10Z1.jpg"/>
           <p:cNvPicPr>
             <a:picLocks noChangeAspect="1" noChangeArrowheads="1"/>
           </p:cNvPicPr>
@@ -11770,13 +10929,7 @@
       </p:pic>
       <p:grpSp>
         <p:nvGrpSpPr>
-          <p:cNvPr id="5" name="组合 9">
-            <a:extLst>
-              <a:ext uri="{FF2B5EF4-FFF2-40B4-BE49-F238E27FC236}">
-                <a16:creationId xmlns:a16="http://schemas.microsoft.com/office/drawing/2014/main" id="{3556E217-DC6B-4A68-406A-AE68DD97A422}"/>
-              </a:ext>
-            </a:extLst>
-          </p:cNvPr>
+          <p:cNvPr id="5" name="组合 9"/>
           <p:cNvGrpSpPr/>
           <p:nvPr userDrawn="1"/>
         </p:nvGrpSpPr>
@@ -11790,13 +10943,7 @@
         </p:grpSpPr>
         <p:sp>
           <p:nvSpPr>
-            <p:cNvPr id="6" name="Rectangle 7">
-              <a:extLst>
-                <a:ext uri="{FF2B5EF4-FFF2-40B4-BE49-F238E27FC236}">
-                  <a16:creationId xmlns:a16="http://schemas.microsoft.com/office/drawing/2014/main" id="{258CF543-C90D-FEB4-CCF8-33D5AD854FBB}"/>
-                </a:ext>
-              </a:extLst>
-            </p:cNvPr>
+            <p:cNvPr id="6" name="Rectangle 7"/>
             <p:cNvSpPr/>
             <p:nvPr/>
           </p:nvSpPr>
@@ -11849,7 +10996,6 @@
                 <a:buSzTx/>
                 <a:buFontTx/>
                 <a:buNone/>
-                <a:tabLst/>
                 <a:defRPr/>
               </a:pPr>
               <a:endParaRPr kumimoji="0" lang="en-US" sz="1800" b="0" i="0" u="none" strike="noStrike" kern="1200" cap="none" spc="0" normalizeH="0" baseline="0" noProof="0" dirty="0">
@@ -11862,7 +11008,7 @@
                 <a:effectLst/>
                 <a:uLnTx/>
                 <a:uFillTx/>
-                <a:latin typeface="Calibri"/>
+                <a:latin typeface="Calibri" panose="020F0502020204030204"/>
                 <a:ea typeface="+mn-ea"/>
                 <a:cs typeface="+mn-cs"/>
               </a:endParaRPr>
@@ -11871,13 +11017,7 @@
         </p:sp>
         <p:cxnSp>
           <p:nvCxnSpPr>
-            <p:cNvPr id="7" name="Straight Connector 15">
-              <a:extLst>
-                <a:ext uri="{FF2B5EF4-FFF2-40B4-BE49-F238E27FC236}">
-                  <a16:creationId xmlns:a16="http://schemas.microsoft.com/office/drawing/2014/main" id="{9DA96B09-6586-E179-24E2-73B9A679FF59}"/>
-                </a:ext>
-              </a:extLst>
-            </p:cNvPr>
+            <p:cNvPr id="7" name="Straight Connector 15"/>
             <p:cNvCxnSpPr/>
             <p:nvPr/>
           </p:nvCxnSpPr>
@@ -11912,13 +11052,7 @@
         </p:cxnSp>
         <p:cxnSp>
           <p:nvCxnSpPr>
-            <p:cNvPr id="8" name="Straight Connector 16">
-              <a:extLst>
-                <a:ext uri="{FF2B5EF4-FFF2-40B4-BE49-F238E27FC236}">
-                  <a16:creationId xmlns:a16="http://schemas.microsoft.com/office/drawing/2014/main" id="{D0ACDBA3-52DB-6F4C-F959-40308FDD3E18}"/>
-                </a:ext>
-              </a:extLst>
-            </p:cNvPr>
+            <p:cNvPr id="8" name="Straight Connector 16"/>
             <p:cNvCxnSpPr/>
             <p:nvPr/>
           </p:nvCxnSpPr>
@@ -11954,13 +11088,7 @@
       </p:grpSp>
       <p:sp>
         <p:nvSpPr>
-          <p:cNvPr id="10" name="内容占位符 9">
-            <a:extLst>
-              <a:ext uri="{FF2B5EF4-FFF2-40B4-BE49-F238E27FC236}">
-                <a16:creationId xmlns:a16="http://schemas.microsoft.com/office/drawing/2014/main" id="{66053B48-9BAC-7B37-85BD-07ADB4CE2A0A}"/>
-              </a:ext>
-            </a:extLst>
-          </p:cNvPr>
+          <p:cNvPr id="10" name="内容占位符 9"/>
           <p:cNvSpPr>
             <a:spLocks noGrp="1"/>
           </p:cNvSpPr>
@@ -12027,11 +11155,6 @@
         </p:txBody>
       </p:sp>
     </p:spTree>
-    <p:extLst>
-      <p:ext uri="{BB962C8B-B14F-4D97-AF65-F5344CB8AC3E}">
-        <p14:creationId xmlns:p14="http://schemas.microsoft.com/office/powerpoint/2010/main" val="1621361012"/>
-      </p:ext>
-    </p:extLst>
   </p:cSld>
   <p:clrMapOvr>
     <a:masterClrMapping/>
@@ -12058,13 +11181,7 @@
       </p:grpSpPr>
       <p:pic>
         <p:nvPicPr>
-          <p:cNvPr id="3" name="Picture 4" descr="http://pic.shenshi777.com/uploads/allimg/150707/1-150FH10Z1.jpg">
-            <a:extLst>
-              <a:ext uri="{FF2B5EF4-FFF2-40B4-BE49-F238E27FC236}">
-                <a16:creationId xmlns:a16="http://schemas.microsoft.com/office/drawing/2014/main" id="{62AD294E-DF90-53BA-1B1F-C3D4839DECFE}"/>
-              </a:ext>
-            </a:extLst>
-          </p:cNvPr>
+          <p:cNvPr id="3" name="Picture 4" descr="http://pic.shenshi777.com/uploads/allimg/150707/1-150FH10Z1.jpg"/>
           <p:cNvPicPr>
             <a:picLocks noChangeAspect="1" noChangeArrowheads="1"/>
           </p:cNvPicPr>
@@ -12096,13 +11213,7 @@
       </p:pic>
       <p:grpSp>
         <p:nvGrpSpPr>
-          <p:cNvPr id="4" name="组合 9">
-            <a:extLst>
-              <a:ext uri="{FF2B5EF4-FFF2-40B4-BE49-F238E27FC236}">
-                <a16:creationId xmlns:a16="http://schemas.microsoft.com/office/drawing/2014/main" id="{4380C615-6F08-9F95-A78D-871C951BAA14}"/>
-              </a:ext>
-            </a:extLst>
-          </p:cNvPr>
+          <p:cNvPr id="4" name="组合 9"/>
           <p:cNvGrpSpPr/>
           <p:nvPr userDrawn="1"/>
         </p:nvGrpSpPr>
@@ -12116,13 +11227,7 @@
         </p:grpSpPr>
         <p:sp>
           <p:nvSpPr>
-            <p:cNvPr id="5" name="Rectangle 7">
-              <a:extLst>
-                <a:ext uri="{FF2B5EF4-FFF2-40B4-BE49-F238E27FC236}">
-                  <a16:creationId xmlns:a16="http://schemas.microsoft.com/office/drawing/2014/main" id="{8EBF583B-8032-BD60-2BB2-55C5AD57F611}"/>
-                </a:ext>
-              </a:extLst>
-            </p:cNvPr>
+            <p:cNvPr id="5" name="Rectangle 7"/>
             <p:cNvSpPr/>
             <p:nvPr/>
           </p:nvSpPr>
@@ -12175,7 +11280,6 @@
                 <a:buSzTx/>
                 <a:buFontTx/>
                 <a:buNone/>
-                <a:tabLst/>
                 <a:defRPr/>
               </a:pPr>
               <a:endParaRPr kumimoji="0" lang="en-US" sz="1800" b="0" i="0" u="none" strike="noStrike" kern="1200" cap="none" spc="0" normalizeH="0" baseline="0" noProof="0" dirty="0">
@@ -12188,7 +11292,7 @@
                 <a:effectLst/>
                 <a:uLnTx/>
                 <a:uFillTx/>
-                <a:latin typeface="Calibri"/>
+                <a:latin typeface="Calibri" panose="020F0502020204030204"/>
                 <a:ea typeface="+mn-ea"/>
                 <a:cs typeface="+mn-cs"/>
               </a:endParaRPr>
@@ -12197,13 +11301,7 @@
         </p:sp>
         <p:cxnSp>
           <p:nvCxnSpPr>
-            <p:cNvPr id="6" name="Straight Connector 15">
-              <a:extLst>
-                <a:ext uri="{FF2B5EF4-FFF2-40B4-BE49-F238E27FC236}">
-                  <a16:creationId xmlns:a16="http://schemas.microsoft.com/office/drawing/2014/main" id="{B18A0680-124B-7F4D-2066-F309E96E513C}"/>
-                </a:ext>
-              </a:extLst>
-            </p:cNvPr>
+            <p:cNvPr id="6" name="Straight Connector 15"/>
             <p:cNvCxnSpPr/>
             <p:nvPr/>
           </p:nvCxnSpPr>
@@ -12238,13 +11336,7 @@
         </p:cxnSp>
         <p:cxnSp>
           <p:nvCxnSpPr>
-            <p:cNvPr id="7" name="Straight Connector 16">
-              <a:extLst>
-                <a:ext uri="{FF2B5EF4-FFF2-40B4-BE49-F238E27FC236}">
-                  <a16:creationId xmlns:a16="http://schemas.microsoft.com/office/drawing/2014/main" id="{B4CBD7E3-5B6E-753E-D2F8-CECEFE3C02D1}"/>
-                </a:ext>
-              </a:extLst>
-            </p:cNvPr>
+            <p:cNvPr id="7" name="Straight Connector 16"/>
             <p:cNvCxnSpPr/>
             <p:nvPr/>
           </p:nvCxnSpPr>
@@ -12280,13 +11372,7 @@
       </p:grpSp>
       <p:sp>
         <p:nvSpPr>
-          <p:cNvPr id="8" name="TextBox 1">
-            <a:extLst>
-              <a:ext uri="{FF2B5EF4-FFF2-40B4-BE49-F238E27FC236}">
-                <a16:creationId xmlns:a16="http://schemas.microsoft.com/office/drawing/2014/main" id="{9A99FE83-F789-B5DA-8FCE-E5DEA0CCAE5C}"/>
-              </a:ext>
-            </a:extLst>
-          </p:cNvPr>
+          <p:cNvPr id="8" name="TextBox 1"/>
           <p:cNvSpPr txBox="1">
             <a:spLocks noChangeArrowheads="1"/>
           </p:cNvSpPr>
@@ -12326,7 +11412,6 @@
               <a:buSzTx/>
               <a:buFontTx/>
               <a:buNone/>
-              <a:tabLst/>
               <a:defRPr/>
             </a:pPr>
             <a:r>
@@ -12365,13 +11450,7 @@
       </p:sp>
       <p:sp>
         <p:nvSpPr>
-          <p:cNvPr id="9" name="副标题 2">
-            <a:extLst>
-              <a:ext uri="{FF2B5EF4-FFF2-40B4-BE49-F238E27FC236}">
-                <a16:creationId xmlns:a16="http://schemas.microsoft.com/office/drawing/2014/main" id="{ABAF586D-4288-9FB6-E8C4-B2D004133C39}"/>
-              </a:ext>
-            </a:extLst>
-          </p:cNvPr>
+          <p:cNvPr id="9" name="副标题 2"/>
           <p:cNvSpPr txBox="1">
             <a:spLocks noChangeArrowheads="1"/>
           </p:cNvSpPr>
@@ -12409,7 +11488,6 @@
               <a:buSzTx/>
               <a:buFontTx/>
               <a:buNone/>
-              <a:tabLst/>
               <a:defRPr/>
             </a:pPr>
             <a:r>
@@ -12496,7 +11574,6 @@
               <a:buSzTx/>
               <a:buFontTx/>
               <a:buNone/>
-              <a:tabLst/>
               <a:defRPr/>
             </a:pPr>
             <a:r>
@@ -12546,7 +11623,6 @@
               <a:buSzTx/>
               <a:buFontTx/>
               <a:buNone/>
-              <a:tabLst/>
               <a:defRPr/>
             </a:pPr>
             <a:r>
@@ -12566,6 +11642,20 @@
               </a:rPr>
               <a:t>心里，以各样的智慧，彼此教导，互相劝诫，</a:t>
             </a:r>
+            <a:endParaRPr kumimoji="0" lang="zh-CN" altLang="en-US" sz="3200" b="1" i="0" u="none" strike="noStrike" kern="1200" cap="none" spc="0" normalizeH="0" baseline="0" noProof="0" dirty="0">
+              <a:ln>
+                <a:noFill/>
+              </a:ln>
+              <a:solidFill>
+                <a:srgbClr val="000000"/>
+              </a:solidFill>
+              <a:effectLst/>
+              <a:uLnTx/>
+              <a:uFillTx/>
+              <a:latin typeface="微软雅黑" panose="020B0503020204020204" pitchFamily="34" charset="-122"/>
+              <a:ea typeface="微软雅黑" panose="020B0503020204020204" pitchFamily="34" charset="-122"/>
+              <a:cs typeface="+mn-cs"/>
+            </a:endParaRPr>
           </a:p>
           <a:p>
             <a:pPr marL="0" marR="0" lvl="0" indent="0" algn="ctr" defTabSz="914400" rtl="0" eaLnBrk="1" fontAlgn="base" latinLnBrk="0" hangingPunct="1">
@@ -12582,7 +11672,6 @@
               <a:buSzTx/>
               <a:buFontTx/>
               <a:buNone/>
-              <a:tabLst/>
               <a:defRPr/>
             </a:pPr>
             <a:r>
@@ -12602,6 +11691,20 @@
               </a:rPr>
               <a:t>用诗章、圣诗、灵歌，</a:t>
             </a:r>
+            <a:endParaRPr kumimoji="0" lang="zh-CN" altLang="en-US" sz="3200" b="1" i="0" u="none" strike="noStrike" kern="1200" cap="none" spc="0" normalizeH="0" baseline="0" noProof="0" dirty="0">
+              <a:ln>
+                <a:noFill/>
+              </a:ln>
+              <a:solidFill>
+                <a:srgbClr val="000000"/>
+              </a:solidFill>
+              <a:effectLst/>
+              <a:uLnTx/>
+              <a:uFillTx/>
+              <a:latin typeface="微软雅黑" panose="020B0503020204020204" pitchFamily="34" charset="-122"/>
+              <a:ea typeface="微软雅黑" panose="020B0503020204020204" pitchFamily="34" charset="-122"/>
+              <a:cs typeface="+mn-cs"/>
+            </a:endParaRPr>
           </a:p>
           <a:p>
             <a:pPr marL="0" marR="0" lvl="0" indent="0" algn="ctr" defTabSz="914400" rtl="0" eaLnBrk="1" fontAlgn="base" latinLnBrk="0" hangingPunct="1">
@@ -12618,7 +11721,6 @@
               <a:buSzTx/>
               <a:buFontTx/>
               <a:buNone/>
-              <a:tabLst/>
               <a:defRPr/>
             </a:pPr>
             <a:r>
@@ -12656,11 +11758,6 @@
         </p:txBody>
       </p:sp>
     </p:spTree>
-    <p:extLst>
-      <p:ext uri="{BB962C8B-B14F-4D97-AF65-F5344CB8AC3E}">
-        <p14:creationId xmlns:p14="http://schemas.microsoft.com/office/powerpoint/2010/main" val="3794140108"/>
-      </p:ext>
-    </p:extLst>
   </p:cSld>
   <p:clrMapOvr>
     <a:masterClrMapping/>
@@ -12687,13 +11784,7 @@
       </p:grpSpPr>
       <p:pic>
         <p:nvPicPr>
-          <p:cNvPr id="3" name="Picture 4" descr="http://pic.shenshi777.com/uploads/allimg/150707/1-150FH10Z1.jpg">
-            <a:extLst>
-              <a:ext uri="{FF2B5EF4-FFF2-40B4-BE49-F238E27FC236}">
-                <a16:creationId xmlns:a16="http://schemas.microsoft.com/office/drawing/2014/main" id="{A12F78F2-9965-08B2-F633-7A0B268C78D3}"/>
-              </a:ext>
-            </a:extLst>
-          </p:cNvPr>
+          <p:cNvPr id="3" name="Picture 4" descr="http://pic.shenshi777.com/uploads/allimg/150707/1-150FH10Z1.jpg"/>
           <p:cNvPicPr>
             <a:picLocks noChangeAspect="1" noChangeArrowheads="1"/>
           </p:cNvPicPr>
@@ -12725,13 +11816,7 @@
       </p:pic>
       <p:grpSp>
         <p:nvGrpSpPr>
-          <p:cNvPr id="4" name="组合 9">
-            <a:extLst>
-              <a:ext uri="{FF2B5EF4-FFF2-40B4-BE49-F238E27FC236}">
-                <a16:creationId xmlns:a16="http://schemas.microsoft.com/office/drawing/2014/main" id="{96A2FE58-9B53-A07A-9C16-10057F8EA074}"/>
-              </a:ext>
-            </a:extLst>
-          </p:cNvPr>
+          <p:cNvPr id="4" name="组合 9"/>
           <p:cNvGrpSpPr/>
           <p:nvPr userDrawn="1"/>
         </p:nvGrpSpPr>
@@ -12745,13 +11830,7 @@
         </p:grpSpPr>
         <p:sp>
           <p:nvSpPr>
-            <p:cNvPr id="5" name="Rectangle 7">
-              <a:extLst>
-                <a:ext uri="{FF2B5EF4-FFF2-40B4-BE49-F238E27FC236}">
-                  <a16:creationId xmlns:a16="http://schemas.microsoft.com/office/drawing/2014/main" id="{90A30A8F-FDC8-37FB-5CEA-D34E95D5144F}"/>
-                </a:ext>
-              </a:extLst>
-            </p:cNvPr>
+            <p:cNvPr id="5" name="Rectangle 7"/>
             <p:cNvSpPr/>
             <p:nvPr/>
           </p:nvSpPr>
@@ -12805,13 +11884,7 @@
         </p:sp>
         <p:cxnSp>
           <p:nvCxnSpPr>
-            <p:cNvPr id="6" name="Straight Connector 15">
-              <a:extLst>
-                <a:ext uri="{FF2B5EF4-FFF2-40B4-BE49-F238E27FC236}">
-                  <a16:creationId xmlns:a16="http://schemas.microsoft.com/office/drawing/2014/main" id="{530CD37D-B35A-C94F-81A1-137E88BD3AB7}"/>
-                </a:ext>
-              </a:extLst>
-            </p:cNvPr>
+            <p:cNvPr id="6" name="Straight Connector 15"/>
             <p:cNvCxnSpPr/>
             <p:nvPr/>
           </p:nvCxnSpPr>
@@ -12846,13 +11919,7 @@
         </p:cxnSp>
         <p:cxnSp>
           <p:nvCxnSpPr>
-            <p:cNvPr id="7" name="Straight Connector 16">
-              <a:extLst>
-                <a:ext uri="{FF2B5EF4-FFF2-40B4-BE49-F238E27FC236}">
-                  <a16:creationId xmlns:a16="http://schemas.microsoft.com/office/drawing/2014/main" id="{9750BBE7-9972-A7C1-DBD8-70AAD88B8E5A}"/>
-                </a:ext>
-              </a:extLst>
-            </p:cNvPr>
+            <p:cNvPr id="7" name="Straight Connector 16"/>
             <p:cNvCxnSpPr/>
             <p:nvPr/>
           </p:nvCxnSpPr>
@@ -12888,13 +11955,7 @@
       </p:grpSp>
       <p:sp>
         <p:nvSpPr>
-          <p:cNvPr id="8" name="文本框 7">
-            <a:extLst>
-              <a:ext uri="{FF2B5EF4-FFF2-40B4-BE49-F238E27FC236}">
-                <a16:creationId xmlns:a16="http://schemas.microsoft.com/office/drawing/2014/main" id="{8BB56898-3BE2-7BAF-BAF8-0E89ECD55512}"/>
-              </a:ext>
-            </a:extLst>
-          </p:cNvPr>
+          <p:cNvPr id="8" name="文本框 7"/>
           <p:cNvSpPr txBox="1"/>
           <p:nvPr userDrawn="1"/>
         </p:nvSpPr>
@@ -12928,7 +11989,6 @@
               <a:buSzTx/>
               <a:buFontTx/>
               <a:buNone/>
-              <a:tabLst/>
               <a:defRPr/>
             </a:pPr>
             <a:r>
@@ -12947,15 +12007,23 @@
               </a:rPr>
               <a:t>圣 餐</a:t>
             </a:r>
+            <a:endParaRPr kumimoji="1" lang="zh-CN" altLang="en-US" sz="8800" b="1" i="0" u="none" strike="noStrike" kern="1200" cap="none" spc="0" normalizeH="0" noProof="0" dirty="0">
+              <a:ln>
+                <a:noFill/>
+              </a:ln>
+              <a:solidFill>
+                <a:prstClr val="black"/>
+              </a:solidFill>
+              <a:effectLst/>
+              <a:uLnTx/>
+              <a:uFillTx/>
+              <a:latin typeface="微软雅黑" panose="020B0503020204020204" pitchFamily="34" charset="-122"/>
+              <a:ea typeface="微软雅黑" panose="020B0503020204020204" pitchFamily="34" charset="-122"/>
+            </a:endParaRPr>
           </a:p>
         </p:txBody>
       </p:sp>
     </p:spTree>
-    <p:extLst>
-      <p:ext uri="{BB962C8B-B14F-4D97-AF65-F5344CB8AC3E}">
-        <p14:creationId xmlns:p14="http://schemas.microsoft.com/office/powerpoint/2010/main" val="4244089582"/>
-      </p:ext>
-    </p:extLst>
   </p:cSld>
   <p:clrMapOvr>
     <a:masterClrMapping/>
@@ -12982,13 +12050,7 @@
       </p:grpSpPr>
       <p:pic>
         <p:nvPicPr>
-          <p:cNvPr id="3" name="Picture 4" descr="http://pic.shenshi777.com/uploads/allimg/150707/1-150FH10Z1.jpg">
-            <a:extLst>
-              <a:ext uri="{FF2B5EF4-FFF2-40B4-BE49-F238E27FC236}">
-                <a16:creationId xmlns:a16="http://schemas.microsoft.com/office/drawing/2014/main" id="{C1C8C488-4B21-70B3-B75F-0A4CCD5790EE}"/>
-              </a:ext>
-            </a:extLst>
-          </p:cNvPr>
+          <p:cNvPr id="3" name="Picture 4" descr="http://pic.shenshi777.com/uploads/allimg/150707/1-150FH10Z1.jpg"/>
           <p:cNvPicPr>
             <a:picLocks noChangeAspect="1" noChangeArrowheads="1"/>
           </p:cNvPicPr>
@@ -13020,13 +12082,7 @@
       </p:pic>
       <p:grpSp>
         <p:nvGrpSpPr>
-          <p:cNvPr id="4" name="组合 9">
-            <a:extLst>
-              <a:ext uri="{FF2B5EF4-FFF2-40B4-BE49-F238E27FC236}">
-                <a16:creationId xmlns:a16="http://schemas.microsoft.com/office/drawing/2014/main" id="{955E6917-A72C-C84F-6B95-581155C10463}"/>
-              </a:ext>
-            </a:extLst>
-          </p:cNvPr>
+          <p:cNvPr id="4" name="组合 9"/>
           <p:cNvGrpSpPr/>
           <p:nvPr userDrawn="1"/>
         </p:nvGrpSpPr>
@@ -13040,13 +12096,7 @@
         </p:grpSpPr>
         <p:sp>
           <p:nvSpPr>
-            <p:cNvPr id="5" name="Rectangle 7">
-              <a:extLst>
-                <a:ext uri="{FF2B5EF4-FFF2-40B4-BE49-F238E27FC236}">
-                  <a16:creationId xmlns:a16="http://schemas.microsoft.com/office/drawing/2014/main" id="{0EAEE0A3-8B72-C813-80E7-405342979DCE}"/>
-                </a:ext>
-              </a:extLst>
-            </p:cNvPr>
+            <p:cNvPr id="5" name="Rectangle 7"/>
             <p:cNvSpPr/>
             <p:nvPr/>
           </p:nvSpPr>
@@ -13100,13 +12150,7 @@
         </p:sp>
         <p:cxnSp>
           <p:nvCxnSpPr>
-            <p:cNvPr id="6" name="Straight Connector 15">
-              <a:extLst>
-                <a:ext uri="{FF2B5EF4-FFF2-40B4-BE49-F238E27FC236}">
-                  <a16:creationId xmlns:a16="http://schemas.microsoft.com/office/drawing/2014/main" id="{37BA8E36-31C9-95E1-E237-3034761D5F4A}"/>
-                </a:ext>
-              </a:extLst>
-            </p:cNvPr>
+            <p:cNvPr id="6" name="Straight Connector 15"/>
             <p:cNvCxnSpPr/>
             <p:nvPr/>
           </p:nvCxnSpPr>
@@ -13141,13 +12185,7 @@
         </p:cxnSp>
         <p:cxnSp>
           <p:nvCxnSpPr>
-            <p:cNvPr id="7" name="Straight Connector 16">
-              <a:extLst>
-                <a:ext uri="{FF2B5EF4-FFF2-40B4-BE49-F238E27FC236}">
-                  <a16:creationId xmlns:a16="http://schemas.microsoft.com/office/drawing/2014/main" id="{8008EDA0-1B3C-9737-A9C9-DAA97FD3EDA5}"/>
-                </a:ext>
-              </a:extLst>
-            </p:cNvPr>
+            <p:cNvPr id="7" name="Straight Connector 16"/>
             <p:cNvCxnSpPr/>
             <p:nvPr/>
           </p:nvCxnSpPr>
@@ -13183,13 +12221,7 @@
       </p:grpSp>
       <p:sp>
         <p:nvSpPr>
-          <p:cNvPr id="8" name="Text Box 8">
-            <a:extLst>
-              <a:ext uri="{FF2B5EF4-FFF2-40B4-BE49-F238E27FC236}">
-                <a16:creationId xmlns:a16="http://schemas.microsoft.com/office/drawing/2014/main" id="{E69D76CE-08B8-8870-2047-2775601A9F58}"/>
-              </a:ext>
-            </a:extLst>
-          </p:cNvPr>
+          <p:cNvPr id="8" name="Text Box 8"/>
           <p:cNvSpPr txBox="1"/>
           <p:nvPr userDrawn="1"/>
         </p:nvSpPr>
@@ -13224,18 +12256,16 @@
               </a:rPr>
               <a:t>领餐提醒：</a:t>
             </a:r>
+            <a:endParaRPr lang="zh-CN" altLang="en-US" sz="3200" b="1" dirty="0">
+              <a:latin typeface="Calibri" panose="020F0502020204030204" charset="0"/>
+              <a:ea typeface="宋体" panose="02010600030101010101" pitchFamily="2" charset="-122"/>
+            </a:endParaRPr>
           </a:p>
         </p:txBody>
       </p:sp>
       <p:sp>
         <p:nvSpPr>
-          <p:cNvPr id="9" name="Rectangle 2">
-            <a:extLst>
-              <a:ext uri="{FF2B5EF4-FFF2-40B4-BE49-F238E27FC236}">
-                <a16:creationId xmlns:a16="http://schemas.microsoft.com/office/drawing/2014/main" id="{B096AFA3-2AFC-13F7-AFCE-F1EB4EEB4497}"/>
-              </a:ext>
-            </a:extLst>
-          </p:cNvPr>
+          <p:cNvPr id="9" name="Rectangle 2"/>
           <p:cNvSpPr txBox="1"/>
           <p:nvPr userDrawn="1"/>
         </p:nvSpPr>
@@ -13264,18 +12294,16 @@
               </a:rPr>
               <a:t>以领受圣餐敬拜神</a:t>
             </a:r>
+            <a:endParaRPr lang="zh-CN" altLang="en-US" sz="3600" b="1" dirty="0">
+              <a:latin typeface="宋体" panose="02010600030101010101" pitchFamily="2" charset="-122"/>
+              <a:ea typeface="宋体" panose="02010600030101010101" pitchFamily="2" charset="-122"/>
+            </a:endParaRPr>
           </a:p>
         </p:txBody>
       </p:sp>
       <p:sp>
         <p:nvSpPr>
-          <p:cNvPr id="10" name="Text Box 7">
-            <a:extLst>
-              <a:ext uri="{FF2B5EF4-FFF2-40B4-BE49-F238E27FC236}">
-                <a16:creationId xmlns:a16="http://schemas.microsoft.com/office/drawing/2014/main" id="{FB407608-8444-CEDA-2484-E267C675AADF}"/>
-              </a:ext>
-            </a:extLst>
-          </p:cNvPr>
+          <p:cNvPr id="10" name="Text Box 7"/>
           <p:cNvSpPr txBox="1"/>
           <p:nvPr userDrawn="1"/>
         </p:nvSpPr>
@@ -13342,6 +12370,10 @@
               </a:rPr>
               <a:t>盼望参加教会学习，预备洗礼入会；</a:t>
             </a:r>
+            <a:endParaRPr lang="zh-CN" altLang="en-US" sz="2500" b="1" dirty="0">
+              <a:latin typeface="宋体" panose="02010600030101010101" pitchFamily="2" charset="-122"/>
+              <a:ea typeface="宋体" panose="02010600030101010101" pitchFamily="2" charset="-122"/>
+            </a:endParaRPr>
           </a:p>
           <a:p>
             <a:pPr eaLnBrk="0" hangingPunct="0">
@@ -13413,6 +12445,10 @@
               </a:rPr>
               <a:t>领餐；（会后盼望和牧者交通）</a:t>
             </a:r>
+            <a:endParaRPr lang="zh-CN" altLang="en-US" sz="2500" b="1" dirty="0">
+              <a:latin typeface="宋体" panose="02010600030101010101" pitchFamily="2" charset="-122"/>
+              <a:ea typeface="宋体" panose="02010600030101010101" pitchFamily="2" charset="-122"/>
+            </a:endParaRPr>
           </a:p>
           <a:p>
             <a:pPr eaLnBrk="0" hangingPunct="0">
@@ -13482,11 +12518,6 @@
         </p:txBody>
       </p:sp>
     </p:spTree>
-    <p:extLst>
-      <p:ext uri="{BB962C8B-B14F-4D97-AF65-F5344CB8AC3E}">
-        <p14:creationId xmlns:p14="http://schemas.microsoft.com/office/powerpoint/2010/main" val="1184464445"/>
-      </p:ext>
-    </p:extLst>
   </p:cSld>
   <p:clrMapOvr>
     <a:masterClrMapping/>
@@ -13513,13 +12544,7 @@
       </p:grpSpPr>
       <p:sp>
         <p:nvSpPr>
-          <p:cNvPr id="3" name="Text Box 8">
-            <a:extLst>
-              <a:ext uri="{FF2B5EF4-FFF2-40B4-BE49-F238E27FC236}">
-                <a16:creationId xmlns:a16="http://schemas.microsoft.com/office/drawing/2014/main" id="{CA91B8A6-8946-C999-DF9B-A9F66C3506AC}"/>
-              </a:ext>
-            </a:extLst>
-          </p:cNvPr>
+          <p:cNvPr id="3" name="Text Box 8"/>
           <p:cNvSpPr txBox="1"/>
           <p:nvPr userDrawn="1"/>
         </p:nvSpPr>
@@ -13560,18 +12585,16 @@
               </a:rPr>
               <a:t>：</a:t>
             </a:r>
+            <a:endParaRPr lang="zh-CN" altLang="en-US" sz="3200" b="1" dirty="0">
+              <a:latin typeface="Calibri" panose="020F0502020204030204" charset="0"/>
+              <a:ea typeface="宋体" panose="02010600030101010101" pitchFamily="2" charset="-122"/>
+            </a:endParaRPr>
           </a:p>
         </p:txBody>
       </p:sp>
       <p:sp>
         <p:nvSpPr>
-          <p:cNvPr id="4" name="Rectangle 2">
-            <a:extLst>
-              <a:ext uri="{FF2B5EF4-FFF2-40B4-BE49-F238E27FC236}">
-                <a16:creationId xmlns:a16="http://schemas.microsoft.com/office/drawing/2014/main" id="{0284A311-ACEE-787D-9227-02CE04C66528}"/>
-              </a:ext>
-            </a:extLst>
-          </p:cNvPr>
+          <p:cNvPr id="4" name="Rectangle 2"/>
           <p:cNvSpPr txBox="1"/>
           <p:nvPr userDrawn="1"/>
         </p:nvSpPr>
@@ -13600,18 +12623,16 @@
               </a:rPr>
               <a:t>以领受圣餐敬拜神</a:t>
             </a:r>
+            <a:endParaRPr lang="zh-CN" altLang="en-US" sz="3600" b="1" dirty="0">
+              <a:latin typeface="宋体" panose="02010600030101010101" pitchFamily="2" charset="-122"/>
+              <a:ea typeface="宋体" panose="02010600030101010101" pitchFamily="2" charset="-122"/>
+            </a:endParaRPr>
           </a:p>
         </p:txBody>
       </p:sp>
       <p:pic>
         <p:nvPicPr>
-          <p:cNvPr id="5" name="Picture 4" descr="http://pic.shenshi777.com/uploads/allimg/150707/1-150FH10Z1.jpg">
-            <a:extLst>
-              <a:ext uri="{FF2B5EF4-FFF2-40B4-BE49-F238E27FC236}">
-                <a16:creationId xmlns:a16="http://schemas.microsoft.com/office/drawing/2014/main" id="{EBA277A1-29DE-7AB8-6437-E496A3767783}"/>
-              </a:ext>
-            </a:extLst>
-          </p:cNvPr>
+          <p:cNvPr id="5" name="Picture 4" descr="http://pic.shenshi777.com/uploads/allimg/150707/1-150FH10Z1.jpg"/>
           <p:cNvPicPr>
             <a:picLocks noChangeAspect="1" noChangeArrowheads="1"/>
           </p:cNvPicPr>
@@ -13643,13 +12664,7 @@
       </p:pic>
       <p:grpSp>
         <p:nvGrpSpPr>
-          <p:cNvPr id="6" name="组合 9">
-            <a:extLst>
-              <a:ext uri="{FF2B5EF4-FFF2-40B4-BE49-F238E27FC236}">
-                <a16:creationId xmlns:a16="http://schemas.microsoft.com/office/drawing/2014/main" id="{250C0D86-664E-B030-3524-E3FBBB599635}"/>
-              </a:ext>
-            </a:extLst>
-          </p:cNvPr>
+          <p:cNvPr id="6" name="组合 9"/>
           <p:cNvGrpSpPr/>
           <p:nvPr userDrawn="1"/>
         </p:nvGrpSpPr>
@@ -13663,13 +12678,7 @@
         </p:grpSpPr>
         <p:sp>
           <p:nvSpPr>
-            <p:cNvPr id="7" name="Rectangle 7">
-              <a:extLst>
-                <a:ext uri="{FF2B5EF4-FFF2-40B4-BE49-F238E27FC236}">
-                  <a16:creationId xmlns:a16="http://schemas.microsoft.com/office/drawing/2014/main" id="{B1FAB55D-765C-9C9F-5D9C-5EBF9BFB6DF4}"/>
-                </a:ext>
-              </a:extLst>
-            </p:cNvPr>
+            <p:cNvPr id="7" name="Rectangle 7"/>
             <p:cNvSpPr/>
             <p:nvPr/>
           </p:nvSpPr>
@@ -13723,13 +12732,7 @@
         </p:sp>
         <p:cxnSp>
           <p:nvCxnSpPr>
-            <p:cNvPr id="8" name="Straight Connector 15">
-              <a:extLst>
-                <a:ext uri="{FF2B5EF4-FFF2-40B4-BE49-F238E27FC236}">
-                  <a16:creationId xmlns:a16="http://schemas.microsoft.com/office/drawing/2014/main" id="{335EA871-15C8-49D8-0AB7-5FED4EBE59B9}"/>
-                </a:ext>
-              </a:extLst>
-            </p:cNvPr>
+            <p:cNvPr id="8" name="Straight Connector 15"/>
             <p:cNvCxnSpPr/>
             <p:nvPr/>
           </p:nvCxnSpPr>
@@ -13764,13 +12767,7 @@
         </p:cxnSp>
         <p:cxnSp>
           <p:nvCxnSpPr>
-            <p:cNvPr id="9" name="Straight Connector 16">
-              <a:extLst>
-                <a:ext uri="{FF2B5EF4-FFF2-40B4-BE49-F238E27FC236}">
-                  <a16:creationId xmlns:a16="http://schemas.microsoft.com/office/drawing/2014/main" id="{3C00DE6B-3F0E-8E96-9093-3D588CDDF423}"/>
-                </a:ext>
-              </a:extLst>
-            </p:cNvPr>
+            <p:cNvPr id="9" name="Straight Connector 16"/>
             <p:cNvCxnSpPr/>
             <p:nvPr/>
           </p:nvCxnSpPr>
@@ -13805,11 +12802,6 @@
         </p:cxnSp>
       </p:grpSp>
     </p:spTree>
-    <p:extLst>
-      <p:ext uri="{BB962C8B-B14F-4D97-AF65-F5344CB8AC3E}">
-        <p14:creationId xmlns:p14="http://schemas.microsoft.com/office/powerpoint/2010/main" val="2889811133"/>
-      </p:ext>
-    </p:extLst>
   </p:cSld>
   <p:clrMapOvr>
     <a:masterClrMapping/>
@@ -13836,13 +12828,7 @@
       </p:grpSpPr>
       <p:pic>
         <p:nvPicPr>
-          <p:cNvPr id="3" name="Picture 4" descr="http://pic.shenshi777.com/uploads/allimg/150707/1-150FH10Z1.jpg">
-            <a:extLst>
-              <a:ext uri="{FF2B5EF4-FFF2-40B4-BE49-F238E27FC236}">
-                <a16:creationId xmlns:a16="http://schemas.microsoft.com/office/drawing/2014/main" id="{3794C090-AFE4-B66F-CEA6-BAD7EC077A8F}"/>
-              </a:ext>
-            </a:extLst>
-          </p:cNvPr>
+          <p:cNvPr id="3" name="Picture 4" descr="http://pic.shenshi777.com/uploads/allimg/150707/1-150FH10Z1.jpg"/>
           <p:cNvPicPr>
             <a:picLocks noChangeAspect="1" noChangeArrowheads="1"/>
           </p:cNvPicPr>
@@ -13874,13 +12860,7 @@
       </p:pic>
       <p:grpSp>
         <p:nvGrpSpPr>
-          <p:cNvPr id="4" name="组合 9">
-            <a:extLst>
-              <a:ext uri="{FF2B5EF4-FFF2-40B4-BE49-F238E27FC236}">
-                <a16:creationId xmlns:a16="http://schemas.microsoft.com/office/drawing/2014/main" id="{C3AFA374-C05B-4604-39C9-639B79819B1A}"/>
-              </a:ext>
-            </a:extLst>
-          </p:cNvPr>
+          <p:cNvPr id="4" name="组合 9"/>
           <p:cNvGrpSpPr/>
           <p:nvPr userDrawn="1"/>
         </p:nvGrpSpPr>
@@ -13894,13 +12874,7 @@
         </p:grpSpPr>
         <p:sp>
           <p:nvSpPr>
-            <p:cNvPr id="5" name="Rectangle 7">
-              <a:extLst>
-                <a:ext uri="{FF2B5EF4-FFF2-40B4-BE49-F238E27FC236}">
-                  <a16:creationId xmlns:a16="http://schemas.microsoft.com/office/drawing/2014/main" id="{F7B4F447-213E-163F-333B-C687919097BD}"/>
-                </a:ext>
-              </a:extLst>
-            </p:cNvPr>
+            <p:cNvPr id="5" name="Rectangle 7"/>
             <p:cNvSpPr/>
             <p:nvPr/>
           </p:nvSpPr>
@@ -13954,13 +12928,7 @@
         </p:sp>
         <p:cxnSp>
           <p:nvCxnSpPr>
-            <p:cNvPr id="6" name="Straight Connector 15">
-              <a:extLst>
-                <a:ext uri="{FF2B5EF4-FFF2-40B4-BE49-F238E27FC236}">
-                  <a16:creationId xmlns:a16="http://schemas.microsoft.com/office/drawing/2014/main" id="{E9ECC01F-A2C7-E918-2EBB-76360ED00379}"/>
-                </a:ext>
-              </a:extLst>
-            </p:cNvPr>
+            <p:cNvPr id="6" name="Straight Connector 15"/>
             <p:cNvCxnSpPr/>
             <p:nvPr/>
           </p:nvCxnSpPr>
@@ -13995,13 +12963,7 @@
         </p:cxnSp>
         <p:cxnSp>
           <p:nvCxnSpPr>
-            <p:cNvPr id="7" name="Straight Connector 16">
-              <a:extLst>
-                <a:ext uri="{FF2B5EF4-FFF2-40B4-BE49-F238E27FC236}">
-                  <a16:creationId xmlns:a16="http://schemas.microsoft.com/office/drawing/2014/main" id="{76EE07BC-485B-3E76-F2CB-1F8D64275A90}"/>
-                </a:ext>
-              </a:extLst>
-            </p:cNvPr>
+            <p:cNvPr id="7" name="Straight Connector 16"/>
             <p:cNvCxnSpPr/>
             <p:nvPr/>
           </p:nvCxnSpPr>
@@ -14037,13 +12999,7 @@
       </p:grpSp>
       <p:sp>
         <p:nvSpPr>
-          <p:cNvPr id="8" name="矩形 1">
-            <a:extLst>
-              <a:ext uri="{FF2B5EF4-FFF2-40B4-BE49-F238E27FC236}">
-                <a16:creationId xmlns:a16="http://schemas.microsoft.com/office/drawing/2014/main" id="{B7B45496-2E15-E3CA-67E0-E22B231E23A7}"/>
-              </a:ext>
-            </a:extLst>
-          </p:cNvPr>
+          <p:cNvPr id="8" name="矩形 1"/>
           <p:cNvSpPr/>
           <p:nvPr userDrawn="1"/>
         </p:nvSpPr>
@@ -14095,6 +13051,11 @@
               </a:rPr>
               <a:t>1问：圣礼怎样成为有效的救恩媒介？</a:t>
             </a:r>
+            <a:endParaRPr lang="zh-CN" altLang="en-US" sz="2800" b="1" dirty="0">
+              <a:latin typeface="华文中宋" panose="02010600040101010101" charset="-122"/>
+              <a:ea typeface="华文中宋" panose="02010600040101010101" charset="-122"/>
+              <a:cs typeface="华文中宋" panose="02010600040101010101" charset="-122"/>
+            </a:endParaRPr>
           </a:p>
           <a:p>
             <a:pPr>
@@ -14142,18 +13103,17 @@
               </a:rPr>
               <a:t>领受圣礼的人心中。</a:t>
             </a:r>
+            <a:endParaRPr lang="zh-CN" altLang="en-US" sz="2800" dirty="0">
+              <a:latin typeface="华文中宋" panose="02010600040101010101" charset="-122"/>
+              <a:ea typeface="华文中宋" panose="02010600040101010101" charset="-122"/>
+              <a:cs typeface="华文中宋" panose="02010600040101010101" charset="-122"/>
+            </a:endParaRPr>
           </a:p>
         </p:txBody>
       </p:sp>
       <p:sp>
         <p:nvSpPr>
-          <p:cNvPr id="9" name="Rectangle 2">
-            <a:extLst>
-              <a:ext uri="{FF2B5EF4-FFF2-40B4-BE49-F238E27FC236}">
-                <a16:creationId xmlns:a16="http://schemas.microsoft.com/office/drawing/2014/main" id="{5F009DB5-2CD9-BBE2-0BBD-35D592E0FE38}"/>
-              </a:ext>
-            </a:extLst>
-          </p:cNvPr>
+          <p:cNvPr id="9" name="Rectangle 2"/>
           <p:cNvSpPr txBox="1"/>
           <p:nvPr userDrawn="1"/>
         </p:nvSpPr>
@@ -14182,15 +13142,14 @@
               </a:rPr>
               <a:t>以领受圣餐敬拜神</a:t>
             </a:r>
+            <a:endParaRPr lang="zh-CN" altLang="en-US" sz="3600" b="1" dirty="0">
+              <a:latin typeface="宋体" panose="02010600030101010101" pitchFamily="2" charset="-122"/>
+              <a:ea typeface="宋体" panose="02010600030101010101" pitchFamily="2" charset="-122"/>
+            </a:endParaRPr>
           </a:p>
         </p:txBody>
       </p:sp>
     </p:spTree>
-    <p:extLst>
-      <p:ext uri="{BB962C8B-B14F-4D97-AF65-F5344CB8AC3E}">
-        <p14:creationId xmlns:p14="http://schemas.microsoft.com/office/powerpoint/2010/main" val="3784208900"/>
-      </p:ext>
-    </p:extLst>
   </p:cSld>
   <p:clrMapOvr>
     <a:masterClrMapping/>
@@ -14217,13 +13176,7 @@
       </p:grpSpPr>
       <p:pic>
         <p:nvPicPr>
-          <p:cNvPr id="3" name="Picture 4" descr="http://pic.shenshi777.com/uploads/allimg/150707/1-150FH10Z1.jpg">
-            <a:extLst>
-              <a:ext uri="{FF2B5EF4-FFF2-40B4-BE49-F238E27FC236}">
-                <a16:creationId xmlns:a16="http://schemas.microsoft.com/office/drawing/2014/main" id="{B8F6411E-0866-FA69-A8B2-2B5959FD352F}"/>
-              </a:ext>
-            </a:extLst>
-          </p:cNvPr>
+          <p:cNvPr id="3" name="Picture 4" descr="http://pic.shenshi777.com/uploads/allimg/150707/1-150FH10Z1.jpg"/>
           <p:cNvPicPr>
             <a:picLocks noChangeAspect="1" noChangeArrowheads="1"/>
           </p:cNvPicPr>
@@ -14255,13 +13208,7 @@
       </p:pic>
       <p:grpSp>
         <p:nvGrpSpPr>
-          <p:cNvPr id="4" name="组合 9">
-            <a:extLst>
-              <a:ext uri="{FF2B5EF4-FFF2-40B4-BE49-F238E27FC236}">
-                <a16:creationId xmlns:a16="http://schemas.microsoft.com/office/drawing/2014/main" id="{6FB389BC-D5CD-ACE0-238F-AE843361AC6F}"/>
-              </a:ext>
-            </a:extLst>
-          </p:cNvPr>
+          <p:cNvPr id="4" name="组合 9"/>
           <p:cNvGrpSpPr/>
           <p:nvPr userDrawn="1"/>
         </p:nvGrpSpPr>
@@ -14275,13 +13222,7 @@
         </p:grpSpPr>
         <p:sp>
           <p:nvSpPr>
-            <p:cNvPr id="5" name="Rectangle 7">
-              <a:extLst>
-                <a:ext uri="{FF2B5EF4-FFF2-40B4-BE49-F238E27FC236}">
-                  <a16:creationId xmlns:a16="http://schemas.microsoft.com/office/drawing/2014/main" id="{B6365639-CFEF-2756-6F7F-D4D8E72F7D4E}"/>
-                </a:ext>
-              </a:extLst>
-            </p:cNvPr>
+            <p:cNvPr id="5" name="Rectangle 7"/>
             <p:cNvSpPr/>
             <p:nvPr/>
           </p:nvSpPr>
@@ -14335,13 +13276,7 @@
         </p:sp>
         <p:cxnSp>
           <p:nvCxnSpPr>
-            <p:cNvPr id="6" name="Straight Connector 15">
-              <a:extLst>
-                <a:ext uri="{FF2B5EF4-FFF2-40B4-BE49-F238E27FC236}">
-                  <a16:creationId xmlns:a16="http://schemas.microsoft.com/office/drawing/2014/main" id="{4D927D1A-BC26-4DDA-4F83-3AE964EFBA67}"/>
-                </a:ext>
-              </a:extLst>
-            </p:cNvPr>
+            <p:cNvPr id="6" name="Straight Connector 15"/>
             <p:cNvCxnSpPr/>
             <p:nvPr/>
           </p:nvCxnSpPr>
@@ -14376,13 +13311,7 @@
         </p:cxnSp>
         <p:cxnSp>
           <p:nvCxnSpPr>
-            <p:cNvPr id="7" name="Straight Connector 16">
-              <a:extLst>
-                <a:ext uri="{FF2B5EF4-FFF2-40B4-BE49-F238E27FC236}">
-                  <a16:creationId xmlns:a16="http://schemas.microsoft.com/office/drawing/2014/main" id="{AF0FB66A-3762-8C32-BEDF-E9B1E4461FD7}"/>
-                </a:ext>
-              </a:extLst>
-            </p:cNvPr>
+            <p:cNvPr id="7" name="Straight Connector 16"/>
             <p:cNvCxnSpPr/>
             <p:nvPr/>
           </p:nvCxnSpPr>
@@ -14418,13 +13347,7 @@
       </p:grpSp>
       <p:sp>
         <p:nvSpPr>
-          <p:cNvPr id="8" name="矩形 3">
-            <a:extLst>
-              <a:ext uri="{FF2B5EF4-FFF2-40B4-BE49-F238E27FC236}">
-                <a16:creationId xmlns:a16="http://schemas.microsoft.com/office/drawing/2014/main" id="{E881F00B-0405-E31C-2C79-20DD72A6F79A}"/>
-              </a:ext>
-            </a:extLst>
-          </p:cNvPr>
+          <p:cNvPr id="8" name="矩形 3"/>
           <p:cNvSpPr/>
           <p:nvPr userDrawn="1"/>
         </p:nvSpPr>
@@ -14469,18 +13392,16 @@
               </a:rPr>
               <a:t>)</a:t>
             </a:r>
+            <a:endParaRPr lang="en-US" altLang="zh-CN" sz="2400" b="1" dirty="0">
+              <a:latin typeface="华文楷体" panose="02010600040101010101" charset="-122"/>
+              <a:ea typeface="华文楷体" panose="02010600040101010101" charset="-122"/>
+            </a:endParaRPr>
           </a:p>
         </p:txBody>
       </p:sp>
       <p:sp>
         <p:nvSpPr>
-          <p:cNvPr id="9" name="Rectangle 3">
-            <a:extLst>
-              <a:ext uri="{FF2B5EF4-FFF2-40B4-BE49-F238E27FC236}">
-                <a16:creationId xmlns:a16="http://schemas.microsoft.com/office/drawing/2014/main" id="{BC79EC53-7B36-B091-8B24-AFE73A44C0E3}"/>
-              </a:ext>
-            </a:extLst>
-          </p:cNvPr>
+          <p:cNvPr id="9" name="Rectangle 3"/>
           <p:cNvSpPr/>
           <p:nvPr userDrawn="1"/>
         </p:nvSpPr>
@@ -14508,18 +13429,16 @@
               </a:rPr>
               <a:t>　　时候到了，耶稣坐席，使徒也和他同坐。耶稣对他们说：“我很愿意在受害以先和你们吃这逾越节的筵席。我告诉你们：我不再吃这筵席，直到成就在　神的国里。”耶稣接过杯来，祝谢了，说：“你们拿这个，大家分着喝。我告诉你们：从今以后，我不再喝这葡萄汁，直等　神的国来到。”</a:t>
             </a:r>
+            <a:endParaRPr lang="zh-CN" altLang="en-US" sz="3200" b="1" dirty="0">
+              <a:latin typeface="楷体" panose="02010609060101010101" charset="-122"/>
+              <a:ea typeface="楷体" panose="02010609060101010101" charset="-122"/>
+            </a:endParaRPr>
           </a:p>
         </p:txBody>
       </p:sp>
       <p:sp>
         <p:nvSpPr>
-          <p:cNvPr id="10" name="Rectangle 2">
-            <a:extLst>
-              <a:ext uri="{FF2B5EF4-FFF2-40B4-BE49-F238E27FC236}">
-                <a16:creationId xmlns:a16="http://schemas.microsoft.com/office/drawing/2014/main" id="{FC1E755E-40EA-2B28-0DA9-C05C96804998}"/>
-              </a:ext>
-            </a:extLst>
-          </p:cNvPr>
+          <p:cNvPr id="10" name="Rectangle 2"/>
           <p:cNvSpPr txBox="1"/>
           <p:nvPr userDrawn="1"/>
         </p:nvSpPr>
@@ -14548,15 +13467,14 @@
               </a:rPr>
               <a:t>以领受圣餐敬拜神</a:t>
             </a:r>
+            <a:endParaRPr lang="zh-CN" altLang="en-US" sz="3600" b="1" dirty="0">
+              <a:latin typeface="宋体" panose="02010600030101010101" pitchFamily="2" charset="-122"/>
+              <a:ea typeface="宋体" panose="02010600030101010101" pitchFamily="2" charset="-122"/>
+            </a:endParaRPr>
           </a:p>
         </p:txBody>
       </p:sp>
     </p:spTree>
-    <p:extLst>
-      <p:ext uri="{BB962C8B-B14F-4D97-AF65-F5344CB8AC3E}">
-        <p14:creationId xmlns:p14="http://schemas.microsoft.com/office/powerpoint/2010/main" val="3415448568"/>
-      </p:ext>
-    </p:extLst>
   </p:cSld>
   <p:clrMapOvr>
     <a:masterClrMapping/>
@@ -14583,13 +13501,7 @@
       </p:grpSpPr>
       <p:pic>
         <p:nvPicPr>
-          <p:cNvPr id="3" name="Picture 4" descr="http://pic.shenshi777.com/uploads/allimg/150707/1-150FH10Z1.jpg">
-            <a:extLst>
-              <a:ext uri="{FF2B5EF4-FFF2-40B4-BE49-F238E27FC236}">
-                <a16:creationId xmlns:a16="http://schemas.microsoft.com/office/drawing/2014/main" id="{23EF0767-8247-823C-5B61-0D3E4D1E70C4}"/>
-              </a:ext>
-            </a:extLst>
-          </p:cNvPr>
+          <p:cNvPr id="3" name="Picture 4" descr="http://pic.shenshi777.com/uploads/allimg/150707/1-150FH10Z1.jpg"/>
           <p:cNvPicPr>
             <a:picLocks noChangeAspect="1" noChangeArrowheads="1"/>
           </p:cNvPicPr>
@@ -14621,13 +13533,7 @@
       </p:pic>
       <p:grpSp>
         <p:nvGrpSpPr>
-          <p:cNvPr id="4" name="组合 9">
-            <a:extLst>
-              <a:ext uri="{FF2B5EF4-FFF2-40B4-BE49-F238E27FC236}">
-                <a16:creationId xmlns:a16="http://schemas.microsoft.com/office/drawing/2014/main" id="{ADD3F5F5-C176-2D2E-0A75-C9CC9CFDE7D6}"/>
-              </a:ext>
-            </a:extLst>
-          </p:cNvPr>
+          <p:cNvPr id="4" name="组合 9"/>
           <p:cNvGrpSpPr/>
           <p:nvPr userDrawn="1"/>
         </p:nvGrpSpPr>
@@ -14641,13 +13547,7 @@
         </p:grpSpPr>
         <p:sp>
           <p:nvSpPr>
-            <p:cNvPr id="5" name="Rectangle 7">
-              <a:extLst>
-                <a:ext uri="{FF2B5EF4-FFF2-40B4-BE49-F238E27FC236}">
-                  <a16:creationId xmlns:a16="http://schemas.microsoft.com/office/drawing/2014/main" id="{20D083C7-985A-1893-0C88-7E73A3A438C9}"/>
-                </a:ext>
-              </a:extLst>
-            </p:cNvPr>
+            <p:cNvPr id="5" name="Rectangle 7"/>
             <p:cNvSpPr/>
             <p:nvPr/>
           </p:nvSpPr>
@@ -14701,13 +13601,7 @@
         </p:sp>
         <p:cxnSp>
           <p:nvCxnSpPr>
-            <p:cNvPr id="6" name="Straight Connector 15">
-              <a:extLst>
-                <a:ext uri="{FF2B5EF4-FFF2-40B4-BE49-F238E27FC236}">
-                  <a16:creationId xmlns:a16="http://schemas.microsoft.com/office/drawing/2014/main" id="{BC520F58-667F-0EF7-21E0-0380E91C48E2}"/>
-                </a:ext>
-              </a:extLst>
-            </p:cNvPr>
+            <p:cNvPr id="6" name="Straight Connector 15"/>
             <p:cNvCxnSpPr/>
             <p:nvPr/>
           </p:nvCxnSpPr>
@@ -14742,13 +13636,7 @@
         </p:cxnSp>
         <p:cxnSp>
           <p:nvCxnSpPr>
-            <p:cNvPr id="7" name="Straight Connector 16">
-              <a:extLst>
-                <a:ext uri="{FF2B5EF4-FFF2-40B4-BE49-F238E27FC236}">
-                  <a16:creationId xmlns:a16="http://schemas.microsoft.com/office/drawing/2014/main" id="{57815DE2-78CA-9AB7-C435-41F7A84AD891}"/>
-                </a:ext>
-              </a:extLst>
-            </p:cNvPr>
+            <p:cNvPr id="7" name="Straight Connector 16"/>
             <p:cNvCxnSpPr/>
             <p:nvPr/>
           </p:nvCxnSpPr>
@@ -14784,13 +13672,7 @@
       </p:grpSp>
       <p:sp>
         <p:nvSpPr>
-          <p:cNvPr id="8" name="矩形 3">
-            <a:extLst>
-              <a:ext uri="{FF2B5EF4-FFF2-40B4-BE49-F238E27FC236}">
-                <a16:creationId xmlns:a16="http://schemas.microsoft.com/office/drawing/2014/main" id="{E0C08046-A844-0001-3C5E-D686EFC88502}"/>
-              </a:ext>
-            </a:extLst>
-          </p:cNvPr>
+          <p:cNvPr id="8" name="矩形 3"/>
           <p:cNvSpPr/>
           <p:nvPr userDrawn="1"/>
         </p:nvSpPr>
@@ -14835,18 +13717,16 @@
               </a:rPr>
               <a:t>)</a:t>
             </a:r>
+            <a:endParaRPr lang="en-US" altLang="zh-CN" sz="2400" b="1" dirty="0">
+              <a:latin typeface="华文楷体" panose="02010600040101010101" charset="-122"/>
+              <a:ea typeface="华文楷体" panose="02010600040101010101" charset="-122"/>
+            </a:endParaRPr>
           </a:p>
         </p:txBody>
       </p:sp>
       <p:sp>
         <p:nvSpPr>
-          <p:cNvPr id="9" name="Rectangle 3">
-            <a:extLst>
-              <a:ext uri="{FF2B5EF4-FFF2-40B4-BE49-F238E27FC236}">
-                <a16:creationId xmlns:a16="http://schemas.microsoft.com/office/drawing/2014/main" id="{5F9EE3EB-2EC7-C2D2-13A8-8CD2E0C47EEA}"/>
-              </a:ext>
-            </a:extLst>
-          </p:cNvPr>
+          <p:cNvPr id="9" name="Rectangle 3"/>
           <p:cNvSpPr/>
           <p:nvPr userDrawn="1"/>
         </p:nvSpPr>
@@ -14884,18 +13764,16 @@
               </a:rPr>
               <a:t>看哪，那卖我之人的手与我一同在桌子上。人子固然要照所预定的去世，但卖人子的人有祸了！”他们就彼此对问，是哪一个要作这事？</a:t>
             </a:r>
+            <a:endParaRPr lang="zh-CN" altLang="en-US" sz="3200" b="1" dirty="0">
+              <a:latin typeface="楷体" panose="02010609060101010101" charset="-122"/>
+              <a:ea typeface="楷体" panose="02010609060101010101" charset="-122"/>
+            </a:endParaRPr>
           </a:p>
         </p:txBody>
       </p:sp>
       <p:sp>
         <p:nvSpPr>
-          <p:cNvPr id="10" name="Rectangle 2">
-            <a:extLst>
-              <a:ext uri="{FF2B5EF4-FFF2-40B4-BE49-F238E27FC236}">
-                <a16:creationId xmlns:a16="http://schemas.microsoft.com/office/drawing/2014/main" id="{F9E11266-8D65-FDAE-3BF4-44C9C4271C16}"/>
-              </a:ext>
-            </a:extLst>
-          </p:cNvPr>
+          <p:cNvPr id="10" name="Rectangle 2"/>
           <p:cNvSpPr txBox="1"/>
           <p:nvPr userDrawn="1"/>
         </p:nvSpPr>
@@ -14924,15 +13802,14 @@
               </a:rPr>
               <a:t>以领受圣餐敬拜神</a:t>
             </a:r>
+            <a:endParaRPr lang="zh-CN" altLang="en-US" sz="3600" b="1" dirty="0">
+              <a:latin typeface="宋体" panose="02010600030101010101" pitchFamily="2" charset="-122"/>
+              <a:ea typeface="宋体" panose="02010600030101010101" pitchFamily="2" charset="-122"/>
+            </a:endParaRPr>
           </a:p>
         </p:txBody>
       </p:sp>
     </p:spTree>
-    <p:extLst>
-      <p:ext uri="{BB962C8B-B14F-4D97-AF65-F5344CB8AC3E}">
-        <p14:creationId xmlns:p14="http://schemas.microsoft.com/office/powerpoint/2010/main" val="3566041076"/>
-      </p:ext>
-    </p:extLst>
   </p:cSld>
   <p:clrMapOvr>
     <a:masterClrMapping/>
@@ -14959,13 +13836,7 @@
       </p:grpSpPr>
       <p:pic>
         <p:nvPicPr>
-          <p:cNvPr id="3" name="Picture 4" descr="http://pic.shenshi777.com/uploads/allimg/150707/1-150FH10Z1.jpg">
-            <a:extLst>
-              <a:ext uri="{FF2B5EF4-FFF2-40B4-BE49-F238E27FC236}">
-                <a16:creationId xmlns:a16="http://schemas.microsoft.com/office/drawing/2014/main" id="{29E2E47C-E894-BED3-66D8-D561FBF81AAA}"/>
-              </a:ext>
-            </a:extLst>
-          </p:cNvPr>
+          <p:cNvPr id="3" name="Picture 4" descr="http://pic.shenshi777.com/uploads/allimg/150707/1-150FH10Z1.jpg"/>
           <p:cNvPicPr>
             <a:picLocks noChangeAspect="1" noChangeArrowheads="1"/>
           </p:cNvPicPr>
@@ -14997,13 +13868,7 @@
       </p:pic>
       <p:grpSp>
         <p:nvGrpSpPr>
-          <p:cNvPr id="4" name="组合 9">
-            <a:extLst>
-              <a:ext uri="{FF2B5EF4-FFF2-40B4-BE49-F238E27FC236}">
-                <a16:creationId xmlns:a16="http://schemas.microsoft.com/office/drawing/2014/main" id="{5A622DC6-0814-6A78-B6D2-C5F7A73DB654}"/>
-              </a:ext>
-            </a:extLst>
-          </p:cNvPr>
+          <p:cNvPr id="4" name="组合 9"/>
           <p:cNvGrpSpPr/>
           <p:nvPr userDrawn="1"/>
         </p:nvGrpSpPr>
@@ -15017,13 +13882,7 @@
         </p:grpSpPr>
         <p:sp>
           <p:nvSpPr>
-            <p:cNvPr id="5" name="Rectangle 7">
-              <a:extLst>
-                <a:ext uri="{FF2B5EF4-FFF2-40B4-BE49-F238E27FC236}">
-                  <a16:creationId xmlns:a16="http://schemas.microsoft.com/office/drawing/2014/main" id="{2C8A9760-B7C2-957D-E257-438679ECD897}"/>
-                </a:ext>
-              </a:extLst>
-            </p:cNvPr>
+            <p:cNvPr id="5" name="Rectangle 7"/>
             <p:cNvSpPr/>
             <p:nvPr/>
           </p:nvSpPr>
@@ -15077,13 +13936,7 @@
         </p:sp>
         <p:cxnSp>
           <p:nvCxnSpPr>
-            <p:cNvPr id="6" name="Straight Connector 15">
-              <a:extLst>
-                <a:ext uri="{FF2B5EF4-FFF2-40B4-BE49-F238E27FC236}">
-                  <a16:creationId xmlns:a16="http://schemas.microsoft.com/office/drawing/2014/main" id="{91B06723-BEFB-F138-CFD2-E4E16046967A}"/>
-                </a:ext>
-              </a:extLst>
-            </p:cNvPr>
+            <p:cNvPr id="6" name="Straight Connector 15"/>
             <p:cNvCxnSpPr/>
             <p:nvPr/>
           </p:nvCxnSpPr>
@@ -15118,13 +13971,7 @@
         </p:cxnSp>
         <p:cxnSp>
           <p:nvCxnSpPr>
-            <p:cNvPr id="7" name="Straight Connector 16">
-              <a:extLst>
-                <a:ext uri="{FF2B5EF4-FFF2-40B4-BE49-F238E27FC236}">
-                  <a16:creationId xmlns:a16="http://schemas.microsoft.com/office/drawing/2014/main" id="{282E7541-E5D5-0241-783B-85045385A6EF}"/>
-                </a:ext>
-              </a:extLst>
-            </p:cNvPr>
+            <p:cNvPr id="7" name="Straight Connector 16"/>
             <p:cNvCxnSpPr/>
             <p:nvPr/>
           </p:nvCxnSpPr>
@@ -15160,13 +14007,7 @@
       </p:grpSp>
       <p:sp>
         <p:nvSpPr>
-          <p:cNvPr id="9" name="Rectangle 2">
-            <a:extLst>
-              <a:ext uri="{FF2B5EF4-FFF2-40B4-BE49-F238E27FC236}">
-                <a16:creationId xmlns:a16="http://schemas.microsoft.com/office/drawing/2014/main" id="{120B7270-74CC-6D26-08BE-4FB05E23D874}"/>
-              </a:ext>
-            </a:extLst>
-          </p:cNvPr>
+          <p:cNvPr id="9" name="Rectangle 2"/>
           <p:cNvSpPr txBox="1"/>
           <p:nvPr userDrawn="1"/>
         </p:nvSpPr>
@@ -15195,18 +14036,16 @@
               </a:rPr>
               <a:t>以领受圣餐敬拜神</a:t>
             </a:r>
+            <a:endParaRPr lang="zh-CN" altLang="en-US" sz="3600" b="1" dirty="0">
+              <a:latin typeface="宋体" panose="02010600030101010101" pitchFamily="2" charset="-122"/>
+              <a:ea typeface="宋体" panose="02010600030101010101" pitchFamily="2" charset="-122"/>
+            </a:endParaRPr>
           </a:p>
         </p:txBody>
       </p:sp>
       <p:sp>
         <p:nvSpPr>
-          <p:cNvPr id="11" name="内容占位符 10">
-            <a:extLst>
-              <a:ext uri="{FF2B5EF4-FFF2-40B4-BE49-F238E27FC236}">
-                <a16:creationId xmlns:a16="http://schemas.microsoft.com/office/drawing/2014/main" id="{7E7C8D8A-238B-DA45-0459-3B02ECD80CBC}"/>
-              </a:ext>
-            </a:extLst>
-          </p:cNvPr>
+          <p:cNvPr id="11" name="内容占位符 10"/>
           <p:cNvSpPr>
             <a:spLocks noGrp="1"/>
           </p:cNvSpPr>
@@ -15251,6 +14090,10 @@
               </a:rPr>
               <a:t>圣餐诗歌</a:t>
             </a:r>
+            <a:endParaRPr lang="zh-CN" altLang="en-US" sz="3600" b="1">
+              <a:latin typeface="宋体" panose="02010600030101010101" pitchFamily="2" charset="-122"/>
+              <a:ea typeface="宋体" panose="02010600030101010101" pitchFamily="2" charset="-122"/>
+            </a:endParaRPr>
           </a:p>
           <a:p>
             <a:pPr algn="ctr">
@@ -15275,11 +14118,6 @@
         </p:txBody>
       </p:sp>
     </p:spTree>
-    <p:extLst>
-      <p:ext uri="{BB962C8B-B14F-4D97-AF65-F5344CB8AC3E}">
-        <p14:creationId xmlns:p14="http://schemas.microsoft.com/office/powerpoint/2010/main" val="3265652180"/>
-      </p:ext>
-    </p:extLst>
   </p:cSld>
   <p:clrMapOvr>
     <a:masterClrMapping/>
@@ -15306,13 +14144,7 @@
       </p:grpSpPr>
       <p:pic>
         <p:nvPicPr>
-          <p:cNvPr id="3" name="Picture 4" descr="http://pic.shenshi777.com/uploads/allimg/150707/1-150FH10Z1.jpg">
-            <a:extLst>
-              <a:ext uri="{FF2B5EF4-FFF2-40B4-BE49-F238E27FC236}">
-                <a16:creationId xmlns:a16="http://schemas.microsoft.com/office/drawing/2014/main" id="{A34C3C84-D4B4-F809-66A6-611C37E083EA}"/>
-              </a:ext>
-            </a:extLst>
-          </p:cNvPr>
+          <p:cNvPr id="3" name="Picture 4" descr="http://pic.shenshi777.com/uploads/allimg/150707/1-150FH10Z1.jpg"/>
           <p:cNvPicPr>
             <a:picLocks noChangeAspect="1" noChangeArrowheads="1"/>
           </p:cNvPicPr>
@@ -15344,13 +14176,7 @@
       </p:pic>
       <p:grpSp>
         <p:nvGrpSpPr>
-          <p:cNvPr id="4" name="组合 9">
-            <a:extLst>
-              <a:ext uri="{FF2B5EF4-FFF2-40B4-BE49-F238E27FC236}">
-                <a16:creationId xmlns:a16="http://schemas.microsoft.com/office/drawing/2014/main" id="{57F25EBF-A5E6-387B-A90A-C2C2CA8C31E0}"/>
-              </a:ext>
-            </a:extLst>
-          </p:cNvPr>
+          <p:cNvPr id="4" name="组合 9"/>
           <p:cNvGrpSpPr/>
           <p:nvPr userDrawn="1"/>
         </p:nvGrpSpPr>
@@ -15364,13 +14190,7 @@
         </p:grpSpPr>
         <p:sp>
           <p:nvSpPr>
-            <p:cNvPr id="5" name="Rectangle 7">
-              <a:extLst>
-                <a:ext uri="{FF2B5EF4-FFF2-40B4-BE49-F238E27FC236}">
-                  <a16:creationId xmlns:a16="http://schemas.microsoft.com/office/drawing/2014/main" id="{EF25C5B0-FEE0-35F5-0E7E-60FE422050BB}"/>
-                </a:ext>
-              </a:extLst>
-            </p:cNvPr>
+            <p:cNvPr id="5" name="Rectangle 7"/>
             <p:cNvSpPr/>
             <p:nvPr/>
           </p:nvSpPr>
@@ -15424,13 +14244,7 @@
         </p:sp>
         <p:cxnSp>
           <p:nvCxnSpPr>
-            <p:cNvPr id="6" name="Straight Connector 15">
-              <a:extLst>
-                <a:ext uri="{FF2B5EF4-FFF2-40B4-BE49-F238E27FC236}">
-                  <a16:creationId xmlns:a16="http://schemas.microsoft.com/office/drawing/2014/main" id="{73805417-1A1E-F7FA-99C4-ECDC01F37AAA}"/>
-                </a:ext>
-              </a:extLst>
-            </p:cNvPr>
+            <p:cNvPr id="6" name="Straight Connector 15"/>
             <p:cNvCxnSpPr/>
             <p:nvPr/>
           </p:nvCxnSpPr>
@@ -15465,13 +14279,7 @@
         </p:cxnSp>
         <p:cxnSp>
           <p:nvCxnSpPr>
-            <p:cNvPr id="7" name="Straight Connector 16">
-              <a:extLst>
-                <a:ext uri="{FF2B5EF4-FFF2-40B4-BE49-F238E27FC236}">
-                  <a16:creationId xmlns:a16="http://schemas.microsoft.com/office/drawing/2014/main" id="{F56AAB25-254C-6B2A-FF0A-12B7C5947666}"/>
-                </a:ext>
-              </a:extLst>
-            </p:cNvPr>
+            <p:cNvPr id="7" name="Straight Connector 16"/>
             <p:cNvCxnSpPr/>
             <p:nvPr/>
           </p:nvCxnSpPr>
@@ -15507,13 +14315,7 @@
       </p:grpSp>
       <p:sp>
         <p:nvSpPr>
-          <p:cNvPr id="9" name="TextBox 1">
-            <a:extLst>
-              <a:ext uri="{FF2B5EF4-FFF2-40B4-BE49-F238E27FC236}">
-                <a16:creationId xmlns:a16="http://schemas.microsoft.com/office/drawing/2014/main" id="{592E64B9-FCA1-52E5-2CEF-C3D4060D3F2F}"/>
-              </a:ext>
-            </a:extLst>
-          </p:cNvPr>
+          <p:cNvPr id="9" name="TextBox 1"/>
           <p:cNvSpPr txBox="1">
             <a:spLocks noChangeArrowheads="1"/>
           </p:cNvSpPr>
@@ -15546,18 +14348,16 @@
               </a:rPr>
               <a:t>圣餐诗歌</a:t>
             </a:r>
+            <a:endParaRPr kumimoji="1" lang="zh-CN" altLang="en-US" sz="4000" b="1" dirty="0">
+              <a:latin typeface="微软雅黑" panose="020B0503020204020204" pitchFamily="34" charset="-122"/>
+              <a:ea typeface="微软雅黑" panose="020B0503020204020204" pitchFamily="34" charset="-122"/>
+            </a:endParaRPr>
           </a:p>
         </p:txBody>
       </p:sp>
       <p:sp>
         <p:nvSpPr>
-          <p:cNvPr id="11" name="内容占位符 10">
-            <a:extLst>
-              <a:ext uri="{FF2B5EF4-FFF2-40B4-BE49-F238E27FC236}">
-                <a16:creationId xmlns:a16="http://schemas.microsoft.com/office/drawing/2014/main" id="{D2332753-1076-2498-8C23-EA47C420839A}"/>
-              </a:ext>
-            </a:extLst>
-          </p:cNvPr>
+          <p:cNvPr id="11" name="内容占位符 10"/>
           <p:cNvSpPr>
             <a:spLocks noGrp="1"/>
           </p:cNvSpPr>
@@ -15602,11 +14402,6 @@
         </p:txBody>
       </p:sp>
     </p:spTree>
-    <p:extLst>
-      <p:ext uri="{BB962C8B-B14F-4D97-AF65-F5344CB8AC3E}">
-        <p14:creationId xmlns:p14="http://schemas.microsoft.com/office/powerpoint/2010/main" val="1963108165"/>
-      </p:ext>
-    </p:extLst>
   </p:cSld>
   <p:clrMapOvr>
     <a:masterClrMapping/>
@@ -15732,7 +14527,6 @@
                 <a:buSzTx/>
                 <a:buFontTx/>
                 <a:buNone/>
-                <a:tabLst/>
                 <a:defRPr/>
               </a:pPr>
               <a:endParaRPr kumimoji="0" lang="en-US" sz="1800" b="0" i="0" u="none" strike="noStrike" kern="1200" cap="none" spc="0" normalizeH="0" baseline="0" noProof="0" dirty="0">
@@ -15745,7 +14539,7 @@
                 <a:effectLst/>
                 <a:uLnTx/>
                 <a:uFillTx/>
-                <a:latin typeface="Calibri"/>
+                <a:latin typeface="Calibri" panose="020F0502020204030204"/>
                 <a:ea typeface="+mn-ea"/>
                 <a:cs typeface="+mn-cs"/>
               </a:endParaRPr>
@@ -15825,13 +14619,7 @@
       </p:grpSp>
       <p:sp>
         <p:nvSpPr>
-          <p:cNvPr id="10" name="标题 1">
-            <a:extLst>
-              <a:ext uri="{FF2B5EF4-FFF2-40B4-BE49-F238E27FC236}">
-                <a16:creationId xmlns:a16="http://schemas.microsoft.com/office/drawing/2014/main" id="{06ABABA2-079C-3EFB-CC62-EB01C14581E2}"/>
-              </a:ext>
-            </a:extLst>
-          </p:cNvPr>
+          <p:cNvPr id="10" name="标题 1"/>
           <p:cNvSpPr txBox="1"/>
           <p:nvPr userDrawn="1"/>
         </p:nvSpPr>
@@ -16033,7 +14821,6 @@
               <a:buSzTx/>
               <a:buFontTx/>
               <a:buNone/>
-              <a:tabLst/>
               <a:defRPr/>
             </a:pPr>
             <a:r>
@@ -16053,15 +14840,24 @@
               </a:rPr>
               <a:t> 以诗歌颂扬敬拜神</a:t>
             </a:r>
+            <a:endParaRPr kumimoji="0" lang="zh-CN" altLang="en-US" sz="4000" b="1" i="0" u="none" strike="noStrike" kern="1200" cap="none" spc="0" normalizeH="0" baseline="0" noProof="0" dirty="0">
+              <a:ln>
+                <a:noFill/>
+              </a:ln>
+              <a:solidFill>
+                <a:prstClr val="black"/>
+              </a:solidFill>
+              <a:effectLst/>
+              <a:uLnTx/>
+              <a:uFillTx/>
+              <a:latin typeface="微软雅黑" panose="020B0503020204020204" pitchFamily="34" charset="-122"/>
+              <a:ea typeface="微软雅黑" panose="020B0503020204020204" pitchFamily="34" charset="-122"/>
+              <a:cs typeface="+mj-cs"/>
+            </a:endParaRPr>
           </a:p>
         </p:txBody>
       </p:sp>
     </p:spTree>
-    <p:extLst>
-      <p:ext uri="{BB962C8B-B14F-4D97-AF65-F5344CB8AC3E}">
-        <p14:creationId xmlns:p14="http://schemas.microsoft.com/office/powerpoint/2010/main" val="1370861625"/>
-      </p:ext>
-    </p:extLst>
   </p:cSld>
   <p:clrMapOvr>
     <a:masterClrMapping/>
@@ -16088,13 +14884,7 @@
       </p:grpSpPr>
       <p:pic>
         <p:nvPicPr>
-          <p:cNvPr id="3" name="Picture 4" descr="http://pic.shenshi777.com/uploads/allimg/150707/1-150FH10Z1.jpg">
-            <a:extLst>
-              <a:ext uri="{FF2B5EF4-FFF2-40B4-BE49-F238E27FC236}">
-                <a16:creationId xmlns:a16="http://schemas.microsoft.com/office/drawing/2014/main" id="{6A58339D-2FE8-CEC6-FB9D-048074762B6E}"/>
-              </a:ext>
-            </a:extLst>
-          </p:cNvPr>
+          <p:cNvPr id="3" name="Picture 4" descr="http://pic.shenshi777.com/uploads/allimg/150707/1-150FH10Z1.jpg"/>
           <p:cNvPicPr>
             <a:picLocks noChangeAspect="1" noChangeArrowheads="1"/>
           </p:cNvPicPr>
@@ -16126,13 +14916,7 @@
       </p:pic>
       <p:grpSp>
         <p:nvGrpSpPr>
-          <p:cNvPr id="4" name="组合 9">
-            <a:extLst>
-              <a:ext uri="{FF2B5EF4-FFF2-40B4-BE49-F238E27FC236}">
-                <a16:creationId xmlns:a16="http://schemas.microsoft.com/office/drawing/2014/main" id="{2A62AB68-D412-93DF-CA42-30860700D0DD}"/>
-              </a:ext>
-            </a:extLst>
-          </p:cNvPr>
+          <p:cNvPr id="4" name="组合 9"/>
           <p:cNvGrpSpPr/>
           <p:nvPr userDrawn="1"/>
         </p:nvGrpSpPr>
@@ -16146,13 +14930,7 @@
         </p:grpSpPr>
         <p:sp>
           <p:nvSpPr>
-            <p:cNvPr id="5" name="Rectangle 7">
-              <a:extLst>
-                <a:ext uri="{FF2B5EF4-FFF2-40B4-BE49-F238E27FC236}">
-                  <a16:creationId xmlns:a16="http://schemas.microsoft.com/office/drawing/2014/main" id="{FDAB67B8-7577-2846-E952-39A51E23DE5D}"/>
-                </a:ext>
-              </a:extLst>
-            </p:cNvPr>
+            <p:cNvPr id="5" name="Rectangle 7"/>
             <p:cNvSpPr/>
             <p:nvPr/>
           </p:nvSpPr>
@@ -16206,13 +14984,7 @@
         </p:sp>
         <p:cxnSp>
           <p:nvCxnSpPr>
-            <p:cNvPr id="6" name="Straight Connector 15">
-              <a:extLst>
-                <a:ext uri="{FF2B5EF4-FFF2-40B4-BE49-F238E27FC236}">
-                  <a16:creationId xmlns:a16="http://schemas.microsoft.com/office/drawing/2014/main" id="{D0571E74-6A9B-A271-2718-B9DF954535C1}"/>
-                </a:ext>
-              </a:extLst>
-            </p:cNvPr>
+            <p:cNvPr id="6" name="Straight Connector 15"/>
             <p:cNvCxnSpPr/>
             <p:nvPr/>
           </p:nvCxnSpPr>
@@ -16247,13 +15019,7 @@
         </p:cxnSp>
         <p:cxnSp>
           <p:nvCxnSpPr>
-            <p:cNvPr id="7" name="Straight Connector 16">
-              <a:extLst>
-                <a:ext uri="{FF2B5EF4-FFF2-40B4-BE49-F238E27FC236}">
-                  <a16:creationId xmlns:a16="http://schemas.microsoft.com/office/drawing/2014/main" id="{2FFC2B52-7FB8-8713-0CCC-46060AB26778}"/>
-                </a:ext>
-              </a:extLst>
-            </p:cNvPr>
+            <p:cNvPr id="7" name="Straight Connector 16"/>
             <p:cNvCxnSpPr/>
             <p:nvPr/>
           </p:nvCxnSpPr>
@@ -16289,13 +15055,7 @@
       </p:grpSp>
       <p:sp>
         <p:nvSpPr>
-          <p:cNvPr id="8" name="文本框 7">
-            <a:extLst>
-              <a:ext uri="{FF2B5EF4-FFF2-40B4-BE49-F238E27FC236}">
-                <a16:creationId xmlns:a16="http://schemas.microsoft.com/office/drawing/2014/main" id="{824DAF05-0E08-30D9-B75F-0D096C238932}"/>
-              </a:ext>
-            </a:extLst>
-          </p:cNvPr>
+          <p:cNvPr id="8" name="文本框 7"/>
           <p:cNvSpPr txBox="1"/>
           <p:nvPr userDrawn="1"/>
         </p:nvSpPr>
@@ -16340,18 +15100,17 @@
               </a:rPr>
               <a:t>分领等待</a:t>
             </a:r>
+            <a:endParaRPr lang="zh-CN" altLang="en-US" sz="2800" b="1" dirty="0">
+              <a:latin typeface="华文中宋" panose="02010600040101010101" charset="-122"/>
+              <a:ea typeface="华文中宋" panose="02010600040101010101" charset="-122"/>
+              <a:cs typeface="华文中宋" panose="02010600040101010101" charset="-122"/>
+            </a:endParaRPr>
           </a:p>
         </p:txBody>
       </p:sp>
       <p:sp>
         <p:nvSpPr>
-          <p:cNvPr id="9" name="Rectangle 2">
-            <a:extLst>
-              <a:ext uri="{FF2B5EF4-FFF2-40B4-BE49-F238E27FC236}">
-                <a16:creationId xmlns:a16="http://schemas.microsoft.com/office/drawing/2014/main" id="{B952D8FD-EFBA-371A-9FD8-CB38E7EE726C}"/>
-              </a:ext>
-            </a:extLst>
-          </p:cNvPr>
+          <p:cNvPr id="9" name="Rectangle 2"/>
           <p:cNvSpPr txBox="1"/>
           <p:nvPr userDrawn="1"/>
         </p:nvSpPr>
@@ -16380,15 +15139,14 @@
               </a:rPr>
               <a:t>以领受圣餐敬拜神</a:t>
             </a:r>
+            <a:endParaRPr lang="zh-CN" altLang="en-US" sz="3600" b="1" dirty="0">
+              <a:latin typeface="宋体" panose="02010600030101010101" pitchFamily="2" charset="-122"/>
+              <a:ea typeface="宋体" panose="02010600030101010101" pitchFamily="2" charset="-122"/>
+            </a:endParaRPr>
           </a:p>
         </p:txBody>
       </p:sp>
     </p:spTree>
-    <p:extLst>
-      <p:ext uri="{BB962C8B-B14F-4D97-AF65-F5344CB8AC3E}">
-        <p14:creationId xmlns:p14="http://schemas.microsoft.com/office/powerpoint/2010/main" val="1908672957"/>
-      </p:ext>
-    </p:extLst>
   </p:cSld>
   <p:clrMapOvr>
     <a:masterClrMapping/>
@@ -16415,16 +15173,8 @@
       </p:grpSpPr>
       <p:sp>
         <p:nvSpPr>
-          <p:cNvPr id="3" name="内容占位符 2">
-            <a:extLst>
-              <a:ext uri="{FF2B5EF4-FFF2-40B4-BE49-F238E27FC236}">
-                <a16:creationId xmlns:a16="http://schemas.microsoft.com/office/drawing/2014/main" id="{EF178103-03EF-5BB5-BE94-275BD8662979}"/>
-              </a:ext>
-            </a:extLst>
-          </p:cNvPr>
-          <p:cNvSpPr txBox="1">
-            <a:spLocks/>
-          </p:cNvSpPr>
+          <p:cNvPr id="3" name="内容占位符 2"/>
+          <p:cNvSpPr txBox="1"/>
           <p:nvPr userDrawn="1"/>
         </p:nvSpPr>
         <p:spPr>
@@ -16629,11 +15379,15 @@
             </a:pPr>
             <a:r>
               <a:rPr lang="zh-CN" altLang="en-US" sz="2400" b="1" dirty="0">
-                <a:latin typeface="黑体" panose="02010609060101010101" pitchFamily="49" charset="-122"/>
-                <a:ea typeface="黑体" panose="02010609060101010101" pitchFamily="49" charset="-122"/>
+                <a:latin typeface="黑体" panose="02010609060101010101" charset="-122"/>
+                <a:ea typeface="黑体" panose="02010609060101010101" charset="-122"/>
               </a:rPr>
               <a:t>自我省察：</a:t>
             </a:r>
+            <a:endParaRPr lang="zh-CN" altLang="en-US" sz="2400" b="1" dirty="0">
+              <a:latin typeface="黑体" panose="02010609060101010101" charset="-122"/>
+              <a:ea typeface="黑体" panose="02010609060101010101" charset="-122"/>
+            </a:endParaRPr>
           </a:p>
           <a:p>
             <a:pPr marL="0" indent="0">
@@ -16650,6 +15404,10 @@
               </a:rPr>
               <a:t>　　如果分领圣餐是为坚固我们的信心，我们就当首先自我省察。让我们每个人都省察自己的罪和当受的咒诅，以使我们在神面前谦卑。</a:t>
             </a:r>
+            <a:endParaRPr lang="zh-CN" altLang="en-US" sz="2400" dirty="0">
+              <a:latin typeface="华文中宋" panose="02010600040101010101" charset="-122"/>
+              <a:ea typeface="华文中宋" panose="02010600040101010101" charset="-122"/>
+            </a:endParaRPr>
           </a:p>
           <a:p>
             <a:pPr marL="0" indent="0">
@@ -16666,6 +15424,10 @@
               </a:rPr>
               <a:t>　　其次，让我们每个人都省察自己是否相信神可靠的应许，即惟因耶稣基督的受苦和受死，自己一切的罪都得了赦免，基督纯全的义白白地赐给了我们。</a:t>
             </a:r>
+            <a:endParaRPr lang="zh-CN" altLang="en-US" sz="2400" dirty="0">
+              <a:latin typeface="华文中宋" panose="02010600040101010101" charset="-122"/>
+              <a:ea typeface="华文中宋" panose="02010600040101010101" charset="-122"/>
+            </a:endParaRPr>
           </a:p>
           <a:p>
             <a:pPr marL="0" indent="0">
@@ -16682,6 +15444,10 @@
               </a:rPr>
               <a:t>　　最后，让我们每个人都决定自己是否愿用全部的生命，心怀感恩地事奉神，是否愿意以真诚的爱与邻舍和平相处。</a:t>
             </a:r>
+            <a:endParaRPr lang="zh-CN" altLang="en-US" sz="2400" dirty="0">
+              <a:latin typeface="华文中宋" panose="02010600040101010101" charset="-122"/>
+              <a:ea typeface="华文中宋" panose="02010600040101010101" charset="-122"/>
+            </a:endParaRPr>
           </a:p>
           <a:p>
             <a:pPr marL="0" indent="0">
@@ -16693,23 +15459,21 @@
             </a:pPr>
             <a:r>
               <a:rPr lang="zh-CN" altLang="en-US" sz="2400" b="1" dirty="0">
-                <a:latin typeface="黑体" panose="02010609060101010101" pitchFamily="49" charset="-122"/>
-                <a:ea typeface="黑体" panose="02010609060101010101" pitchFamily="49" charset="-122"/>
+                <a:latin typeface="黑体" panose="02010609060101010101" charset="-122"/>
+                <a:ea typeface="黑体" panose="02010609060101010101" charset="-122"/>
               </a:rPr>
               <a:t>祷告：</a:t>
             </a:r>
+            <a:endParaRPr lang="zh-CN" altLang="en-US" sz="2400" b="1" dirty="0">
+              <a:latin typeface="黑体" panose="02010609060101010101" charset="-122"/>
+              <a:ea typeface="黑体" panose="02010609060101010101" charset="-122"/>
+            </a:endParaRPr>
           </a:p>
         </p:txBody>
       </p:sp>
       <p:sp>
         <p:nvSpPr>
-          <p:cNvPr id="4" name="Rectangle 2">
-            <a:extLst>
-              <a:ext uri="{FF2B5EF4-FFF2-40B4-BE49-F238E27FC236}">
-                <a16:creationId xmlns:a16="http://schemas.microsoft.com/office/drawing/2014/main" id="{5D12F1B2-4D66-66B1-1F08-258E7D0D8FF9}"/>
-              </a:ext>
-            </a:extLst>
-          </p:cNvPr>
+          <p:cNvPr id="4" name="Rectangle 2"/>
           <p:cNvSpPr txBox="1"/>
           <p:nvPr userDrawn="1"/>
         </p:nvSpPr>
@@ -16738,18 +15502,16 @@
               </a:rPr>
               <a:t>以领受圣餐敬拜神</a:t>
             </a:r>
+            <a:endParaRPr lang="zh-CN" altLang="en-US" sz="3600" b="1" dirty="0">
+              <a:latin typeface="宋体" panose="02010600030101010101" pitchFamily="2" charset="-122"/>
+              <a:ea typeface="宋体" panose="02010600030101010101" pitchFamily="2" charset="-122"/>
+            </a:endParaRPr>
           </a:p>
         </p:txBody>
       </p:sp>
       <p:pic>
         <p:nvPicPr>
-          <p:cNvPr id="5" name="Picture 4" descr="http://pic.shenshi777.com/uploads/allimg/150707/1-150FH10Z1.jpg">
-            <a:extLst>
-              <a:ext uri="{FF2B5EF4-FFF2-40B4-BE49-F238E27FC236}">
-                <a16:creationId xmlns:a16="http://schemas.microsoft.com/office/drawing/2014/main" id="{C37DEF36-4AC2-CB8F-2521-C63E54253E8E}"/>
-              </a:ext>
-            </a:extLst>
-          </p:cNvPr>
+          <p:cNvPr id="5" name="Picture 4" descr="http://pic.shenshi777.com/uploads/allimg/150707/1-150FH10Z1.jpg"/>
           <p:cNvPicPr>
             <a:picLocks noChangeAspect="1" noChangeArrowheads="1"/>
           </p:cNvPicPr>
@@ -16781,13 +15543,7 @@
       </p:pic>
       <p:grpSp>
         <p:nvGrpSpPr>
-          <p:cNvPr id="6" name="组合 9">
-            <a:extLst>
-              <a:ext uri="{FF2B5EF4-FFF2-40B4-BE49-F238E27FC236}">
-                <a16:creationId xmlns:a16="http://schemas.microsoft.com/office/drawing/2014/main" id="{0C345530-109F-7C99-963E-FD3D8435AF2C}"/>
-              </a:ext>
-            </a:extLst>
-          </p:cNvPr>
+          <p:cNvPr id="6" name="组合 9"/>
           <p:cNvGrpSpPr/>
           <p:nvPr userDrawn="1"/>
         </p:nvGrpSpPr>
@@ -16801,13 +15557,7 @@
         </p:grpSpPr>
         <p:sp>
           <p:nvSpPr>
-            <p:cNvPr id="7" name="Rectangle 7">
-              <a:extLst>
-                <a:ext uri="{FF2B5EF4-FFF2-40B4-BE49-F238E27FC236}">
-                  <a16:creationId xmlns:a16="http://schemas.microsoft.com/office/drawing/2014/main" id="{62EEA67D-C5CF-7C1E-26B6-54B4359F5F22}"/>
-                </a:ext>
-              </a:extLst>
-            </p:cNvPr>
+            <p:cNvPr id="7" name="Rectangle 7"/>
             <p:cNvSpPr/>
             <p:nvPr/>
           </p:nvSpPr>
@@ -16861,13 +15611,7 @@
         </p:sp>
         <p:cxnSp>
           <p:nvCxnSpPr>
-            <p:cNvPr id="8" name="Straight Connector 15">
-              <a:extLst>
-                <a:ext uri="{FF2B5EF4-FFF2-40B4-BE49-F238E27FC236}">
-                  <a16:creationId xmlns:a16="http://schemas.microsoft.com/office/drawing/2014/main" id="{C082D477-84F4-5A2F-439B-1D8E045187F7}"/>
-                </a:ext>
-              </a:extLst>
-            </p:cNvPr>
+            <p:cNvPr id="8" name="Straight Connector 15"/>
             <p:cNvCxnSpPr/>
             <p:nvPr/>
           </p:nvCxnSpPr>
@@ -16902,13 +15646,7 @@
         </p:cxnSp>
         <p:cxnSp>
           <p:nvCxnSpPr>
-            <p:cNvPr id="9" name="Straight Connector 16">
-              <a:extLst>
-                <a:ext uri="{FF2B5EF4-FFF2-40B4-BE49-F238E27FC236}">
-                  <a16:creationId xmlns:a16="http://schemas.microsoft.com/office/drawing/2014/main" id="{327A5A34-100C-C737-8698-2FA74F2C079F}"/>
-                </a:ext>
-              </a:extLst>
-            </p:cNvPr>
+            <p:cNvPr id="9" name="Straight Connector 16"/>
             <p:cNvCxnSpPr/>
             <p:nvPr/>
           </p:nvCxnSpPr>
@@ -16943,11 +15681,6 @@
         </p:cxnSp>
       </p:grpSp>
     </p:spTree>
-    <p:extLst>
-      <p:ext uri="{BB962C8B-B14F-4D97-AF65-F5344CB8AC3E}">
-        <p14:creationId xmlns:p14="http://schemas.microsoft.com/office/powerpoint/2010/main" val="2379677582"/>
-      </p:ext>
-    </p:extLst>
   </p:cSld>
   <p:clrMapOvr>
     <a:masterClrMapping/>
@@ -16974,13 +15707,7 @@
       </p:grpSpPr>
       <p:pic>
         <p:nvPicPr>
-          <p:cNvPr id="3" name="Picture 4" descr="http://pic.shenshi777.com/uploads/allimg/150707/1-150FH10Z1.jpg">
-            <a:extLst>
-              <a:ext uri="{FF2B5EF4-FFF2-40B4-BE49-F238E27FC236}">
-                <a16:creationId xmlns:a16="http://schemas.microsoft.com/office/drawing/2014/main" id="{2A177E60-7F98-3438-1B1D-41CF72269266}"/>
-              </a:ext>
-            </a:extLst>
-          </p:cNvPr>
+          <p:cNvPr id="3" name="Picture 4" descr="http://pic.shenshi777.com/uploads/allimg/150707/1-150FH10Z1.jpg"/>
           <p:cNvPicPr>
             <a:picLocks noChangeAspect="1" noChangeArrowheads="1"/>
           </p:cNvPicPr>
@@ -17012,13 +15739,7 @@
       </p:pic>
       <p:grpSp>
         <p:nvGrpSpPr>
-          <p:cNvPr id="4" name="组合 9">
-            <a:extLst>
-              <a:ext uri="{FF2B5EF4-FFF2-40B4-BE49-F238E27FC236}">
-                <a16:creationId xmlns:a16="http://schemas.microsoft.com/office/drawing/2014/main" id="{4DABE146-87F7-6848-D31C-F9BC82F75E66}"/>
-              </a:ext>
-            </a:extLst>
-          </p:cNvPr>
+          <p:cNvPr id="4" name="组合 9"/>
           <p:cNvGrpSpPr/>
           <p:nvPr userDrawn="1"/>
         </p:nvGrpSpPr>
@@ -17032,13 +15753,7 @@
         </p:grpSpPr>
         <p:sp>
           <p:nvSpPr>
-            <p:cNvPr id="5" name="Rectangle 7">
-              <a:extLst>
-                <a:ext uri="{FF2B5EF4-FFF2-40B4-BE49-F238E27FC236}">
-                  <a16:creationId xmlns:a16="http://schemas.microsoft.com/office/drawing/2014/main" id="{D1BEF018-807E-7DF6-4935-5B059CA2630C}"/>
-                </a:ext>
-              </a:extLst>
-            </p:cNvPr>
+            <p:cNvPr id="5" name="Rectangle 7"/>
             <p:cNvSpPr/>
             <p:nvPr/>
           </p:nvSpPr>
@@ -17092,13 +15807,7 @@
         </p:sp>
         <p:cxnSp>
           <p:nvCxnSpPr>
-            <p:cNvPr id="6" name="Straight Connector 15">
-              <a:extLst>
-                <a:ext uri="{FF2B5EF4-FFF2-40B4-BE49-F238E27FC236}">
-                  <a16:creationId xmlns:a16="http://schemas.microsoft.com/office/drawing/2014/main" id="{46BC97D9-EB80-4F0E-7E2E-41F2BB58A398}"/>
-                </a:ext>
-              </a:extLst>
-            </p:cNvPr>
+            <p:cNvPr id="6" name="Straight Connector 15"/>
             <p:cNvCxnSpPr/>
             <p:nvPr/>
           </p:nvCxnSpPr>
@@ -17133,13 +15842,7 @@
         </p:cxnSp>
         <p:cxnSp>
           <p:nvCxnSpPr>
-            <p:cNvPr id="7" name="Straight Connector 16">
-              <a:extLst>
-                <a:ext uri="{FF2B5EF4-FFF2-40B4-BE49-F238E27FC236}">
-                  <a16:creationId xmlns:a16="http://schemas.microsoft.com/office/drawing/2014/main" id="{D2683B96-5759-1F58-42C1-D58F5C7DA065}"/>
-                </a:ext>
-              </a:extLst>
-            </p:cNvPr>
+            <p:cNvPr id="7" name="Straight Connector 16"/>
             <p:cNvCxnSpPr/>
             <p:nvPr/>
           </p:nvCxnSpPr>
@@ -17175,13 +15878,7 @@
       </p:grpSp>
       <p:sp>
         <p:nvSpPr>
-          <p:cNvPr id="8" name="Rectangle 2">
-            <a:extLst>
-              <a:ext uri="{FF2B5EF4-FFF2-40B4-BE49-F238E27FC236}">
-                <a16:creationId xmlns:a16="http://schemas.microsoft.com/office/drawing/2014/main" id="{6FA4CD36-76D7-C927-009B-AD0BE507B8BF}"/>
-              </a:ext>
-            </a:extLst>
-          </p:cNvPr>
+          <p:cNvPr id="8" name="Rectangle 2"/>
           <p:cNvSpPr txBox="1"/>
           <p:nvPr userDrawn="1"/>
         </p:nvSpPr>
@@ -17210,18 +15907,16 @@
               </a:rPr>
               <a:t>以领受圣餐敬拜神</a:t>
             </a:r>
+            <a:endParaRPr lang="zh-CN" altLang="en-US" sz="3600" b="1" dirty="0">
+              <a:latin typeface="宋体" panose="02010600030101010101" pitchFamily="2" charset="-122"/>
+              <a:ea typeface="宋体" panose="02010600030101010101" pitchFamily="2" charset="-122"/>
+            </a:endParaRPr>
           </a:p>
         </p:txBody>
       </p:sp>
       <p:sp>
         <p:nvSpPr>
-          <p:cNvPr id="9" name="文本框 8">
-            <a:extLst>
-              <a:ext uri="{FF2B5EF4-FFF2-40B4-BE49-F238E27FC236}">
-                <a16:creationId xmlns:a16="http://schemas.microsoft.com/office/drawing/2014/main" id="{8716ED82-0DBD-DDE6-CEDF-409EF3DCD9FB}"/>
-              </a:ext>
-            </a:extLst>
-          </p:cNvPr>
+          <p:cNvPr id="9" name="文本框 8"/>
           <p:cNvSpPr txBox="1"/>
           <p:nvPr userDrawn="1"/>
         </p:nvSpPr>
@@ -17250,15 +15945,15 @@
               </a:rPr>
               <a:t>同领饼和杯</a:t>
             </a:r>
+            <a:endParaRPr lang="zh-CN" altLang="en-US" sz="2800" b="1" dirty="0">
+              <a:latin typeface="华文中宋" panose="02010600040101010101" charset="-122"/>
+              <a:ea typeface="华文中宋" panose="02010600040101010101" charset="-122"/>
+              <a:cs typeface="华文中宋" panose="02010600040101010101" charset="-122"/>
+            </a:endParaRPr>
           </a:p>
         </p:txBody>
       </p:sp>
     </p:spTree>
-    <p:extLst>
-      <p:ext uri="{BB962C8B-B14F-4D97-AF65-F5344CB8AC3E}">
-        <p14:creationId xmlns:p14="http://schemas.microsoft.com/office/powerpoint/2010/main" val="2875530047"/>
-      </p:ext>
-    </p:extLst>
   </p:cSld>
   <p:clrMapOvr>
     <a:masterClrMapping/>
@@ -17285,13 +15980,7 @@
       </p:grpSpPr>
       <p:pic>
         <p:nvPicPr>
-          <p:cNvPr id="3" name="Picture 4" descr="http://pic.shenshi777.com/uploads/allimg/150707/1-150FH10Z1.jpg">
-            <a:extLst>
-              <a:ext uri="{FF2B5EF4-FFF2-40B4-BE49-F238E27FC236}">
-                <a16:creationId xmlns:a16="http://schemas.microsoft.com/office/drawing/2014/main" id="{385FF260-1DC5-F6C1-A41B-9B2513EF67A7}"/>
-              </a:ext>
-            </a:extLst>
-          </p:cNvPr>
+          <p:cNvPr id="3" name="Picture 4" descr="http://pic.shenshi777.com/uploads/allimg/150707/1-150FH10Z1.jpg"/>
           <p:cNvPicPr>
             <a:picLocks noChangeAspect="1" noChangeArrowheads="1"/>
           </p:cNvPicPr>
@@ -17323,13 +16012,7 @@
       </p:pic>
       <p:grpSp>
         <p:nvGrpSpPr>
-          <p:cNvPr id="4" name="组合 9">
-            <a:extLst>
-              <a:ext uri="{FF2B5EF4-FFF2-40B4-BE49-F238E27FC236}">
-                <a16:creationId xmlns:a16="http://schemas.microsoft.com/office/drawing/2014/main" id="{A87C35BF-37CA-A675-E171-E5C627258637}"/>
-              </a:ext>
-            </a:extLst>
-          </p:cNvPr>
+          <p:cNvPr id="4" name="组合 9"/>
           <p:cNvGrpSpPr/>
           <p:nvPr userDrawn="1"/>
         </p:nvGrpSpPr>
@@ -17343,13 +16026,7 @@
         </p:grpSpPr>
         <p:sp>
           <p:nvSpPr>
-            <p:cNvPr id="5" name="Rectangle 7">
-              <a:extLst>
-                <a:ext uri="{FF2B5EF4-FFF2-40B4-BE49-F238E27FC236}">
-                  <a16:creationId xmlns:a16="http://schemas.microsoft.com/office/drawing/2014/main" id="{38F2949F-4DEB-1A7C-1BDE-38274365D5E4}"/>
-                </a:ext>
-              </a:extLst>
-            </p:cNvPr>
+            <p:cNvPr id="5" name="Rectangle 7"/>
             <p:cNvSpPr/>
             <p:nvPr/>
           </p:nvSpPr>
@@ -17403,13 +16080,7 @@
         </p:sp>
         <p:cxnSp>
           <p:nvCxnSpPr>
-            <p:cNvPr id="6" name="Straight Connector 15">
-              <a:extLst>
-                <a:ext uri="{FF2B5EF4-FFF2-40B4-BE49-F238E27FC236}">
-                  <a16:creationId xmlns:a16="http://schemas.microsoft.com/office/drawing/2014/main" id="{B971628B-207E-4A8D-A69A-C4ABC19509C4}"/>
-                </a:ext>
-              </a:extLst>
-            </p:cNvPr>
+            <p:cNvPr id="6" name="Straight Connector 15"/>
             <p:cNvCxnSpPr/>
             <p:nvPr/>
           </p:nvCxnSpPr>
@@ -17444,13 +16115,7 @@
         </p:cxnSp>
         <p:cxnSp>
           <p:nvCxnSpPr>
-            <p:cNvPr id="7" name="Straight Connector 16">
-              <a:extLst>
-                <a:ext uri="{FF2B5EF4-FFF2-40B4-BE49-F238E27FC236}">
-                  <a16:creationId xmlns:a16="http://schemas.microsoft.com/office/drawing/2014/main" id="{5F0C3EF2-F5C0-91F9-D412-F189E7A885EE}"/>
-                </a:ext>
-              </a:extLst>
-            </p:cNvPr>
+            <p:cNvPr id="7" name="Straight Connector 16"/>
             <p:cNvCxnSpPr/>
             <p:nvPr/>
           </p:nvCxnSpPr>
@@ -17486,13 +16151,7 @@
       </p:grpSp>
       <p:sp>
         <p:nvSpPr>
-          <p:cNvPr id="8" name="Rectangle 2">
-            <a:extLst>
-              <a:ext uri="{FF2B5EF4-FFF2-40B4-BE49-F238E27FC236}">
-                <a16:creationId xmlns:a16="http://schemas.microsoft.com/office/drawing/2014/main" id="{C0F8E929-7290-2646-F890-EB6231D56663}"/>
-              </a:ext>
-            </a:extLst>
-          </p:cNvPr>
+          <p:cNvPr id="8" name="Rectangle 2"/>
           <p:cNvSpPr txBox="1"/>
           <p:nvPr userDrawn="1"/>
         </p:nvSpPr>
@@ -17521,18 +16180,16 @@
               </a:rPr>
               <a:t>以领受圣餐敬拜神</a:t>
             </a:r>
+            <a:endParaRPr lang="zh-CN" altLang="en-US" sz="3600" b="1" dirty="0">
+              <a:latin typeface="宋体" panose="02010600030101010101" pitchFamily="2" charset="-122"/>
+              <a:ea typeface="宋体" panose="02010600030101010101" pitchFamily="2" charset="-122"/>
+            </a:endParaRPr>
           </a:p>
         </p:txBody>
       </p:sp>
       <p:sp>
         <p:nvSpPr>
-          <p:cNvPr id="9" name="文本框 8">
-            <a:extLst>
-              <a:ext uri="{FF2B5EF4-FFF2-40B4-BE49-F238E27FC236}">
-                <a16:creationId xmlns:a16="http://schemas.microsoft.com/office/drawing/2014/main" id="{FC0F0189-7570-5EB6-2B0A-3AE2B80F3A34}"/>
-              </a:ext>
-            </a:extLst>
-          </p:cNvPr>
+          <p:cNvPr id="9" name="文本框 8"/>
           <p:cNvSpPr txBox="1"/>
           <p:nvPr userDrawn="1"/>
         </p:nvSpPr>
@@ -17561,15 +16218,15 @@
               </a:rPr>
               <a:t>祷告</a:t>
             </a:r>
+            <a:endParaRPr lang="zh-CN" altLang="en-US" sz="2800" b="1" dirty="0">
+              <a:latin typeface="华文中宋" panose="02010600040101010101" charset="-122"/>
+              <a:ea typeface="华文中宋" panose="02010600040101010101" charset="-122"/>
+              <a:cs typeface="华文中宋" panose="02010600040101010101" charset="-122"/>
+            </a:endParaRPr>
           </a:p>
         </p:txBody>
       </p:sp>
     </p:spTree>
-    <p:extLst>
-      <p:ext uri="{BB962C8B-B14F-4D97-AF65-F5344CB8AC3E}">
-        <p14:creationId xmlns:p14="http://schemas.microsoft.com/office/powerpoint/2010/main" val="1685105192"/>
-      </p:ext>
-    </p:extLst>
   </p:cSld>
   <p:clrMapOvr>
     <a:masterClrMapping/>
@@ -17596,13 +16253,7 @@
       </p:grpSpPr>
       <p:pic>
         <p:nvPicPr>
-          <p:cNvPr id="3" name="Picture 4" descr="http://pic.shenshi777.com/uploads/allimg/150707/1-150FH10Z1.jpg">
-            <a:extLst>
-              <a:ext uri="{FF2B5EF4-FFF2-40B4-BE49-F238E27FC236}">
-                <a16:creationId xmlns:a16="http://schemas.microsoft.com/office/drawing/2014/main" id="{A34C3C84-D4B4-F809-66A6-611C37E083EA}"/>
-              </a:ext>
-            </a:extLst>
-          </p:cNvPr>
+          <p:cNvPr id="3" name="Picture 4" descr="http://pic.shenshi777.com/uploads/allimg/150707/1-150FH10Z1.jpg"/>
           <p:cNvPicPr>
             <a:picLocks noChangeAspect="1" noChangeArrowheads="1"/>
           </p:cNvPicPr>
@@ -17634,13 +16285,7 @@
       </p:pic>
       <p:grpSp>
         <p:nvGrpSpPr>
-          <p:cNvPr id="4" name="组合 9">
-            <a:extLst>
-              <a:ext uri="{FF2B5EF4-FFF2-40B4-BE49-F238E27FC236}">
-                <a16:creationId xmlns:a16="http://schemas.microsoft.com/office/drawing/2014/main" id="{57F25EBF-A5E6-387B-A90A-C2C2CA8C31E0}"/>
-              </a:ext>
-            </a:extLst>
-          </p:cNvPr>
+          <p:cNvPr id="4" name="组合 9"/>
           <p:cNvGrpSpPr/>
           <p:nvPr userDrawn="1"/>
         </p:nvGrpSpPr>
@@ -17654,13 +16299,7 @@
         </p:grpSpPr>
         <p:sp>
           <p:nvSpPr>
-            <p:cNvPr id="5" name="Rectangle 7">
-              <a:extLst>
-                <a:ext uri="{FF2B5EF4-FFF2-40B4-BE49-F238E27FC236}">
-                  <a16:creationId xmlns:a16="http://schemas.microsoft.com/office/drawing/2014/main" id="{EF25C5B0-FEE0-35F5-0E7E-60FE422050BB}"/>
-                </a:ext>
-              </a:extLst>
-            </p:cNvPr>
+            <p:cNvPr id="5" name="Rectangle 7"/>
             <p:cNvSpPr/>
             <p:nvPr/>
           </p:nvSpPr>
@@ -17714,13 +16353,7 @@
         </p:sp>
         <p:cxnSp>
           <p:nvCxnSpPr>
-            <p:cNvPr id="6" name="Straight Connector 15">
-              <a:extLst>
-                <a:ext uri="{FF2B5EF4-FFF2-40B4-BE49-F238E27FC236}">
-                  <a16:creationId xmlns:a16="http://schemas.microsoft.com/office/drawing/2014/main" id="{73805417-1A1E-F7FA-99C4-ECDC01F37AAA}"/>
-                </a:ext>
-              </a:extLst>
-            </p:cNvPr>
+            <p:cNvPr id="6" name="Straight Connector 15"/>
             <p:cNvCxnSpPr/>
             <p:nvPr/>
           </p:nvCxnSpPr>
@@ -17755,13 +16388,7 @@
         </p:cxnSp>
         <p:cxnSp>
           <p:nvCxnSpPr>
-            <p:cNvPr id="7" name="Straight Connector 16">
-              <a:extLst>
-                <a:ext uri="{FF2B5EF4-FFF2-40B4-BE49-F238E27FC236}">
-                  <a16:creationId xmlns:a16="http://schemas.microsoft.com/office/drawing/2014/main" id="{F56AAB25-254C-6B2A-FF0A-12B7C5947666}"/>
-                </a:ext>
-              </a:extLst>
-            </p:cNvPr>
+            <p:cNvPr id="7" name="Straight Connector 16"/>
             <p:cNvCxnSpPr/>
             <p:nvPr/>
           </p:nvCxnSpPr>
@@ -17797,13 +16424,7 @@
       </p:grpSp>
       <p:sp>
         <p:nvSpPr>
-          <p:cNvPr id="9" name="TextBox 1">
-            <a:extLst>
-              <a:ext uri="{FF2B5EF4-FFF2-40B4-BE49-F238E27FC236}">
-                <a16:creationId xmlns:a16="http://schemas.microsoft.com/office/drawing/2014/main" id="{592E64B9-FCA1-52E5-2CEF-C3D4060D3F2F}"/>
-              </a:ext>
-            </a:extLst>
-          </p:cNvPr>
+          <p:cNvPr id="9" name="TextBox 1"/>
           <p:cNvSpPr txBox="1">
             <a:spLocks noChangeArrowheads="1"/>
           </p:cNvSpPr>
@@ -17845,13 +16466,7 @@
       </p:sp>
       <p:sp>
         <p:nvSpPr>
-          <p:cNvPr id="11" name="内容占位符 10">
-            <a:extLst>
-              <a:ext uri="{FF2B5EF4-FFF2-40B4-BE49-F238E27FC236}">
-                <a16:creationId xmlns:a16="http://schemas.microsoft.com/office/drawing/2014/main" id="{D2332753-1076-2498-8C23-EA47C420839A}"/>
-              </a:ext>
-            </a:extLst>
-          </p:cNvPr>
+          <p:cNvPr id="11" name="内容占位符 10"/>
           <p:cNvSpPr>
             <a:spLocks noGrp="1"/>
           </p:cNvSpPr>
@@ -17896,11 +16511,6 @@
         </p:txBody>
       </p:sp>
     </p:spTree>
-    <p:extLst>
-      <p:ext uri="{BB962C8B-B14F-4D97-AF65-F5344CB8AC3E}">
-        <p14:creationId xmlns:p14="http://schemas.microsoft.com/office/powerpoint/2010/main" val="2646180584"/>
-      </p:ext>
-    </p:extLst>
   </p:cSld>
   <p:clrMapOvr>
     <a:masterClrMapping/>
@@ -17927,13 +16537,7 @@
       </p:grpSpPr>
       <p:pic>
         <p:nvPicPr>
-          <p:cNvPr id="3" name="Picture 4" descr="http://pic.shenshi777.com/uploads/allimg/150707/1-150FH10Z1.jpg">
-            <a:extLst>
-              <a:ext uri="{FF2B5EF4-FFF2-40B4-BE49-F238E27FC236}">
-                <a16:creationId xmlns:a16="http://schemas.microsoft.com/office/drawing/2014/main" id="{C2D47EDE-39A0-5E7D-4DEA-9ADFF4655301}"/>
-              </a:ext>
-            </a:extLst>
-          </p:cNvPr>
+          <p:cNvPr id="3" name="Picture 4" descr="http://pic.shenshi777.com/uploads/allimg/150707/1-150FH10Z1.jpg"/>
           <p:cNvPicPr>
             <a:picLocks noChangeAspect="1" noChangeArrowheads="1"/>
           </p:cNvPicPr>
@@ -17965,13 +16569,7 @@
       </p:pic>
       <p:grpSp>
         <p:nvGrpSpPr>
-          <p:cNvPr id="4" name="组合 9">
-            <a:extLst>
-              <a:ext uri="{FF2B5EF4-FFF2-40B4-BE49-F238E27FC236}">
-                <a16:creationId xmlns:a16="http://schemas.microsoft.com/office/drawing/2014/main" id="{60191B41-6842-79FA-B60E-E4FF895CFA4D}"/>
-              </a:ext>
-            </a:extLst>
-          </p:cNvPr>
+          <p:cNvPr id="4" name="组合 9"/>
           <p:cNvGrpSpPr/>
           <p:nvPr userDrawn="1"/>
         </p:nvGrpSpPr>
@@ -17985,13 +16583,7 @@
         </p:grpSpPr>
         <p:sp>
           <p:nvSpPr>
-            <p:cNvPr id="5" name="Rectangle 7">
-              <a:extLst>
-                <a:ext uri="{FF2B5EF4-FFF2-40B4-BE49-F238E27FC236}">
-                  <a16:creationId xmlns:a16="http://schemas.microsoft.com/office/drawing/2014/main" id="{67AD2C6B-92BE-80B3-A70B-1463DE722943}"/>
-                </a:ext>
-              </a:extLst>
-            </p:cNvPr>
+            <p:cNvPr id="5" name="Rectangle 7"/>
             <p:cNvSpPr/>
             <p:nvPr/>
           </p:nvSpPr>
@@ -18044,7 +16636,6 @@
                 <a:buSzTx/>
                 <a:buFontTx/>
                 <a:buNone/>
-                <a:tabLst/>
                 <a:defRPr/>
               </a:pPr>
               <a:endParaRPr kumimoji="0" lang="en-US" sz="1800" b="0" i="0" u="none" strike="noStrike" kern="1200" cap="none" spc="0" normalizeH="0" baseline="0" noProof="0" dirty="0">
@@ -18057,7 +16648,7 @@
                 <a:effectLst/>
                 <a:uLnTx/>
                 <a:uFillTx/>
-                <a:latin typeface="Calibri"/>
+                <a:latin typeface="Calibri" panose="020F0502020204030204"/>
                 <a:ea typeface="+mn-ea"/>
                 <a:cs typeface="+mn-cs"/>
               </a:endParaRPr>
@@ -18066,13 +16657,7 @@
         </p:sp>
         <p:cxnSp>
           <p:nvCxnSpPr>
-            <p:cNvPr id="6" name="Straight Connector 15">
-              <a:extLst>
-                <a:ext uri="{FF2B5EF4-FFF2-40B4-BE49-F238E27FC236}">
-                  <a16:creationId xmlns:a16="http://schemas.microsoft.com/office/drawing/2014/main" id="{93E92085-9165-AA75-B4C1-E781393825BE}"/>
-                </a:ext>
-              </a:extLst>
-            </p:cNvPr>
+            <p:cNvPr id="6" name="Straight Connector 15"/>
             <p:cNvCxnSpPr/>
             <p:nvPr/>
           </p:nvCxnSpPr>
@@ -18107,13 +16692,7 @@
         </p:cxnSp>
         <p:cxnSp>
           <p:nvCxnSpPr>
-            <p:cNvPr id="7" name="Straight Connector 16">
-              <a:extLst>
-                <a:ext uri="{FF2B5EF4-FFF2-40B4-BE49-F238E27FC236}">
-                  <a16:creationId xmlns:a16="http://schemas.microsoft.com/office/drawing/2014/main" id="{09AC925C-94BE-8480-3E45-7DC54804C17C}"/>
-                </a:ext>
-              </a:extLst>
-            </p:cNvPr>
+            <p:cNvPr id="7" name="Straight Connector 16"/>
             <p:cNvCxnSpPr/>
             <p:nvPr/>
           </p:nvCxnSpPr>
@@ -18149,13 +16728,7 @@
       </p:grpSp>
       <p:sp>
         <p:nvSpPr>
-          <p:cNvPr id="12" name="内容占位符 11">
-            <a:extLst>
-              <a:ext uri="{FF2B5EF4-FFF2-40B4-BE49-F238E27FC236}">
-                <a16:creationId xmlns:a16="http://schemas.microsoft.com/office/drawing/2014/main" id="{561273B7-D129-0BFC-81C0-BA41EBECBCBE}"/>
-              </a:ext>
-            </a:extLst>
-          </p:cNvPr>
+          <p:cNvPr id="12" name="内容占位符 11"/>
           <p:cNvSpPr>
             <a:spLocks noGrp="1"/>
           </p:cNvSpPr>
@@ -18175,7 +16748,7 @@
         <p:txBody>
           <a:bodyPr lIns="180000" anchor="ctr" anchorCtr="0"/>
           <a:lstStyle>
-            <a:lvl1pPr marL="108000" indent="0">
+            <a:lvl1pPr marL="107950" indent="0">
               <a:lnSpc>
                 <a:spcPct val="100000"/>
               </a:lnSpc>
@@ -18195,18 +16768,13 @@
               <a:rPr lang="zh-CN" altLang="en-US" dirty="0"/>
               <a:t>单击编辑标题</a:t>
             </a:r>
+            <a:endParaRPr lang="zh-CN" altLang="en-US" dirty="0"/>
           </a:p>
         </p:txBody>
       </p:sp>
       <p:sp>
         <p:nvSpPr>
-          <p:cNvPr id="14" name="内容占位符 13">
-            <a:extLst>
-              <a:ext uri="{FF2B5EF4-FFF2-40B4-BE49-F238E27FC236}">
-                <a16:creationId xmlns:a16="http://schemas.microsoft.com/office/drawing/2014/main" id="{498B3597-8469-6987-F09E-BF4769E86788}"/>
-              </a:ext>
-            </a:extLst>
-          </p:cNvPr>
+          <p:cNvPr id="14" name="内容占位符 13"/>
           <p:cNvSpPr>
             <a:spLocks noGrp="1"/>
           </p:cNvSpPr>
@@ -18246,15 +16814,11 @@
               <a:rPr lang="zh-CN" altLang="en-US" dirty="0"/>
               <a:t>单击编辑诗歌标题</a:t>
             </a:r>
+            <a:endParaRPr lang="zh-CN" altLang="en-US" dirty="0"/>
           </a:p>
         </p:txBody>
       </p:sp>
     </p:spTree>
-    <p:extLst>
-      <p:ext uri="{BB962C8B-B14F-4D97-AF65-F5344CB8AC3E}">
-        <p14:creationId xmlns:p14="http://schemas.microsoft.com/office/powerpoint/2010/main" val="1087529270"/>
-      </p:ext>
-    </p:extLst>
   </p:cSld>
   <p:clrMapOvr>
     <a:masterClrMapping/>
@@ -18281,13 +16845,7 @@
       </p:grpSpPr>
       <p:pic>
         <p:nvPicPr>
-          <p:cNvPr id="6" name="Picture 4" descr="http://pic.shenshi777.com/uploads/allimg/150707/1-150FH10Z1.jpg">
-            <a:extLst>
-              <a:ext uri="{FF2B5EF4-FFF2-40B4-BE49-F238E27FC236}">
-                <a16:creationId xmlns:a16="http://schemas.microsoft.com/office/drawing/2014/main" id="{32953916-8148-41DD-38A1-A0012EB7029D}"/>
-              </a:ext>
-            </a:extLst>
-          </p:cNvPr>
+          <p:cNvPr id="6" name="Picture 4" descr="http://pic.shenshi777.com/uploads/allimg/150707/1-150FH10Z1.jpg"/>
           <p:cNvPicPr>
             <a:picLocks noChangeAspect="1" noChangeArrowheads="1"/>
           </p:cNvPicPr>
@@ -18319,13 +16877,7 @@
       </p:pic>
       <p:grpSp>
         <p:nvGrpSpPr>
-          <p:cNvPr id="9" name="组合 9">
-            <a:extLst>
-              <a:ext uri="{FF2B5EF4-FFF2-40B4-BE49-F238E27FC236}">
-                <a16:creationId xmlns:a16="http://schemas.microsoft.com/office/drawing/2014/main" id="{0D75EC49-7006-DC10-5EF2-1A3A252962AC}"/>
-              </a:ext>
-            </a:extLst>
-          </p:cNvPr>
+          <p:cNvPr id="9" name="组合 9"/>
           <p:cNvGrpSpPr/>
           <p:nvPr userDrawn="1"/>
         </p:nvGrpSpPr>
@@ -18339,13 +16891,7 @@
         </p:grpSpPr>
         <p:sp>
           <p:nvSpPr>
-            <p:cNvPr id="10" name="Rectangle 7">
-              <a:extLst>
-                <a:ext uri="{FF2B5EF4-FFF2-40B4-BE49-F238E27FC236}">
-                  <a16:creationId xmlns:a16="http://schemas.microsoft.com/office/drawing/2014/main" id="{C11D814C-167E-1B99-4C6F-D718A802F864}"/>
-                </a:ext>
-              </a:extLst>
-            </p:cNvPr>
+            <p:cNvPr id="10" name="Rectangle 7"/>
             <p:cNvSpPr/>
             <p:nvPr/>
           </p:nvSpPr>
@@ -18398,7 +16944,6 @@
                 <a:buSzTx/>
                 <a:buFontTx/>
                 <a:buNone/>
-                <a:tabLst/>
                 <a:defRPr/>
               </a:pPr>
               <a:endParaRPr kumimoji="0" lang="en-US" sz="1800" b="0" i="0" u="none" strike="noStrike" kern="1200" cap="none" spc="0" normalizeH="0" baseline="0" noProof="0" dirty="0">
@@ -18411,7 +16956,7 @@
                 <a:effectLst/>
                 <a:uLnTx/>
                 <a:uFillTx/>
-                <a:latin typeface="Calibri"/>
+                <a:latin typeface="Calibri" panose="020F0502020204030204"/>
                 <a:ea typeface="+mn-ea"/>
                 <a:cs typeface="+mn-cs"/>
               </a:endParaRPr>
@@ -18420,13 +16965,7 @@
         </p:sp>
         <p:cxnSp>
           <p:nvCxnSpPr>
-            <p:cNvPr id="11" name="Straight Connector 15">
-              <a:extLst>
-                <a:ext uri="{FF2B5EF4-FFF2-40B4-BE49-F238E27FC236}">
-                  <a16:creationId xmlns:a16="http://schemas.microsoft.com/office/drawing/2014/main" id="{0CEA3D63-1C64-B5AC-D0B8-609EAC26B4F6}"/>
-                </a:ext>
-              </a:extLst>
-            </p:cNvPr>
+            <p:cNvPr id="11" name="Straight Connector 15"/>
             <p:cNvCxnSpPr/>
             <p:nvPr/>
           </p:nvCxnSpPr>
@@ -18461,13 +17000,7 @@
         </p:cxnSp>
         <p:cxnSp>
           <p:nvCxnSpPr>
-            <p:cNvPr id="12" name="Straight Connector 16">
-              <a:extLst>
-                <a:ext uri="{FF2B5EF4-FFF2-40B4-BE49-F238E27FC236}">
-                  <a16:creationId xmlns:a16="http://schemas.microsoft.com/office/drawing/2014/main" id="{A16E4D09-F210-4D49-AA9A-D987C08B3308}"/>
-                </a:ext>
-              </a:extLst>
-            </p:cNvPr>
+            <p:cNvPr id="12" name="Straight Connector 16"/>
             <p:cNvCxnSpPr/>
             <p:nvPr/>
           </p:nvCxnSpPr>
@@ -18503,13 +17036,7 @@
       </p:grpSp>
       <p:sp>
         <p:nvSpPr>
-          <p:cNvPr id="2" name="内容占位符 13">
-            <a:extLst>
-              <a:ext uri="{FF2B5EF4-FFF2-40B4-BE49-F238E27FC236}">
-                <a16:creationId xmlns:a16="http://schemas.microsoft.com/office/drawing/2014/main" id="{823B6473-C76F-883B-BBC5-9AF2860F7903}"/>
-              </a:ext>
-            </a:extLst>
-          </p:cNvPr>
+          <p:cNvPr id="2" name="内容占位符 13"/>
           <p:cNvSpPr>
             <a:spLocks noGrp="1"/>
           </p:cNvSpPr>
@@ -18539,7 +17066,7 @@
               <a:buNone/>
               <a:defRPr sz="1800" b="0" i="0">
                 <a:latin typeface="Arial" panose="020B0604020202020204" pitchFamily="34" charset="0"/>
-                <a:ea typeface="Microsoft YaHei" panose="020B0503020204020204" pitchFamily="34" charset="-122"/>
+                <a:ea typeface="微软雅黑" panose="020B0503020204020204" pitchFamily="34" charset="-122"/>
                 <a:cs typeface="Arial" panose="020B0604020202020204" pitchFamily="34" charset="0"/>
               </a:defRPr>
             </a:lvl1pPr>
@@ -18555,11 +17082,6 @@
         </p:txBody>
       </p:sp>
     </p:spTree>
-    <p:extLst>
-      <p:ext uri="{BB962C8B-B14F-4D97-AF65-F5344CB8AC3E}">
-        <p14:creationId xmlns:p14="http://schemas.microsoft.com/office/powerpoint/2010/main" val="2991728686"/>
-      </p:ext>
-    </p:extLst>
   </p:cSld>
   <p:clrMapOvr>
     <a:masterClrMapping/>
@@ -18586,13 +17108,7 @@
       </p:grpSpPr>
       <p:pic>
         <p:nvPicPr>
-          <p:cNvPr id="6" name="Picture 4" descr="http://pic.shenshi777.com/uploads/allimg/150707/1-150FH10Z1.jpg">
-            <a:extLst>
-              <a:ext uri="{FF2B5EF4-FFF2-40B4-BE49-F238E27FC236}">
-                <a16:creationId xmlns:a16="http://schemas.microsoft.com/office/drawing/2014/main" id="{D11A8727-7E09-67A8-7D71-F2A26899F009}"/>
-              </a:ext>
-            </a:extLst>
-          </p:cNvPr>
+          <p:cNvPr id="6" name="Picture 4" descr="http://pic.shenshi777.com/uploads/allimg/150707/1-150FH10Z1.jpg"/>
           <p:cNvPicPr>
             <a:picLocks noChangeAspect="1" noChangeArrowheads="1"/>
           </p:cNvPicPr>
@@ -18624,13 +17140,7 @@
       </p:pic>
       <p:sp>
         <p:nvSpPr>
-          <p:cNvPr id="7" name="TextBox 1">
-            <a:extLst>
-              <a:ext uri="{FF2B5EF4-FFF2-40B4-BE49-F238E27FC236}">
-                <a16:creationId xmlns:a16="http://schemas.microsoft.com/office/drawing/2014/main" id="{2FC74C14-4E2B-F9FC-2329-B8676A20B91F}"/>
-              </a:ext>
-            </a:extLst>
-          </p:cNvPr>
+          <p:cNvPr id="7" name="TextBox 1"/>
           <p:cNvSpPr txBox="1">
             <a:spLocks noChangeArrowheads="1"/>
           </p:cNvSpPr>
@@ -18670,7 +17180,6 @@
               <a:buSzTx/>
               <a:buFontTx/>
               <a:buNone/>
-              <a:tabLst/>
               <a:defRPr/>
             </a:pPr>
             <a:r>
@@ -18684,7 +17193,7 @@
                 <a:effectLst/>
                 <a:uLnTx/>
                 <a:uFillTx/>
-                <a:latin typeface="Times New Roman" panose="02020503050405090304" pitchFamily="18" charset="0"/>
+                <a:latin typeface="Times New Roman" panose="02020603050405020304" pitchFamily="18" charset="0"/>
                 <a:ea typeface="汉仪中黑简" panose="02010609000101010101" charset="-122"/>
                 <a:cs typeface="+mn-cs"/>
                 <a:sym typeface="+mn-ea"/>
@@ -18701,7 +17210,7 @@
               <a:effectLst/>
               <a:uLnTx/>
               <a:uFillTx/>
-              <a:latin typeface="Times New Roman" panose="02020503050405090304" pitchFamily="18" charset="0"/>
+              <a:latin typeface="Times New Roman" panose="02020603050405020304" pitchFamily="18" charset="0"/>
               <a:ea typeface="汉仪中黑简" panose="02010609000101010101" charset="-122"/>
               <a:cs typeface="+mn-cs"/>
               <a:sym typeface="+mn-ea"/>
@@ -18711,13 +17220,7 @@
       </p:sp>
       <p:grpSp>
         <p:nvGrpSpPr>
-          <p:cNvPr id="12" name="组合 9">
-            <a:extLst>
-              <a:ext uri="{FF2B5EF4-FFF2-40B4-BE49-F238E27FC236}">
-                <a16:creationId xmlns:a16="http://schemas.microsoft.com/office/drawing/2014/main" id="{BCDB401B-8B11-C281-D2A1-1BDD9D529CDF}"/>
-              </a:ext>
-            </a:extLst>
-          </p:cNvPr>
+          <p:cNvPr id="12" name="组合 9"/>
           <p:cNvGrpSpPr/>
           <p:nvPr userDrawn="1"/>
         </p:nvGrpSpPr>
@@ -18731,13 +17234,7 @@
         </p:grpSpPr>
         <p:sp>
           <p:nvSpPr>
-            <p:cNvPr id="13" name="Rectangle 7">
-              <a:extLst>
-                <a:ext uri="{FF2B5EF4-FFF2-40B4-BE49-F238E27FC236}">
-                  <a16:creationId xmlns:a16="http://schemas.microsoft.com/office/drawing/2014/main" id="{DFB57D9C-1FDA-BB1E-B58B-1B92DF20E2AB}"/>
-                </a:ext>
-              </a:extLst>
-            </p:cNvPr>
+            <p:cNvPr id="13" name="Rectangle 7"/>
             <p:cNvSpPr/>
             <p:nvPr/>
           </p:nvSpPr>
@@ -18790,7 +17287,6 @@
                 <a:buSzTx/>
                 <a:buFontTx/>
                 <a:buNone/>
-                <a:tabLst/>
                 <a:defRPr/>
               </a:pPr>
               <a:endParaRPr kumimoji="0" lang="en-US" sz="1800" b="0" i="0" u="none" strike="noStrike" kern="1200" cap="none" spc="0" normalizeH="0" baseline="0" noProof="0" dirty="0">
@@ -18803,7 +17299,7 @@
                 <a:effectLst/>
                 <a:uLnTx/>
                 <a:uFillTx/>
-                <a:latin typeface="Calibri"/>
+                <a:latin typeface="Calibri" panose="020F0502020204030204"/>
                 <a:ea typeface="+mn-ea"/>
                 <a:cs typeface="+mn-cs"/>
               </a:endParaRPr>
@@ -18812,13 +17308,7 @@
         </p:sp>
         <p:cxnSp>
           <p:nvCxnSpPr>
-            <p:cNvPr id="14" name="Straight Connector 15">
-              <a:extLst>
-                <a:ext uri="{FF2B5EF4-FFF2-40B4-BE49-F238E27FC236}">
-                  <a16:creationId xmlns:a16="http://schemas.microsoft.com/office/drawing/2014/main" id="{66DBA9EB-D31E-678D-0F4E-812129687896}"/>
-                </a:ext>
-              </a:extLst>
-            </p:cNvPr>
+            <p:cNvPr id="14" name="Straight Connector 15"/>
             <p:cNvCxnSpPr/>
             <p:nvPr/>
           </p:nvCxnSpPr>
@@ -18853,13 +17343,7 @@
         </p:cxnSp>
         <p:cxnSp>
           <p:nvCxnSpPr>
-            <p:cNvPr id="15" name="Straight Connector 16">
-              <a:extLst>
-                <a:ext uri="{FF2B5EF4-FFF2-40B4-BE49-F238E27FC236}">
-                  <a16:creationId xmlns:a16="http://schemas.microsoft.com/office/drawing/2014/main" id="{7B849A73-A159-4F8B-402E-6CCD09C57BFE}"/>
-                </a:ext>
-              </a:extLst>
-            </p:cNvPr>
+            <p:cNvPr id="15" name="Straight Connector 16"/>
             <p:cNvCxnSpPr/>
             <p:nvPr/>
           </p:nvCxnSpPr>
@@ -18895,13 +17379,7 @@
       </p:grpSp>
       <p:sp>
         <p:nvSpPr>
-          <p:cNvPr id="16" name="副标题 2">
-            <a:extLst>
-              <a:ext uri="{FF2B5EF4-FFF2-40B4-BE49-F238E27FC236}">
-                <a16:creationId xmlns:a16="http://schemas.microsoft.com/office/drawing/2014/main" id="{6F7BB6FA-603E-C293-3573-10DC99A712D2}"/>
-              </a:ext>
-            </a:extLst>
-          </p:cNvPr>
+          <p:cNvPr id="16" name="副标题 2"/>
           <p:cNvSpPr txBox="1">
             <a:spLocks noChangeArrowheads="1"/>
           </p:cNvSpPr>
@@ -18939,7 +17417,6 @@
               <a:buSzTx/>
               <a:buFontTx/>
               <a:buNone/>
-              <a:tabLst/>
               <a:defRPr/>
             </a:pPr>
             <a:r>
@@ -18953,7 +17430,7 @@
                 <a:effectLst/>
                 <a:uLnTx/>
                 <a:uFillTx/>
-                <a:latin typeface="Arial" panose="020B0604020202090204" pitchFamily="34" charset="0"/>
+                <a:latin typeface="Arial" panose="020B0604020202020204" pitchFamily="34" charset="0"/>
                 <a:ea typeface="宋体" panose="02010600030101010101" pitchFamily="2" charset="-122"/>
                 <a:cs typeface="+mn-cs"/>
                 <a:sym typeface="+mn-ea"/>
@@ -18971,124 +17448,14 @@
                 <a:effectLst/>
                 <a:uLnTx/>
                 <a:uFillTx/>
-                <a:latin typeface="Arial" panose="020B0604020202090204" pitchFamily="34" charset="0"/>
+                <a:latin typeface="Arial" panose="020B0604020202020204" pitchFamily="34" charset="0"/>
                 <a:ea typeface="宋体" panose="02010600030101010101" pitchFamily="2" charset="-122"/>
                 <a:cs typeface="+mn-cs"/>
                 <a:sym typeface="+mn-ea"/>
               </a:rPr>
               <a:t>、请把手机关机或调整为飞行模式；</a:t>
             </a:r>
-          </a:p>
-          <a:p>
-            <a:pPr marL="0" marR="0" lvl="0" indent="0" algn="l" defTabSz="914400" rtl="0" eaLnBrk="1" fontAlgn="base" latinLnBrk="0" hangingPunct="1">
-              <a:lnSpc>
-                <a:spcPct val="100000"/>
-              </a:lnSpc>
-              <a:spcBef>
-                <a:spcPct val="0"/>
-              </a:spcBef>
-              <a:spcAft>
-                <a:spcPct val="0"/>
-              </a:spcAft>
-              <a:buClrTx/>
-              <a:buSzTx/>
-              <a:buFontTx/>
-              <a:buNone/>
-              <a:tabLst/>
-              <a:defRPr/>
-            </a:pPr>
-            <a:r>
-              <a:rPr kumimoji="0" lang="en-US" altLang="zh-CN" sz="4000" b="1" i="0" u="none" strike="noStrike" kern="1200" cap="none" spc="0" normalizeH="0" baseline="0" noProof="0" dirty="0">
-                <a:ln>
-                  <a:noFill/>
-                </a:ln>
-                <a:solidFill>
-                  <a:srgbClr val="0000FF"/>
-                </a:solidFill>
-                <a:effectLst/>
-                <a:uLnTx/>
-                <a:uFillTx/>
-                <a:latin typeface="Arial" panose="020B0604020202090204" pitchFamily="34" charset="0"/>
-                <a:ea typeface="宋体" panose="02010600030101010101" pitchFamily="2" charset="-122"/>
-                <a:cs typeface="+mn-cs"/>
-                <a:sym typeface="+mn-ea"/>
-              </a:rPr>
-              <a:t>2</a:t>
-            </a:r>
-            <a:r>
-              <a:rPr kumimoji="0" lang="zh-CN" altLang="en-US" sz="4000" b="1" i="0" u="none" strike="noStrike" kern="1200" cap="none" spc="0" normalizeH="0" baseline="0" noProof="0" dirty="0">
-                <a:ln>
-                  <a:noFill/>
-                </a:ln>
-                <a:solidFill>
-                  <a:srgbClr val="0000FF"/>
-                </a:solidFill>
-                <a:effectLst/>
-                <a:uLnTx/>
-                <a:uFillTx/>
-                <a:latin typeface="Arial" panose="020B0604020202090204" pitchFamily="34" charset="0"/>
-                <a:ea typeface="宋体" panose="02010600030101010101" pitchFamily="2" charset="-122"/>
-                <a:cs typeface="+mn-cs"/>
-                <a:sym typeface="+mn-ea"/>
-              </a:rPr>
-              <a:t>、崇拜过程中请勿随意走动；</a:t>
-            </a:r>
-          </a:p>
-          <a:p>
-            <a:pPr marL="0" marR="0" lvl="0" indent="0" algn="l" defTabSz="914400" rtl="0" eaLnBrk="1" fontAlgn="base" latinLnBrk="0" hangingPunct="1">
-              <a:lnSpc>
-                <a:spcPct val="100000"/>
-              </a:lnSpc>
-              <a:spcBef>
-                <a:spcPct val="0"/>
-              </a:spcBef>
-              <a:spcAft>
-                <a:spcPct val="0"/>
-              </a:spcAft>
-              <a:buClrTx/>
-              <a:buSzTx/>
-              <a:buFontTx/>
-              <a:buNone/>
-              <a:tabLst/>
-              <a:defRPr/>
-            </a:pPr>
-            <a:r>
-              <a:rPr kumimoji="0" lang="en-US" altLang="zh-CN" sz="4000" b="1" i="0" u="none" strike="noStrike" kern="1200" cap="none" spc="0" normalizeH="0" baseline="0" noProof="0" dirty="0">
-                <a:ln>
-                  <a:noFill/>
-                </a:ln>
-                <a:solidFill>
-                  <a:srgbClr val="0000FF"/>
-                </a:solidFill>
-                <a:effectLst/>
-                <a:uLnTx/>
-                <a:uFillTx/>
-                <a:latin typeface="Arial" panose="020B0604020202090204" pitchFamily="34" charset="0"/>
-                <a:ea typeface="宋体" panose="02010600030101010101" pitchFamily="2" charset="-122"/>
-                <a:cs typeface="+mn-cs"/>
-                <a:sym typeface="+mn-ea"/>
-              </a:rPr>
-              <a:t>3</a:t>
-            </a:r>
-            <a:r>
-              <a:rPr kumimoji="0" lang="zh-CN" altLang="en-US" sz="4000" b="1" i="0" u="none" strike="noStrike" kern="1200" cap="none" spc="0" normalizeH="0" baseline="0" noProof="0" dirty="0">
-                <a:ln>
-                  <a:noFill/>
-                </a:ln>
-                <a:solidFill>
-                  <a:srgbClr val="0000FF"/>
-                </a:solidFill>
-                <a:effectLst/>
-                <a:uLnTx/>
-                <a:uFillTx/>
-                <a:latin typeface="Arial" panose="020B0604020202090204" pitchFamily="34" charset="0"/>
-                <a:ea typeface="宋体" panose="02010600030101010101" pitchFamily="2" charset="-122"/>
-                <a:cs typeface="+mn-cs"/>
-                <a:sym typeface="+mn-ea"/>
-              </a:rPr>
-              <a:t>、请父母照看好自己的小孩，孩子</a:t>
-            </a:r>
-            <a:endParaRPr kumimoji="0" lang="en-US" altLang="zh-CN" sz="4000" b="1" i="0" u="none" strike="noStrike" kern="1200" cap="none" spc="0" normalizeH="0" baseline="0" noProof="0" dirty="0">
+            <a:endParaRPr kumimoji="0" lang="zh-CN" altLang="en-US" sz="4000" b="1" i="0" u="none" strike="noStrike" kern="1200" cap="none" spc="0" normalizeH="0" baseline="0" noProof="0" dirty="0">
               <a:ln>
                 <a:noFill/>
               </a:ln>
@@ -19098,7 +17465,7 @@
               <a:effectLst/>
               <a:uLnTx/>
               <a:uFillTx/>
-              <a:latin typeface="Arial" panose="020B0604020202090204" pitchFamily="34" charset="0"/>
+              <a:latin typeface="Arial" panose="020B0604020202020204" pitchFamily="34" charset="0"/>
               <a:ea typeface="宋体" panose="02010600030101010101" pitchFamily="2" charset="-122"/>
               <a:cs typeface="+mn-cs"/>
               <a:sym typeface="+mn-ea"/>
@@ -19119,9 +17486,26 @@
               <a:buSzTx/>
               <a:buFontTx/>
               <a:buNone/>
-              <a:tabLst/>
               <a:defRPr/>
             </a:pPr>
+            <a:r>
+              <a:rPr kumimoji="0" lang="en-US" altLang="zh-CN" sz="4000" b="1" i="0" u="none" strike="noStrike" kern="1200" cap="none" spc="0" normalizeH="0" baseline="0" noProof="0" dirty="0">
+                <a:ln>
+                  <a:noFill/>
+                </a:ln>
+                <a:solidFill>
+                  <a:srgbClr val="0000FF"/>
+                </a:solidFill>
+                <a:effectLst/>
+                <a:uLnTx/>
+                <a:uFillTx/>
+                <a:latin typeface="Arial" panose="020B0604020202020204" pitchFamily="34" charset="0"/>
+                <a:ea typeface="宋体" panose="02010600030101010101" pitchFamily="2" charset="-122"/>
+                <a:cs typeface="+mn-cs"/>
+                <a:sym typeface="+mn-ea"/>
+              </a:rPr>
+              <a:t>2</a:t>
+            </a:r>
             <a:r>
               <a:rPr kumimoji="0" lang="zh-CN" altLang="en-US" sz="4000" b="1" i="0" u="none" strike="noStrike" kern="1200" cap="none" spc="0" normalizeH="0" baseline="0" noProof="0" dirty="0">
                 <a:ln>
@@ -19133,13 +17517,28 @@
                 <a:effectLst/>
                 <a:uLnTx/>
                 <a:uFillTx/>
-                <a:latin typeface="Arial" panose="020B0604020202090204" pitchFamily="34" charset="0"/>
+                <a:latin typeface="Arial" panose="020B0604020202020204" pitchFamily="34" charset="0"/>
                 <a:ea typeface="宋体" panose="02010600030101010101" pitchFamily="2" charset="-122"/>
                 <a:cs typeface="+mn-cs"/>
                 <a:sym typeface="+mn-ea"/>
               </a:rPr>
-              <a:t>　  安静地坐在自己身边。</a:t>
+              <a:t>、崇拜过程中请勿随意走动；</a:t>
             </a:r>
+            <a:endParaRPr kumimoji="0" lang="zh-CN" altLang="en-US" sz="4000" b="1" i="0" u="none" strike="noStrike" kern="1200" cap="none" spc="0" normalizeH="0" baseline="0" noProof="0" dirty="0">
+              <a:ln>
+                <a:noFill/>
+              </a:ln>
+              <a:solidFill>
+                <a:srgbClr val="0000FF"/>
+              </a:solidFill>
+              <a:effectLst/>
+              <a:uLnTx/>
+              <a:uFillTx/>
+              <a:latin typeface="Arial" panose="020B0604020202020204" pitchFamily="34" charset="0"/>
+              <a:ea typeface="宋体" panose="02010600030101010101" pitchFamily="2" charset="-122"/>
+              <a:cs typeface="+mn-cs"/>
+              <a:sym typeface="+mn-ea"/>
+            </a:endParaRPr>
           </a:p>
           <a:p>
             <a:pPr marL="0" marR="0" lvl="0" indent="0" algn="l" defTabSz="914400" rtl="0" eaLnBrk="1" fontAlgn="base" latinLnBrk="0" hangingPunct="1">
@@ -19156,7 +17555,126 @@
               <a:buSzTx/>
               <a:buFontTx/>
               <a:buNone/>
-              <a:tabLst/>
+              <a:defRPr/>
+            </a:pPr>
+            <a:r>
+              <a:rPr kumimoji="0" lang="en-US" altLang="zh-CN" sz="4000" b="1" i="0" u="none" strike="noStrike" kern="1200" cap="none" spc="0" normalizeH="0" baseline="0" noProof="0" dirty="0">
+                <a:ln>
+                  <a:noFill/>
+                </a:ln>
+                <a:solidFill>
+                  <a:srgbClr val="0000FF"/>
+                </a:solidFill>
+                <a:effectLst/>
+                <a:uLnTx/>
+                <a:uFillTx/>
+                <a:latin typeface="Arial" panose="020B0604020202020204" pitchFamily="34" charset="0"/>
+                <a:ea typeface="宋体" panose="02010600030101010101" pitchFamily="2" charset="-122"/>
+                <a:cs typeface="+mn-cs"/>
+                <a:sym typeface="+mn-ea"/>
+              </a:rPr>
+              <a:t>3</a:t>
+            </a:r>
+            <a:r>
+              <a:rPr kumimoji="0" lang="zh-CN" altLang="en-US" sz="4000" b="1" i="0" u="none" strike="noStrike" kern="1200" cap="none" spc="0" normalizeH="0" baseline="0" noProof="0" dirty="0">
+                <a:ln>
+                  <a:noFill/>
+                </a:ln>
+                <a:solidFill>
+                  <a:srgbClr val="0000FF"/>
+                </a:solidFill>
+                <a:effectLst/>
+                <a:uLnTx/>
+                <a:uFillTx/>
+                <a:latin typeface="Arial" panose="020B0604020202020204" pitchFamily="34" charset="0"/>
+                <a:ea typeface="宋体" panose="02010600030101010101" pitchFamily="2" charset="-122"/>
+                <a:cs typeface="+mn-cs"/>
+                <a:sym typeface="+mn-ea"/>
+              </a:rPr>
+              <a:t>、请父母照看好自己的小孩，孩子</a:t>
+            </a:r>
+            <a:endParaRPr kumimoji="0" lang="en-US" altLang="zh-CN" sz="4000" b="1" i="0" u="none" strike="noStrike" kern="1200" cap="none" spc="0" normalizeH="0" baseline="0" noProof="0" dirty="0">
+              <a:ln>
+                <a:noFill/>
+              </a:ln>
+              <a:solidFill>
+                <a:srgbClr val="0000FF"/>
+              </a:solidFill>
+              <a:effectLst/>
+              <a:uLnTx/>
+              <a:uFillTx/>
+              <a:latin typeface="Arial" panose="020B0604020202020204" pitchFamily="34" charset="0"/>
+              <a:ea typeface="宋体" panose="02010600030101010101" pitchFamily="2" charset="-122"/>
+              <a:cs typeface="+mn-cs"/>
+              <a:sym typeface="+mn-ea"/>
+            </a:endParaRPr>
+          </a:p>
+          <a:p>
+            <a:pPr marL="0" marR="0" lvl="0" indent="0" algn="l" defTabSz="914400" rtl="0" eaLnBrk="1" fontAlgn="base" latinLnBrk="0" hangingPunct="1">
+              <a:lnSpc>
+                <a:spcPct val="100000"/>
+              </a:lnSpc>
+              <a:spcBef>
+                <a:spcPct val="0"/>
+              </a:spcBef>
+              <a:spcAft>
+                <a:spcPct val="0"/>
+              </a:spcAft>
+              <a:buClrTx/>
+              <a:buSzTx/>
+              <a:buFontTx/>
+              <a:buNone/>
+              <a:defRPr/>
+            </a:pPr>
+            <a:r>
+              <a:rPr kumimoji="0" lang="zh-CN" altLang="en-US" sz="4000" b="1" i="0" u="none" strike="noStrike" kern="1200" cap="none" spc="0" normalizeH="0" baseline="0" noProof="0" dirty="0">
+                <a:ln>
+                  <a:noFill/>
+                </a:ln>
+                <a:solidFill>
+                  <a:srgbClr val="0000FF"/>
+                </a:solidFill>
+                <a:effectLst/>
+                <a:uLnTx/>
+                <a:uFillTx/>
+                <a:latin typeface="Arial" panose="020B0604020202020204" pitchFamily="34" charset="0"/>
+                <a:ea typeface="宋体" panose="02010600030101010101" pitchFamily="2" charset="-122"/>
+                <a:cs typeface="+mn-cs"/>
+                <a:sym typeface="+mn-ea"/>
+              </a:rPr>
+              <a:t>　  安静地坐在自己身边。</a:t>
+            </a:r>
+            <a:endParaRPr kumimoji="0" lang="zh-CN" altLang="en-US" sz="4000" b="1" i="0" u="none" strike="noStrike" kern="1200" cap="none" spc="0" normalizeH="0" baseline="0" noProof="0" dirty="0">
+              <a:ln>
+                <a:noFill/>
+              </a:ln>
+              <a:solidFill>
+                <a:srgbClr val="0000FF"/>
+              </a:solidFill>
+              <a:effectLst/>
+              <a:uLnTx/>
+              <a:uFillTx/>
+              <a:latin typeface="Arial" panose="020B0604020202020204" pitchFamily="34" charset="0"/>
+              <a:ea typeface="宋体" panose="02010600030101010101" pitchFamily="2" charset="-122"/>
+              <a:cs typeface="+mn-cs"/>
+              <a:sym typeface="+mn-ea"/>
+            </a:endParaRPr>
+          </a:p>
+          <a:p>
+            <a:pPr marL="0" marR="0" lvl="0" indent="0" algn="l" defTabSz="914400" rtl="0" eaLnBrk="1" fontAlgn="base" latinLnBrk="0" hangingPunct="1">
+              <a:lnSpc>
+                <a:spcPct val="100000"/>
+              </a:lnSpc>
+              <a:spcBef>
+                <a:spcPct val="0"/>
+              </a:spcBef>
+              <a:spcAft>
+                <a:spcPct val="0"/>
+              </a:spcAft>
+              <a:buClrTx/>
+              <a:buSzTx/>
+              <a:buFontTx/>
+              <a:buNone/>
               <a:defRPr/>
             </a:pPr>
             <a:endParaRPr kumimoji="0" lang="zh-CN" altLang="en-US" sz="4000" b="1" i="0" u="none" strike="noStrike" kern="1200" cap="none" spc="0" normalizeH="0" baseline="0" noProof="0" dirty="0">
@@ -19169,7 +17687,7 @@
               <a:effectLst/>
               <a:uLnTx/>
               <a:uFillTx/>
-              <a:latin typeface="Arial" panose="020B0604020202090204" pitchFamily="34" charset="0"/>
+              <a:latin typeface="Arial" panose="020B0604020202020204" pitchFamily="34" charset="0"/>
               <a:ea typeface="宋体" panose="02010600030101010101" pitchFamily="2" charset="-122"/>
               <a:cs typeface="+mn-cs"/>
             </a:endParaRPr>
@@ -19189,7 +17707,6 @@
               <a:buSzTx/>
               <a:buFontTx/>
               <a:buNone/>
-              <a:tabLst/>
               <a:defRPr/>
             </a:pPr>
             <a:endParaRPr kumimoji="0" sz="4400" b="1" i="0" u="none" strike="noStrike" kern="1200" cap="none" spc="0" normalizeH="0" baseline="0" noProof="0" dirty="0">
@@ -19223,7 +17740,6 @@
               <a:buSzTx/>
               <a:buFontTx/>
               <a:buNone/>
-              <a:tabLst/>
               <a:defRPr/>
             </a:pPr>
             <a:endParaRPr kumimoji="0" sz="4400" b="1" i="0" u="none" strike="noStrike" kern="1200" cap="none" spc="0" normalizeH="0" baseline="0" noProof="0" dirty="0">
@@ -19257,7 +17773,6 @@
               <a:buSzTx/>
               <a:buFontTx/>
               <a:buNone/>
-              <a:tabLst/>
               <a:defRPr/>
             </a:pPr>
             <a:endParaRPr kumimoji="0" sz="4400" b="1" i="0" u="none" strike="noStrike" kern="1200" cap="none" spc="0" normalizeH="0" baseline="0" noProof="0" dirty="0">
@@ -19279,11 +17794,6 @@
         </p:txBody>
       </p:sp>
     </p:spTree>
-    <p:extLst>
-      <p:ext uri="{BB962C8B-B14F-4D97-AF65-F5344CB8AC3E}">
-        <p14:creationId xmlns:p14="http://schemas.microsoft.com/office/powerpoint/2010/main" val="2846922024"/>
-      </p:ext>
-    </p:extLst>
   </p:cSld>
   <p:clrMapOvr>
     <a:masterClrMapping/>
@@ -19310,13 +17820,7 @@
       </p:grpSpPr>
       <p:pic>
         <p:nvPicPr>
-          <p:cNvPr id="6" name="Picture 4" descr="http://pic.shenshi777.com/uploads/allimg/150707/1-150FH10Z1.jpg">
-            <a:extLst>
-              <a:ext uri="{FF2B5EF4-FFF2-40B4-BE49-F238E27FC236}">
-                <a16:creationId xmlns:a16="http://schemas.microsoft.com/office/drawing/2014/main" id="{796D5BD6-935A-1FDC-0A9B-D0992CD84AA9}"/>
-              </a:ext>
-            </a:extLst>
-          </p:cNvPr>
+          <p:cNvPr id="6" name="Picture 4" descr="http://pic.shenshi777.com/uploads/allimg/150707/1-150FH10Z1.jpg"/>
           <p:cNvPicPr>
             <a:picLocks noChangeAspect="1" noChangeArrowheads="1"/>
           </p:cNvPicPr>
@@ -19348,13 +17852,7 @@
       </p:pic>
       <p:grpSp>
         <p:nvGrpSpPr>
-          <p:cNvPr id="11" name="组合 9">
-            <a:extLst>
-              <a:ext uri="{FF2B5EF4-FFF2-40B4-BE49-F238E27FC236}">
-                <a16:creationId xmlns:a16="http://schemas.microsoft.com/office/drawing/2014/main" id="{97CA5684-69B1-6793-CE51-7D5F19412763}"/>
-              </a:ext>
-            </a:extLst>
-          </p:cNvPr>
+          <p:cNvPr id="11" name="组合 9"/>
           <p:cNvGrpSpPr/>
           <p:nvPr userDrawn="1"/>
         </p:nvGrpSpPr>
@@ -19368,13 +17866,7 @@
         </p:grpSpPr>
         <p:sp>
           <p:nvSpPr>
-            <p:cNvPr id="12" name="Rectangle 7">
-              <a:extLst>
-                <a:ext uri="{FF2B5EF4-FFF2-40B4-BE49-F238E27FC236}">
-                  <a16:creationId xmlns:a16="http://schemas.microsoft.com/office/drawing/2014/main" id="{CAD82FC3-AF64-9567-D622-E070148AD7D0}"/>
-                </a:ext>
-              </a:extLst>
-            </p:cNvPr>
+            <p:cNvPr id="12" name="Rectangle 7"/>
             <p:cNvSpPr/>
             <p:nvPr/>
           </p:nvSpPr>
@@ -19427,7 +17919,6 @@
                 <a:buSzTx/>
                 <a:buFontTx/>
                 <a:buNone/>
-                <a:tabLst/>
                 <a:defRPr/>
               </a:pPr>
               <a:endParaRPr kumimoji="0" lang="en-US" sz="1800" b="0" i="0" u="none" strike="noStrike" kern="1200" cap="none" spc="0" normalizeH="0" baseline="0" noProof="0" dirty="0">
@@ -19440,7 +17931,7 @@
                 <a:effectLst/>
                 <a:uLnTx/>
                 <a:uFillTx/>
-                <a:latin typeface="Calibri"/>
+                <a:latin typeface="Calibri" panose="020F0502020204030204"/>
                 <a:ea typeface="+mn-ea"/>
                 <a:cs typeface="+mn-cs"/>
               </a:endParaRPr>
@@ -19449,13 +17940,7 @@
         </p:sp>
         <p:cxnSp>
           <p:nvCxnSpPr>
-            <p:cNvPr id="13" name="Straight Connector 15">
-              <a:extLst>
-                <a:ext uri="{FF2B5EF4-FFF2-40B4-BE49-F238E27FC236}">
-                  <a16:creationId xmlns:a16="http://schemas.microsoft.com/office/drawing/2014/main" id="{B8B5DF99-9864-F1BE-CF6E-ED59C7B1AC99}"/>
-                </a:ext>
-              </a:extLst>
-            </p:cNvPr>
+            <p:cNvPr id="13" name="Straight Connector 15"/>
             <p:cNvCxnSpPr/>
             <p:nvPr/>
           </p:nvCxnSpPr>
@@ -19490,13 +17975,7 @@
         </p:cxnSp>
         <p:cxnSp>
           <p:nvCxnSpPr>
-            <p:cNvPr id="14" name="Straight Connector 16">
-              <a:extLst>
-                <a:ext uri="{FF2B5EF4-FFF2-40B4-BE49-F238E27FC236}">
-                  <a16:creationId xmlns:a16="http://schemas.microsoft.com/office/drawing/2014/main" id="{C4F72BFB-F99E-3E1E-B1C2-BA0E9C6F946E}"/>
-                </a:ext>
-              </a:extLst>
-            </p:cNvPr>
+            <p:cNvPr id="14" name="Straight Connector 16"/>
             <p:cNvCxnSpPr/>
             <p:nvPr/>
           </p:nvCxnSpPr>
@@ -19532,13 +18011,7 @@
       </p:grpSp>
       <p:sp>
         <p:nvSpPr>
-          <p:cNvPr id="15" name="TextBox 1">
-            <a:extLst>
-              <a:ext uri="{FF2B5EF4-FFF2-40B4-BE49-F238E27FC236}">
-                <a16:creationId xmlns:a16="http://schemas.microsoft.com/office/drawing/2014/main" id="{A444CDD5-4FAF-4A73-C298-54CF13352434}"/>
-              </a:ext>
-            </a:extLst>
-          </p:cNvPr>
+          <p:cNvPr id="15" name="TextBox 1"/>
           <p:cNvSpPr txBox="1">
             <a:spLocks noChangeArrowheads="1"/>
           </p:cNvSpPr>
@@ -19578,7 +18051,6 @@
               <a:buSzTx/>
               <a:buFontTx/>
               <a:buNone/>
-              <a:tabLst/>
               <a:defRPr/>
             </a:pPr>
             <a:r>
@@ -19617,13 +18089,7 @@
       </p:sp>
       <p:sp>
         <p:nvSpPr>
-          <p:cNvPr id="16" name="副标题 2">
-            <a:extLst>
-              <a:ext uri="{FF2B5EF4-FFF2-40B4-BE49-F238E27FC236}">
-                <a16:creationId xmlns:a16="http://schemas.microsoft.com/office/drawing/2014/main" id="{CA69FF8C-D7D2-ED07-D2D0-4C3F97177545}"/>
-              </a:ext>
-            </a:extLst>
-          </p:cNvPr>
+          <p:cNvPr id="16" name="副标题 2"/>
           <p:cNvSpPr txBox="1">
             <a:spLocks noChangeArrowheads="1"/>
           </p:cNvSpPr>
@@ -19659,9 +18125,8 @@
               </a:spcAft>
               <a:buClrTx/>
               <a:buSzTx/>
-              <a:buFont typeface="Arial" panose="020B0604020202090204" pitchFamily="34" charset="0"/>
+              <a:buFont typeface="Arial" panose="020B0604020202020204" pitchFamily="34" charset="0"/>
               <a:buNone/>
-              <a:tabLst/>
               <a:defRPr/>
             </a:pPr>
             <a:r>
@@ -19681,6 +18146,20 @@
               </a:rPr>
               <a:t>惟耶和华在他的圣殿中；</a:t>
             </a:r>
+            <a:endParaRPr kumimoji="0" lang="zh-CN" altLang="en-US" sz="4000" b="1" i="0" u="none" strike="noStrike" kern="1200" cap="none" spc="0" normalizeH="0" baseline="0" noProof="0" dirty="0">
+              <a:ln>
+                <a:noFill/>
+              </a:ln>
+              <a:solidFill>
+                <a:prstClr val="black"/>
+              </a:solidFill>
+              <a:effectLst/>
+              <a:uLnTx/>
+              <a:uFillTx/>
+              <a:latin typeface="微软雅黑" panose="020B0503020204020204" pitchFamily="34" charset="-122"/>
+              <a:ea typeface="微软雅黑" panose="020B0503020204020204" pitchFamily="34" charset="-122"/>
+              <a:cs typeface="+mn-cs"/>
+            </a:endParaRPr>
           </a:p>
           <a:p>
             <a:pPr marL="0" marR="0" lvl="0" indent="0" algn="ctr" defTabSz="914400" rtl="0" eaLnBrk="1" fontAlgn="base" latinLnBrk="0" hangingPunct="1">
@@ -19695,9 +18174,8 @@
               </a:spcAft>
               <a:buClrTx/>
               <a:buSzTx/>
-              <a:buFont typeface="Arial" panose="020B0604020202090204" pitchFamily="34" charset="0"/>
+              <a:buFont typeface="Arial" panose="020B0604020202020204" pitchFamily="34" charset="0"/>
               <a:buNone/>
-              <a:tabLst/>
               <a:defRPr/>
             </a:pPr>
             <a:r>
@@ -19745,9 +18223,8 @@
               </a:spcAft>
               <a:buClrTx/>
               <a:buSzTx/>
-              <a:buFont typeface="Arial" panose="020B0604020202090204" pitchFamily="34" charset="0"/>
+              <a:buFont typeface="Arial" panose="020B0604020202020204" pitchFamily="34" charset="0"/>
               <a:buNone/>
-              <a:tabLst/>
               <a:defRPr/>
             </a:pPr>
             <a:r>
@@ -19820,13 +18297,7 @@
       </p:sp>
       <p:sp>
         <p:nvSpPr>
-          <p:cNvPr id="17" name="副标题 2">
-            <a:extLst>
-              <a:ext uri="{FF2B5EF4-FFF2-40B4-BE49-F238E27FC236}">
-                <a16:creationId xmlns:a16="http://schemas.microsoft.com/office/drawing/2014/main" id="{BF054406-7CD4-B8C6-1064-0330E1E894F5}"/>
-              </a:ext>
-            </a:extLst>
-          </p:cNvPr>
+          <p:cNvPr id="17" name="副标题 2"/>
           <p:cNvSpPr txBox="1">
             <a:spLocks noChangeArrowheads="1"/>
           </p:cNvSpPr>
@@ -19864,7 +18335,6 @@
               <a:buSzTx/>
               <a:buFontTx/>
               <a:buNone/>
-              <a:tabLst/>
               <a:defRPr/>
             </a:pPr>
             <a:r>
@@ -19884,6 +18354,20 @@
               </a:rPr>
               <a:t>请安静默祷等待聚会的开始</a:t>
             </a:r>
+            <a:endParaRPr kumimoji="0" lang="zh-CN" altLang="en-US" sz="3600" b="1" i="0" u="none" strike="noStrike" kern="1200" cap="none" spc="0" normalizeH="0" baseline="0" noProof="0" dirty="0">
+              <a:ln>
+                <a:noFill/>
+              </a:ln>
+              <a:solidFill>
+                <a:srgbClr val="FF0000"/>
+              </a:solidFill>
+              <a:effectLst/>
+              <a:uLnTx/>
+              <a:uFillTx/>
+              <a:latin typeface="微软雅黑" panose="020B0503020204020204" pitchFamily="34" charset="-122"/>
+              <a:ea typeface="微软雅黑" panose="020B0503020204020204" pitchFamily="34" charset="-122"/>
+              <a:cs typeface="+mn-cs"/>
+            </a:endParaRPr>
           </a:p>
           <a:p>
             <a:pPr marL="0" marR="0" lvl="0" indent="0" algn="ctr" defTabSz="914400" rtl="0" eaLnBrk="0" fontAlgn="base" latinLnBrk="0" hangingPunct="0">
@@ -19900,7 +18384,6 @@
               <a:buSzTx/>
               <a:buFontTx/>
               <a:buNone/>
-              <a:tabLst/>
               <a:defRPr/>
             </a:pPr>
             <a:endParaRPr kumimoji="0" lang="zh-CN" altLang="en-US" sz="3200" b="1" i="0" u="none" strike="noStrike" kern="1200" cap="none" spc="0" normalizeH="0" baseline="0" noProof="0" dirty="0">
@@ -19933,7 +18416,6 @@
               <a:buSzTx/>
               <a:buFontTx/>
               <a:buNone/>
-              <a:tabLst/>
               <a:defRPr/>
             </a:pPr>
             <a:r>
@@ -19953,15 +18435,24 @@
               </a:rPr>
               <a:t>请关闭或静音手机</a:t>
             </a:r>
+            <a:endParaRPr kumimoji="0" lang="zh-CN" altLang="en-US" sz="3600" b="1" i="0" u="none" strike="noStrike" kern="1200" cap="none" spc="0" normalizeH="0" baseline="0" noProof="0" dirty="0">
+              <a:ln>
+                <a:noFill/>
+              </a:ln>
+              <a:solidFill>
+                <a:srgbClr val="FF0000"/>
+              </a:solidFill>
+              <a:effectLst/>
+              <a:uLnTx/>
+              <a:uFillTx/>
+              <a:latin typeface="微软雅黑" panose="020B0503020204020204" pitchFamily="34" charset="-122"/>
+              <a:ea typeface="微软雅黑" panose="020B0503020204020204" pitchFamily="34" charset="-122"/>
+              <a:cs typeface="+mn-cs"/>
+            </a:endParaRPr>
           </a:p>
         </p:txBody>
       </p:sp>
     </p:spTree>
-    <p:extLst>
-      <p:ext uri="{BB962C8B-B14F-4D97-AF65-F5344CB8AC3E}">
-        <p14:creationId xmlns:p14="http://schemas.microsoft.com/office/powerpoint/2010/main" val="513588821"/>
-      </p:ext>
-    </p:extLst>
   </p:cSld>
   <p:clrMapOvr>
     <a:masterClrMapping/>
@@ -19988,13 +18479,7 @@
       </p:grpSpPr>
       <p:pic>
         <p:nvPicPr>
-          <p:cNvPr id="7" name="Picture 4" descr="http://pic.shenshi777.com/uploads/allimg/150707/1-150FH10Z1.jpg">
-            <a:extLst>
-              <a:ext uri="{FF2B5EF4-FFF2-40B4-BE49-F238E27FC236}">
-                <a16:creationId xmlns:a16="http://schemas.microsoft.com/office/drawing/2014/main" id="{E2BCAE19-D55A-D14D-9050-98A21DED9E79}"/>
-              </a:ext>
-            </a:extLst>
-          </p:cNvPr>
+          <p:cNvPr id="7" name="Picture 4" descr="http://pic.shenshi777.com/uploads/allimg/150707/1-150FH10Z1.jpg"/>
           <p:cNvPicPr>
             <a:picLocks noChangeAspect="1" noChangeArrowheads="1"/>
           </p:cNvPicPr>
@@ -20026,13 +18511,7 @@
       </p:pic>
       <p:grpSp>
         <p:nvGrpSpPr>
-          <p:cNvPr id="8" name="组合 9">
-            <a:extLst>
-              <a:ext uri="{FF2B5EF4-FFF2-40B4-BE49-F238E27FC236}">
-                <a16:creationId xmlns:a16="http://schemas.microsoft.com/office/drawing/2014/main" id="{C602358D-79D5-3EE5-F8CF-BB009316A7AB}"/>
-              </a:ext>
-            </a:extLst>
-          </p:cNvPr>
+          <p:cNvPr id="8" name="组合 9"/>
           <p:cNvGrpSpPr/>
           <p:nvPr userDrawn="1"/>
         </p:nvGrpSpPr>
@@ -20046,13 +18525,7 @@
         </p:grpSpPr>
         <p:sp>
           <p:nvSpPr>
-            <p:cNvPr id="9" name="Rectangle 7">
-              <a:extLst>
-                <a:ext uri="{FF2B5EF4-FFF2-40B4-BE49-F238E27FC236}">
-                  <a16:creationId xmlns:a16="http://schemas.microsoft.com/office/drawing/2014/main" id="{301F69CA-2135-1889-B9A6-918AF8522BDD}"/>
-                </a:ext>
-              </a:extLst>
-            </p:cNvPr>
+            <p:cNvPr id="9" name="Rectangle 7"/>
             <p:cNvSpPr/>
             <p:nvPr/>
           </p:nvSpPr>
@@ -20105,7 +18578,6 @@
                 <a:buSzTx/>
                 <a:buFontTx/>
                 <a:buNone/>
-                <a:tabLst/>
                 <a:defRPr/>
               </a:pPr>
               <a:endParaRPr kumimoji="0" lang="en-US" sz="1800" b="0" i="0" u="none" strike="noStrike" kern="1200" cap="none" spc="0" normalizeH="0" baseline="0" noProof="0" dirty="0">
@@ -20118,7 +18590,7 @@
                 <a:effectLst/>
                 <a:uLnTx/>
                 <a:uFillTx/>
-                <a:latin typeface="Calibri"/>
+                <a:latin typeface="Calibri" panose="020F0502020204030204"/>
                 <a:ea typeface="+mn-ea"/>
                 <a:cs typeface="+mn-cs"/>
               </a:endParaRPr>
@@ -20127,13 +18599,7 @@
         </p:sp>
         <p:cxnSp>
           <p:nvCxnSpPr>
-            <p:cNvPr id="10" name="Straight Connector 15">
-              <a:extLst>
-                <a:ext uri="{FF2B5EF4-FFF2-40B4-BE49-F238E27FC236}">
-                  <a16:creationId xmlns:a16="http://schemas.microsoft.com/office/drawing/2014/main" id="{42A8EA8C-C913-4428-6DF7-C17E8C8D4B23}"/>
-                </a:ext>
-              </a:extLst>
-            </p:cNvPr>
+            <p:cNvPr id="10" name="Straight Connector 15"/>
             <p:cNvCxnSpPr/>
             <p:nvPr/>
           </p:nvCxnSpPr>
@@ -20168,13 +18634,7 @@
         </p:cxnSp>
         <p:cxnSp>
           <p:nvCxnSpPr>
-            <p:cNvPr id="11" name="Straight Connector 16">
-              <a:extLst>
-                <a:ext uri="{FF2B5EF4-FFF2-40B4-BE49-F238E27FC236}">
-                  <a16:creationId xmlns:a16="http://schemas.microsoft.com/office/drawing/2014/main" id="{9D86DFA8-8322-CAAF-05D3-A1697453E8E0}"/>
-                </a:ext>
-              </a:extLst>
-            </p:cNvPr>
+            <p:cNvPr id="11" name="Straight Connector 16"/>
             <p:cNvCxnSpPr/>
             <p:nvPr/>
           </p:nvCxnSpPr>
@@ -20210,13 +18670,7 @@
       </p:grpSp>
       <p:sp>
         <p:nvSpPr>
-          <p:cNvPr id="12" name="TextBox 1">
-            <a:extLst>
-              <a:ext uri="{FF2B5EF4-FFF2-40B4-BE49-F238E27FC236}">
-                <a16:creationId xmlns:a16="http://schemas.microsoft.com/office/drawing/2014/main" id="{68FF56F7-16B8-7CAA-7C0E-37A881C57B1B}"/>
-              </a:ext>
-            </a:extLst>
-          </p:cNvPr>
+          <p:cNvPr id="12" name="TextBox 1"/>
           <p:cNvSpPr txBox="1">
             <a:spLocks noChangeArrowheads="1"/>
           </p:cNvSpPr>
@@ -20256,7 +18710,6 @@
               <a:buSzTx/>
               <a:buFontTx/>
               <a:buNone/>
-              <a:tabLst/>
               <a:defRPr/>
             </a:pPr>
             <a:r>
@@ -20295,13 +18748,7 @@
       </p:sp>
       <p:sp>
         <p:nvSpPr>
-          <p:cNvPr id="13" name="副标题 2">
-            <a:extLst>
-              <a:ext uri="{FF2B5EF4-FFF2-40B4-BE49-F238E27FC236}">
-                <a16:creationId xmlns:a16="http://schemas.microsoft.com/office/drawing/2014/main" id="{E5A63B64-E7F9-8237-7434-98A3DBFF5110}"/>
-              </a:ext>
-            </a:extLst>
-          </p:cNvPr>
+          <p:cNvPr id="13" name="副标题 2"/>
           <p:cNvSpPr txBox="1">
             <a:spLocks noChangeArrowheads="1"/>
           </p:cNvSpPr>
@@ -20337,9 +18784,8 @@
               </a:spcAft>
               <a:buClrTx/>
               <a:buSzTx/>
-              <a:buFont typeface="Arial" panose="020B0604020202090204" pitchFamily="34" charset="0"/>
+              <a:buFont typeface="Arial" panose="020B0604020202020204" pitchFamily="34" charset="0"/>
               <a:buNone/>
-              <a:tabLst/>
               <a:defRPr/>
             </a:pPr>
             <a:r>
@@ -20421,9 +18867,8 @@
               </a:spcAft>
               <a:buClrTx/>
               <a:buSzTx/>
-              <a:buFont typeface="Arial" panose="020B0604020202090204" pitchFamily="34" charset="0"/>
+              <a:buFont typeface="Arial" panose="020B0604020202020204" pitchFamily="34" charset="0"/>
               <a:buNone/>
-              <a:tabLst/>
               <a:defRPr/>
             </a:pPr>
             <a:endParaRPr kumimoji="0" lang="en-US" altLang="zh-CN" sz="4000" b="1" i="0" u="none" strike="noStrike" kern="1200" cap="none" spc="0" normalizeH="0" baseline="0" noProof="0" dirty="0">
@@ -20454,9 +18899,8 @@
               </a:spcAft>
               <a:buClrTx/>
               <a:buSzTx/>
-              <a:buFont typeface="Arial" panose="020B0604020202090204" pitchFamily="34" charset="0"/>
+              <a:buFont typeface="Arial" panose="020B0604020202020204" pitchFamily="34" charset="0"/>
               <a:buNone/>
-              <a:tabLst/>
               <a:defRPr/>
             </a:pPr>
             <a:r>
@@ -20476,15 +18920,24 @@
               </a:rPr>
               <a:t>崇拜聚会开始，请全体起立！</a:t>
             </a:r>
+            <a:endParaRPr kumimoji="0" lang="zh-CN" altLang="en-US" sz="4400" b="1" i="0" u="none" strike="noStrike" kern="1200" cap="none" spc="0" normalizeH="0" baseline="0" noProof="0" dirty="0">
+              <a:ln>
+                <a:noFill/>
+              </a:ln>
+              <a:solidFill>
+                <a:prstClr val="black"/>
+              </a:solidFill>
+              <a:effectLst/>
+              <a:uLnTx/>
+              <a:uFillTx/>
+              <a:latin typeface="微软雅黑" panose="020B0503020204020204" pitchFamily="34" charset="-122"/>
+              <a:ea typeface="微软雅黑" panose="020B0503020204020204" pitchFamily="34" charset="-122"/>
+              <a:cs typeface="+mn-cs"/>
+            </a:endParaRPr>
           </a:p>
         </p:txBody>
       </p:sp>
     </p:spTree>
-    <p:extLst>
-      <p:ext uri="{BB962C8B-B14F-4D97-AF65-F5344CB8AC3E}">
-        <p14:creationId xmlns:p14="http://schemas.microsoft.com/office/powerpoint/2010/main" val="277889928"/>
-      </p:ext>
-    </p:extLst>
   </p:cSld>
   <p:clrMapOvr>
     <a:masterClrMapping/>
@@ -20534,50 +18987,50 @@
   </p:cSld>
   <p:clrMap bg1="lt1" tx1="dk1" bg2="lt2" tx2="dk2" accent1="accent1" accent2="accent2" accent3="accent3" accent4="accent4" accent5="accent5" accent6="accent6" hlink="hlink" folHlink="folHlink"/>
   <p:sldLayoutIdLst>
-    <p:sldLayoutId id="2147483658" r:id="rId1"/>
-    <p:sldLayoutId id="2147483657" r:id="rId2"/>
-    <p:sldLayoutId id="2147483697" r:id="rId3"/>
-    <p:sldLayoutId id="2147483698" r:id="rId4"/>
-    <p:sldLayoutId id="2147483699" r:id="rId5"/>
-    <p:sldLayoutId id="2147483700" r:id="rId6"/>
-    <p:sldLayoutId id="2147483701" r:id="rId7"/>
-    <p:sldLayoutId id="2147483702" r:id="rId8"/>
-    <p:sldLayoutId id="2147483703" r:id="rId9"/>
-    <p:sldLayoutId id="2147483704" r:id="rId10"/>
-    <p:sldLayoutId id="2147483705" r:id="rId11"/>
-    <p:sldLayoutId id="2147483706" r:id="rId12"/>
-    <p:sldLayoutId id="2147483707" r:id="rId13"/>
-    <p:sldLayoutId id="2147483708" r:id="rId14"/>
-    <p:sldLayoutId id="2147483709" r:id="rId15"/>
-    <p:sldLayoutId id="2147483710" r:id="rId16"/>
-    <p:sldLayoutId id="2147483711" r:id="rId17"/>
-    <p:sldLayoutId id="2147483712" r:id="rId18"/>
-    <p:sldLayoutId id="2147483713" r:id="rId19"/>
-    <p:sldLayoutId id="2147483714" r:id="rId20"/>
-    <p:sldLayoutId id="2147483715" r:id="rId21"/>
-    <p:sldLayoutId id="2147483716" r:id="rId22"/>
-    <p:sldLayoutId id="2147483717" r:id="rId23"/>
-    <p:sldLayoutId id="2147483718" r:id="rId24"/>
-    <p:sldLayoutId id="2147483719" r:id="rId25"/>
-    <p:sldLayoutId id="2147483720" r:id="rId26"/>
-    <p:sldLayoutId id="2147483721" r:id="rId27"/>
-    <p:sldLayoutId id="2147483722" r:id="rId28"/>
-    <p:sldLayoutId id="2147483723" r:id="rId29"/>
-    <p:sldLayoutId id="2147483724" r:id="rId30"/>
-    <p:sldLayoutId id="2147483725" r:id="rId31"/>
-    <p:sldLayoutId id="2147483684" r:id="rId32"/>
-    <p:sldLayoutId id="2147483685" r:id="rId33"/>
-    <p:sldLayoutId id="2147483686" r:id="rId34"/>
-    <p:sldLayoutId id="2147483687" r:id="rId35"/>
-    <p:sldLayoutId id="2147483688" r:id="rId36"/>
-    <p:sldLayoutId id="2147483689" r:id="rId37"/>
-    <p:sldLayoutId id="2147483690" r:id="rId38"/>
-    <p:sldLayoutId id="2147483691" r:id="rId39"/>
-    <p:sldLayoutId id="2147483692" r:id="rId40"/>
-    <p:sldLayoutId id="2147483693" r:id="rId41"/>
-    <p:sldLayoutId id="2147483694" r:id="rId42"/>
-    <p:sldLayoutId id="2147483695" r:id="rId43"/>
-    <p:sldLayoutId id="2147483726" r:id="rId44"/>
+    <p:sldLayoutId id="2147483649" r:id="rId1"/>
+    <p:sldLayoutId id="2147483650" r:id="rId2"/>
+    <p:sldLayoutId id="2147483651" r:id="rId3"/>
+    <p:sldLayoutId id="2147483652" r:id="rId4"/>
+    <p:sldLayoutId id="2147483653" r:id="rId5"/>
+    <p:sldLayoutId id="2147483654" r:id="rId6"/>
+    <p:sldLayoutId id="2147483655" r:id="rId7"/>
+    <p:sldLayoutId id="2147483656" r:id="rId8"/>
+    <p:sldLayoutId id="2147483657" r:id="rId9"/>
+    <p:sldLayoutId id="2147483658" r:id="rId10"/>
+    <p:sldLayoutId id="2147483659" r:id="rId11"/>
+    <p:sldLayoutId id="2147483660" r:id="rId12"/>
+    <p:sldLayoutId id="2147483661" r:id="rId13"/>
+    <p:sldLayoutId id="2147483662" r:id="rId14"/>
+    <p:sldLayoutId id="2147483663" r:id="rId15"/>
+    <p:sldLayoutId id="2147483664" r:id="rId16"/>
+    <p:sldLayoutId id="2147483665" r:id="rId17"/>
+    <p:sldLayoutId id="2147483666" r:id="rId18"/>
+    <p:sldLayoutId id="2147483667" r:id="rId19"/>
+    <p:sldLayoutId id="2147483668" r:id="rId20"/>
+    <p:sldLayoutId id="2147483669" r:id="rId21"/>
+    <p:sldLayoutId id="2147483670" r:id="rId22"/>
+    <p:sldLayoutId id="2147483671" r:id="rId23"/>
+    <p:sldLayoutId id="2147483672" r:id="rId24"/>
+    <p:sldLayoutId id="2147483673" r:id="rId25"/>
+    <p:sldLayoutId id="2147483674" r:id="rId26"/>
+    <p:sldLayoutId id="2147483675" r:id="rId27"/>
+    <p:sldLayoutId id="2147483676" r:id="rId28"/>
+    <p:sldLayoutId id="2147483677" r:id="rId29"/>
+    <p:sldLayoutId id="2147483678" r:id="rId30"/>
+    <p:sldLayoutId id="2147483679" r:id="rId31"/>
+    <p:sldLayoutId id="2147483680" r:id="rId32"/>
+    <p:sldLayoutId id="2147483681" r:id="rId33"/>
+    <p:sldLayoutId id="2147483682" r:id="rId34"/>
+    <p:sldLayoutId id="2147483683" r:id="rId35"/>
+    <p:sldLayoutId id="2147483684" r:id="rId36"/>
+    <p:sldLayoutId id="2147483685" r:id="rId37"/>
+    <p:sldLayoutId id="2147483686" r:id="rId38"/>
+    <p:sldLayoutId id="2147483687" r:id="rId39"/>
+    <p:sldLayoutId id="2147483688" r:id="rId40"/>
+    <p:sldLayoutId id="2147483689" r:id="rId41"/>
+    <p:sldLayoutId id="2147483690" r:id="rId42"/>
+    <p:sldLayoutId id="2147483691" r:id="rId43"/>
+    <p:sldLayoutId id="2147483692" r:id="rId44"/>
   </p:sldLayoutIdLst>
   <p:hf hdr="0"/>
   <p:txStyles>
@@ -20757,7 +19210,7 @@
         <a:spcAft>
           <a:spcPct val="0"/>
         </a:spcAft>
-        <a:buFont typeface="Arial" panose="020B0604020202090204" pitchFamily="34" charset="0"/>
+        <a:buFont typeface="Arial" panose="020B0604020202020204" pitchFamily="34" charset="0"/>
         <a:buChar char="•"/>
         <a:defRPr sz="2800" kern="1200">
           <a:solidFill>
@@ -20778,7 +19231,7 @@
         <a:spcAft>
           <a:spcPct val="0"/>
         </a:spcAft>
-        <a:buFont typeface="Arial" panose="020B0604020202090204" pitchFamily="34" charset="0"/>
+        <a:buFont typeface="Arial" panose="020B0604020202020204" pitchFamily="34" charset="0"/>
         <a:buChar char="•"/>
         <a:defRPr sz="2400" kern="1200">
           <a:solidFill>
@@ -20799,7 +19252,7 @@
         <a:spcAft>
           <a:spcPct val="0"/>
         </a:spcAft>
-        <a:buFont typeface="Arial" panose="020B0604020202090204" pitchFamily="34" charset="0"/>
+        <a:buFont typeface="Arial" panose="020B0604020202020204" pitchFamily="34" charset="0"/>
         <a:buChar char="•"/>
         <a:defRPr sz="2000" kern="1200">
           <a:solidFill>
@@ -20820,7 +19273,7 @@
         <a:spcAft>
           <a:spcPct val="0"/>
         </a:spcAft>
-        <a:buFont typeface="Arial" panose="020B0604020202090204" pitchFamily="34" charset="0"/>
+        <a:buFont typeface="Arial" panose="020B0604020202020204" pitchFamily="34" charset="0"/>
         <a:buChar char="•"/>
         <a:defRPr kern="1200">
           <a:solidFill>
@@ -20841,7 +19294,7 @@
         <a:spcAft>
           <a:spcPct val="0"/>
         </a:spcAft>
-        <a:buFont typeface="Arial" panose="020B0604020202090204" pitchFamily="34" charset="0"/>
+        <a:buFont typeface="Arial" panose="020B0604020202020204" pitchFamily="34" charset="0"/>
         <a:buChar char="•"/>
         <a:defRPr kern="1200">
           <a:solidFill>
@@ -20859,7 +19312,7 @@
         <a:spcBef>
           <a:spcPts val="500"/>
         </a:spcBef>
-        <a:buFont typeface="Arial" panose="020B0604020202090204" pitchFamily="34" charset="0"/>
+        <a:buFont typeface="Arial" panose="020B0604020202020204" pitchFamily="34" charset="0"/>
         <a:buChar char="•"/>
         <a:defRPr sz="1800" kern="1200">
           <a:solidFill>
@@ -20877,7 +19330,7 @@
         <a:spcBef>
           <a:spcPts val="500"/>
         </a:spcBef>
-        <a:buFont typeface="Arial" panose="020B0604020202090204" pitchFamily="34" charset="0"/>
+        <a:buFont typeface="Arial" panose="020B0604020202020204" pitchFamily="34" charset="0"/>
         <a:buChar char="•"/>
         <a:defRPr sz="1800" kern="1200">
           <a:solidFill>
@@ -20895,7 +19348,7 @@
         <a:spcBef>
           <a:spcPts val="500"/>
         </a:spcBef>
-        <a:buFont typeface="Arial" panose="020B0604020202090204" pitchFamily="34" charset="0"/>
+        <a:buFont typeface="Arial" panose="020B0604020202020204" pitchFamily="34" charset="0"/>
         <a:buChar char="•"/>
         <a:defRPr sz="1800" kern="1200">
           <a:solidFill>
@@ -20913,7 +19366,7 @@
         <a:spcBef>
           <a:spcPts val="500"/>
         </a:spcBef>
-        <a:buFont typeface="Arial" panose="020B0604020202090204" pitchFamily="34" charset="0"/>
+        <a:buFont typeface="Arial" panose="020B0604020202020204" pitchFamily="34" charset="0"/>
         <a:buChar char="•"/>
         <a:defRPr sz="1800" kern="1200">
           <a:solidFill>
@@ -21025,7 +19478,7 @@
 </file>
 
 <file path=ppt/tags/tag1.xml><?xml version="1.0" encoding="utf-8"?>
-<p:tagLst xmlns:a="http://schemas.openxmlformats.org/drawingml/2006/main" xmlns:r="http://schemas.openxmlformats.org/officeDocument/2006/relationships" xmlns:p="http://schemas.openxmlformats.org/presentationml/2006/main">
+<p:tagLst xmlns:p="http://schemas.openxmlformats.org/presentationml/2006/main">
   <p:tag name="KSO_WM_DOC_GUID" val="{d50e44d3-089c-4995-af16-b26d8226b9fc}"/>
 </p:tagLst>
 </file>
@@ -21320,7 +19773,6 @@
       </a:style>
     </a:spDef>
   </a:objectDefaults>
-  <a:extraClrSchemeLst/>
   <a:extLst>
     <a:ext uri="{05A4C25C-085E-4340-85A3-A5531E510DB2}">
       <thm15:themeFamily xmlns:thm15="http://schemas.microsoft.com/office/thememl/2012/main" name="Office Theme" id="{62F939B6-93AF-4DB8-9C6B-D6C7DFDC589F}" vid="{4A3C46E8-61CC-4603-A589-7422A47A8E4A}"/>
@@ -21580,8 +20032,6 @@
       </a:bgFillStyleLst>
     </a:fmtScheme>
   </a:themeElements>
-  <a:objectDefaults/>
-  <a:extraClrSchemeLst/>
   <a:extLst>
     <a:ext uri="{05A4C25C-085E-4340-85A3-A5531E510DB2}">
       <thm15:themeFamily xmlns:thm15="http://schemas.microsoft.com/office/thememl/2012/main" name="Office Theme" id="{62F939B6-93AF-4DB8-9C6B-D6C7DFDC589F}" vid="{4A3C46E8-61CC-4603-A589-7422A47A8E4A}"/>
@@ -21868,8 +20318,6 @@
       </a:bgFillStyleLst>
     </a:fmtScheme>
   </a:themeElements>
-  <a:objectDefaults/>
-  <a:extraClrSchemeLst/>
   <a:extLst>
     <a:ext uri="{05A4C25C-085E-4340-85A3-A5531E510DB2}">
       <thm15:themeFamily xmlns:thm15="http://schemas.microsoft.com/office/thememl/2012/main" name="Office Theme" id="{62F939B6-93AF-4DB8-9C6B-D6C7DFDC589F}" vid="{4A3C46E8-61CC-4603-A589-7422A47A8E4A}"/>

--- a/PPT模板/worship.pptx
+++ b/PPT模板/worship.pptx
@@ -10235,7 +10235,7 @@
 
 <file path=ppt/slideLayouts/slideLayout3.xml><?xml version="1.0" encoding="utf-8"?>
 <p:sldLayout xmlns:a="http://schemas.openxmlformats.org/drawingml/2006/main" xmlns:r="http://schemas.openxmlformats.org/officeDocument/2006/relationships" xmlns:p="http://schemas.openxmlformats.org/presentationml/2006/main" preserve="1" userDrawn="1">
-  <p:cSld name="封面">
+  <p:cSld name="封面1">
     <p:spTree>
       <p:nvGrpSpPr>
         <p:cNvPr id="1" name=""/>
@@ -14411,7 +14411,7 @@
 
 <file path=ppt/slideLayouts/slideLayout4.xml><?xml version="1.0" encoding="utf-8"?>
 <p:sldLayout xmlns:a="http://schemas.openxmlformats.org/drawingml/2006/main" xmlns:r="http://schemas.openxmlformats.org/officeDocument/2006/relationships" xmlns:p="http://schemas.openxmlformats.org/presentationml/2006/main" preserve="1" userDrawn="1">
-  <p:cSld name="诗歌清单">
+  <p:cSld name="诗歌清单1">
     <p:spTree>
       <p:nvGrpSpPr>
         <p:cNvPr id="1" name=""/>
@@ -17194,7 +17194,7 @@
                 <a:uLnTx/>
                 <a:uFillTx/>
                 <a:latin typeface="Times New Roman" panose="02020603050405020304" pitchFamily="18" charset="0"/>
-                <a:ea typeface="汉仪中黑简" panose="02010609000101010101" charset="-122"/>
+                <a:ea typeface="汉仪中黑简" panose="02010600000101010101" charset="-122"/>
                 <a:cs typeface="+mn-cs"/>
                 <a:sym typeface="+mn-ea"/>
               </a:rPr>
@@ -17211,7 +17211,7 @@
               <a:uLnTx/>
               <a:uFillTx/>
               <a:latin typeface="Times New Roman" panose="02020603050405020304" pitchFamily="18" charset="0"/>
-              <a:ea typeface="汉仪中黑简" panose="02010609000101010101" charset="-122"/>
+              <a:ea typeface="汉仪中黑简" panose="02010600000101010101" charset="-122"/>
               <a:cs typeface="+mn-cs"/>
               <a:sym typeface="+mn-ea"/>
             </a:endParaRPr>
